--- a/前端PPT/css 简介.pptx
+++ b/前端PPT/css 简介.pptx
@@ -5,7 +5,7 @@
     <p:sldMasterId id="2147483648" r:id="rId1"/>
   </p:sldMasterIdLst>
   <p:notesMasterIdLst>
-    <p:notesMasterId r:id="rId46"/>
+    <p:notesMasterId r:id="rId44"/>
   </p:notesMasterIdLst>
   <p:sldIdLst>
     <p:sldId id="660" r:id="rId3"/>
@@ -48,9 +48,7 @@
     <p:sldId id="818" r:id="rId40"/>
     <p:sldId id="850" r:id="rId41"/>
     <p:sldId id="819" r:id="rId42"/>
-    <p:sldId id="820" r:id="rId43"/>
-    <p:sldId id="821" r:id="rId44"/>
-    <p:sldId id="662" r:id="rId45"/>
+    <p:sldId id="662" r:id="rId43"/>
   </p:sldIdLst>
   <p:sldSz cx="12192000" cy="6858000"/>
   <p:notesSz cx="6858000" cy="9144000"/>
@@ -9786,7 +9784,7 @@
         </p:nvSpPr>
         <p:spPr>
           <a:xfrm>
-            <a:off x="161925" y="673100"/>
+            <a:off x="161925" y="1121410"/>
             <a:ext cx="11867515" cy="5507990"/>
           </a:xfrm>
           <a:prstGeom prst="rect">
@@ -10222,6 +10220,69 @@
               <a:latin typeface="宋体" panose="02010600030101010101" pitchFamily="2" charset="-122"/>
               <a:ea typeface="宋体" panose="02010600030101010101" pitchFamily="2" charset="-122"/>
               <a:cs typeface="宋体" panose="02010600030101010101" pitchFamily="2" charset="-122"/>
+            </a:endParaRPr>
+          </a:p>
+        </p:txBody>
+      </p:sp>
+      <p:sp>
+        <p:nvSpPr>
+          <p:cNvPr id="3" name="文本框 2"/>
+          <p:cNvSpPr txBox="1"/>
+          <p:nvPr/>
+        </p:nvSpPr>
+        <p:spPr>
+          <a:xfrm>
+            <a:off x="384810" y="537210"/>
+            <a:ext cx="11536680" cy="583565"/>
+          </a:xfrm>
+          <a:prstGeom prst="rect">
+            <a:avLst/>
+          </a:prstGeom>
+          <a:noFill/>
+        </p:spPr>
+        <p:txBody>
+          <a:bodyPr wrap="square" rtlCol="0">
+            <a:spAutoFit/>
+          </a:bodyPr>
+          <a:p>
+            <a:pPr algn="ctr"/>
+            <a:r>
+              <a:rPr lang="en-US" altLang="zh-CN" sz="3200">
+                <a:latin typeface="+mj-ea"/>
+                <a:ea typeface="+mj-ea"/>
+                <a:cs typeface="+mj-ea"/>
+              </a:rPr>
+              <a:t>CSS</a:t>
+            </a:r>
+            <a:r>
+              <a:rPr lang="zh-CN" altLang="en-US" sz="3200">
+                <a:latin typeface="+mj-ea"/>
+                <a:ea typeface="+mj-ea"/>
+                <a:cs typeface="+mj-ea"/>
+              </a:rPr>
+              <a:t>（</a:t>
+            </a:r>
+            <a:r>
+              <a:rPr lang="en-US" altLang="zh-CN" sz="3200">
+                <a:latin typeface="+mj-ea"/>
+                <a:ea typeface="+mj-ea"/>
+                <a:cs typeface="+mj-ea"/>
+                <a:sym typeface="+mn-ea"/>
+              </a:rPr>
+              <a:t>Cascading Style Sheets</a:t>
+            </a:r>
+            <a:r>
+              <a:rPr lang="zh-CN" altLang="en-US" sz="3200">
+                <a:latin typeface="+mj-ea"/>
+                <a:ea typeface="+mj-ea"/>
+                <a:cs typeface="+mj-ea"/>
+              </a:rPr>
+              <a:t>）</a:t>
+            </a:r>
+            <a:endParaRPr lang="zh-CN" altLang="en-US" sz="3200">
+              <a:latin typeface="+mj-ea"/>
+              <a:ea typeface="+mj-ea"/>
+              <a:cs typeface="+mj-ea"/>
             </a:endParaRPr>
           </a:p>
         </p:txBody>
@@ -13779,7 +13840,7 @@
         <p:spPr>
           <a:xfrm>
             <a:off x="5848350" y="909955"/>
-            <a:ext cx="6157595" cy="2306955"/>
+            <a:ext cx="6157595" cy="2584450"/>
           </a:xfrm>
           <a:prstGeom prst="rect">
             <a:avLst/>
@@ -13792,7 +13853,7 @@
           </a:bodyPr>
           <a:p>
             <a:r>
-              <a:rPr lang="zh-CN" altLang="en-US" sz="1600" dirty="0">
+              <a:rPr lang="zh-CN" altLang="en-US" dirty="0">
                 <a:solidFill>
                   <a:srgbClr val="FF0000"/>
                 </a:solidFill>
@@ -13803,7 +13864,7 @@
               </a:rPr>
               <a:t>样式优先级</a:t>
             </a:r>
-            <a:endParaRPr lang="zh-CN" altLang="en-US" sz="1600" dirty="0">
+            <a:endParaRPr lang="zh-CN" altLang="en-US" dirty="0">
               <a:solidFill>
                 <a:srgbClr val="FF0000"/>
               </a:solidFill>
@@ -13814,7 +13875,7 @@
           </a:p>
           <a:p>
             <a:r>
-              <a:rPr lang="zh-CN" altLang="en-US" sz="1600" dirty="0">
+              <a:rPr lang="zh-CN" altLang="en-US" dirty="0">
                 <a:latin typeface="宋体" panose="02010600030101010101" pitchFamily="2" charset="-122"/>
                 <a:ea typeface="宋体" panose="02010600030101010101" pitchFamily="2" charset="-122"/>
                 <a:cs typeface="宋体" panose="02010600030101010101" pitchFamily="2" charset="-122"/>
@@ -13823,7 +13884,7 @@
               <a:t>当发生样式定义冲突时，浏览器首先会按照不同样式规则的优先级来应用样式；</a:t>
             </a:r>
             <a:r>
-              <a:rPr lang="zh-CN" altLang="en-US" sz="1600" dirty="0">
+              <a:rPr lang="zh-CN" altLang="en-US" dirty="0">
                 <a:solidFill>
                   <a:srgbClr val="0000FF"/>
                 </a:solidFill>
@@ -13834,7 +13895,7 @@
               </a:rPr>
               <a:t>在相同的优先级下，则会按照样式定义的先后层次来应用样式，一般遵守“就近优先”原则。</a:t>
             </a:r>
-            <a:endParaRPr lang="zh-CN" altLang="en-US" sz="1600" dirty="0">
+            <a:endParaRPr lang="zh-CN" altLang="en-US" dirty="0">
               <a:solidFill>
                 <a:srgbClr val="0000FF"/>
               </a:solidFill>
@@ -13844,7 +13905,7 @@
             </a:endParaRPr>
           </a:p>
           <a:p>
-            <a:endParaRPr lang="zh-CN" altLang="en-US" sz="1600" dirty="0">
+            <a:endParaRPr lang="zh-CN" altLang="en-US" dirty="0">
               <a:solidFill>
                 <a:srgbClr val="0000FF"/>
               </a:solidFill>
@@ -13855,7 +13916,7 @@
           </a:p>
           <a:p>
             <a:r>
-              <a:rPr lang="zh-CN" altLang="en-US" sz="1600" dirty="0">
+              <a:rPr lang="zh-CN" altLang="en-US" dirty="0">
                 <a:latin typeface="宋体" panose="02010600030101010101" pitchFamily="2" charset="-122"/>
                 <a:ea typeface="宋体" panose="02010600030101010101" pitchFamily="2" charset="-122"/>
                 <a:cs typeface="宋体" panose="02010600030101010101" pitchFamily="2" charset="-122"/>
@@ -13863,15 +13924,15 @@
               </a:rPr>
               <a:t>外部css文件的优先级最低;</a:t>
             </a:r>
-            <a:endParaRPr lang="zh-CN" altLang="en-US" sz="1600" dirty="0">
-              <a:latin typeface="宋体" panose="02010600030101010101" pitchFamily="2" charset="-122"/>
-              <a:ea typeface="宋体" panose="02010600030101010101" pitchFamily="2" charset="-122"/>
-              <a:cs typeface="宋体" panose="02010600030101010101" pitchFamily="2" charset="-122"/>
-            </a:endParaRPr>
-          </a:p>
-          <a:p>
-            <a:r>
-              <a:rPr lang="zh-CN" altLang="en-US" sz="1600" dirty="0">
+            <a:endParaRPr lang="zh-CN" altLang="en-US" dirty="0">
+              <a:latin typeface="宋体" panose="02010600030101010101" pitchFamily="2" charset="-122"/>
+              <a:ea typeface="宋体" panose="02010600030101010101" pitchFamily="2" charset="-122"/>
+              <a:cs typeface="宋体" panose="02010600030101010101" pitchFamily="2" charset="-122"/>
+            </a:endParaRPr>
+          </a:p>
+          <a:p>
+            <a:r>
+              <a:rPr lang="zh-CN" altLang="en-US" dirty="0">
                 <a:latin typeface="宋体" panose="02010600030101010101" pitchFamily="2" charset="-122"/>
                 <a:ea typeface="宋体" panose="02010600030101010101" pitchFamily="2" charset="-122"/>
                 <a:cs typeface="宋体" panose="02010600030101010101" pitchFamily="2" charset="-122"/>
@@ -13879,15 +13940,15 @@
               </a:rPr>
               <a:t>书写于头部的css的优先级其次;</a:t>
             </a:r>
-            <a:endParaRPr lang="zh-CN" altLang="en-US" sz="1600" dirty="0">
-              <a:latin typeface="宋体" panose="02010600030101010101" pitchFamily="2" charset="-122"/>
-              <a:ea typeface="宋体" panose="02010600030101010101" pitchFamily="2" charset="-122"/>
-              <a:cs typeface="宋体" panose="02010600030101010101" pitchFamily="2" charset="-122"/>
-            </a:endParaRPr>
-          </a:p>
-          <a:p>
-            <a:r>
-              <a:rPr lang="zh-CN" altLang="en-US" sz="1600" dirty="0">
+            <a:endParaRPr lang="zh-CN" altLang="en-US" dirty="0">
+              <a:latin typeface="宋体" panose="02010600030101010101" pitchFamily="2" charset="-122"/>
+              <a:ea typeface="宋体" panose="02010600030101010101" pitchFamily="2" charset="-122"/>
+              <a:cs typeface="宋体" panose="02010600030101010101" pitchFamily="2" charset="-122"/>
+            </a:endParaRPr>
+          </a:p>
+          <a:p>
+            <a:r>
+              <a:rPr lang="zh-CN" altLang="en-US" dirty="0">
                 <a:latin typeface="宋体" panose="02010600030101010101" pitchFamily="2" charset="-122"/>
                 <a:ea typeface="宋体" panose="02010600030101010101" pitchFamily="2" charset="-122"/>
                 <a:cs typeface="宋体" panose="02010600030101010101" pitchFamily="2" charset="-122"/>
@@ -13895,15 +13956,15 @@
               </a:rPr>
               <a:t>书写于标记内部的css的优先级最高.</a:t>
             </a:r>
-            <a:endParaRPr lang="zh-CN" altLang="en-US" sz="1600" dirty="0">
-              <a:latin typeface="宋体" panose="02010600030101010101" pitchFamily="2" charset="-122"/>
-              <a:ea typeface="宋体" panose="02010600030101010101" pitchFamily="2" charset="-122"/>
-              <a:cs typeface="宋体" panose="02010600030101010101" pitchFamily="2" charset="-122"/>
-            </a:endParaRPr>
-          </a:p>
-          <a:p>
-            <a:r>
-              <a:rPr lang="zh-CN" altLang="en-US" sz="1600" dirty="0">
+            <a:endParaRPr lang="zh-CN" altLang="en-US" dirty="0">
+              <a:latin typeface="宋体" panose="02010600030101010101" pitchFamily="2" charset="-122"/>
+              <a:ea typeface="宋体" panose="02010600030101010101" pitchFamily="2" charset="-122"/>
+              <a:cs typeface="宋体" panose="02010600030101010101" pitchFamily="2" charset="-122"/>
+            </a:endParaRPr>
+          </a:p>
+          <a:p>
+            <a:r>
+              <a:rPr lang="zh-CN" altLang="en-US" dirty="0">
                 <a:solidFill>
                   <a:srgbClr val="FF0000"/>
                 </a:solidFill>
@@ -13914,7 +13975,7 @@
               </a:rPr>
               <a:t>外部样式与头部样式还取决于书写顺序.</a:t>
             </a:r>
-            <a:endParaRPr lang="zh-CN" altLang="en-US" sz="1600">
+            <a:endParaRPr lang="zh-CN" altLang="en-US">
               <a:latin typeface="宋体" panose="02010600030101010101" pitchFamily="2" charset="-122"/>
               <a:ea typeface="宋体" panose="02010600030101010101" pitchFamily="2" charset="-122"/>
               <a:cs typeface="宋体" panose="02010600030101010101" pitchFamily="2" charset="-122"/>
@@ -17810,70 +17871,6 @@
 </p:sld>
 </file>
 
-<file path=ppt/slides/slide42.xml><?xml version="1.0" encoding="utf-8"?>
-<p:sld xmlns:a="http://schemas.openxmlformats.org/drawingml/2006/main" xmlns:r="http://schemas.openxmlformats.org/officeDocument/2006/relationships" xmlns:p="http://schemas.openxmlformats.org/presentationml/2006/main">
-  <p:cSld>
-    <p:bg>
-      <p:bgPr>
-        <a:blipFill rotWithShape="1">
-          <a:blip r:embed="rId1"/>
-          <a:stretch>
-            <a:fillRect/>
-          </a:stretch>
-        </a:blipFill>
-        <a:effectLst/>
-      </p:bgPr>
-    </p:bg>
-    <p:spTree>
-      <p:nvGrpSpPr>
-        <p:cNvPr id="1" name=""/>
-        <p:cNvGrpSpPr/>
-        <p:nvPr/>
-      </p:nvGrpSpPr>
-      <p:grpSpPr/>
-    </p:spTree>
-    <p:custDataLst>
-      <p:tags r:id="rId2"/>
-    </p:custDataLst>
-  </p:cSld>
-  <p:clrMapOvr>
-    <a:masterClrMapping/>
-  </p:clrMapOvr>
-</p:sld>
-</file>
-
-<file path=ppt/slides/slide43.xml><?xml version="1.0" encoding="utf-8"?>
-<p:sld xmlns:a="http://schemas.openxmlformats.org/drawingml/2006/main" xmlns:r="http://schemas.openxmlformats.org/officeDocument/2006/relationships" xmlns:p="http://schemas.openxmlformats.org/presentationml/2006/main">
-  <p:cSld>
-    <p:bg>
-      <p:bgPr>
-        <a:blipFill rotWithShape="1">
-          <a:blip r:embed="rId1"/>
-          <a:stretch>
-            <a:fillRect/>
-          </a:stretch>
-        </a:blipFill>
-        <a:effectLst/>
-      </p:bgPr>
-    </p:bg>
-    <p:spTree>
-      <p:nvGrpSpPr>
-        <p:cNvPr id="1" name=""/>
-        <p:cNvGrpSpPr/>
-        <p:nvPr/>
-      </p:nvGrpSpPr>
-      <p:grpSpPr/>
-    </p:spTree>
-    <p:custDataLst>
-      <p:tags r:id="rId2"/>
-    </p:custDataLst>
-  </p:cSld>
-  <p:clrMapOvr>
-    <a:masterClrMapping/>
-  </p:clrMapOvr>
-</p:sld>
-</file>
-
 <file path=ppt/slides/slide5.xml><?xml version="1.0" encoding="utf-8"?>
 <p:sld xmlns:a="http://schemas.openxmlformats.org/drawingml/2006/main" xmlns:r="http://schemas.openxmlformats.org/officeDocument/2006/relationships" xmlns:p="http://schemas.openxmlformats.org/presentationml/2006/main">
   <p:cSld>
@@ -18904,7 +18901,7 @@
         <p:spPr>
           <a:xfrm>
             <a:off x="84455" y="3979545"/>
-            <a:ext cx="11894820" cy="1568450"/>
+            <a:ext cx="11894820" cy="1753235"/>
           </a:xfrm>
           <a:prstGeom prst="rect">
             <a:avLst/>
@@ -18917,7 +18914,7 @@
           </a:bodyPr>
           <a:p>
             <a:r>
-              <a:rPr lang="zh-CN" altLang="en-US" sz="1600">
+              <a:rPr lang="zh-CN" altLang="en-US">
                 <a:solidFill>
                   <a:srgbClr val="FF0000"/>
                 </a:solidFill>
@@ -18927,7 +18924,7 @@
               </a:rPr>
               <a:t>基本选择器：</a:t>
             </a:r>
-            <a:endParaRPr lang="zh-CN" altLang="en-US" sz="1600">
+            <a:endParaRPr lang="zh-CN" altLang="en-US">
               <a:solidFill>
                 <a:srgbClr val="FF0000"/>
               </a:solidFill>
@@ -18938,7 +18935,7 @@
           </a:p>
           <a:p>
             <a:r>
-              <a:rPr lang="zh-CN" altLang="en-US" sz="1600">
+              <a:rPr lang="zh-CN" altLang="en-US">
                 <a:latin typeface="宋体" panose="02010600030101010101" pitchFamily="2" charset="-122"/>
                 <a:ea typeface="宋体" panose="02010600030101010101" pitchFamily="2" charset="-122"/>
                 <a:cs typeface="宋体" panose="02010600030101010101" pitchFamily="2" charset="-122"/>
@@ -18946,7 +18943,7 @@
               <a:t>*	</a:t>
             </a:r>
             <a:r>
-              <a:rPr lang="en-US" altLang="zh-CN" sz="1600">
+              <a:rPr lang="en-US" altLang="zh-CN">
                 <a:latin typeface="宋体" panose="02010600030101010101" pitchFamily="2" charset="-122"/>
                 <a:ea typeface="宋体" panose="02010600030101010101" pitchFamily="2" charset="-122"/>
                 <a:cs typeface="宋体" panose="02010600030101010101" pitchFamily="2" charset="-122"/>
@@ -18954,22 +18951,22 @@
               <a:t>		</a:t>
             </a:r>
             <a:r>
-              <a:rPr lang="zh-CN" altLang="en-US" sz="1600">
+              <a:rPr lang="zh-CN" altLang="en-US">
                 <a:latin typeface="宋体" panose="02010600030101010101" pitchFamily="2" charset="-122"/>
                 <a:ea typeface="宋体" panose="02010600030101010101" pitchFamily="2" charset="-122"/>
                 <a:cs typeface="宋体" panose="02010600030101010101" pitchFamily="2" charset="-122"/>
               </a:rPr>
               <a:t> 通配选择器 	选择文档中所有HTML元素</a:t>
             </a:r>
-            <a:endParaRPr lang="zh-CN" altLang="en-US" sz="1600">
-              <a:latin typeface="宋体" panose="02010600030101010101" pitchFamily="2" charset="-122"/>
-              <a:ea typeface="宋体" panose="02010600030101010101" pitchFamily="2" charset="-122"/>
-              <a:cs typeface="宋体" panose="02010600030101010101" pitchFamily="2" charset="-122"/>
-            </a:endParaRPr>
-          </a:p>
-          <a:p>
-            <a:r>
-              <a:rPr lang="zh-CN" altLang="en-US" sz="1600">
+            <a:endParaRPr lang="zh-CN" altLang="en-US">
+              <a:latin typeface="宋体" panose="02010600030101010101" pitchFamily="2" charset="-122"/>
+              <a:ea typeface="宋体" panose="02010600030101010101" pitchFamily="2" charset="-122"/>
+              <a:cs typeface="宋体" panose="02010600030101010101" pitchFamily="2" charset="-122"/>
+            </a:endParaRPr>
+          </a:p>
+          <a:p>
+            <a:r>
+              <a:rPr lang="zh-CN" altLang="en-US">
                 <a:latin typeface="宋体" panose="02010600030101010101" pitchFamily="2" charset="-122"/>
                 <a:ea typeface="宋体" panose="02010600030101010101" pitchFamily="2" charset="-122"/>
                 <a:cs typeface="宋体" panose="02010600030101010101" pitchFamily="2" charset="-122"/>
@@ -18977,7 +18974,7 @@
               <a:t>E	 </a:t>
             </a:r>
             <a:r>
-              <a:rPr lang="en-US" altLang="zh-CN" sz="1600">
+              <a:rPr lang="en-US" altLang="zh-CN">
                 <a:latin typeface="宋体" panose="02010600030101010101" pitchFamily="2" charset="-122"/>
                 <a:ea typeface="宋体" panose="02010600030101010101" pitchFamily="2" charset="-122"/>
                 <a:cs typeface="宋体" panose="02010600030101010101" pitchFamily="2" charset="-122"/>
@@ -18985,22 +18982,22 @@
               <a:t>		 </a:t>
             </a:r>
             <a:r>
-              <a:rPr lang="zh-CN" altLang="en-US" sz="1600">
+              <a:rPr lang="zh-CN" altLang="en-US">
                 <a:latin typeface="宋体" panose="02010600030101010101" pitchFamily="2" charset="-122"/>
                 <a:ea typeface="宋体" panose="02010600030101010101" pitchFamily="2" charset="-122"/>
                 <a:cs typeface="宋体" panose="02010600030101010101" pitchFamily="2" charset="-122"/>
               </a:rPr>
               <a:t>元素选择器	选择指定类型的HTML元素</a:t>
             </a:r>
-            <a:endParaRPr lang="zh-CN" altLang="en-US" sz="1600">
-              <a:latin typeface="宋体" panose="02010600030101010101" pitchFamily="2" charset="-122"/>
-              <a:ea typeface="宋体" panose="02010600030101010101" pitchFamily="2" charset="-122"/>
-              <a:cs typeface="宋体" panose="02010600030101010101" pitchFamily="2" charset="-122"/>
-            </a:endParaRPr>
-          </a:p>
-          <a:p>
-            <a:r>
-              <a:rPr lang="zh-CN" altLang="en-US" sz="1600">
+            <a:endParaRPr lang="zh-CN" altLang="en-US">
+              <a:latin typeface="宋体" panose="02010600030101010101" pitchFamily="2" charset="-122"/>
+              <a:ea typeface="宋体" panose="02010600030101010101" pitchFamily="2" charset="-122"/>
+              <a:cs typeface="宋体" panose="02010600030101010101" pitchFamily="2" charset="-122"/>
+            </a:endParaRPr>
+          </a:p>
+          <a:p>
+            <a:r>
+              <a:rPr lang="zh-CN" altLang="en-US">
                 <a:latin typeface="宋体" panose="02010600030101010101" pitchFamily="2" charset="-122"/>
                 <a:ea typeface="宋体" panose="02010600030101010101" pitchFamily="2" charset="-122"/>
                 <a:cs typeface="宋体" panose="02010600030101010101" pitchFamily="2" charset="-122"/>
@@ -19008,7 +19005,7 @@
               <a:t>#id	 </a:t>
             </a:r>
             <a:r>
-              <a:rPr lang="en-US" altLang="zh-CN" sz="1600">
+              <a:rPr lang="en-US" altLang="zh-CN">
                 <a:latin typeface="宋体" panose="02010600030101010101" pitchFamily="2" charset="-122"/>
                 <a:ea typeface="宋体" panose="02010600030101010101" pitchFamily="2" charset="-122"/>
                 <a:cs typeface="宋体" panose="02010600030101010101" pitchFamily="2" charset="-122"/>
@@ -19016,7 +19013,7 @@
               <a:t>		 </a:t>
             </a:r>
             <a:r>
-              <a:rPr lang="zh-CN" altLang="en-US" sz="1600">
+              <a:rPr lang="zh-CN" altLang="en-US">
                 <a:latin typeface="宋体" panose="02010600030101010101" pitchFamily="2" charset="-122"/>
                 <a:ea typeface="宋体" panose="02010600030101010101" pitchFamily="2" charset="-122"/>
                 <a:cs typeface="宋体" panose="02010600030101010101" pitchFamily="2" charset="-122"/>
@@ -19024,7 +19021,7 @@
               <a:t>ID选择器	选择指定ID属性值为“id”的任意类型元素，</a:t>
             </a:r>
             <a:r>
-              <a:rPr lang="zh-CN" altLang="en-US" sz="1600">
+              <a:rPr lang="zh-CN" altLang="en-US">
                 <a:solidFill>
                   <a:srgbClr val="FF0000"/>
                 </a:solidFill>
@@ -19034,7 +19031,7 @@
               </a:rPr>
               <a:t>且只能有一个，不能重复</a:t>
             </a:r>
-            <a:endParaRPr lang="zh-CN" altLang="en-US" sz="1600">
+            <a:endParaRPr lang="zh-CN" altLang="en-US">
               <a:solidFill>
                 <a:srgbClr val="FF0000"/>
               </a:solidFill>
@@ -19045,7 +19042,7 @@
           </a:p>
           <a:p>
             <a:r>
-              <a:rPr lang="zh-CN" altLang="en-US" sz="1600">
+              <a:rPr lang="zh-CN" altLang="en-US">
                 <a:latin typeface="宋体" panose="02010600030101010101" pitchFamily="2" charset="-122"/>
                 <a:ea typeface="宋体" panose="02010600030101010101" pitchFamily="2" charset="-122"/>
                 <a:cs typeface="宋体" panose="02010600030101010101" pitchFamily="2" charset="-122"/>
@@ -19053,7 +19050,7 @@
               <a:t>.class	 </a:t>
             </a:r>
             <a:r>
-              <a:rPr lang="en-US" altLang="zh-CN" sz="1600">
+              <a:rPr lang="en-US" altLang="zh-CN">
                 <a:latin typeface="宋体" panose="02010600030101010101" pitchFamily="2" charset="-122"/>
                 <a:ea typeface="宋体" panose="02010600030101010101" pitchFamily="2" charset="-122"/>
                 <a:cs typeface="宋体" panose="02010600030101010101" pitchFamily="2" charset="-122"/>
@@ -19061,7 +19058,7 @@
               <a:t>		 </a:t>
             </a:r>
             <a:r>
-              <a:rPr lang="zh-CN" altLang="en-US" sz="1600">
+              <a:rPr lang="zh-CN" altLang="en-US">
                 <a:latin typeface="宋体" panose="02010600030101010101" pitchFamily="2" charset="-122"/>
                 <a:ea typeface="宋体" panose="02010600030101010101" pitchFamily="2" charset="-122"/>
                 <a:cs typeface="宋体" panose="02010600030101010101" pitchFamily="2" charset="-122"/>
@@ -19069,7 +19066,7 @@
               <a:t>类选择器	选择指定class属性值为“class”的任意类型的</a:t>
             </a:r>
             <a:r>
-              <a:rPr lang="zh-CN" altLang="en-US" sz="1600">
+              <a:rPr lang="zh-CN" altLang="en-US">
                 <a:solidFill>
                   <a:srgbClr val="FF0000"/>
                 </a:solidFill>
@@ -19080,29 +19077,29 @@
               <a:t>任意多个</a:t>
             </a:r>
             <a:r>
-              <a:rPr lang="zh-CN" altLang="en-US" sz="1600">
+              <a:rPr lang="zh-CN" altLang="en-US">
                 <a:latin typeface="宋体" panose="02010600030101010101" pitchFamily="2" charset="-122"/>
                 <a:ea typeface="宋体" panose="02010600030101010101" pitchFamily="2" charset="-122"/>
                 <a:cs typeface="宋体" panose="02010600030101010101" pitchFamily="2" charset="-122"/>
               </a:rPr>
               <a:t>元素</a:t>
             </a:r>
-            <a:endParaRPr lang="zh-CN" altLang="en-US" sz="1600">
-              <a:latin typeface="宋体" panose="02010600030101010101" pitchFamily="2" charset="-122"/>
-              <a:ea typeface="宋体" panose="02010600030101010101" pitchFamily="2" charset="-122"/>
-              <a:cs typeface="宋体" panose="02010600030101010101" pitchFamily="2" charset="-122"/>
-            </a:endParaRPr>
-          </a:p>
-          <a:p>
-            <a:r>
-              <a:rPr lang="zh-CN" altLang="en-US" sz="1600">
+            <a:endParaRPr lang="zh-CN" altLang="en-US">
+              <a:latin typeface="宋体" panose="02010600030101010101" pitchFamily="2" charset="-122"/>
+              <a:ea typeface="宋体" panose="02010600030101010101" pitchFamily="2" charset="-122"/>
+              <a:cs typeface="宋体" panose="02010600030101010101" pitchFamily="2" charset="-122"/>
+            </a:endParaRPr>
+          </a:p>
+          <a:p>
+            <a:r>
+              <a:rPr lang="zh-CN" altLang="en-US">
                 <a:latin typeface="宋体" panose="02010600030101010101" pitchFamily="2" charset="-122"/>
                 <a:ea typeface="宋体" panose="02010600030101010101" pitchFamily="2" charset="-122"/>
                 <a:cs typeface="宋体" panose="02010600030101010101" pitchFamily="2" charset="-122"/>
               </a:rPr>
               <a:t>selector1,selectorN	 群组选择器	将每一个选择器匹配的元素集合并</a:t>
             </a:r>
-            <a:endParaRPr lang="zh-CN" altLang="en-US" sz="1600">
+            <a:endParaRPr lang="zh-CN" altLang="en-US">
               <a:latin typeface="宋体" panose="02010600030101010101" pitchFamily="2" charset="-122"/>
               <a:ea typeface="宋体" panose="02010600030101010101" pitchFamily="2" charset="-122"/>
               <a:cs typeface="宋体" panose="02010600030101010101" pitchFamily="2" charset="-122"/>
@@ -20665,24 +20662,6 @@
 </file>
 
 <file path=ppt/tags/tag120.xml><?xml version="1.0" encoding="utf-8"?>
-<p:tagLst xmlns:p="http://schemas.openxmlformats.org/presentationml/2006/main">
-  <p:tag name="KSO_WM_BEAUTIFY_FLAG" val="#wm#"/>
-  <p:tag name="KSO_WM_TEMPLATE_CATEGORY" val="custom"/>
-  <p:tag name="KSO_WM_TEMPLATE_INDEX" val="20203858"/>
-  <p:tag name="KSO_WM_SPECIAL_SOURCE" val="bdnull"/>
-</p:tagLst>
-</file>
-
-<file path=ppt/tags/tag121.xml><?xml version="1.0" encoding="utf-8"?>
-<p:tagLst xmlns:p="http://schemas.openxmlformats.org/presentationml/2006/main">
-  <p:tag name="KSO_WM_BEAUTIFY_FLAG" val="#wm#"/>
-  <p:tag name="KSO_WM_TEMPLATE_CATEGORY" val="custom"/>
-  <p:tag name="KSO_WM_TEMPLATE_INDEX" val="20203858"/>
-  <p:tag name="KSO_WM_SPECIAL_SOURCE" val="bdnull"/>
-</p:tagLst>
-</file>
-
-<file path=ppt/tags/tag122.xml><?xml version="1.0" encoding="utf-8"?>
 <p:tagLst xmlns:p="http://schemas.openxmlformats.org/presentationml/2006/main">
   <p:tag name="KSO_WM_BEAUTIFY_FLAG" val="#wm#"/>
   <p:tag name="KSO_WM_TEMPLATE_CATEGORY" val="custom"/>

--- a/前端PPT/css 简介.pptx
+++ b/前端PPT/css 简介.pptx
@@ -5,7 +5,7 @@
     <p:sldMasterId id="2147483648" r:id="rId1"/>
   </p:sldMasterIdLst>
   <p:notesMasterIdLst>
-    <p:notesMasterId r:id="rId44"/>
+    <p:notesMasterId r:id="rId47"/>
   </p:notesMasterIdLst>
   <p:sldIdLst>
     <p:sldId id="660" r:id="rId3"/>
@@ -27,28 +27,31 @@
     <p:sldId id="778" r:id="rId19"/>
     <p:sldId id="779" r:id="rId20"/>
     <p:sldId id="784" r:id="rId21"/>
-    <p:sldId id="785" r:id="rId22"/>
-    <p:sldId id="786" r:id="rId23"/>
-    <p:sldId id="789" r:id="rId24"/>
-    <p:sldId id="802" r:id="rId25"/>
-    <p:sldId id="809" r:id="rId26"/>
-    <p:sldId id="803" r:id="rId27"/>
-    <p:sldId id="804" r:id="rId28"/>
-    <p:sldId id="822" r:id="rId29"/>
-    <p:sldId id="805" r:id="rId30"/>
-    <p:sldId id="823" r:id="rId31"/>
-    <p:sldId id="817" r:id="rId32"/>
-    <p:sldId id="832" r:id="rId33"/>
-    <p:sldId id="839" r:id="rId34"/>
-    <p:sldId id="841" r:id="rId35"/>
-    <p:sldId id="842" r:id="rId36"/>
-    <p:sldId id="840" r:id="rId37"/>
-    <p:sldId id="855" r:id="rId38"/>
-    <p:sldId id="825" r:id="rId39"/>
-    <p:sldId id="818" r:id="rId40"/>
-    <p:sldId id="850" r:id="rId41"/>
-    <p:sldId id="819" r:id="rId42"/>
-    <p:sldId id="662" r:id="rId43"/>
+    <p:sldId id="863" r:id="rId22"/>
+    <p:sldId id="785" r:id="rId23"/>
+    <p:sldId id="786" r:id="rId24"/>
+    <p:sldId id="864" r:id="rId25"/>
+    <p:sldId id="789" r:id="rId26"/>
+    <p:sldId id="802" r:id="rId27"/>
+    <p:sldId id="809" r:id="rId28"/>
+    <p:sldId id="803" r:id="rId29"/>
+    <p:sldId id="804" r:id="rId30"/>
+    <p:sldId id="822" r:id="rId31"/>
+    <p:sldId id="805" r:id="rId32"/>
+    <p:sldId id="823" r:id="rId33"/>
+    <p:sldId id="817" r:id="rId34"/>
+    <p:sldId id="832" r:id="rId35"/>
+    <p:sldId id="839" r:id="rId36"/>
+    <p:sldId id="841" r:id="rId37"/>
+    <p:sldId id="842" r:id="rId38"/>
+    <p:sldId id="840" r:id="rId39"/>
+    <p:sldId id="855" r:id="rId40"/>
+    <p:sldId id="825" r:id="rId41"/>
+    <p:sldId id="818" r:id="rId42"/>
+    <p:sldId id="887" r:id="rId43"/>
+    <p:sldId id="850" r:id="rId44"/>
+    <p:sldId id="819" r:id="rId45"/>
+    <p:sldId id="662" r:id="rId46"/>
   </p:sldIdLst>
   <p:sldSz cx="12192000" cy="6858000"/>
   <p:notesSz cx="6858000" cy="9144000"/>
@@ -7754,7 +7757,298 @@
                 <a:ea typeface="宋体" panose="02010600030101010101" pitchFamily="2" charset="-122"/>
                 <a:cs typeface="宋体" panose="02010600030101010101" pitchFamily="2" charset="-122"/>
               </a:rPr>
-              <a:t>CSS 有三种基本的定位机制：普通流、浮动（</a:t>
+              <a:t>CSS 有三种基本的定位机制：</a:t>
+            </a:r>
+            <a:r>
+              <a:rPr lang="zh-CN" altLang="en-US" sz="1600" b="1">
+                <a:solidFill>
+                  <a:srgbClr val="FF0000"/>
+                </a:solidFill>
+                <a:latin typeface="宋体" panose="02010600030101010101" pitchFamily="2" charset="-122"/>
+                <a:ea typeface="宋体" panose="02010600030101010101" pitchFamily="2" charset="-122"/>
+                <a:cs typeface="宋体" panose="02010600030101010101" pitchFamily="2" charset="-122"/>
+              </a:rPr>
+              <a:t>普通流、浮动（</a:t>
+            </a:r>
+            <a:r>
+              <a:rPr lang="en-US" altLang="zh-CN" sz="1600" b="1">
+                <a:solidFill>
+                  <a:srgbClr val="FF0000"/>
+                </a:solidFill>
+                <a:latin typeface="宋体" panose="02010600030101010101" pitchFamily="2" charset="-122"/>
+                <a:ea typeface="宋体" panose="02010600030101010101" pitchFamily="2" charset="-122"/>
+                <a:cs typeface="宋体" panose="02010600030101010101" pitchFamily="2" charset="-122"/>
+              </a:rPr>
+              <a:t>float</a:t>
+            </a:r>
+            <a:r>
+              <a:rPr lang="zh-CN" altLang="en-US" sz="1600" b="1">
+                <a:solidFill>
+                  <a:srgbClr val="FF0000"/>
+                </a:solidFill>
+                <a:latin typeface="宋体" panose="02010600030101010101" pitchFamily="2" charset="-122"/>
+                <a:ea typeface="宋体" panose="02010600030101010101" pitchFamily="2" charset="-122"/>
+                <a:cs typeface="宋体" panose="02010600030101010101" pitchFamily="2" charset="-122"/>
+              </a:rPr>
+              <a:t>）和位置定位（</a:t>
+            </a:r>
+            <a:r>
+              <a:rPr lang="en-US" altLang="zh-CN" sz="1600" b="1">
+                <a:solidFill>
+                  <a:srgbClr val="FF0000"/>
+                </a:solidFill>
+                <a:latin typeface="宋体" panose="02010600030101010101" pitchFamily="2" charset="-122"/>
+                <a:ea typeface="宋体" panose="02010600030101010101" pitchFamily="2" charset="-122"/>
+                <a:cs typeface="宋体" panose="02010600030101010101" pitchFamily="2" charset="-122"/>
+              </a:rPr>
+              <a:t>position</a:t>
+            </a:r>
+            <a:r>
+              <a:rPr lang="zh-CN" altLang="en-US" sz="1600" b="1">
+                <a:solidFill>
+                  <a:srgbClr val="FF0000"/>
+                </a:solidFill>
+                <a:latin typeface="宋体" panose="02010600030101010101" pitchFamily="2" charset="-122"/>
+                <a:ea typeface="宋体" panose="02010600030101010101" pitchFamily="2" charset="-122"/>
+                <a:cs typeface="宋体" panose="02010600030101010101" pitchFamily="2" charset="-122"/>
+              </a:rPr>
+              <a:t>）</a:t>
+            </a:r>
+            <a:r>
+              <a:rPr lang="zh-CN" altLang="en-US" sz="1600">
+                <a:latin typeface="宋体" panose="02010600030101010101" pitchFamily="2" charset="-122"/>
+                <a:ea typeface="宋体" panose="02010600030101010101" pitchFamily="2" charset="-122"/>
+                <a:cs typeface="宋体" panose="02010600030101010101" pitchFamily="2" charset="-122"/>
+              </a:rPr>
+              <a:t>。</a:t>
+            </a:r>
+            <a:endParaRPr lang="zh-CN" altLang="en-US" sz="1600">
+              <a:latin typeface="宋体" panose="02010600030101010101" pitchFamily="2" charset="-122"/>
+              <a:ea typeface="宋体" panose="02010600030101010101" pitchFamily="2" charset="-122"/>
+              <a:cs typeface="宋体" panose="02010600030101010101" pitchFamily="2" charset="-122"/>
+            </a:endParaRPr>
+          </a:p>
+          <a:p>
+            <a:endParaRPr lang="zh-CN" altLang="en-US" sz="1600">
+              <a:latin typeface="宋体" panose="02010600030101010101" pitchFamily="2" charset="-122"/>
+              <a:ea typeface="宋体" panose="02010600030101010101" pitchFamily="2" charset="-122"/>
+              <a:cs typeface="宋体" panose="02010600030101010101" pitchFamily="2" charset="-122"/>
+            </a:endParaRPr>
+          </a:p>
+          <a:p>
+            <a:r>
+              <a:rPr lang="zh-CN" altLang="en-US" sz="1600">
+                <a:latin typeface="宋体" panose="02010600030101010101" pitchFamily="2" charset="-122"/>
+                <a:ea typeface="宋体" panose="02010600030101010101" pitchFamily="2" charset="-122"/>
+                <a:cs typeface="宋体" panose="02010600030101010101" pitchFamily="2" charset="-122"/>
+              </a:rPr>
+              <a:t>一、普通流</a:t>
+            </a:r>
+            <a:endParaRPr lang="zh-CN" altLang="en-US" sz="1600">
+              <a:latin typeface="宋体" panose="02010600030101010101" pitchFamily="2" charset="-122"/>
+              <a:ea typeface="宋体" panose="02010600030101010101" pitchFamily="2" charset="-122"/>
+              <a:cs typeface="宋体" panose="02010600030101010101" pitchFamily="2" charset="-122"/>
+            </a:endParaRPr>
+          </a:p>
+          <a:p>
+            <a:r>
+              <a:rPr lang="zh-CN" altLang="en-US" sz="1600">
+                <a:latin typeface="宋体" panose="02010600030101010101" pitchFamily="2" charset="-122"/>
+                <a:ea typeface="宋体" panose="02010600030101010101" pitchFamily="2" charset="-122"/>
+                <a:cs typeface="宋体" panose="02010600030101010101" pitchFamily="2" charset="-122"/>
+              </a:rPr>
+              <a:t>　　除非专门指定，否则所有框都在普通流中定位。普通流中元素框的位置由元素在(X)HTML中的位置决定。块级元素从上到下依次排列，框之间的垂直距离由框的垂直margin计算得到。行内元素在一行中水平布置。</a:t>
+            </a:r>
+            <a:endParaRPr lang="zh-CN" altLang="en-US" sz="1600">
+              <a:latin typeface="宋体" panose="02010600030101010101" pitchFamily="2" charset="-122"/>
+              <a:ea typeface="宋体" panose="02010600030101010101" pitchFamily="2" charset="-122"/>
+              <a:cs typeface="宋体" panose="02010600030101010101" pitchFamily="2" charset="-122"/>
+            </a:endParaRPr>
+          </a:p>
+          <a:p>
+            <a:endParaRPr lang="zh-CN" altLang="en-US" sz="1600">
+              <a:latin typeface="宋体" panose="02010600030101010101" pitchFamily="2" charset="-122"/>
+              <a:ea typeface="宋体" panose="02010600030101010101" pitchFamily="2" charset="-122"/>
+              <a:cs typeface="宋体" panose="02010600030101010101" pitchFamily="2" charset="-122"/>
+            </a:endParaRPr>
+          </a:p>
+          <a:p>
+            <a:r>
+              <a:rPr lang="zh-CN" altLang="en-US" sz="1600">
+                <a:latin typeface="宋体" panose="02010600030101010101" pitchFamily="2" charset="-122"/>
+                <a:ea typeface="宋体" panose="02010600030101010101" pitchFamily="2" charset="-122"/>
+                <a:cs typeface="宋体" panose="02010600030101010101" pitchFamily="2" charset="-122"/>
+              </a:rPr>
+              <a:t>二</a:t>
+            </a:r>
+            <a:r>
+              <a:rPr lang="zh-CN" altLang="en-US" sz="1600">
+                <a:latin typeface="宋体" panose="02010600030101010101" pitchFamily="2" charset="-122"/>
+                <a:ea typeface="宋体" panose="02010600030101010101" pitchFamily="2" charset="-122"/>
+                <a:cs typeface="宋体" panose="02010600030101010101" pitchFamily="2" charset="-122"/>
+              </a:rPr>
+              <a:t>、浮动</a:t>
+            </a:r>
+            <a:endParaRPr lang="zh-CN" altLang="en-US" sz="1600">
+              <a:latin typeface="宋体" panose="02010600030101010101" pitchFamily="2" charset="-122"/>
+              <a:ea typeface="宋体" panose="02010600030101010101" pitchFamily="2" charset="-122"/>
+              <a:cs typeface="宋体" panose="02010600030101010101" pitchFamily="2" charset="-122"/>
+            </a:endParaRPr>
+          </a:p>
+          <a:p>
+            <a:r>
+              <a:rPr lang="zh-CN" altLang="en-US" sz="1600">
+                <a:latin typeface="宋体" panose="02010600030101010101" pitchFamily="2" charset="-122"/>
+                <a:ea typeface="宋体" panose="02010600030101010101" pitchFamily="2" charset="-122"/>
+                <a:cs typeface="宋体" panose="02010600030101010101" pitchFamily="2" charset="-122"/>
+              </a:rPr>
+              <a:t>　　浮动的框可以在左右移动，直到它的外边框边缘碰到包含框或另一个浮动框的边缘。</a:t>
+            </a:r>
+            <a:r>
+              <a:rPr lang="zh-CN" altLang="en-US" sz="1600" b="1">
+                <a:solidFill>
+                  <a:srgbClr val="FF0000"/>
+                </a:solidFill>
+                <a:latin typeface="宋体" panose="02010600030101010101" pitchFamily="2" charset="-122"/>
+                <a:ea typeface="宋体" panose="02010600030101010101" pitchFamily="2" charset="-122"/>
+                <a:cs typeface="宋体" panose="02010600030101010101" pitchFamily="2" charset="-122"/>
+              </a:rPr>
+              <a:t>浮动的框脱离普通流</a:t>
+            </a:r>
+            <a:r>
+              <a:rPr lang="zh-CN" altLang="en-US" sz="1600">
+                <a:latin typeface="宋体" panose="02010600030101010101" pitchFamily="2" charset="-122"/>
+                <a:ea typeface="宋体" panose="02010600030101010101" pitchFamily="2" charset="-122"/>
+                <a:cs typeface="宋体" panose="02010600030101010101" pitchFamily="2" charset="-122"/>
+              </a:rPr>
+              <a:t>。</a:t>
+            </a:r>
+            <a:endParaRPr lang="zh-CN" altLang="en-US" sz="1600">
+              <a:latin typeface="宋体" panose="02010600030101010101" pitchFamily="2" charset="-122"/>
+              <a:ea typeface="宋体" panose="02010600030101010101" pitchFamily="2" charset="-122"/>
+              <a:cs typeface="宋体" panose="02010600030101010101" pitchFamily="2" charset="-122"/>
+            </a:endParaRPr>
+          </a:p>
+          <a:p>
+            <a:r>
+              <a:rPr lang="zh-CN" altLang="en-US" sz="1600">
+                <a:latin typeface="宋体" panose="02010600030101010101" pitchFamily="2" charset="-122"/>
+                <a:ea typeface="宋体" panose="02010600030101010101" pitchFamily="2" charset="-122"/>
+                <a:cs typeface="宋体" panose="02010600030101010101" pitchFamily="2" charset="-122"/>
+              </a:rPr>
+              <a:t>　　如果包含块太窄，无法容纳水平排列的浮动元素，那么其他浮动块向下移动，直到有足够多的空间。如果浮动元素的高度不同，那么当它们向下移动时可能会被其他浮动元素卡住。</a:t>
+            </a:r>
+            <a:endParaRPr lang="zh-CN" altLang="en-US" sz="1600">
+              <a:latin typeface="宋体" panose="02010600030101010101" pitchFamily="2" charset="-122"/>
+              <a:ea typeface="宋体" panose="02010600030101010101" pitchFamily="2" charset="-122"/>
+              <a:cs typeface="宋体" panose="02010600030101010101" pitchFamily="2" charset="-122"/>
+            </a:endParaRPr>
+          </a:p>
+          <a:p>
+            <a:r>
+              <a:rPr lang="zh-CN" altLang="en-US" sz="1600">
+                <a:latin typeface="宋体" panose="02010600030101010101" pitchFamily="2" charset="-122"/>
+                <a:ea typeface="宋体" panose="02010600030101010101" pitchFamily="2" charset="-122"/>
+                <a:cs typeface="宋体" panose="02010600030101010101" pitchFamily="2" charset="-122"/>
+              </a:rPr>
+              <a:t>　　行内元素会围绕着浮动框排列。</a:t>
+            </a:r>
+            <a:endParaRPr lang="zh-CN" altLang="en-US" sz="1600">
+              <a:latin typeface="宋体" panose="02010600030101010101" pitchFamily="2" charset="-122"/>
+              <a:ea typeface="宋体" panose="02010600030101010101" pitchFamily="2" charset="-122"/>
+              <a:cs typeface="宋体" panose="02010600030101010101" pitchFamily="2" charset="-122"/>
+            </a:endParaRPr>
+          </a:p>
+          <a:p>
+            <a:endParaRPr lang="zh-CN" altLang="en-US" sz="1600">
+              <a:latin typeface="宋体" panose="02010600030101010101" pitchFamily="2" charset="-122"/>
+              <a:ea typeface="宋体" panose="02010600030101010101" pitchFamily="2" charset="-122"/>
+              <a:cs typeface="宋体" panose="02010600030101010101" pitchFamily="2" charset="-122"/>
+            </a:endParaRPr>
+          </a:p>
+          <a:p>
+            <a:r>
+              <a:rPr lang="zh-CN" altLang="en-US" sz="1600">
+                <a:latin typeface="宋体" panose="02010600030101010101" pitchFamily="2" charset="-122"/>
+                <a:ea typeface="宋体" panose="02010600030101010101" pitchFamily="2" charset="-122"/>
+                <a:cs typeface="宋体" panose="02010600030101010101" pitchFamily="2" charset="-122"/>
+              </a:rPr>
+              <a:t>三、位置定位</a:t>
+            </a:r>
+            <a:endParaRPr lang="zh-CN" altLang="en-US" sz="1600">
+              <a:latin typeface="宋体" panose="02010600030101010101" pitchFamily="2" charset="-122"/>
+              <a:ea typeface="宋体" panose="02010600030101010101" pitchFamily="2" charset="-122"/>
+              <a:cs typeface="宋体" panose="02010600030101010101" pitchFamily="2" charset="-122"/>
+            </a:endParaRPr>
+          </a:p>
+          <a:p>
+            <a:r>
+              <a:rPr lang="zh-CN" altLang="en-US" sz="1600">
+                <a:latin typeface="宋体" panose="02010600030101010101" pitchFamily="2" charset="-122"/>
+                <a:ea typeface="宋体" panose="02010600030101010101" pitchFamily="2" charset="-122"/>
+                <a:cs typeface="宋体" panose="02010600030101010101" pitchFamily="2" charset="-122"/>
+              </a:rPr>
+              <a:t>　　１、相对定位</a:t>
+            </a:r>
+            <a:endParaRPr lang="zh-CN" altLang="en-US" sz="1600">
+              <a:latin typeface="宋体" panose="02010600030101010101" pitchFamily="2" charset="-122"/>
+              <a:ea typeface="宋体" panose="02010600030101010101" pitchFamily="2" charset="-122"/>
+              <a:cs typeface="宋体" panose="02010600030101010101" pitchFamily="2" charset="-122"/>
+            </a:endParaRPr>
+          </a:p>
+          <a:p>
+            <a:r>
+              <a:rPr lang="zh-CN" altLang="en-US" sz="1600">
+                <a:latin typeface="宋体" panose="02010600030101010101" pitchFamily="2" charset="-122"/>
+                <a:ea typeface="宋体" panose="02010600030101010101" pitchFamily="2" charset="-122"/>
+                <a:cs typeface="宋体" panose="02010600030101010101" pitchFamily="2" charset="-122"/>
+              </a:rPr>
+              <a:t>　　被看作普通流定位模型的一部分，定位元素的位置相对于它在普通流中的位置进行移动。使用相对定位的元素不管它是否进行移动，元素仍要占据它原来的位置。移动元素会导致它覆盖其他的框。</a:t>
+            </a:r>
+            <a:endParaRPr lang="zh-CN" altLang="en-US" sz="1600">
+              <a:latin typeface="宋体" panose="02010600030101010101" pitchFamily="2" charset="-122"/>
+              <a:ea typeface="宋体" panose="02010600030101010101" pitchFamily="2" charset="-122"/>
+              <a:cs typeface="宋体" panose="02010600030101010101" pitchFamily="2" charset="-122"/>
+            </a:endParaRPr>
+          </a:p>
+          <a:p>
+            <a:r>
+              <a:rPr lang="zh-CN" altLang="en-US" sz="1600">
+                <a:latin typeface="宋体" panose="02010600030101010101" pitchFamily="2" charset="-122"/>
+                <a:ea typeface="宋体" panose="02010600030101010101" pitchFamily="2" charset="-122"/>
+                <a:cs typeface="宋体" panose="02010600030101010101" pitchFamily="2" charset="-122"/>
+              </a:rPr>
+              <a:t>　２、绝对定位</a:t>
+            </a:r>
+            <a:endParaRPr lang="zh-CN" altLang="en-US" sz="1600">
+              <a:latin typeface="宋体" panose="02010600030101010101" pitchFamily="2" charset="-122"/>
+              <a:ea typeface="宋体" panose="02010600030101010101" pitchFamily="2" charset="-122"/>
+              <a:cs typeface="宋体" panose="02010600030101010101" pitchFamily="2" charset="-122"/>
+            </a:endParaRPr>
+          </a:p>
+          <a:p>
+            <a:r>
+              <a:rPr lang="zh-CN" altLang="en-US" sz="1600">
+                <a:latin typeface="宋体" panose="02010600030101010101" pitchFamily="2" charset="-122"/>
+                <a:ea typeface="宋体" panose="02010600030101010101" pitchFamily="2" charset="-122"/>
+                <a:cs typeface="宋体" panose="02010600030101010101" pitchFamily="2" charset="-122"/>
+              </a:rPr>
+              <a:t>　　相对于已定位的最近的祖先元素，如果没有已定位的最近的祖先元素，那么它的位置就相对于最初的包含块（如body）。绝对定位的框可以从它的包含块向上、右、下、左移动。</a:t>
+            </a:r>
+            <a:endParaRPr lang="zh-CN" altLang="en-US" sz="1600">
+              <a:latin typeface="宋体" panose="02010600030101010101" pitchFamily="2" charset="-122"/>
+              <a:ea typeface="宋体" panose="02010600030101010101" pitchFamily="2" charset="-122"/>
+              <a:cs typeface="宋体" panose="02010600030101010101" pitchFamily="2" charset="-122"/>
+            </a:endParaRPr>
+          </a:p>
+          <a:p>
+            <a:r>
+              <a:rPr lang="zh-CN" altLang="en-US" sz="1600">
+                <a:latin typeface="宋体" panose="02010600030101010101" pitchFamily="2" charset="-122"/>
+                <a:ea typeface="宋体" panose="02010600030101010101" pitchFamily="2" charset="-122"/>
+                <a:cs typeface="宋体" panose="02010600030101010101" pitchFamily="2" charset="-122"/>
+              </a:rPr>
+              <a:t>　　绝对定位的框脱离普通流，所以它可以覆盖页面上的其他元素，可以通过设置</a:t>
             </a:r>
             <a:r>
               <a:rPr lang="en-US" altLang="zh-CN" sz="1600">
@@ -7762,248 +8056,15 @@
                 <a:ea typeface="宋体" panose="02010600030101010101" pitchFamily="2" charset="-122"/>
                 <a:cs typeface="宋体" panose="02010600030101010101" pitchFamily="2" charset="-122"/>
               </a:rPr>
-              <a:t>float</a:t>
-            </a:r>
-            <a:r>
-              <a:rPr lang="zh-CN" altLang="en-US" sz="1600">
-                <a:latin typeface="宋体" panose="02010600030101010101" pitchFamily="2" charset="-122"/>
-                <a:ea typeface="宋体" panose="02010600030101010101" pitchFamily="2" charset="-122"/>
-                <a:cs typeface="宋体" panose="02010600030101010101" pitchFamily="2" charset="-122"/>
-              </a:rPr>
-              <a:t>）和定位（</a:t>
-            </a:r>
-            <a:r>
-              <a:rPr lang="en-US" altLang="zh-CN" sz="1600">
-                <a:latin typeface="宋体" panose="02010600030101010101" pitchFamily="2" charset="-122"/>
-                <a:ea typeface="宋体" panose="02010600030101010101" pitchFamily="2" charset="-122"/>
-                <a:cs typeface="宋体" panose="02010600030101010101" pitchFamily="2" charset="-122"/>
-              </a:rPr>
-              <a:t>position</a:t>
-            </a:r>
-            <a:r>
-              <a:rPr lang="zh-CN" altLang="en-US" sz="1600">
-                <a:latin typeface="宋体" panose="02010600030101010101" pitchFamily="2" charset="-122"/>
-                <a:ea typeface="宋体" panose="02010600030101010101" pitchFamily="2" charset="-122"/>
-                <a:cs typeface="宋体" panose="02010600030101010101" pitchFamily="2" charset="-122"/>
-              </a:rPr>
-              <a:t>）。</a:t>
-            </a:r>
-            <a:endParaRPr lang="zh-CN" altLang="en-US" sz="1600">
-              <a:latin typeface="宋体" panose="02010600030101010101" pitchFamily="2" charset="-122"/>
-              <a:ea typeface="宋体" panose="02010600030101010101" pitchFamily="2" charset="-122"/>
-              <a:cs typeface="宋体" panose="02010600030101010101" pitchFamily="2" charset="-122"/>
-            </a:endParaRPr>
-          </a:p>
-          <a:p>
-            <a:endParaRPr lang="zh-CN" altLang="en-US" sz="1600">
-              <a:latin typeface="宋体" panose="02010600030101010101" pitchFamily="2" charset="-122"/>
-              <a:ea typeface="宋体" panose="02010600030101010101" pitchFamily="2" charset="-122"/>
-              <a:cs typeface="宋体" panose="02010600030101010101" pitchFamily="2" charset="-122"/>
-            </a:endParaRPr>
-          </a:p>
-          <a:p>
-            <a:r>
-              <a:rPr lang="zh-CN" altLang="en-US" sz="1600">
-                <a:latin typeface="宋体" panose="02010600030101010101" pitchFamily="2" charset="-122"/>
-                <a:ea typeface="宋体" panose="02010600030101010101" pitchFamily="2" charset="-122"/>
-                <a:cs typeface="宋体" panose="02010600030101010101" pitchFamily="2" charset="-122"/>
-              </a:rPr>
-              <a:t>一、普通流</a:t>
-            </a:r>
-            <a:endParaRPr lang="zh-CN" altLang="en-US" sz="1600">
-              <a:latin typeface="宋体" panose="02010600030101010101" pitchFamily="2" charset="-122"/>
-              <a:ea typeface="宋体" panose="02010600030101010101" pitchFamily="2" charset="-122"/>
-              <a:cs typeface="宋体" panose="02010600030101010101" pitchFamily="2" charset="-122"/>
-            </a:endParaRPr>
-          </a:p>
-          <a:p>
-            <a:r>
-              <a:rPr lang="zh-CN" altLang="en-US" sz="1600">
-                <a:latin typeface="宋体" panose="02010600030101010101" pitchFamily="2" charset="-122"/>
-                <a:ea typeface="宋体" panose="02010600030101010101" pitchFamily="2" charset="-122"/>
-                <a:cs typeface="宋体" panose="02010600030101010101" pitchFamily="2" charset="-122"/>
-              </a:rPr>
-              <a:t>　　除非专门指定，否则所有框都在普通流中定位。普通流中元素框的位置由元素在(X)HTML中的位置决定。块级元素从上到下依次排列，框之间的垂直距离由框的垂直margin计算得到。行内元素在一行中水平布置。</a:t>
-            </a:r>
-            <a:endParaRPr lang="zh-CN" altLang="en-US" sz="1600">
-              <a:latin typeface="宋体" panose="02010600030101010101" pitchFamily="2" charset="-122"/>
-              <a:ea typeface="宋体" panose="02010600030101010101" pitchFamily="2" charset="-122"/>
-              <a:cs typeface="宋体" panose="02010600030101010101" pitchFamily="2" charset="-122"/>
-            </a:endParaRPr>
-          </a:p>
-          <a:p>
-            <a:endParaRPr lang="zh-CN" altLang="en-US" sz="1600">
-              <a:latin typeface="宋体" panose="02010600030101010101" pitchFamily="2" charset="-122"/>
-              <a:ea typeface="宋体" panose="02010600030101010101" pitchFamily="2" charset="-122"/>
-              <a:cs typeface="宋体" panose="02010600030101010101" pitchFamily="2" charset="-122"/>
-            </a:endParaRPr>
-          </a:p>
-          <a:p>
-            <a:r>
-              <a:rPr lang="zh-CN" altLang="en-US" sz="1600">
-                <a:latin typeface="宋体" panose="02010600030101010101" pitchFamily="2" charset="-122"/>
-                <a:ea typeface="宋体" panose="02010600030101010101" pitchFamily="2" charset="-122"/>
-                <a:cs typeface="宋体" panose="02010600030101010101" pitchFamily="2" charset="-122"/>
-              </a:rPr>
-              <a:t>二</a:t>
-            </a:r>
-            <a:r>
-              <a:rPr lang="zh-CN" altLang="en-US" sz="1600">
-                <a:latin typeface="宋体" panose="02010600030101010101" pitchFamily="2" charset="-122"/>
-                <a:ea typeface="宋体" panose="02010600030101010101" pitchFamily="2" charset="-122"/>
-                <a:cs typeface="宋体" panose="02010600030101010101" pitchFamily="2" charset="-122"/>
-              </a:rPr>
-              <a:t>、浮动</a:t>
-            </a:r>
-            <a:endParaRPr lang="zh-CN" altLang="en-US" sz="1600">
-              <a:latin typeface="宋体" panose="02010600030101010101" pitchFamily="2" charset="-122"/>
-              <a:ea typeface="宋体" panose="02010600030101010101" pitchFamily="2" charset="-122"/>
-              <a:cs typeface="宋体" panose="02010600030101010101" pitchFamily="2" charset="-122"/>
-            </a:endParaRPr>
-          </a:p>
-          <a:p>
-            <a:r>
-              <a:rPr lang="zh-CN" altLang="en-US" sz="1600">
-                <a:latin typeface="宋体" panose="02010600030101010101" pitchFamily="2" charset="-122"/>
-                <a:ea typeface="宋体" panose="02010600030101010101" pitchFamily="2" charset="-122"/>
-                <a:cs typeface="宋体" panose="02010600030101010101" pitchFamily="2" charset="-122"/>
-              </a:rPr>
-              <a:t>　　浮动的框可以在左右移动，直到它的外边框边缘碰到包含框或另一个浮动框的边缘。浮动的框脱离普通流。</a:t>
-            </a:r>
-            <a:endParaRPr lang="zh-CN" altLang="en-US" sz="1600">
-              <a:latin typeface="宋体" panose="02010600030101010101" pitchFamily="2" charset="-122"/>
-              <a:ea typeface="宋体" panose="02010600030101010101" pitchFamily="2" charset="-122"/>
-              <a:cs typeface="宋体" panose="02010600030101010101" pitchFamily="2" charset="-122"/>
-            </a:endParaRPr>
-          </a:p>
-          <a:p>
-            <a:r>
-              <a:rPr lang="zh-CN" altLang="en-US" sz="1600">
-                <a:latin typeface="宋体" panose="02010600030101010101" pitchFamily="2" charset="-122"/>
-                <a:ea typeface="宋体" panose="02010600030101010101" pitchFamily="2" charset="-122"/>
-                <a:cs typeface="宋体" panose="02010600030101010101" pitchFamily="2" charset="-122"/>
-              </a:rPr>
-              <a:t>　　如果包含块太窄，无法容纳水平排列的浮动元素，那么其他浮动块向下移动，直到有足够多的空间。如果浮动元素的高度不同，那么当它们向下移动时可能会被其他浮动元素卡住。</a:t>
-            </a:r>
-            <a:endParaRPr lang="zh-CN" altLang="en-US" sz="1600">
-              <a:latin typeface="宋体" panose="02010600030101010101" pitchFamily="2" charset="-122"/>
-              <a:ea typeface="宋体" panose="02010600030101010101" pitchFamily="2" charset="-122"/>
-              <a:cs typeface="宋体" panose="02010600030101010101" pitchFamily="2" charset="-122"/>
-            </a:endParaRPr>
-          </a:p>
-          <a:p>
-            <a:r>
-              <a:rPr lang="zh-CN" altLang="en-US" sz="1600">
-                <a:latin typeface="宋体" panose="02010600030101010101" pitchFamily="2" charset="-122"/>
-                <a:ea typeface="宋体" panose="02010600030101010101" pitchFamily="2" charset="-122"/>
-                <a:cs typeface="宋体" panose="02010600030101010101" pitchFamily="2" charset="-122"/>
-              </a:rPr>
-              <a:t>　　行内元素会围绕着浮动框排列。</a:t>
-            </a:r>
-            <a:endParaRPr lang="zh-CN" altLang="en-US" sz="1600">
-              <a:latin typeface="宋体" panose="02010600030101010101" pitchFamily="2" charset="-122"/>
-              <a:ea typeface="宋体" panose="02010600030101010101" pitchFamily="2" charset="-122"/>
-              <a:cs typeface="宋体" panose="02010600030101010101" pitchFamily="2" charset="-122"/>
-            </a:endParaRPr>
-          </a:p>
-          <a:p>
-            <a:endParaRPr lang="zh-CN" altLang="en-US" sz="1600">
-              <a:latin typeface="宋体" panose="02010600030101010101" pitchFamily="2" charset="-122"/>
-              <a:ea typeface="宋体" panose="02010600030101010101" pitchFamily="2" charset="-122"/>
-              <a:cs typeface="宋体" panose="02010600030101010101" pitchFamily="2" charset="-122"/>
-            </a:endParaRPr>
-          </a:p>
-          <a:p>
-            <a:r>
-              <a:rPr lang="zh-CN" altLang="en-US" sz="1600">
-                <a:latin typeface="宋体" panose="02010600030101010101" pitchFamily="2" charset="-122"/>
-                <a:ea typeface="宋体" panose="02010600030101010101" pitchFamily="2" charset="-122"/>
-                <a:cs typeface="宋体" panose="02010600030101010101" pitchFamily="2" charset="-122"/>
-              </a:rPr>
-              <a:t>三</a:t>
-            </a:r>
-            <a:r>
-              <a:rPr lang="zh-CN" altLang="en-US" sz="1600">
-                <a:latin typeface="宋体" panose="02010600030101010101" pitchFamily="2" charset="-122"/>
-                <a:ea typeface="宋体" panose="02010600030101010101" pitchFamily="2" charset="-122"/>
-                <a:cs typeface="宋体" panose="02010600030101010101" pitchFamily="2" charset="-122"/>
-              </a:rPr>
-              <a:t>、定位</a:t>
-            </a:r>
-            <a:endParaRPr lang="zh-CN" altLang="en-US" sz="1600">
-              <a:latin typeface="宋体" panose="02010600030101010101" pitchFamily="2" charset="-122"/>
-              <a:ea typeface="宋体" panose="02010600030101010101" pitchFamily="2" charset="-122"/>
-              <a:cs typeface="宋体" panose="02010600030101010101" pitchFamily="2" charset="-122"/>
-            </a:endParaRPr>
-          </a:p>
-          <a:p>
-            <a:r>
-              <a:rPr lang="zh-CN" altLang="en-US" sz="1600">
-                <a:latin typeface="宋体" panose="02010600030101010101" pitchFamily="2" charset="-122"/>
-                <a:ea typeface="宋体" panose="02010600030101010101" pitchFamily="2" charset="-122"/>
-                <a:cs typeface="宋体" panose="02010600030101010101" pitchFamily="2" charset="-122"/>
-              </a:rPr>
-              <a:t>　　１、相对定位</a:t>
-            </a:r>
-            <a:endParaRPr lang="zh-CN" altLang="en-US" sz="1600">
-              <a:latin typeface="宋体" panose="02010600030101010101" pitchFamily="2" charset="-122"/>
-              <a:ea typeface="宋体" panose="02010600030101010101" pitchFamily="2" charset="-122"/>
-              <a:cs typeface="宋体" panose="02010600030101010101" pitchFamily="2" charset="-122"/>
-            </a:endParaRPr>
-          </a:p>
-          <a:p>
-            <a:r>
-              <a:rPr lang="zh-CN" altLang="en-US" sz="1600">
-                <a:latin typeface="宋体" panose="02010600030101010101" pitchFamily="2" charset="-122"/>
-                <a:ea typeface="宋体" panose="02010600030101010101" pitchFamily="2" charset="-122"/>
-                <a:cs typeface="宋体" panose="02010600030101010101" pitchFamily="2" charset="-122"/>
-              </a:rPr>
-              <a:t>　　被看作普通流定位模型的一部分，定位元素的位置相对于它在普通流中的位置进行移动。使用相对定位的元素不管它是否进行移动，元素仍要占据它原来的位置。移动元素会导致它覆盖其他的框。</a:t>
-            </a:r>
-            <a:endParaRPr lang="zh-CN" altLang="en-US" sz="1600">
-              <a:latin typeface="宋体" panose="02010600030101010101" pitchFamily="2" charset="-122"/>
-              <a:ea typeface="宋体" panose="02010600030101010101" pitchFamily="2" charset="-122"/>
-              <a:cs typeface="宋体" panose="02010600030101010101" pitchFamily="2" charset="-122"/>
-            </a:endParaRPr>
-          </a:p>
-          <a:p>
-            <a:r>
-              <a:rPr lang="zh-CN" altLang="en-US" sz="1600">
-                <a:latin typeface="宋体" panose="02010600030101010101" pitchFamily="2" charset="-122"/>
-                <a:ea typeface="宋体" panose="02010600030101010101" pitchFamily="2" charset="-122"/>
-                <a:cs typeface="宋体" panose="02010600030101010101" pitchFamily="2" charset="-122"/>
-              </a:rPr>
-              <a:t>　２、绝对定位</a:t>
-            </a:r>
-            <a:endParaRPr lang="zh-CN" altLang="en-US" sz="1600">
-              <a:latin typeface="宋体" panose="02010600030101010101" pitchFamily="2" charset="-122"/>
-              <a:ea typeface="宋体" panose="02010600030101010101" pitchFamily="2" charset="-122"/>
-              <a:cs typeface="宋体" panose="02010600030101010101" pitchFamily="2" charset="-122"/>
-            </a:endParaRPr>
-          </a:p>
-          <a:p>
-            <a:r>
-              <a:rPr lang="zh-CN" altLang="en-US" sz="1600">
-                <a:latin typeface="宋体" panose="02010600030101010101" pitchFamily="2" charset="-122"/>
-                <a:ea typeface="宋体" panose="02010600030101010101" pitchFamily="2" charset="-122"/>
-                <a:cs typeface="宋体" panose="02010600030101010101" pitchFamily="2" charset="-122"/>
-              </a:rPr>
-              <a:t>　　相对于已定位的最近的祖先元素，如果没有已定位的最近的祖先元素，那么它的位置就相对于最初的包含块（如body）。绝对定位的框可以从它的包含块向上、右、下、左移动。</a:t>
-            </a:r>
-            <a:endParaRPr lang="zh-CN" altLang="en-US" sz="1600">
-              <a:latin typeface="宋体" panose="02010600030101010101" pitchFamily="2" charset="-122"/>
-              <a:ea typeface="宋体" panose="02010600030101010101" pitchFamily="2" charset="-122"/>
-              <a:cs typeface="宋体" panose="02010600030101010101" pitchFamily="2" charset="-122"/>
-            </a:endParaRPr>
-          </a:p>
-          <a:p>
-            <a:r>
-              <a:rPr lang="zh-CN" altLang="en-US" sz="1600">
-                <a:latin typeface="宋体" panose="02010600030101010101" pitchFamily="2" charset="-122"/>
-                <a:ea typeface="宋体" panose="02010600030101010101" pitchFamily="2" charset="-122"/>
-                <a:cs typeface="宋体" panose="02010600030101010101" pitchFamily="2" charset="-122"/>
-              </a:rPr>
-              <a:t>　　绝对定位的框脱离普通流，所以它可以覆盖页面上的其他元素，可以通过设置Ｚ-Iindex属性来控制这些框的堆放次序。</a:t>
+              <a:t>z</a:t>
+            </a:r>
+            <a:r>
+              <a:rPr lang="zh-CN" altLang="en-US" sz="1600">
+                <a:latin typeface="宋体" panose="02010600030101010101" pitchFamily="2" charset="-122"/>
+                <a:ea typeface="宋体" panose="02010600030101010101" pitchFamily="2" charset="-122"/>
+                <a:cs typeface="宋体" panose="02010600030101010101" pitchFamily="2" charset="-122"/>
+              </a:rPr>
+              <a:t>-Iindex属性来控制这些框的堆放次序。</a:t>
             </a:r>
             <a:endParaRPr lang="zh-CN" altLang="en-US" sz="1600">
               <a:latin typeface="宋体" panose="02010600030101010101" pitchFamily="2" charset="-122"/>
@@ -9437,7 +9498,7 @@
         <p:spPr>
           <a:xfrm>
             <a:off x="156845" y="782955"/>
-            <a:ext cx="11812905" cy="3538220"/>
+            <a:ext cx="11812905" cy="2306955"/>
           </a:xfrm>
           <a:prstGeom prst="rect">
             <a:avLst/>
@@ -9555,7 +9616,16 @@
                 <a:cs typeface="宋体" panose="02010600030101010101" pitchFamily="2" charset="-122"/>
                 <a:sym typeface="+mn-ea"/>
               </a:rPr>
-              <a:t>Z-index </a:t>
+              <a:t>z</a:t>
+            </a:r>
+            <a:r>
+              <a:rPr lang="en-US" altLang="zh-CN" sz="1600">
+                <a:latin typeface="宋体" panose="02010600030101010101" pitchFamily="2" charset="-122"/>
+                <a:ea typeface="宋体" panose="02010600030101010101" pitchFamily="2" charset="-122"/>
+                <a:cs typeface="宋体" panose="02010600030101010101" pitchFamily="2" charset="-122"/>
+                <a:sym typeface="+mn-ea"/>
+              </a:rPr>
+              <a:t>-index </a:t>
             </a:r>
             <a:r>
               <a:rPr lang="zh-CN" altLang="en-US" sz="1600">
@@ -9626,115 +9696,6 @@
                 <a:sym typeface="+mn-ea"/>
               </a:rPr>
               <a:t>轴定义为垂直延伸到显示区的轴。如果为正数，则离用户更近，为负数则表示离用户更远。</a:t>
-            </a:r>
-            <a:endParaRPr lang="zh-CN" altLang="en-US" sz="1600">
-              <a:latin typeface="宋体" panose="02010600030101010101" pitchFamily="2" charset="-122"/>
-              <a:ea typeface="宋体" panose="02010600030101010101" pitchFamily="2" charset="-122"/>
-              <a:cs typeface="宋体" panose="02010600030101010101" pitchFamily="2" charset="-122"/>
-              <a:sym typeface="+mn-ea"/>
-            </a:endParaRPr>
-          </a:p>
-          <a:p>
-            <a:pPr algn="l">
-              <a:buClrTx/>
-              <a:buSzTx/>
-              <a:buNone/>
-            </a:pPr>
-            <a:endParaRPr lang="zh-CN" altLang="en-US" sz="1600">
-              <a:latin typeface="宋体" panose="02010600030101010101" pitchFamily="2" charset="-122"/>
-              <a:ea typeface="宋体" panose="02010600030101010101" pitchFamily="2" charset="-122"/>
-              <a:cs typeface="宋体" panose="02010600030101010101" pitchFamily="2" charset="-122"/>
-            </a:endParaRPr>
-          </a:p>
-          <a:p>
-            <a:pPr algn="l">
-              <a:buClrTx/>
-              <a:buSzTx/>
-              <a:buNone/>
-            </a:pPr>
-            <a:r>
-              <a:rPr lang="zh-CN" altLang="en-US" sz="1600">
-                <a:latin typeface="宋体" panose="02010600030101010101" pitchFamily="2" charset="-122"/>
-                <a:ea typeface="宋体" panose="02010600030101010101" pitchFamily="2" charset="-122"/>
-                <a:cs typeface="宋体" panose="02010600030101010101" pitchFamily="2" charset="-122"/>
-                <a:sym typeface="+mn-ea"/>
-              </a:rPr>
-              <a:t>哪些元素可以</a:t>
-            </a:r>
-            <a:r>
-              <a:rPr lang="zh-CN" altLang="en-US" sz="1600">
-                <a:solidFill>
-                  <a:srgbClr val="FF0000"/>
-                </a:solidFill>
-                <a:latin typeface="宋体" panose="02010600030101010101" pitchFamily="2" charset="-122"/>
-                <a:ea typeface="宋体" panose="02010600030101010101" pitchFamily="2" charset="-122"/>
-                <a:cs typeface="宋体" panose="02010600030101010101" pitchFamily="2" charset="-122"/>
-                <a:sym typeface="+mn-ea"/>
-              </a:rPr>
-              <a:t>设置width、height属性</a:t>
-            </a:r>
-            <a:endParaRPr lang="zh-CN" altLang="en-US" sz="1600">
-              <a:latin typeface="宋体" panose="02010600030101010101" pitchFamily="2" charset="-122"/>
-              <a:ea typeface="宋体" panose="02010600030101010101" pitchFamily="2" charset="-122"/>
-              <a:cs typeface="宋体" panose="02010600030101010101" pitchFamily="2" charset="-122"/>
-            </a:endParaRPr>
-          </a:p>
-          <a:p>
-            <a:pPr algn="l">
-              <a:buClrTx/>
-              <a:buSzTx/>
-              <a:buNone/>
-            </a:pPr>
-            <a:r>
-              <a:rPr lang="zh-CN" altLang="en-US" sz="1600">
-                <a:latin typeface="宋体" panose="02010600030101010101" pitchFamily="2" charset="-122"/>
-                <a:ea typeface="宋体" panose="02010600030101010101" pitchFamily="2" charset="-122"/>
-                <a:cs typeface="宋体" panose="02010600030101010101" pitchFamily="2" charset="-122"/>
-                <a:sym typeface="+mn-ea"/>
-              </a:rPr>
-              <a:t>A.块级元素(如div,h1,h2,h3,h4,h5,h6,ul,ol,li,table,tr,td,th)</a:t>
-            </a:r>
-            <a:endParaRPr lang="zh-CN" altLang="en-US" sz="1600">
-              <a:latin typeface="宋体" panose="02010600030101010101" pitchFamily="2" charset="-122"/>
-              <a:ea typeface="宋体" panose="02010600030101010101" pitchFamily="2" charset="-122"/>
-              <a:cs typeface="宋体" panose="02010600030101010101" pitchFamily="2" charset="-122"/>
-            </a:endParaRPr>
-          </a:p>
-          <a:p>
-            <a:pPr algn="l">
-              <a:buClrTx/>
-              <a:buSzTx/>
-              <a:buNone/>
-            </a:pPr>
-            <a:r>
-              <a:rPr lang="zh-CN" altLang="en-US" sz="1600">
-                <a:latin typeface="宋体" panose="02010600030101010101" pitchFamily="2" charset="-122"/>
-                <a:ea typeface="宋体" panose="02010600030101010101" pitchFamily="2" charset="-122"/>
-                <a:cs typeface="宋体" panose="02010600030101010101" pitchFamily="2" charset="-122"/>
-                <a:sym typeface="+mn-ea"/>
-              </a:rPr>
-              <a:t>B.本身具有width、height属性的HTML元素(如img)</a:t>
-            </a:r>
-            <a:endParaRPr lang="zh-CN" altLang="en-US" sz="1600">
-              <a:latin typeface="宋体" panose="02010600030101010101" pitchFamily="2" charset="-122"/>
-              <a:ea typeface="宋体" panose="02010600030101010101" pitchFamily="2" charset="-122"/>
-              <a:cs typeface="宋体" panose="02010600030101010101" pitchFamily="2" charset="-122"/>
-            </a:endParaRPr>
-          </a:p>
-          <a:p>
-            <a:pPr algn="l">
-              <a:buClrTx/>
-              <a:buSzTx/>
-              <a:buNone/>
-            </a:pPr>
-            <a:r>
-              <a:rPr lang="zh-CN" altLang="en-US" sz="1600">
-                <a:latin typeface="宋体" panose="02010600030101010101" pitchFamily="2" charset="-122"/>
-                <a:ea typeface="宋体" panose="02010600030101010101" pitchFamily="2" charset="-122"/>
-                <a:cs typeface="宋体" panose="02010600030101010101" pitchFamily="2" charset="-122"/>
-                <a:sym typeface="+mn-ea"/>
-              </a:rPr>
-              <a:t>C.表单控件(如单行文本框、密码框、多行文本框等)</a:t>
             </a:r>
             <a:endParaRPr lang="zh-CN" altLang="en-US" sz="1600">
               <a:latin typeface="宋体" panose="02010600030101010101" pitchFamily="2" charset="-122"/>
@@ -10327,8 +10288,8 @@
         </p:nvSpPr>
         <p:spPr>
           <a:xfrm>
-            <a:off x="231140" y="810260"/>
-            <a:ext cx="11730355" cy="3784600"/>
+            <a:off x="156845" y="782955"/>
+            <a:ext cx="11812905" cy="1076325"/>
           </a:xfrm>
           <a:prstGeom prst="rect">
             <a:avLst/>
@@ -10340,76 +10301,7 @@
             <a:spAutoFit/>
           </a:bodyPr>
           <a:p>
-            <a:r>
-              <a:rPr lang="zh-CN" altLang="en-US" sz="1600">
-                <a:latin typeface="宋体" panose="02010600030101010101" pitchFamily="2" charset="-122"/>
-                <a:ea typeface="宋体" panose="02010600030101010101" pitchFamily="2" charset="-122"/>
-                <a:cs typeface="宋体" panose="02010600030101010101" pitchFamily="2" charset="-122"/>
-              </a:rPr>
-              <a:t>CSS background 属性</a:t>
-            </a:r>
-            <a:endParaRPr lang="zh-CN" altLang="en-US" sz="1600">
-              <a:latin typeface="宋体" panose="02010600030101010101" pitchFamily="2" charset="-122"/>
-              <a:ea typeface="宋体" panose="02010600030101010101" pitchFamily="2" charset="-122"/>
-              <a:cs typeface="宋体" panose="02010600030101010101" pitchFamily="2" charset="-122"/>
-            </a:endParaRPr>
-          </a:p>
-          <a:p>
-            <a:r>
-              <a:rPr lang="zh-CN" altLang="en-US" sz="1600">
-                <a:latin typeface="宋体" panose="02010600030101010101" pitchFamily="2" charset="-122"/>
-                <a:ea typeface="宋体" panose="02010600030101010101" pitchFamily="2" charset="-122"/>
-                <a:cs typeface="宋体" panose="02010600030101010101" pitchFamily="2" charset="-122"/>
-              </a:rPr>
-              <a:t>background 简写属性在一个声明中设置所有的背景属性。</a:t>
-            </a:r>
-            <a:endParaRPr lang="zh-CN" altLang="en-US" sz="1600">
-              <a:latin typeface="宋体" panose="02010600030101010101" pitchFamily="2" charset="-122"/>
-              <a:ea typeface="宋体" panose="02010600030101010101" pitchFamily="2" charset="-122"/>
-              <a:cs typeface="宋体" panose="02010600030101010101" pitchFamily="2" charset="-122"/>
-            </a:endParaRPr>
-          </a:p>
-          <a:p>
-            <a:endParaRPr lang="zh-CN" altLang="en-US" sz="1600">
-              <a:latin typeface="宋体" panose="02010600030101010101" pitchFamily="2" charset="-122"/>
-              <a:ea typeface="宋体" panose="02010600030101010101" pitchFamily="2" charset="-122"/>
-              <a:cs typeface="宋体" panose="02010600030101010101" pitchFamily="2" charset="-122"/>
-            </a:endParaRPr>
-          </a:p>
-          <a:p>
-            <a:r>
-              <a:rPr lang="zh-CN" altLang="en-US" sz="1600">
-                <a:latin typeface="宋体" panose="02010600030101010101" pitchFamily="2" charset="-122"/>
-                <a:ea typeface="宋体" panose="02010600030101010101" pitchFamily="2" charset="-122"/>
-                <a:cs typeface="宋体" panose="02010600030101010101" pitchFamily="2" charset="-122"/>
-              </a:rPr>
-              <a:t>可以设置如下属性：</a:t>
-            </a:r>
-            <a:endParaRPr lang="zh-CN" altLang="en-US" sz="1600">
-              <a:latin typeface="宋体" panose="02010600030101010101" pitchFamily="2" charset="-122"/>
-              <a:ea typeface="宋体" panose="02010600030101010101" pitchFamily="2" charset="-122"/>
-              <a:cs typeface="宋体" panose="02010600030101010101" pitchFamily="2" charset="-122"/>
-            </a:endParaRPr>
-          </a:p>
-          <a:p>
-            <a:pPr lvl="1"/>
-            <a:r>
-              <a:rPr lang="zh-CN" altLang="en-US" sz="1600">
-                <a:latin typeface="宋体" panose="02010600030101010101" pitchFamily="2" charset="-122"/>
-                <a:ea typeface="宋体" panose="02010600030101010101" pitchFamily="2" charset="-122"/>
-                <a:cs typeface="宋体" panose="02010600030101010101" pitchFamily="2" charset="-122"/>
-                <a:sym typeface="+mn-ea"/>
-              </a:rPr>
-              <a:t>background-color	规定要使用的背景颜色。	</a:t>
-            </a:r>
-            <a:endParaRPr lang="zh-CN" altLang="en-US" sz="1600">
-              <a:latin typeface="宋体" panose="02010600030101010101" pitchFamily="2" charset="-122"/>
-              <a:ea typeface="宋体" panose="02010600030101010101" pitchFamily="2" charset="-122"/>
-              <a:cs typeface="宋体" panose="02010600030101010101" pitchFamily="2" charset="-122"/>
-            </a:endParaRPr>
-          </a:p>
-          <a:p>
-            <a:pPr lvl="1" algn="l">
+            <a:pPr algn="l">
               <a:buClrTx/>
               <a:buSzTx/>
               <a:buNone/>
@@ -10421,16 +10313,28 @@
                 <a:cs typeface="宋体" panose="02010600030101010101" pitchFamily="2" charset="-122"/>
                 <a:sym typeface="+mn-ea"/>
               </a:rPr>
-              <a:t>background-position	规定背景图像的位置。	</a:t>
-            </a:r>
-            <a:endParaRPr lang="zh-CN" altLang="en-US" sz="1600">
-              <a:latin typeface="宋体" panose="02010600030101010101" pitchFamily="2" charset="-122"/>
-              <a:ea typeface="宋体" panose="02010600030101010101" pitchFamily="2" charset="-122"/>
-              <a:cs typeface="宋体" panose="02010600030101010101" pitchFamily="2" charset="-122"/>
-            </a:endParaRPr>
-          </a:p>
-          <a:p>
-            <a:pPr lvl="1" algn="l">
+              <a:t>哪些元素可以</a:t>
+            </a:r>
+            <a:r>
+              <a:rPr lang="zh-CN" altLang="en-US" sz="1600">
+                <a:solidFill>
+                  <a:srgbClr val="FF0000"/>
+                </a:solidFill>
+                <a:latin typeface="宋体" panose="02010600030101010101" pitchFamily="2" charset="-122"/>
+                <a:ea typeface="宋体" panose="02010600030101010101" pitchFamily="2" charset="-122"/>
+                <a:cs typeface="宋体" panose="02010600030101010101" pitchFamily="2" charset="-122"/>
+                <a:sym typeface="+mn-ea"/>
+              </a:rPr>
+              <a:t>设置width、height属性</a:t>
+            </a:r>
+            <a:endParaRPr lang="zh-CN" altLang="en-US" sz="1600">
+              <a:latin typeface="宋体" panose="02010600030101010101" pitchFamily="2" charset="-122"/>
+              <a:ea typeface="宋体" panose="02010600030101010101" pitchFamily="2" charset="-122"/>
+              <a:cs typeface="宋体" panose="02010600030101010101" pitchFamily="2" charset="-122"/>
+            </a:endParaRPr>
+          </a:p>
+          <a:p>
+            <a:pPr algn="l">
               <a:buClrTx/>
               <a:buSzTx/>
               <a:buNone/>
@@ -10442,16 +10346,16 @@
                 <a:cs typeface="宋体" panose="02010600030101010101" pitchFamily="2" charset="-122"/>
                 <a:sym typeface="+mn-ea"/>
               </a:rPr>
-              <a:t>background-size	规定背景图片的尺寸。	</a:t>
-            </a:r>
-            <a:endParaRPr lang="zh-CN" altLang="en-US" sz="1600">
-              <a:latin typeface="宋体" panose="02010600030101010101" pitchFamily="2" charset="-122"/>
-              <a:ea typeface="宋体" panose="02010600030101010101" pitchFamily="2" charset="-122"/>
-              <a:cs typeface="宋体" panose="02010600030101010101" pitchFamily="2" charset="-122"/>
-            </a:endParaRPr>
-          </a:p>
-          <a:p>
-            <a:pPr lvl="1" algn="l">
+              <a:t>A.块级元素(如div,h1,h2,h3,h4,h5,h6,ul,ol,li,table,tr,td,th)</a:t>
+            </a:r>
+            <a:endParaRPr lang="zh-CN" altLang="en-US" sz="1600">
+              <a:latin typeface="宋体" panose="02010600030101010101" pitchFamily="2" charset="-122"/>
+              <a:ea typeface="宋体" panose="02010600030101010101" pitchFamily="2" charset="-122"/>
+              <a:cs typeface="宋体" panose="02010600030101010101" pitchFamily="2" charset="-122"/>
+            </a:endParaRPr>
+          </a:p>
+          <a:p>
+            <a:pPr algn="l">
               <a:buClrTx/>
               <a:buSzTx/>
               <a:buNone/>
@@ -10463,34 +10367,16 @@
                 <a:cs typeface="宋体" panose="02010600030101010101" pitchFamily="2" charset="-122"/>
                 <a:sym typeface="+mn-ea"/>
               </a:rPr>
-              <a:t>background-repeat	规定如何重复背景图像（</a:t>
-            </a:r>
-            <a:r>
-              <a:rPr lang="zh-CN" altLang="en-US" sz="1600">
-                <a:latin typeface="宋体" panose="02010600030101010101" pitchFamily="2" charset="-122"/>
-                <a:ea typeface="宋体" panose="02010600030101010101" pitchFamily="2" charset="-122"/>
-                <a:cs typeface="宋体" panose="02010600030101010101" pitchFamily="2" charset="-122"/>
-                <a:sym typeface="+mn-ea"/>
-              </a:rPr>
-              <a:t>repeat-x|repeat-y|no-repeat</a:t>
-            </a:r>
-            <a:r>
-              <a:rPr lang="zh-CN" altLang="en-US" sz="1600">
-                <a:latin typeface="宋体" panose="02010600030101010101" pitchFamily="2" charset="-122"/>
-                <a:ea typeface="宋体" panose="02010600030101010101" pitchFamily="2" charset="-122"/>
-                <a:cs typeface="宋体" panose="02010600030101010101" pitchFamily="2" charset="-122"/>
-                <a:sym typeface="+mn-ea"/>
-              </a:rPr>
-              <a:t>）。	</a:t>
-            </a:r>
-            <a:endParaRPr lang="zh-CN" altLang="en-US" sz="1600">
-              <a:latin typeface="宋体" panose="02010600030101010101" pitchFamily="2" charset="-122"/>
-              <a:ea typeface="宋体" panose="02010600030101010101" pitchFamily="2" charset="-122"/>
-              <a:cs typeface="宋体" panose="02010600030101010101" pitchFamily="2" charset="-122"/>
-            </a:endParaRPr>
-          </a:p>
-          <a:p>
-            <a:pPr lvl="1" algn="l">
+              <a:t>B.本身具有width、height属性的HTML元素(如img)</a:t>
+            </a:r>
+            <a:endParaRPr lang="zh-CN" altLang="en-US" sz="1600">
+              <a:latin typeface="宋体" panose="02010600030101010101" pitchFamily="2" charset="-122"/>
+              <a:ea typeface="宋体" panose="02010600030101010101" pitchFamily="2" charset="-122"/>
+              <a:cs typeface="宋体" panose="02010600030101010101" pitchFamily="2" charset="-122"/>
+            </a:endParaRPr>
+          </a:p>
+          <a:p>
+            <a:pPr algn="l">
               <a:buClrTx/>
               <a:buSzTx/>
               <a:buNone/>
@@ -10502,132 +10388,9 @@
                 <a:cs typeface="宋体" panose="02010600030101010101" pitchFamily="2" charset="-122"/>
                 <a:sym typeface="+mn-ea"/>
               </a:rPr>
-              <a:t>background-origin	规定背景图片的定位区域。	</a:t>
-            </a:r>
-            <a:endParaRPr lang="zh-CN" altLang="en-US" sz="1600">
-              <a:latin typeface="宋体" panose="02010600030101010101" pitchFamily="2" charset="-122"/>
-              <a:ea typeface="宋体" panose="02010600030101010101" pitchFamily="2" charset="-122"/>
-              <a:cs typeface="宋体" panose="02010600030101010101" pitchFamily="2" charset="-122"/>
-            </a:endParaRPr>
-          </a:p>
-          <a:p>
-            <a:pPr lvl="1" algn="l">
-              <a:buClrTx/>
-              <a:buSzTx/>
-              <a:buNone/>
-            </a:pPr>
-            <a:r>
-              <a:rPr lang="zh-CN" altLang="en-US" sz="1600">
-                <a:latin typeface="宋体" panose="02010600030101010101" pitchFamily="2" charset="-122"/>
-                <a:ea typeface="宋体" panose="02010600030101010101" pitchFamily="2" charset="-122"/>
-                <a:cs typeface="宋体" panose="02010600030101010101" pitchFamily="2" charset="-122"/>
-                <a:sym typeface="+mn-ea"/>
-              </a:rPr>
-              <a:t>background-clip	规定背景的绘制区域。	</a:t>
-            </a:r>
-            <a:endParaRPr lang="zh-CN" altLang="en-US" sz="1600">
-              <a:latin typeface="宋体" panose="02010600030101010101" pitchFamily="2" charset="-122"/>
-              <a:ea typeface="宋体" panose="02010600030101010101" pitchFamily="2" charset="-122"/>
-              <a:cs typeface="宋体" panose="02010600030101010101" pitchFamily="2" charset="-122"/>
-            </a:endParaRPr>
-          </a:p>
-          <a:p>
-            <a:pPr lvl="1" algn="l">
-              <a:buClrTx/>
-              <a:buSzTx/>
-              <a:buNone/>
-            </a:pPr>
-            <a:r>
-              <a:rPr lang="zh-CN" altLang="en-US" sz="1600">
-                <a:latin typeface="宋体" panose="02010600030101010101" pitchFamily="2" charset="-122"/>
-                <a:ea typeface="宋体" panose="02010600030101010101" pitchFamily="2" charset="-122"/>
-                <a:cs typeface="宋体" panose="02010600030101010101" pitchFamily="2" charset="-122"/>
-                <a:sym typeface="+mn-ea"/>
-              </a:rPr>
-              <a:t>background-attachment	规定背景图像是否固定或者随着页面的其余部分滚动（scroll|fixed）。	</a:t>
-            </a:r>
-            <a:endParaRPr lang="zh-CN" altLang="en-US" sz="1600">
-              <a:latin typeface="宋体" panose="02010600030101010101" pitchFamily="2" charset="-122"/>
-              <a:ea typeface="宋体" panose="02010600030101010101" pitchFamily="2" charset="-122"/>
-              <a:cs typeface="宋体" panose="02010600030101010101" pitchFamily="2" charset="-122"/>
-            </a:endParaRPr>
-          </a:p>
-          <a:p>
-            <a:pPr lvl="1" algn="l">
-              <a:buClrTx/>
-              <a:buSzTx/>
-              <a:buNone/>
-            </a:pPr>
-            <a:r>
-              <a:rPr lang="zh-CN" altLang="en-US" sz="1600">
-                <a:latin typeface="宋体" panose="02010600030101010101" pitchFamily="2" charset="-122"/>
-                <a:ea typeface="宋体" panose="02010600030101010101" pitchFamily="2" charset="-122"/>
-                <a:cs typeface="宋体" panose="02010600030101010101" pitchFamily="2" charset="-122"/>
-                <a:sym typeface="+mn-ea"/>
-              </a:rPr>
-              <a:t>background-image	规定要使用的背景图像。	</a:t>
-            </a:r>
-            <a:endParaRPr lang="zh-CN" altLang="en-US" sz="1600">
-              <a:latin typeface="宋体" panose="02010600030101010101" pitchFamily="2" charset="-122"/>
-              <a:ea typeface="宋体" panose="02010600030101010101" pitchFamily="2" charset="-122"/>
-              <a:cs typeface="宋体" panose="02010600030101010101" pitchFamily="2" charset="-122"/>
-            </a:endParaRPr>
-          </a:p>
-          <a:p>
-            <a:pPr lvl="1" algn="l">
-              <a:buClrTx/>
-              <a:buSzTx/>
-              <a:buNone/>
-            </a:pPr>
-            <a:r>
-              <a:rPr lang="zh-CN" altLang="en-US" sz="1600">
-                <a:latin typeface="宋体" panose="02010600030101010101" pitchFamily="2" charset="-122"/>
-                <a:ea typeface="宋体" panose="02010600030101010101" pitchFamily="2" charset="-122"/>
-                <a:cs typeface="宋体" panose="02010600030101010101" pitchFamily="2" charset="-122"/>
-                <a:sym typeface="+mn-ea"/>
-              </a:rPr>
-              <a:t>inherit		规定应该从父元素继承 background 属性的设置。</a:t>
-            </a:r>
-            <a:endParaRPr lang="zh-CN" altLang="en-US" sz="1600">
-              <a:latin typeface="宋体" panose="02010600030101010101" pitchFamily="2" charset="-122"/>
-              <a:ea typeface="宋体" panose="02010600030101010101" pitchFamily="2" charset="-122"/>
-              <a:cs typeface="宋体" panose="02010600030101010101" pitchFamily="2" charset="-122"/>
-            </a:endParaRPr>
-          </a:p>
-          <a:p>
-            <a:endParaRPr lang="zh-CN" altLang="en-US" sz="1600">
-              <a:latin typeface="宋体" panose="02010600030101010101" pitchFamily="2" charset="-122"/>
-              <a:ea typeface="宋体" panose="02010600030101010101" pitchFamily="2" charset="-122"/>
-              <a:cs typeface="宋体" panose="02010600030101010101" pitchFamily="2" charset="-122"/>
-              <a:sym typeface="+mn-ea"/>
-            </a:endParaRPr>
-          </a:p>
-          <a:p>
-            <a:r>
-              <a:rPr lang="zh-CN" altLang="en-US" sz="1600">
-                <a:solidFill>
-                  <a:srgbClr val="FF0000"/>
-                </a:solidFill>
-                <a:latin typeface="宋体" panose="02010600030101010101" pitchFamily="2" charset="-122"/>
-                <a:ea typeface="宋体" panose="02010600030101010101" pitchFamily="2" charset="-122"/>
-                <a:cs typeface="宋体" panose="02010600030101010101" pitchFamily="2" charset="-122"/>
-                <a:sym typeface="+mn-ea"/>
-              </a:rPr>
-              <a:t>语法:background:color url(图像URL) repeat attachment position;</a:t>
-            </a:r>
-            <a:r>
-              <a:rPr lang="zh-CN" altLang="en-US" sz="1600">
-                <a:solidFill>
-                  <a:srgbClr val="FF0000"/>
-                </a:solidFill>
-                <a:latin typeface="宋体" panose="02010600030101010101" pitchFamily="2" charset="-122"/>
-                <a:ea typeface="宋体" panose="02010600030101010101" pitchFamily="2" charset="-122"/>
-                <a:cs typeface="宋体" panose="02010600030101010101" pitchFamily="2" charset="-122"/>
-                <a:sym typeface="+mn-ea"/>
-              </a:rPr>
-              <a:t>	</a:t>
-            </a:r>
-            <a:endParaRPr lang="en-US" altLang="zh-CN" sz="1600">
+              <a:t>C.表单控件(如单行文本框、密码框、多行文本框等)</a:t>
+            </a:r>
+            <a:endParaRPr lang="zh-CN" altLang="en-US" sz="1600">
               <a:latin typeface="宋体" panose="02010600030101010101" pitchFamily="2" charset="-122"/>
               <a:ea typeface="宋体" panose="02010600030101010101" pitchFamily="2" charset="-122"/>
               <a:cs typeface="宋体" panose="02010600030101010101" pitchFamily="2" charset="-122"/>
@@ -10669,14 +10432,14 @@
       <p:grpSpPr/>
       <p:sp>
         <p:nvSpPr>
-          <p:cNvPr id="3" name="文本框 2"/>
+          <p:cNvPr id="2" name="文本框 1"/>
           <p:cNvSpPr txBox="1"/>
           <p:nvPr/>
         </p:nvSpPr>
         <p:spPr>
           <a:xfrm>
-            <a:off x="147955" y="800735"/>
-            <a:ext cx="11830685" cy="3046095"/>
+            <a:off x="231140" y="810260"/>
+            <a:ext cx="11730355" cy="3784600"/>
           </a:xfrm>
           <a:prstGeom prst="rect">
             <a:avLst/>
@@ -10694,147 +10457,70 @@
                 <a:ea typeface="宋体" panose="02010600030101010101" pitchFamily="2" charset="-122"/>
                 <a:cs typeface="宋体" panose="02010600030101010101" pitchFamily="2" charset="-122"/>
               </a:rPr>
-              <a:t>CSS opacity 属性</a:t>
-            </a:r>
-            <a:r>
-              <a:rPr lang="en-US" altLang="zh-CN" sz="1600">
-                <a:latin typeface="宋体" panose="02010600030101010101" pitchFamily="2" charset="-122"/>
-                <a:ea typeface="宋体" panose="02010600030101010101" pitchFamily="2" charset="-122"/>
-                <a:cs typeface="宋体" panose="02010600030101010101" pitchFamily="2" charset="-122"/>
-              </a:rPr>
-              <a:t>:</a:t>
-            </a:r>
-            <a:endParaRPr lang="en-US" altLang="zh-CN" sz="1600">
-              <a:latin typeface="宋体" panose="02010600030101010101" pitchFamily="2" charset="-122"/>
-              <a:ea typeface="宋体" panose="02010600030101010101" pitchFamily="2" charset="-122"/>
-              <a:cs typeface="宋体" panose="02010600030101010101" pitchFamily="2" charset="-122"/>
-            </a:endParaRPr>
-          </a:p>
-          <a:p>
-            <a:r>
-              <a:rPr lang="zh-CN" altLang="en-US" sz="1600">
-                <a:latin typeface="宋体" panose="02010600030101010101" pitchFamily="2" charset="-122"/>
-                <a:ea typeface="宋体" panose="02010600030101010101" pitchFamily="2" charset="-122"/>
-                <a:cs typeface="宋体" panose="02010600030101010101" pitchFamily="2" charset="-122"/>
-              </a:rPr>
-              <a:t>定义透明效果</a:t>
-            </a:r>
-            <a:endParaRPr lang="zh-CN" altLang="en-US" sz="1600">
-              <a:latin typeface="宋体" panose="02010600030101010101" pitchFamily="2" charset="-122"/>
-              <a:ea typeface="宋体" panose="02010600030101010101" pitchFamily="2" charset="-122"/>
-              <a:cs typeface="宋体" panose="02010600030101010101" pitchFamily="2" charset="-122"/>
-            </a:endParaRPr>
-          </a:p>
-          <a:p>
-            <a:endParaRPr lang="zh-CN" altLang="en-US" sz="1600">
-              <a:latin typeface="宋体" panose="02010600030101010101" pitchFamily="2" charset="-122"/>
-              <a:ea typeface="宋体" panose="02010600030101010101" pitchFamily="2" charset="-122"/>
-              <a:cs typeface="宋体" panose="02010600030101010101" pitchFamily="2" charset="-122"/>
-            </a:endParaRPr>
-          </a:p>
-          <a:p>
-            <a:r>
-              <a:rPr lang="zh-CN" altLang="en-US" sz="1600">
-                <a:latin typeface="宋体" panose="02010600030101010101" pitchFamily="2" charset="-122"/>
-                <a:ea typeface="宋体" panose="02010600030101010101" pitchFamily="2" charset="-122"/>
-                <a:cs typeface="宋体" panose="02010600030101010101" pitchFamily="2" charset="-122"/>
-              </a:rPr>
-              <a:t>IE9, Firefox, Chrome, Opera 和 Safari 使用属性 opacity 来设定透明度。</a:t>
-            </a:r>
-            <a:r>
-              <a:rPr lang="zh-CN" altLang="en-US" sz="1600">
-                <a:solidFill>
-                  <a:srgbClr val="FF0000"/>
-                </a:solidFill>
-                <a:latin typeface="宋体" panose="02010600030101010101" pitchFamily="2" charset="-122"/>
-                <a:ea typeface="宋体" panose="02010600030101010101" pitchFamily="2" charset="-122"/>
-                <a:cs typeface="宋体" panose="02010600030101010101" pitchFamily="2" charset="-122"/>
-              </a:rPr>
-              <a:t>opacity </a:t>
-            </a:r>
-            <a:r>
-              <a:rPr lang="zh-CN" altLang="en-US" sz="1600">
-                <a:latin typeface="宋体" panose="02010600030101010101" pitchFamily="2" charset="-122"/>
-                <a:ea typeface="宋体" panose="02010600030101010101" pitchFamily="2" charset="-122"/>
-                <a:cs typeface="宋体" panose="02010600030101010101" pitchFamily="2" charset="-122"/>
-              </a:rPr>
-              <a:t>属性能够设置的值从 0.0 到 1.0。值越小，越透明。</a:t>
-            </a:r>
-            <a:endParaRPr lang="zh-CN" altLang="en-US" sz="1600">
-              <a:latin typeface="宋体" panose="02010600030101010101" pitchFamily="2" charset="-122"/>
-              <a:ea typeface="宋体" panose="02010600030101010101" pitchFamily="2" charset="-122"/>
-              <a:cs typeface="宋体" panose="02010600030101010101" pitchFamily="2" charset="-122"/>
-            </a:endParaRPr>
-          </a:p>
-          <a:p>
-            <a:r>
-              <a:rPr lang="zh-CN" altLang="en-US" sz="1600">
-                <a:latin typeface="宋体" panose="02010600030101010101" pitchFamily="2" charset="-122"/>
-                <a:ea typeface="宋体" panose="02010600030101010101" pitchFamily="2" charset="-122"/>
-                <a:cs typeface="宋体" panose="02010600030101010101" pitchFamily="2" charset="-122"/>
-              </a:rPr>
-              <a:t>IE8 以及更早的版本使用滤镜 filter:alpha(opacity=x)。x 能够取的值从 0 到 100。值越小，越透明。</a:t>
-            </a:r>
-            <a:endParaRPr lang="zh-CN" altLang="en-US" sz="1600">
-              <a:latin typeface="宋体" panose="02010600030101010101" pitchFamily="2" charset="-122"/>
-              <a:ea typeface="宋体" panose="02010600030101010101" pitchFamily="2" charset="-122"/>
-              <a:cs typeface="宋体" panose="02010600030101010101" pitchFamily="2" charset="-122"/>
-            </a:endParaRPr>
-          </a:p>
-          <a:p>
-            <a:endParaRPr lang="zh-CN" altLang="en-US" sz="1600">
-              <a:latin typeface="宋体" panose="02010600030101010101" pitchFamily="2" charset="-122"/>
-              <a:ea typeface="宋体" panose="02010600030101010101" pitchFamily="2" charset="-122"/>
-              <a:cs typeface="宋体" panose="02010600030101010101" pitchFamily="2" charset="-122"/>
-            </a:endParaRPr>
-          </a:p>
-          <a:p>
-            <a:endParaRPr lang="zh-CN" altLang="en-US" sz="1600">
-              <a:latin typeface="宋体" panose="02010600030101010101" pitchFamily="2" charset="-122"/>
-              <a:ea typeface="宋体" panose="02010600030101010101" pitchFamily="2" charset="-122"/>
-              <a:cs typeface="宋体" panose="02010600030101010101" pitchFamily="2" charset="-122"/>
-            </a:endParaRPr>
-          </a:p>
-          <a:p>
-            <a:r>
-              <a:rPr lang="zh-CN" altLang="en-US" sz="1600">
-                <a:latin typeface="宋体" panose="02010600030101010101" pitchFamily="2" charset="-122"/>
-                <a:ea typeface="宋体" panose="02010600030101010101" pitchFamily="2" charset="-122"/>
-                <a:cs typeface="宋体" panose="02010600030101010101" pitchFamily="2" charset="-122"/>
-              </a:rPr>
-              <a:t>CSS cursor 属性</a:t>
-            </a:r>
-            <a:r>
-              <a:rPr lang="en-US" altLang="zh-CN" sz="1600">
-                <a:latin typeface="宋体" panose="02010600030101010101" pitchFamily="2" charset="-122"/>
-                <a:ea typeface="宋体" panose="02010600030101010101" pitchFamily="2" charset="-122"/>
-                <a:cs typeface="宋体" panose="02010600030101010101" pitchFamily="2" charset="-122"/>
-              </a:rPr>
-              <a:t>:</a:t>
-            </a:r>
-            <a:endParaRPr lang="en-US" altLang="zh-CN" sz="1600">
-              <a:latin typeface="宋体" panose="02010600030101010101" pitchFamily="2" charset="-122"/>
-              <a:ea typeface="宋体" panose="02010600030101010101" pitchFamily="2" charset="-122"/>
-              <a:cs typeface="宋体" panose="02010600030101010101" pitchFamily="2" charset="-122"/>
-            </a:endParaRPr>
-          </a:p>
-          <a:p>
-            <a:r>
-              <a:rPr lang="en-US" altLang="zh-CN" sz="1600">
-                <a:latin typeface="宋体" panose="02010600030101010101" pitchFamily="2" charset="-122"/>
-                <a:ea typeface="宋体" panose="02010600030101010101" pitchFamily="2" charset="-122"/>
-                <a:cs typeface="宋体" panose="02010600030101010101" pitchFamily="2" charset="-122"/>
-              </a:rPr>
-              <a:t>cursor 属性规定要显示的光标的类型（形状）</a:t>
-            </a:r>
-            <a:endParaRPr lang="en-US" altLang="zh-CN" sz="1600">
-              <a:latin typeface="宋体" panose="02010600030101010101" pitchFamily="2" charset="-122"/>
-              <a:ea typeface="宋体" panose="02010600030101010101" pitchFamily="2" charset="-122"/>
-              <a:cs typeface="宋体" panose="02010600030101010101" pitchFamily="2" charset="-122"/>
-            </a:endParaRPr>
-          </a:p>
-          <a:p>
-            <a:pPr algn="l">
+              <a:t>CSS background 属性</a:t>
+            </a:r>
+            <a:endParaRPr lang="zh-CN" altLang="en-US" sz="1600">
+              <a:latin typeface="宋体" panose="02010600030101010101" pitchFamily="2" charset="-122"/>
+              <a:ea typeface="宋体" panose="02010600030101010101" pitchFamily="2" charset="-122"/>
+              <a:cs typeface="宋体" panose="02010600030101010101" pitchFamily="2" charset="-122"/>
+            </a:endParaRPr>
+          </a:p>
+          <a:p>
+            <a:r>
+              <a:rPr lang="zh-CN" altLang="en-US" sz="1600">
+                <a:latin typeface="宋体" panose="02010600030101010101" pitchFamily="2" charset="-122"/>
+                <a:ea typeface="宋体" panose="02010600030101010101" pitchFamily="2" charset="-122"/>
+                <a:cs typeface="宋体" panose="02010600030101010101" pitchFamily="2" charset="-122"/>
+              </a:rPr>
+              <a:t>background 简写属性在一个声明中设置所有的背景属性。</a:t>
+            </a:r>
+            <a:endParaRPr lang="zh-CN" altLang="en-US" sz="1600">
+              <a:latin typeface="宋体" panose="02010600030101010101" pitchFamily="2" charset="-122"/>
+              <a:ea typeface="宋体" panose="02010600030101010101" pitchFamily="2" charset="-122"/>
+              <a:cs typeface="宋体" panose="02010600030101010101" pitchFamily="2" charset="-122"/>
+            </a:endParaRPr>
+          </a:p>
+          <a:p>
+            <a:endParaRPr lang="zh-CN" altLang="en-US" sz="1600">
+              <a:latin typeface="宋体" panose="02010600030101010101" pitchFamily="2" charset="-122"/>
+              <a:ea typeface="宋体" panose="02010600030101010101" pitchFamily="2" charset="-122"/>
+              <a:cs typeface="宋体" panose="02010600030101010101" pitchFamily="2" charset="-122"/>
+            </a:endParaRPr>
+          </a:p>
+          <a:p>
+            <a:r>
+              <a:rPr lang="zh-CN" altLang="en-US" sz="1600">
+                <a:latin typeface="宋体" panose="02010600030101010101" pitchFamily="2" charset="-122"/>
+                <a:ea typeface="宋体" panose="02010600030101010101" pitchFamily="2" charset="-122"/>
+                <a:cs typeface="宋体" panose="02010600030101010101" pitchFamily="2" charset="-122"/>
+              </a:rPr>
+              <a:t>可以设置如下属性：</a:t>
+            </a:r>
+            <a:endParaRPr lang="zh-CN" altLang="en-US" sz="1600">
+              <a:latin typeface="宋体" panose="02010600030101010101" pitchFamily="2" charset="-122"/>
+              <a:ea typeface="宋体" panose="02010600030101010101" pitchFamily="2" charset="-122"/>
+              <a:cs typeface="宋体" panose="02010600030101010101" pitchFamily="2" charset="-122"/>
+            </a:endParaRPr>
+          </a:p>
+          <a:p>
+            <a:pPr lvl="1"/>
+            <a:r>
+              <a:rPr lang="zh-CN" altLang="en-US" sz="1600">
+                <a:latin typeface="宋体" panose="02010600030101010101" pitchFamily="2" charset="-122"/>
+                <a:ea typeface="宋体" panose="02010600030101010101" pitchFamily="2" charset="-122"/>
+                <a:cs typeface="宋体" panose="02010600030101010101" pitchFamily="2" charset="-122"/>
+                <a:sym typeface="+mn-ea"/>
+              </a:rPr>
+              <a:t>background-color	规定要使用的背景颜色。	</a:t>
+            </a:r>
+            <a:endParaRPr lang="zh-CN" altLang="en-US" sz="1600">
+              <a:latin typeface="宋体" panose="02010600030101010101" pitchFamily="2" charset="-122"/>
+              <a:ea typeface="宋体" panose="02010600030101010101" pitchFamily="2" charset="-122"/>
+              <a:cs typeface="宋体" panose="02010600030101010101" pitchFamily="2" charset="-122"/>
+            </a:endParaRPr>
+          </a:p>
+          <a:p>
+            <a:pPr lvl="1" algn="l">
               <a:buClrTx/>
               <a:buSzTx/>
               <a:buNone/>
@@ -10846,13 +10532,216 @@
                 <a:cs typeface="宋体" panose="02010600030101010101" pitchFamily="2" charset="-122"/>
                 <a:sym typeface="+mn-ea"/>
               </a:rPr>
-              <a:t>cursor 属性定义了鼠标指针放在一个元素边界范围内时所用的光标形状，该属性常用的取值有：auto、default 、pointer 、crosshair 、move 、text 、wait、help 和 URL等。其中，auto 值表示由浏览器自动根据元素类型设置光标形状。</a:t>
-            </a:r>
+              <a:t>background-position	规定背景图像的位置。	</a:t>
+            </a:r>
+            <a:endParaRPr lang="zh-CN" altLang="en-US" sz="1600">
+              <a:latin typeface="宋体" panose="02010600030101010101" pitchFamily="2" charset="-122"/>
+              <a:ea typeface="宋体" panose="02010600030101010101" pitchFamily="2" charset="-122"/>
+              <a:cs typeface="宋体" panose="02010600030101010101" pitchFamily="2" charset="-122"/>
+            </a:endParaRPr>
+          </a:p>
+          <a:p>
+            <a:pPr lvl="1" algn="l">
+              <a:buClrTx/>
+              <a:buSzTx/>
+              <a:buNone/>
+            </a:pPr>
+            <a:r>
+              <a:rPr lang="zh-CN" altLang="en-US" sz="1600">
+                <a:latin typeface="宋体" panose="02010600030101010101" pitchFamily="2" charset="-122"/>
+                <a:ea typeface="宋体" panose="02010600030101010101" pitchFamily="2" charset="-122"/>
+                <a:cs typeface="宋体" panose="02010600030101010101" pitchFamily="2" charset="-122"/>
+                <a:sym typeface="+mn-ea"/>
+              </a:rPr>
+              <a:t>background-size	规定背景图片的尺寸。	</a:t>
+            </a:r>
+            <a:endParaRPr lang="zh-CN" altLang="en-US" sz="1600">
+              <a:latin typeface="宋体" panose="02010600030101010101" pitchFamily="2" charset="-122"/>
+              <a:ea typeface="宋体" panose="02010600030101010101" pitchFamily="2" charset="-122"/>
+              <a:cs typeface="宋体" panose="02010600030101010101" pitchFamily="2" charset="-122"/>
+            </a:endParaRPr>
+          </a:p>
+          <a:p>
+            <a:pPr lvl="1" algn="l">
+              <a:buClrTx/>
+              <a:buSzTx/>
+              <a:buNone/>
+            </a:pPr>
+            <a:r>
+              <a:rPr lang="zh-CN" altLang="en-US" sz="1600">
+                <a:latin typeface="宋体" panose="02010600030101010101" pitchFamily="2" charset="-122"/>
+                <a:ea typeface="宋体" panose="02010600030101010101" pitchFamily="2" charset="-122"/>
+                <a:cs typeface="宋体" panose="02010600030101010101" pitchFamily="2" charset="-122"/>
+                <a:sym typeface="+mn-ea"/>
+              </a:rPr>
+              <a:t>background-repeat	规定如何重复背景图像（</a:t>
+            </a:r>
+            <a:r>
+              <a:rPr lang="zh-CN" altLang="en-US" sz="1600">
+                <a:latin typeface="宋体" panose="02010600030101010101" pitchFamily="2" charset="-122"/>
+                <a:ea typeface="宋体" panose="02010600030101010101" pitchFamily="2" charset="-122"/>
+                <a:cs typeface="宋体" panose="02010600030101010101" pitchFamily="2" charset="-122"/>
+                <a:sym typeface="+mn-ea"/>
+              </a:rPr>
+              <a:t>repeat-x|repeat-y|no-repeat</a:t>
+            </a:r>
+            <a:r>
+              <a:rPr lang="zh-CN" altLang="en-US" sz="1600">
+                <a:latin typeface="宋体" panose="02010600030101010101" pitchFamily="2" charset="-122"/>
+                <a:ea typeface="宋体" panose="02010600030101010101" pitchFamily="2" charset="-122"/>
+                <a:cs typeface="宋体" panose="02010600030101010101" pitchFamily="2" charset="-122"/>
+                <a:sym typeface="+mn-ea"/>
+              </a:rPr>
+              <a:t>）。	</a:t>
+            </a:r>
+            <a:endParaRPr lang="zh-CN" altLang="en-US" sz="1600">
+              <a:latin typeface="宋体" panose="02010600030101010101" pitchFamily="2" charset="-122"/>
+              <a:ea typeface="宋体" panose="02010600030101010101" pitchFamily="2" charset="-122"/>
+              <a:cs typeface="宋体" panose="02010600030101010101" pitchFamily="2" charset="-122"/>
+            </a:endParaRPr>
+          </a:p>
+          <a:p>
+            <a:pPr lvl="1" algn="l">
+              <a:buClrTx/>
+              <a:buSzTx/>
+              <a:buNone/>
+            </a:pPr>
+            <a:r>
+              <a:rPr lang="zh-CN" altLang="en-US" sz="1600">
+                <a:latin typeface="宋体" panose="02010600030101010101" pitchFamily="2" charset="-122"/>
+                <a:ea typeface="宋体" panose="02010600030101010101" pitchFamily="2" charset="-122"/>
+                <a:cs typeface="宋体" panose="02010600030101010101" pitchFamily="2" charset="-122"/>
+                <a:sym typeface="+mn-ea"/>
+              </a:rPr>
+              <a:t>background-origin	规定背景图片的定位区域。	</a:t>
+            </a:r>
+            <a:endParaRPr lang="zh-CN" altLang="en-US" sz="1600">
+              <a:latin typeface="宋体" panose="02010600030101010101" pitchFamily="2" charset="-122"/>
+              <a:ea typeface="宋体" panose="02010600030101010101" pitchFamily="2" charset="-122"/>
+              <a:cs typeface="宋体" panose="02010600030101010101" pitchFamily="2" charset="-122"/>
+            </a:endParaRPr>
+          </a:p>
+          <a:p>
+            <a:pPr lvl="1" algn="l">
+              <a:buClrTx/>
+              <a:buSzTx/>
+              <a:buNone/>
+            </a:pPr>
+            <a:r>
+              <a:rPr lang="zh-CN" altLang="en-US" sz="1600">
+                <a:latin typeface="宋体" panose="02010600030101010101" pitchFamily="2" charset="-122"/>
+                <a:ea typeface="宋体" panose="02010600030101010101" pitchFamily="2" charset="-122"/>
+                <a:cs typeface="宋体" panose="02010600030101010101" pitchFamily="2" charset="-122"/>
+                <a:sym typeface="+mn-ea"/>
+              </a:rPr>
+              <a:t>background-clip	规定背景的绘制区域。	</a:t>
+            </a:r>
+            <a:endParaRPr lang="zh-CN" altLang="en-US" sz="1600">
+              <a:latin typeface="宋体" panose="02010600030101010101" pitchFamily="2" charset="-122"/>
+              <a:ea typeface="宋体" panose="02010600030101010101" pitchFamily="2" charset="-122"/>
+              <a:cs typeface="宋体" panose="02010600030101010101" pitchFamily="2" charset="-122"/>
+            </a:endParaRPr>
+          </a:p>
+          <a:p>
+            <a:pPr lvl="1" algn="l">
+              <a:buClrTx/>
+              <a:buSzTx/>
+              <a:buNone/>
+            </a:pPr>
+            <a:r>
+              <a:rPr lang="zh-CN" altLang="en-US" sz="1600">
+                <a:latin typeface="宋体" panose="02010600030101010101" pitchFamily="2" charset="-122"/>
+                <a:ea typeface="宋体" panose="02010600030101010101" pitchFamily="2" charset="-122"/>
+                <a:cs typeface="宋体" panose="02010600030101010101" pitchFamily="2" charset="-122"/>
+                <a:sym typeface="+mn-ea"/>
+              </a:rPr>
+              <a:t>background-attachment	规定背景图像是否固定或者随着页面的其余部分滚动（scroll|fixed）。	</a:t>
+            </a:r>
+            <a:endParaRPr lang="zh-CN" altLang="en-US" sz="1600">
+              <a:latin typeface="宋体" panose="02010600030101010101" pitchFamily="2" charset="-122"/>
+              <a:ea typeface="宋体" panose="02010600030101010101" pitchFamily="2" charset="-122"/>
+              <a:cs typeface="宋体" panose="02010600030101010101" pitchFamily="2" charset="-122"/>
+            </a:endParaRPr>
+          </a:p>
+          <a:p>
+            <a:pPr lvl="1" algn="l">
+              <a:buClrTx/>
+              <a:buSzTx/>
+              <a:buNone/>
+            </a:pPr>
+            <a:r>
+              <a:rPr lang="zh-CN" altLang="en-US" sz="1600">
+                <a:latin typeface="宋体" panose="02010600030101010101" pitchFamily="2" charset="-122"/>
+                <a:ea typeface="宋体" panose="02010600030101010101" pitchFamily="2" charset="-122"/>
+                <a:cs typeface="宋体" panose="02010600030101010101" pitchFamily="2" charset="-122"/>
+                <a:sym typeface="+mn-ea"/>
+              </a:rPr>
+              <a:t>background-image	规定要使用的背景图像。	</a:t>
+            </a:r>
+            <a:endParaRPr lang="zh-CN" altLang="en-US" sz="1600">
+              <a:latin typeface="宋体" panose="02010600030101010101" pitchFamily="2" charset="-122"/>
+              <a:ea typeface="宋体" panose="02010600030101010101" pitchFamily="2" charset="-122"/>
+              <a:cs typeface="宋体" panose="02010600030101010101" pitchFamily="2" charset="-122"/>
+            </a:endParaRPr>
+          </a:p>
+          <a:p>
+            <a:pPr lvl="1" algn="l">
+              <a:buClrTx/>
+              <a:buSzTx/>
+              <a:buNone/>
+            </a:pPr>
+            <a:r>
+              <a:rPr lang="zh-CN" altLang="en-US" sz="1600">
+                <a:latin typeface="宋体" panose="02010600030101010101" pitchFamily="2" charset="-122"/>
+                <a:ea typeface="宋体" panose="02010600030101010101" pitchFamily="2" charset="-122"/>
+                <a:cs typeface="宋体" panose="02010600030101010101" pitchFamily="2" charset="-122"/>
+                <a:sym typeface="+mn-ea"/>
+              </a:rPr>
+              <a:t>inherit		规定应该从父元素继承 background 属性的设置。</a:t>
+            </a:r>
+            <a:endParaRPr lang="zh-CN" altLang="en-US" sz="1600">
+              <a:latin typeface="宋体" panose="02010600030101010101" pitchFamily="2" charset="-122"/>
+              <a:ea typeface="宋体" panose="02010600030101010101" pitchFamily="2" charset="-122"/>
+              <a:cs typeface="宋体" panose="02010600030101010101" pitchFamily="2" charset="-122"/>
+            </a:endParaRPr>
+          </a:p>
+          <a:p>
             <a:endParaRPr lang="zh-CN" altLang="en-US" sz="1600">
               <a:latin typeface="宋体" panose="02010600030101010101" pitchFamily="2" charset="-122"/>
               <a:ea typeface="宋体" panose="02010600030101010101" pitchFamily="2" charset="-122"/>
               <a:cs typeface="宋体" panose="02010600030101010101" pitchFamily="2" charset="-122"/>
               <a:sym typeface="+mn-ea"/>
+            </a:endParaRPr>
+          </a:p>
+          <a:p>
+            <a:r>
+              <a:rPr lang="zh-CN" altLang="en-US" sz="1600">
+                <a:solidFill>
+                  <a:srgbClr val="FF0000"/>
+                </a:solidFill>
+                <a:latin typeface="宋体" panose="02010600030101010101" pitchFamily="2" charset="-122"/>
+                <a:ea typeface="宋体" panose="02010600030101010101" pitchFamily="2" charset="-122"/>
+                <a:cs typeface="宋体" panose="02010600030101010101" pitchFamily="2" charset="-122"/>
+                <a:sym typeface="+mn-ea"/>
+              </a:rPr>
+              <a:t>语法:background:color url(图像URL) repeat attachment position;</a:t>
+            </a:r>
+            <a:r>
+              <a:rPr lang="zh-CN" altLang="en-US" sz="1600">
+                <a:solidFill>
+                  <a:srgbClr val="FF0000"/>
+                </a:solidFill>
+                <a:latin typeface="宋体" panose="02010600030101010101" pitchFamily="2" charset="-122"/>
+                <a:ea typeface="宋体" panose="02010600030101010101" pitchFamily="2" charset="-122"/>
+                <a:cs typeface="宋体" panose="02010600030101010101" pitchFamily="2" charset="-122"/>
+                <a:sym typeface="+mn-ea"/>
+              </a:rPr>
+              <a:t>	</a:t>
+            </a:r>
+            <a:endParaRPr lang="en-US" altLang="zh-CN" sz="1600">
+              <a:latin typeface="宋体" panose="02010600030101010101" pitchFamily="2" charset="-122"/>
+              <a:ea typeface="宋体" panose="02010600030101010101" pitchFamily="2" charset="-122"/>
+              <a:cs typeface="宋体" panose="02010600030101010101" pitchFamily="2" charset="-122"/>
             </a:endParaRPr>
           </a:p>
         </p:txBody>
@@ -10891,14 +10780,14 @@
       <p:grpSpPr/>
       <p:sp>
         <p:nvSpPr>
-          <p:cNvPr id="2" name="文本框 1"/>
+          <p:cNvPr id="3" name="文本框 2"/>
           <p:cNvSpPr txBox="1"/>
           <p:nvPr/>
         </p:nvSpPr>
         <p:spPr>
           <a:xfrm>
-            <a:off x="166370" y="773430"/>
-            <a:ext cx="11912600" cy="6000750"/>
+            <a:off x="147955" y="800735"/>
+            <a:ext cx="11830685" cy="1568450"/>
           </a:xfrm>
           <a:prstGeom prst="rect">
             <a:avLst/>
@@ -10916,357 +10805,92 @@
                 <a:ea typeface="宋体" panose="02010600030101010101" pitchFamily="2" charset="-122"/>
                 <a:cs typeface="宋体" panose="02010600030101010101" pitchFamily="2" charset="-122"/>
               </a:rPr>
-              <a:t>CSS3 transform 属性（变形、转换</a:t>
-            </a:r>
-            <a:r>
-              <a:rPr lang="zh-CN" altLang="en-US" sz="1600">
-                <a:latin typeface="宋体" panose="02010600030101010101" pitchFamily="2" charset="-122"/>
-                <a:ea typeface="宋体" panose="02010600030101010101" pitchFamily="2" charset="-122"/>
-                <a:cs typeface="宋体" panose="02010600030101010101" pitchFamily="2" charset="-122"/>
-              </a:rPr>
-              <a:t>）</a:t>
-            </a:r>
-            <a:endParaRPr lang="zh-CN" altLang="en-US" sz="1600">
-              <a:latin typeface="宋体" panose="02010600030101010101" pitchFamily="2" charset="-122"/>
-              <a:ea typeface="宋体" panose="02010600030101010101" pitchFamily="2" charset="-122"/>
-              <a:cs typeface="宋体" panose="02010600030101010101" pitchFamily="2" charset="-122"/>
-            </a:endParaRPr>
-          </a:p>
-          <a:p>
-            <a:r>
-              <a:rPr lang="zh-CN" altLang="en-US" sz="1600">
-                <a:latin typeface="宋体" panose="02010600030101010101" pitchFamily="2" charset="-122"/>
-                <a:ea typeface="宋体" panose="02010600030101010101" pitchFamily="2" charset="-122"/>
-                <a:cs typeface="宋体" panose="02010600030101010101" pitchFamily="2" charset="-122"/>
-              </a:rPr>
-              <a:t>transform 属性向元素应用 2D 或 3D 转换。该属性允许我们对元素进行旋转、缩放、移动或倾斜。</a:t>
-            </a:r>
-            <a:endParaRPr lang="zh-CN" altLang="en-US" sz="1600">
-              <a:latin typeface="宋体" panose="02010600030101010101" pitchFamily="2" charset="-122"/>
-              <a:ea typeface="宋体" panose="02010600030101010101" pitchFamily="2" charset="-122"/>
-              <a:cs typeface="宋体" panose="02010600030101010101" pitchFamily="2" charset="-122"/>
-            </a:endParaRPr>
-          </a:p>
-          <a:p>
-            <a:endParaRPr lang="zh-CN" altLang="en-US" sz="1600">
-              <a:latin typeface="宋体" panose="02010600030101010101" pitchFamily="2" charset="-122"/>
-              <a:ea typeface="宋体" panose="02010600030101010101" pitchFamily="2" charset="-122"/>
-              <a:cs typeface="宋体" panose="02010600030101010101" pitchFamily="2" charset="-122"/>
-            </a:endParaRPr>
-          </a:p>
-          <a:p>
-            <a:r>
-              <a:rPr lang="zh-CN" altLang="en-US" sz="1600">
-                <a:latin typeface="宋体" panose="02010600030101010101" pitchFamily="2" charset="-122"/>
-                <a:ea typeface="宋体" panose="02010600030101010101" pitchFamily="2" charset="-122"/>
-                <a:cs typeface="宋体" panose="02010600030101010101" pitchFamily="2" charset="-122"/>
-              </a:rPr>
-              <a:t>matrix(n,n,n,n,n,n)	定义 2D 转换，使用六个值的矩阵。</a:t>
-            </a:r>
-            <a:endParaRPr lang="zh-CN" altLang="en-US" sz="1600">
-              <a:latin typeface="宋体" panose="02010600030101010101" pitchFamily="2" charset="-122"/>
-              <a:ea typeface="宋体" panose="02010600030101010101" pitchFamily="2" charset="-122"/>
-              <a:cs typeface="宋体" panose="02010600030101010101" pitchFamily="2" charset="-122"/>
-            </a:endParaRPr>
-          </a:p>
-          <a:p>
-            <a:r>
-              <a:rPr lang="zh-CN" altLang="en-US" sz="1600">
-                <a:latin typeface="宋体" panose="02010600030101010101" pitchFamily="2" charset="-122"/>
-                <a:ea typeface="宋体" panose="02010600030101010101" pitchFamily="2" charset="-122"/>
-                <a:cs typeface="宋体" panose="02010600030101010101" pitchFamily="2" charset="-122"/>
-              </a:rPr>
-              <a:t>matrix3d(n,n,n,n,n,n,n,n,n,n,n,n,n,n,n,n)	定义 3D 转换，使用 16 个值的 4x4 矩阵。	</a:t>
-            </a:r>
-            <a:endParaRPr lang="zh-CN" altLang="en-US" sz="1600">
-              <a:latin typeface="宋体" panose="02010600030101010101" pitchFamily="2" charset="-122"/>
-              <a:ea typeface="宋体" panose="02010600030101010101" pitchFamily="2" charset="-122"/>
-              <a:cs typeface="宋体" panose="02010600030101010101" pitchFamily="2" charset="-122"/>
-            </a:endParaRPr>
-          </a:p>
-          <a:p>
-            <a:r>
-              <a:rPr lang="zh-CN" altLang="en-US" sz="1600">
-                <a:latin typeface="宋体" panose="02010600030101010101" pitchFamily="2" charset="-122"/>
-                <a:ea typeface="宋体" panose="02010600030101010101" pitchFamily="2" charset="-122"/>
-                <a:cs typeface="宋体" panose="02010600030101010101" pitchFamily="2" charset="-122"/>
-              </a:rPr>
-              <a:t>translate(x,y)	定义 2D 转换。	</a:t>
-            </a:r>
-            <a:endParaRPr lang="zh-CN" altLang="en-US" sz="1600">
-              <a:latin typeface="宋体" panose="02010600030101010101" pitchFamily="2" charset="-122"/>
-              <a:ea typeface="宋体" panose="02010600030101010101" pitchFamily="2" charset="-122"/>
-              <a:cs typeface="宋体" panose="02010600030101010101" pitchFamily="2" charset="-122"/>
-            </a:endParaRPr>
-          </a:p>
-          <a:p>
-            <a:r>
-              <a:rPr lang="zh-CN" altLang="en-US" sz="1600">
-                <a:latin typeface="宋体" panose="02010600030101010101" pitchFamily="2" charset="-122"/>
-                <a:ea typeface="宋体" panose="02010600030101010101" pitchFamily="2" charset="-122"/>
-                <a:cs typeface="宋体" panose="02010600030101010101" pitchFamily="2" charset="-122"/>
-              </a:rPr>
-              <a:t>translate3d(x,y,z)	定义 3D 转换。	</a:t>
-            </a:r>
-            <a:endParaRPr lang="zh-CN" altLang="en-US" sz="1600">
-              <a:latin typeface="宋体" panose="02010600030101010101" pitchFamily="2" charset="-122"/>
-              <a:ea typeface="宋体" panose="02010600030101010101" pitchFamily="2" charset="-122"/>
-              <a:cs typeface="宋体" panose="02010600030101010101" pitchFamily="2" charset="-122"/>
-            </a:endParaRPr>
-          </a:p>
-          <a:p>
-            <a:r>
-              <a:rPr lang="zh-CN" altLang="en-US" sz="1600">
-                <a:latin typeface="宋体" panose="02010600030101010101" pitchFamily="2" charset="-122"/>
-                <a:ea typeface="宋体" panose="02010600030101010101" pitchFamily="2" charset="-122"/>
-                <a:cs typeface="宋体" panose="02010600030101010101" pitchFamily="2" charset="-122"/>
-              </a:rPr>
-              <a:t>translateX(x)	定义转换，只是用 X 轴的值。	</a:t>
-            </a:r>
-            <a:endParaRPr lang="zh-CN" altLang="en-US" sz="1600">
-              <a:latin typeface="宋体" panose="02010600030101010101" pitchFamily="2" charset="-122"/>
-              <a:ea typeface="宋体" panose="02010600030101010101" pitchFamily="2" charset="-122"/>
-              <a:cs typeface="宋体" panose="02010600030101010101" pitchFamily="2" charset="-122"/>
-            </a:endParaRPr>
-          </a:p>
-          <a:p>
-            <a:r>
-              <a:rPr lang="zh-CN" altLang="en-US" sz="1600">
-                <a:latin typeface="宋体" panose="02010600030101010101" pitchFamily="2" charset="-122"/>
-                <a:ea typeface="宋体" panose="02010600030101010101" pitchFamily="2" charset="-122"/>
-                <a:cs typeface="宋体" panose="02010600030101010101" pitchFamily="2" charset="-122"/>
-              </a:rPr>
-              <a:t>translateY(y)	定义转换，只是用 Y 轴的值。	</a:t>
-            </a:r>
-            <a:endParaRPr lang="zh-CN" altLang="en-US" sz="1600">
-              <a:latin typeface="宋体" panose="02010600030101010101" pitchFamily="2" charset="-122"/>
-              <a:ea typeface="宋体" panose="02010600030101010101" pitchFamily="2" charset="-122"/>
-              <a:cs typeface="宋体" panose="02010600030101010101" pitchFamily="2" charset="-122"/>
-            </a:endParaRPr>
-          </a:p>
-          <a:p>
-            <a:r>
-              <a:rPr lang="zh-CN" altLang="en-US" sz="1600">
-                <a:latin typeface="宋体" panose="02010600030101010101" pitchFamily="2" charset="-122"/>
-                <a:ea typeface="宋体" panose="02010600030101010101" pitchFamily="2" charset="-122"/>
-                <a:cs typeface="宋体" panose="02010600030101010101" pitchFamily="2" charset="-122"/>
-              </a:rPr>
-              <a:t>translateZ(z)	定义 3D 转换，只是用 Z 轴的值。	</a:t>
-            </a:r>
-            <a:endParaRPr lang="zh-CN" altLang="en-US" sz="1600">
-              <a:latin typeface="宋体" panose="02010600030101010101" pitchFamily="2" charset="-122"/>
-              <a:ea typeface="宋体" panose="02010600030101010101" pitchFamily="2" charset="-122"/>
-              <a:cs typeface="宋体" panose="02010600030101010101" pitchFamily="2" charset="-122"/>
-            </a:endParaRPr>
-          </a:p>
-          <a:p>
-            <a:r>
-              <a:rPr lang="zh-CN" altLang="en-US" sz="1600">
-                <a:latin typeface="宋体" panose="02010600030101010101" pitchFamily="2" charset="-122"/>
-                <a:ea typeface="宋体" panose="02010600030101010101" pitchFamily="2" charset="-122"/>
-                <a:cs typeface="宋体" panose="02010600030101010101" pitchFamily="2" charset="-122"/>
-              </a:rPr>
-              <a:t>scale(x,y)	定义 2D 缩放转换。	</a:t>
-            </a:r>
-            <a:endParaRPr lang="zh-CN" altLang="en-US" sz="1600">
-              <a:latin typeface="宋体" panose="02010600030101010101" pitchFamily="2" charset="-122"/>
-              <a:ea typeface="宋体" panose="02010600030101010101" pitchFamily="2" charset="-122"/>
-              <a:cs typeface="宋体" panose="02010600030101010101" pitchFamily="2" charset="-122"/>
-            </a:endParaRPr>
-          </a:p>
-          <a:p>
-            <a:r>
-              <a:rPr lang="zh-CN" altLang="en-US" sz="1600">
-                <a:latin typeface="宋体" panose="02010600030101010101" pitchFamily="2" charset="-122"/>
-                <a:ea typeface="宋体" panose="02010600030101010101" pitchFamily="2" charset="-122"/>
-                <a:cs typeface="宋体" panose="02010600030101010101" pitchFamily="2" charset="-122"/>
-              </a:rPr>
-              <a:t>scale3d(x,y,z)	定义 3D 缩放转换。	</a:t>
-            </a:r>
-            <a:endParaRPr lang="zh-CN" altLang="en-US" sz="1600">
-              <a:latin typeface="宋体" panose="02010600030101010101" pitchFamily="2" charset="-122"/>
-              <a:ea typeface="宋体" panose="02010600030101010101" pitchFamily="2" charset="-122"/>
-              <a:cs typeface="宋体" panose="02010600030101010101" pitchFamily="2" charset="-122"/>
-            </a:endParaRPr>
-          </a:p>
-          <a:p>
-            <a:r>
-              <a:rPr lang="zh-CN" altLang="en-US" sz="1600">
-                <a:latin typeface="宋体" panose="02010600030101010101" pitchFamily="2" charset="-122"/>
-                <a:ea typeface="宋体" panose="02010600030101010101" pitchFamily="2" charset="-122"/>
-                <a:cs typeface="宋体" panose="02010600030101010101" pitchFamily="2" charset="-122"/>
-              </a:rPr>
-              <a:t>scaleX(x)	通过设置 X 轴的值来定义缩放转换。	</a:t>
-            </a:r>
-            <a:endParaRPr lang="zh-CN" altLang="en-US" sz="1600">
-              <a:latin typeface="宋体" panose="02010600030101010101" pitchFamily="2" charset="-122"/>
-              <a:ea typeface="宋体" panose="02010600030101010101" pitchFamily="2" charset="-122"/>
-              <a:cs typeface="宋体" panose="02010600030101010101" pitchFamily="2" charset="-122"/>
-            </a:endParaRPr>
-          </a:p>
-          <a:p>
-            <a:r>
-              <a:rPr lang="zh-CN" altLang="en-US" sz="1600">
-                <a:latin typeface="宋体" panose="02010600030101010101" pitchFamily="2" charset="-122"/>
-                <a:ea typeface="宋体" panose="02010600030101010101" pitchFamily="2" charset="-122"/>
-                <a:cs typeface="宋体" panose="02010600030101010101" pitchFamily="2" charset="-122"/>
-              </a:rPr>
-              <a:t>scaleY(y)	通过设置 Y 轴的值来定义缩放转换。	</a:t>
-            </a:r>
-            <a:endParaRPr lang="zh-CN" altLang="en-US" sz="1600">
-              <a:latin typeface="宋体" panose="02010600030101010101" pitchFamily="2" charset="-122"/>
-              <a:ea typeface="宋体" panose="02010600030101010101" pitchFamily="2" charset="-122"/>
-              <a:cs typeface="宋体" panose="02010600030101010101" pitchFamily="2" charset="-122"/>
-            </a:endParaRPr>
-          </a:p>
-          <a:p>
-            <a:r>
-              <a:rPr lang="zh-CN" altLang="en-US" sz="1600">
-                <a:latin typeface="宋体" panose="02010600030101010101" pitchFamily="2" charset="-122"/>
-                <a:ea typeface="宋体" panose="02010600030101010101" pitchFamily="2" charset="-122"/>
-                <a:cs typeface="宋体" panose="02010600030101010101" pitchFamily="2" charset="-122"/>
-              </a:rPr>
-              <a:t>scaleZ(z)	通过设置 Z 轴的值来定义 3D 缩放转换。	</a:t>
-            </a:r>
-            <a:endParaRPr lang="zh-CN" altLang="en-US" sz="1600">
-              <a:latin typeface="宋体" panose="02010600030101010101" pitchFamily="2" charset="-122"/>
-              <a:ea typeface="宋体" panose="02010600030101010101" pitchFamily="2" charset="-122"/>
-              <a:cs typeface="宋体" panose="02010600030101010101" pitchFamily="2" charset="-122"/>
-            </a:endParaRPr>
-          </a:p>
-          <a:p>
-            <a:r>
-              <a:rPr lang="zh-CN" altLang="en-US" sz="1600">
-                <a:latin typeface="宋体" panose="02010600030101010101" pitchFamily="2" charset="-122"/>
-                <a:ea typeface="宋体" panose="02010600030101010101" pitchFamily="2" charset="-122"/>
-                <a:cs typeface="宋体" panose="02010600030101010101" pitchFamily="2" charset="-122"/>
-              </a:rPr>
-              <a:t>rotate(angle)	定义 2D 旋转，在参数中规定角度。	</a:t>
-            </a:r>
-            <a:endParaRPr lang="zh-CN" altLang="en-US" sz="1600">
-              <a:latin typeface="宋体" panose="02010600030101010101" pitchFamily="2" charset="-122"/>
-              <a:ea typeface="宋体" panose="02010600030101010101" pitchFamily="2" charset="-122"/>
-              <a:cs typeface="宋体" panose="02010600030101010101" pitchFamily="2" charset="-122"/>
-            </a:endParaRPr>
-          </a:p>
-          <a:p>
-            <a:r>
-              <a:rPr lang="zh-CN" altLang="en-US" sz="1600">
-                <a:latin typeface="宋体" panose="02010600030101010101" pitchFamily="2" charset="-122"/>
-                <a:ea typeface="宋体" panose="02010600030101010101" pitchFamily="2" charset="-122"/>
-                <a:cs typeface="宋体" panose="02010600030101010101" pitchFamily="2" charset="-122"/>
-              </a:rPr>
-              <a:t>rotate3d(x,y,z,angle)	定义 3D 旋转。	</a:t>
-            </a:r>
-            <a:endParaRPr lang="zh-CN" altLang="en-US" sz="1600">
-              <a:latin typeface="宋体" panose="02010600030101010101" pitchFamily="2" charset="-122"/>
-              <a:ea typeface="宋体" panose="02010600030101010101" pitchFamily="2" charset="-122"/>
-              <a:cs typeface="宋体" panose="02010600030101010101" pitchFamily="2" charset="-122"/>
-            </a:endParaRPr>
-          </a:p>
-          <a:p>
-            <a:r>
-              <a:rPr lang="zh-CN" altLang="en-US" sz="1600">
-                <a:latin typeface="宋体" panose="02010600030101010101" pitchFamily="2" charset="-122"/>
-                <a:ea typeface="宋体" panose="02010600030101010101" pitchFamily="2" charset="-122"/>
-                <a:cs typeface="宋体" panose="02010600030101010101" pitchFamily="2" charset="-122"/>
-              </a:rPr>
-              <a:t>rotateX(angle)	定义沿着 X 轴的 3D 旋转。	</a:t>
-            </a:r>
-            <a:endParaRPr lang="zh-CN" altLang="en-US" sz="1600">
-              <a:latin typeface="宋体" panose="02010600030101010101" pitchFamily="2" charset="-122"/>
-              <a:ea typeface="宋体" panose="02010600030101010101" pitchFamily="2" charset="-122"/>
-              <a:cs typeface="宋体" panose="02010600030101010101" pitchFamily="2" charset="-122"/>
-            </a:endParaRPr>
-          </a:p>
-          <a:p>
-            <a:r>
-              <a:rPr lang="zh-CN" altLang="en-US" sz="1600">
-                <a:latin typeface="宋体" panose="02010600030101010101" pitchFamily="2" charset="-122"/>
-                <a:ea typeface="宋体" panose="02010600030101010101" pitchFamily="2" charset="-122"/>
-                <a:cs typeface="宋体" panose="02010600030101010101" pitchFamily="2" charset="-122"/>
-              </a:rPr>
-              <a:t>rotateY(angle)	定义沿着 Y 轴的 3D 旋转。	</a:t>
-            </a:r>
-            <a:endParaRPr lang="zh-CN" altLang="en-US" sz="1600">
-              <a:latin typeface="宋体" panose="02010600030101010101" pitchFamily="2" charset="-122"/>
-              <a:ea typeface="宋体" panose="02010600030101010101" pitchFamily="2" charset="-122"/>
-              <a:cs typeface="宋体" panose="02010600030101010101" pitchFamily="2" charset="-122"/>
-            </a:endParaRPr>
-          </a:p>
-          <a:p>
-            <a:r>
-              <a:rPr lang="zh-CN" altLang="en-US" sz="1600">
-                <a:latin typeface="宋体" panose="02010600030101010101" pitchFamily="2" charset="-122"/>
-                <a:ea typeface="宋体" panose="02010600030101010101" pitchFamily="2" charset="-122"/>
-                <a:cs typeface="宋体" panose="02010600030101010101" pitchFamily="2" charset="-122"/>
-              </a:rPr>
-              <a:t>rotateZ(angle)	定义沿着 Z 轴的 3D 旋转。	</a:t>
-            </a:r>
-            <a:endParaRPr lang="zh-CN" altLang="en-US" sz="1600">
-              <a:latin typeface="宋体" panose="02010600030101010101" pitchFamily="2" charset="-122"/>
-              <a:ea typeface="宋体" panose="02010600030101010101" pitchFamily="2" charset="-122"/>
-              <a:cs typeface="宋体" panose="02010600030101010101" pitchFamily="2" charset="-122"/>
-            </a:endParaRPr>
-          </a:p>
-          <a:p>
-            <a:r>
-              <a:rPr lang="zh-CN" altLang="en-US" sz="1600">
-                <a:latin typeface="宋体" panose="02010600030101010101" pitchFamily="2" charset="-122"/>
-                <a:ea typeface="宋体" panose="02010600030101010101" pitchFamily="2" charset="-122"/>
-                <a:cs typeface="宋体" panose="02010600030101010101" pitchFamily="2" charset="-122"/>
-              </a:rPr>
-              <a:t>skew(x-angle,y-angle)	定义沿着 X 和 Y 轴的 2D 倾斜转换。	</a:t>
-            </a:r>
-            <a:endParaRPr lang="zh-CN" altLang="en-US" sz="1600">
-              <a:latin typeface="宋体" panose="02010600030101010101" pitchFamily="2" charset="-122"/>
-              <a:ea typeface="宋体" panose="02010600030101010101" pitchFamily="2" charset="-122"/>
-              <a:cs typeface="宋体" panose="02010600030101010101" pitchFamily="2" charset="-122"/>
-            </a:endParaRPr>
-          </a:p>
-          <a:p>
-            <a:r>
-              <a:rPr lang="zh-CN" altLang="en-US" sz="1600">
-                <a:latin typeface="宋体" panose="02010600030101010101" pitchFamily="2" charset="-122"/>
-                <a:ea typeface="宋体" panose="02010600030101010101" pitchFamily="2" charset="-122"/>
-                <a:cs typeface="宋体" panose="02010600030101010101" pitchFamily="2" charset="-122"/>
-              </a:rPr>
-              <a:t>skewX(angle)	定义沿着 X 轴的 2D 倾斜转换。	</a:t>
-            </a:r>
-            <a:endParaRPr lang="zh-CN" altLang="en-US" sz="1600">
-              <a:latin typeface="宋体" panose="02010600030101010101" pitchFamily="2" charset="-122"/>
-              <a:ea typeface="宋体" panose="02010600030101010101" pitchFamily="2" charset="-122"/>
-              <a:cs typeface="宋体" panose="02010600030101010101" pitchFamily="2" charset="-122"/>
-            </a:endParaRPr>
-          </a:p>
-          <a:p>
-            <a:r>
-              <a:rPr lang="zh-CN" altLang="en-US" sz="1600">
-                <a:latin typeface="宋体" panose="02010600030101010101" pitchFamily="2" charset="-122"/>
-                <a:ea typeface="宋体" panose="02010600030101010101" pitchFamily="2" charset="-122"/>
-                <a:cs typeface="宋体" panose="02010600030101010101" pitchFamily="2" charset="-122"/>
-              </a:rPr>
-              <a:t>skewY(angle)	定义沿着 Y 轴的 2D 倾斜转换。	</a:t>
-            </a:r>
-            <a:endParaRPr lang="zh-CN" altLang="en-US" sz="1600">
-              <a:latin typeface="宋体" panose="02010600030101010101" pitchFamily="2" charset="-122"/>
-              <a:ea typeface="宋体" panose="02010600030101010101" pitchFamily="2" charset="-122"/>
-              <a:cs typeface="宋体" panose="02010600030101010101" pitchFamily="2" charset="-122"/>
-            </a:endParaRPr>
-          </a:p>
-          <a:p>
-            <a:r>
-              <a:rPr lang="zh-CN" altLang="en-US" sz="1600">
-                <a:latin typeface="宋体" panose="02010600030101010101" pitchFamily="2" charset="-122"/>
-                <a:ea typeface="宋体" panose="02010600030101010101" pitchFamily="2" charset="-122"/>
-                <a:cs typeface="宋体" panose="02010600030101010101" pitchFamily="2" charset="-122"/>
-              </a:rPr>
-              <a:t>perspective(n)	为 3D 转换元素定义透视视图。	</a:t>
-            </a:r>
-            <a:endParaRPr lang="zh-CN" altLang="en-US" sz="1600">
-              <a:latin typeface="宋体" panose="02010600030101010101" pitchFamily="2" charset="-122"/>
-              <a:ea typeface="宋体" panose="02010600030101010101" pitchFamily="2" charset="-122"/>
-              <a:cs typeface="宋体" panose="02010600030101010101" pitchFamily="2" charset="-122"/>
+              <a:t>CSS opacity 属性</a:t>
+            </a:r>
+            <a:r>
+              <a:rPr lang="en-US" altLang="zh-CN" sz="1600">
+                <a:latin typeface="宋体" panose="02010600030101010101" pitchFamily="2" charset="-122"/>
+                <a:ea typeface="宋体" panose="02010600030101010101" pitchFamily="2" charset="-122"/>
+                <a:cs typeface="宋体" panose="02010600030101010101" pitchFamily="2" charset="-122"/>
+              </a:rPr>
+              <a:t>:</a:t>
+            </a:r>
+            <a:endParaRPr lang="en-US" altLang="zh-CN" sz="1600">
+              <a:latin typeface="宋体" panose="02010600030101010101" pitchFamily="2" charset="-122"/>
+              <a:ea typeface="宋体" panose="02010600030101010101" pitchFamily="2" charset="-122"/>
+              <a:cs typeface="宋体" panose="02010600030101010101" pitchFamily="2" charset="-122"/>
+            </a:endParaRPr>
+          </a:p>
+          <a:p>
+            <a:r>
+              <a:rPr lang="zh-CN" altLang="en-US" sz="1600">
+                <a:latin typeface="宋体" panose="02010600030101010101" pitchFamily="2" charset="-122"/>
+                <a:ea typeface="宋体" panose="02010600030101010101" pitchFamily="2" charset="-122"/>
+                <a:cs typeface="宋体" panose="02010600030101010101" pitchFamily="2" charset="-122"/>
+              </a:rPr>
+              <a:t>定义透明效果</a:t>
+            </a:r>
+            <a:endParaRPr lang="zh-CN" altLang="en-US" sz="1600">
+              <a:latin typeface="宋体" panose="02010600030101010101" pitchFamily="2" charset="-122"/>
+              <a:ea typeface="宋体" panose="02010600030101010101" pitchFamily="2" charset="-122"/>
+              <a:cs typeface="宋体" panose="02010600030101010101" pitchFamily="2" charset="-122"/>
+            </a:endParaRPr>
+          </a:p>
+          <a:p>
+            <a:endParaRPr lang="zh-CN" altLang="en-US" sz="1600">
+              <a:latin typeface="宋体" panose="02010600030101010101" pitchFamily="2" charset="-122"/>
+              <a:ea typeface="宋体" panose="02010600030101010101" pitchFamily="2" charset="-122"/>
+              <a:cs typeface="宋体" panose="02010600030101010101" pitchFamily="2" charset="-122"/>
+            </a:endParaRPr>
+          </a:p>
+          <a:p>
+            <a:r>
+              <a:rPr lang="zh-CN" altLang="en-US" sz="1600">
+                <a:latin typeface="宋体" panose="02010600030101010101" pitchFamily="2" charset="-122"/>
+                <a:ea typeface="宋体" panose="02010600030101010101" pitchFamily="2" charset="-122"/>
+                <a:cs typeface="宋体" panose="02010600030101010101" pitchFamily="2" charset="-122"/>
+              </a:rPr>
+              <a:t>IE9, Firefox, Chrome, Opera 和 Safari 使用属性 opacity 来设定透明度。</a:t>
+            </a:r>
+            <a:r>
+              <a:rPr lang="zh-CN" altLang="en-US" sz="1600">
+                <a:solidFill>
+                  <a:srgbClr val="FF0000"/>
+                </a:solidFill>
+                <a:latin typeface="宋体" panose="02010600030101010101" pitchFamily="2" charset="-122"/>
+                <a:ea typeface="宋体" panose="02010600030101010101" pitchFamily="2" charset="-122"/>
+                <a:cs typeface="宋体" panose="02010600030101010101" pitchFamily="2" charset="-122"/>
+              </a:rPr>
+              <a:t>opacity </a:t>
+            </a:r>
+            <a:r>
+              <a:rPr lang="zh-CN" altLang="en-US" sz="1600">
+                <a:latin typeface="宋体" panose="02010600030101010101" pitchFamily="2" charset="-122"/>
+                <a:ea typeface="宋体" panose="02010600030101010101" pitchFamily="2" charset="-122"/>
+                <a:cs typeface="宋体" panose="02010600030101010101" pitchFamily="2" charset="-122"/>
+              </a:rPr>
+              <a:t>属性能够设置的值从 0.0 到 1.0。值越小，越透明。</a:t>
+            </a:r>
+            <a:endParaRPr lang="zh-CN" altLang="en-US" sz="1600">
+              <a:latin typeface="宋体" panose="02010600030101010101" pitchFamily="2" charset="-122"/>
+              <a:ea typeface="宋体" panose="02010600030101010101" pitchFamily="2" charset="-122"/>
+              <a:cs typeface="宋体" panose="02010600030101010101" pitchFamily="2" charset="-122"/>
+            </a:endParaRPr>
+          </a:p>
+          <a:p>
+            <a:r>
+              <a:rPr lang="zh-CN" altLang="en-US" sz="1600">
+                <a:latin typeface="宋体" panose="02010600030101010101" pitchFamily="2" charset="-122"/>
+                <a:ea typeface="宋体" panose="02010600030101010101" pitchFamily="2" charset="-122"/>
+                <a:cs typeface="宋体" panose="02010600030101010101" pitchFamily="2" charset="-122"/>
+              </a:rPr>
+              <a:t>IE8 以及更早的版本使用滤镜 filter:alpha(opacity=x)。x 能够取的值从 0 到 100。值越小，越透明。</a:t>
+            </a:r>
+            <a:endParaRPr lang="zh-CN" altLang="en-US" sz="1600">
+              <a:latin typeface="宋体" panose="02010600030101010101" pitchFamily="2" charset="-122"/>
+              <a:ea typeface="宋体" panose="02010600030101010101" pitchFamily="2" charset="-122"/>
+              <a:cs typeface="宋体" panose="02010600030101010101" pitchFamily="2" charset="-122"/>
+              <a:sym typeface="+mn-ea"/>
             </a:endParaRPr>
           </a:p>
         </p:txBody>
@@ -11305,14 +10929,14 @@
       <p:grpSpPr/>
       <p:sp>
         <p:nvSpPr>
-          <p:cNvPr id="2" name="文本框 1"/>
+          <p:cNvPr id="3" name="文本框 2"/>
           <p:cNvSpPr txBox="1"/>
           <p:nvPr/>
         </p:nvSpPr>
         <p:spPr>
           <a:xfrm>
-            <a:off x="193675" y="810260"/>
-            <a:ext cx="11839575" cy="6000750"/>
+            <a:off x="147955" y="800735"/>
+            <a:ext cx="11830685" cy="1076325"/>
           </a:xfrm>
           <a:prstGeom prst="rect">
             <a:avLst/>
@@ -11330,491 +10954,57 @@
                 <a:ea typeface="宋体" panose="02010600030101010101" pitchFamily="2" charset="-122"/>
                 <a:cs typeface="宋体" panose="02010600030101010101" pitchFamily="2" charset="-122"/>
               </a:rPr>
-              <a:t>CSS3 过渡</a:t>
-            </a:r>
-            <a:endParaRPr lang="zh-CN" altLang="en-US" sz="1600">
-              <a:latin typeface="宋体" panose="02010600030101010101" pitchFamily="2" charset="-122"/>
-              <a:ea typeface="宋体" panose="02010600030101010101" pitchFamily="2" charset="-122"/>
-              <a:cs typeface="宋体" panose="02010600030101010101" pitchFamily="2" charset="-122"/>
-            </a:endParaRPr>
-          </a:p>
-          <a:p>
-            <a:r>
-              <a:rPr lang="zh-CN" altLang="en-US" sz="1600">
-                <a:latin typeface="宋体" panose="02010600030101010101" pitchFamily="2" charset="-122"/>
-                <a:ea typeface="宋体" panose="02010600030101010101" pitchFamily="2" charset="-122"/>
-                <a:cs typeface="宋体" panose="02010600030101010101" pitchFamily="2" charset="-122"/>
-              </a:rPr>
-              <a:t>通过 CSS3，我们可以在不使用 Flash 动画或 JavaScript 的情况下，当元素从一种样式变换为另一种样式时为元素添加效果。</a:t>
-            </a:r>
-            <a:endParaRPr lang="zh-CN" altLang="en-US" sz="1600">
-              <a:latin typeface="宋体" panose="02010600030101010101" pitchFamily="2" charset="-122"/>
-              <a:ea typeface="宋体" panose="02010600030101010101" pitchFamily="2" charset="-122"/>
-              <a:cs typeface="宋体" panose="02010600030101010101" pitchFamily="2" charset="-122"/>
-            </a:endParaRPr>
-          </a:p>
-          <a:p>
-            <a:endParaRPr lang="zh-CN" altLang="en-US" sz="1600">
-              <a:latin typeface="宋体" panose="02010600030101010101" pitchFamily="2" charset="-122"/>
-              <a:ea typeface="宋体" panose="02010600030101010101" pitchFamily="2" charset="-122"/>
-              <a:cs typeface="宋体" panose="02010600030101010101" pitchFamily="2" charset="-122"/>
-            </a:endParaRPr>
-          </a:p>
-          <a:p>
-            <a:r>
-              <a:rPr lang="zh-CN" altLang="en-US" sz="1600">
-                <a:latin typeface="宋体" panose="02010600030101010101" pitchFamily="2" charset="-122"/>
-                <a:ea typeface="宋体" panose="02010600030101010101" pitchFamily="2" charset="-122"/>
-                <a:cs typeface="宋体" panose="02010600030101010101" pitchFamily="2" charset="-122"/>
-              </a:rPr>
-              <a:t>CSS3 过渡是元素从一种样式逐渐改变为另一种的效果。</a:t>
-            </a:r>
-            <a:endParaRPr lang="zh-CN" altLang="en-US" sz="1600">
-              <a:latin typeface="宋体" panose="02010600030101010101" pitchFamily="2" charset="-122"/>
-              <a:ea typeface="宋体" panose="02010600030101010101" pitchFamily="2" charset="-122"/>
-              <a:cs typeface="宋体" panose="02010600030101010101" pitchFamily="2" charset="-122"/>
-            </a:endParaRPr>
-          </a:p>
-          <a:p>
-            <a:endParaRPr lang="zh-CN" altLang="en-US" sz="1600">
-              <a:latin typeface="宋体" panose="02010600030101010101" pitchFamily="2" charset="-122"/>
-              <a:ea typeface="宋体" panose="02010600030101010101" pitchFamily="2" charset="-122"/>
-              <a:cs typeface="宋体" panose="02010600030101010101" pitchFamily="2" charset="-122"/>
-            </a:endParaRPr>
-          </a:p>
-          <a:p>
-            <a:r>
-              <a:rPr lang="zh-CN" altLang="en-US" sz="1600">
-                <a:latin typeface="宋体" panose="02010600030101010101" pitchFamily="2" charset="-122"/>
-                <a:ea typeface="宋体" panose="02010600030101010101" pitchFamily="2" charset="-122"/>
-                <a:cs typeface="宋体" panose="02010600030101010101" pitchFamily="2" charset="-122"/>
-              </a:rPr>
-              <a:t>使用 </a:t>
-            </a:r>
-            <a:r>
-              <a:rPr lang="zh-CN" altLang="en-US" sz="1600">
-                <a:solidFill>
-                  <a:srgbClr val="FF0000"/>
-                </a:solidFill>
-                <a:latin typeface="宋体" panose="02010600030101010101" pitchFamily="2" charset="-122"/>
-                <a:ea typeface="宋体" panose="02010600030101010101" pitchFamily="2" charset="-122"/>
-                <a:cs typeface="宋体" panose="02010600030101010101" pitchFamily="2" charset="-122"/>
-              </a:rPr>
-              <a:t>:hover 和 :focus 这样的伪类</a:t>
-            </a:r>
-            <a:r>
-              <a:rPr lang="zh-CN" altLang="en-US" sz="1600">
-                <a:latin typeface="宋体" panose="02010600030101010101" pitchFamily="2" charset="-122"/>
-                <a:ea typeface="宋体" panose="02010600030101010101" pitchFamily="2" charset="-122"/>
-                <a:cs typeface="宋体" panose="02010600030101010101" pitchFamily="2" charset="-122"/>
-              </a:rPr>
-              <a:t>，我们可以很方便的将元素从一个样式切换到另一个样式，而且切换是会有过渡效果。</a:t>
-            </a:r>
-            <a:endParaRPr lang="zh-CN" altLang="en-US" sz="1600">
-              <a:latin typeface="宋体" panose="02010600030101010101" pitchFamily="2" charset="-122"/>
-              <a:ea typeface="宋体" panose="02010600030101010101" pitchFamily="2" charset="-122"/>
-              <a:cs typeface="宋体" panose="02010600030101010101" pitchFamily="2" charset="-122"/>
-            </a:endParaRPr>
-          </a:p>
-          <a:p>
-            <a:endParaRPr lang="zh-CN" altLang="en-US" sz="1600">
-              <a:latin typeface="宋体" panose="02010600030101010101" pitchFamily="2" charset="-122"/>
-              <a:ea typeface="宋体" panose="02010600030101010101" pitchFamily="2" charset="-122"/>
-              <a:cs typeface="宋体" panose="02010600030101010101" pitchFamily="2" charset="-122"/>
-            </a:endParaRPr>
-          </a:p>
-          <a:p>
-            <a:r>
-              <a:rPr lang="zh-CN" altLang="en-US" sz="1600">
-                <a:latin typeface="宋体" panose="02010600030101010101" pitchFamily="2" charset="-122"/>
-                <a:ea typeface="宋体" panose="02010600030101010101" pitchFamily="2" charset="-122"/>
-                <a:cs typeface="宋体" panose="02010600030101010101" pitchFamily="2" charset="-122"/>
-              </a:rPr>
-              <a:t>要实现这一点，必须规定两项内容：</a:t>
-            </a:r>
-            <a:endParaRPr lang="zh-CN" altLang="en-US" sz="1600">
-              <a:latin typeface="宋体" panose="02010600030101010101" pitchFamily="2" charset="-122"/>
-              <a:ea typeface="宋体" panose="02010600030101010101" pitchFamily="2" charset="-122"/>
-              <a:cs typeface="宋体" panose="02010600030101010101" pitchFamily="2" charset="-122"/>
-            </a:endParaRPr>
-          </a:p>
-          <a:p>
-            <a:r>
-              <a:rPr lang="zh-CN" altLang="en-US" sz="1600">
-                <a:latin typeface="宋体" panose="02010600030101010101" pitchFamily="2" charset="-122"/>
-                <a:ea typeface="宋体" panose="02010600030101010101" pitchFamily="2" charset="-122"/>
-                <a:cs typeface="宋体" panose="02010600030101010101" pitchFamily="2" charset="-122"/>
-              </a:rPr>
-              <a:t>规定您希望把效果添加到哪个 CSS 属性上</a:t>
-            </a:r>
-            <a:endParaRPr lang="zh-CN" altLang="en-US" sz="1600">
-              <a:latin typeface="宋体" panose="02010600030101010101" pitchFamily="2" charset="-122"/>
-              <a:ea typeface="宋体" panose="02010600030101010101" pitchFamily="2" charset="-122"/>
-              <a:cs typeface="宋体" panose="02010600030101010101" pitchFamily="2" charset="-122"/>
-            </a:endParaRPr>
-          </a:p>
-          <a:p>
-            <a:r>
-              <a:rPr lang="zh-CN" altLang="en-US" sz="1600">
-                <a:latin typeface="宋体" panose="02010600030101010101" pitchFamily="2" charset="-122"/>
-                <a:ea typeface="宋体" panose="02010600030101010101" pitchFamily="2" charset="-122"/>
-                <a:cs typeface="宋体" panose="02010600030101010101" pitchFamily="2" charset="-122"/>
-              </a:rPr>
-              <a:t>规定效果的时长</a:t>
-            </a:r>
-            <a:endParaRPr lang="zh-CN" altLang="en-US" sz="1600">
-              <a:latin typeface="宋体" panose="02010600030101010101" pitchFamily="2" charset="-122"/>
-              <a:ea typeface="宋体" panose="02010600030101010101" pitchFamily="2" charset="-122"/>
-              <a:cs typeface="宋体" panose="02010600030101010101" pitchFamily="2" charset="-122"/>
-            </a:endParaRPr>
-          </a:p>
-          <a:p>
-            <a:endParaRPr lang="zh-CN" altLang="en-US" sz="1600">
-              <a:latin typeface="宋体" panose="02010600030101010101" pitchFamily="2" charset="-122"/>
-              <a:ea typeface="宋体" panose="02010600030101010101" pitchFamily="2" charset="-122"/>
-              <a:cs typeface="宋体" panose="02010600030101010101" pitchFamily="2" charset="-122"/>
-            </a:endParaRPr>
-          </a:p>
-          <a:p>
-            <a:r>
-              <a:rPr lang="zh-CN" altLang="en-US" sz="1600">
-                <a:solidFill>
-                  <a:srgbClr val="FF0000"/>
-                </a:solidFill>
-                <a:latin typeface="宋体" panose="02010600030101010101" pitchFamily="2" charset="-122"/>
-                <a:ea typeface="宋体" panose="02010600030101010101" pitchFamily="2" charset="-122"/>
-                <a:cs typeface="宋体" panose="02010600030101010101" pitchFamily="2" charset="-122"/>
-              </a:rPr>
-              <a:t>transition	</a:t>
+              <a:t>CSS cursor 属性</a:t>
             </a:r>
             <a:r>
               <a:rPr lang="en-US" altLang="zh-CN" sz="1600">
-                <a:solidFill>
-                  <a:srgbClr val="FF0000"/>
-                </a:solidFill>
-                <a:latin typeface="宋体" panose="02010600030101010101" pitchFamily="2" charset="-122"/>
-                <a:ea typeface="宋体" panose="02010600030101010101" pitchFamily="2" charset="-122"/>
-                <a:cs typeface="宋体" panose="02010600030101010101" pitchFamily="2" charset="-122"/>
-              </a:rPr>
-              <a:t>	</a:t>
-            </a:r>
-            <a:r>
-              <a:rPr lang="zh-CN" altLang="en-US" sz="1600">
-                <a:solidFill>
-                  <a:srgbClr val="FF0000"/>
-                </a:solidFill>
-                <a:latin typeface="宋体" panose="02010600030101010101" pitchFamily="2" charset="-122"/>
-                <a:ea typeface="宋体" panose="02010600030101010101" pitchFamily="2" charset="-122"/>
-                <a:cs typeface="宋体" panose="02010600030101010101" pitchFamily="2" charset="-122"/>
-              </a:rPr>
-              <a:t>简写属性，用于在一个属性中设置四个过渡属性。	</a:t>
-            </a:r>
-            <a:endParaRPr lang="zh-CN" altLang="en-US" sz="1600">
-              <a:solidFill>
-                <a:srgbClr val="FF0000"/>
-              </a:solidFill>
-              <a:latin typeface="宋体" panose="02010600030101010101" pitchFamily="2" charset="-122"/>
-              <a:ea typeface="宋体" panose="02010600030101010101" pitchFamily="2" charset="-122"/>
-              <a:cs typeface="宋体" panose="02010600030101010101" pitchFamily="2" charset="-122"/>
-            </a:endParaRPr>
-          </a:p>
-          <a:p>
-            <a:r>
-              <a:rPr lang="zh-CN" altLang="en-US" sz="1600">
-                <a:solidFill>
-                  <a:srgbClr val="FF0000"/>
-                </a:solidFill>
-                <a:latin typeface="宋体" panose="02010600030101010101" pitchFamily="2" charset="-122"/>
-                <a:ea typeface="宋体" panose="02010600030101010101" pitchFamily="2" charset="-122"/>
-                <a:cs typeface="宋体" panose="02010600030101010101" pitchFamily="2" charset="-122"/>
-              </a:rPr>
-              <a:t>transition-property	规定应用过渡的 CSS 属性的名称。	</a:t>
-            </a:r>
-            <a:endParaRPr lang="zh-CN" altLang="en-US" sz="1600">
-              <a:solidFill>
-                <a:srgbClr val="FF0000"/>
-              </a:solidFill>
-              <a:latin typeface="宋体" panose="02010600030101010101" pitchFamily="2" charset="-122"/>
-              <a:ea typeface="宋体" panose="02010600030101010101" pitchFamily="2" charset="-122"/>
-              <a:cs typeface="宋体" panose="02010600030101010101" pitchFamily="2" charset="-122"/>
-            </a:endParaRPr>
-          </a:p>
-          <a:p>
-            <a:r>
-              <a:rPr lang="zh-CN" altLang="en-US" sz="1600">
-                <a:solidFill>
-                  <a:srgbClr val="FF0000"/>
-                </a:solidFill>
-                <a:latin typeface="宋体" panose="02010600030101010101" pitchFamily="2" charset="-122"/>
-                <a:ea typeface="宋体" panose="02010600030101010101" pitchFamily="2" charset="-122"/>
-                <a:cs typeface="宋体" panose="02010600030101010101" pitchFamily="2" charset="-122"/>
-              </a:rPr>
-              <a:t>transition-duration	定义过渡效果花费的时间。默认是 0。	</a:t>
-            </a:r>
-            <a:endParaRPr lang="zh-CN" altLang="en-US" sz="1600">
-              <a:solidFill>
-                <a:srgbClr val="FF0000"/>
-              </a:solidFill>
-              <a:latin typeface="宋体" panose="02010600030101010101" pitchFamily="2" charset="-122"/>
-              <a:ea typeface="宋体" panose="02010600030101010101" pitchFamily="2" charset="-122"/>
-              <a:cs typeface="宋体" panose="02010600030101010101" pitchFamily="2" charset="-122"/>
-            </a:endParaRPr>
-          </a:p>
-          <a:p>
-            <a:r>
-              <a:rPr lang="zh-CN" altLang="en-US" sz="1600">
-                <a:solidFill>
-                  <a:srgbClr val="FF0000"/>
-                </a:solidFill>
-                <a:latin typeface="宋体" panose="02010600030101010101" pitchFamily="2" charset="-122"/>
-                <a:ea typeface="宋体" panose="02010600030101010101" pitchFamily="2" charset="-122"/>
-                <a:cs typeface="宋体" panose="02010600030101010101" pitchFamily="2" charset="-122"/>
-              </a:rPr>
-              <a:t>transition-timing-function	规定过渡效果的时间曲线。默认是 "ease"。	</a:t>
-            </a:r>
-            <a:endParaRPr lang="zh-CN" altLang="en-US" sz="1600">
-              <a:solidFill>
-                <a:srgbClr val="FF0000"/>
-              </a:solidFill>
-              <a:latin typeface="宋体" panose="02010600030101010101" pitchFamily="2" charset="-122"/>
-              <a:ea typeface="宋体" panose="02010600030101010101" pitchFamily="2" charset="-122"/>
-              <a:cs typeface="宋体" panose="02010600030101010101" pitchFamily="2" charset="-122"/>
-            </a:endParaRPr>
-          </a:p>
-          <a:p>
-            <a:r>
-              <a:rPr lang="zh-CN" altLang="en-US" sz="1600">
-                <a:solidFill>
-                  <a:srgbClr val="FF0000"/>
-                </a:solidFill>
-                <a:latin typeface="宋体" panose="02010600030101010101" pitchFamily="2" charset="-122"/>
-                <a:ea typeface="宋体" panose="02010600030101010101" pitchFamily="2" charset="-122"/>
-                <a:cs typeface="宋体" panose="02010600030101010101" pitchFamily="2" charset="-122"/>
-              </a:rPr>
-              <a:t>transition-delay	</a:t>
-            </a:r>
+                <a:latin typeface="宋体" panose="02010600030101010101" pitchFamily="2" charset="-122"/>
+                <a:ea typeface="宋体" panose="02010600030101010101" pitchFamily="2" charset="-122"/>
+                <a:cs typeface="宋体" panose="02010600030101010101" pitchFamily="2" charset="-122"/>
+              </a:rPr>
+              <a:t>:</a:t>
+            </a:r>
+            <a:endParaRPr lang="en-US" altLang="zh-CN" sz="1600">
+              <a:latin typeface="宋体" panose="02010600030101010101" pitchFamily="2" charset="-122"/>
+              <a:ea typeface="宋体" panose="02010600030101010101" pitchFamily="2" charset="-122"/>
+              <a:cs typeface="宋体" panose="02010600030101010101" pitchFamily="2" charset="-122"/>
+            </a:endParaRPr>
+          </a:p>
+          <a:p>
             <a:r>
               <a:rPr lang="en-US" altLang="zh-CN" sz="1600">
-                <a:solidFill>
-                  <a:srgbClr val="FF0000"/>
-                </a:solidFill>
-                <a:latin typeface="宋体" panose="02010600030101010101" pitchFamily="2" charset="-122"/>
-                <a:ea typeface="宋体" panose="02010600030101010101" pitchFamily="2" charset="-122"/>
-                <a:cs typeface="宋体" panose="02010600030101010101" pitchFamily="2" charset="-122"/>
-              </a:rPr>
-              <a:t>	</a:t>
-            </a:r>
-            <a:r>
-              <a:rPr lang="zh-CN" altLang="en-US" sz="1600">
-                <a:solidFill>
-                  <a:srgbClr val="FF0000"/>
-                </a:solidFill>
-                <a:latin typeface="宋体" panose="02010600030101010101" pitchFamily="2" charset="-122"/>
-                <a:ea typeface="宋体" panose="02010600030101010101" pitchFamily="2" charset="-122"/>
-                <a:cs typeface="宋体" panose="02010600030101010101" pitchFamily="2" charset="-122"/>
-              </a:rPr>
-              <a:t>规定过渡效果何时开始。默认是 0。</a:t>
-            </a:r>
-            <a:endParaRPr lang="zh-CN" altLang="en-US" sz="1600">
-              <a:solidFill>
-                <a:srgbClr val="FF0000"/>
-              </a:solidFill>
-              <a:latin typeface="宋体" panose="02010600030101010101" pitchFamily="2" charset="-122"/>
-              <a:ea typeface="宋体" panose="02010600030101010101" pitchFamily="2" charset="-122"/>
-              <a:cs typeface="宋体" panose="02010600030101010101" pitchFamily="2" charset="-122"/>
-            </a:endParaRPr>
-          </a:p>
-          <a:p>
-            <a:endParaRPr lang="zh-CN" altLang="en-US" sz="1600">
-              <a:latin typeface="宋体" panose="02010600030101010101" pitchFamily="2" charset="-122"/>
-              <a:ea typeface="宋体" panose="02010600030101010101" pitchFamily="2" charset="-122"/>
-              <a:cs typeface="宋体" panose="02010600030101010101" pitchFamily="2" charset="-122"/>
-            </a:endParaRPr>
-          </a:p>
-          <a:p>
-            <a:r>
-              <a:rPr lang="zh-CN" altLang="en-US" sz="1600">
-                <a:latin typeface="宋体" panose="02010600030101010101" pitchFamily="2" charset="-122"/>
-                <a:ea typeface="宋体" panose="02010600030101010101" pitchFamily="2" charset="-122"/>
-                <a:cs typeface="宋体" panose="02010600030101010101" pitchFamily="2" charset="-122"/>
-                <a:sym typeface="+mn-ea"/>
-              </a:rPr>
-              <a:t>ransition-timing-function 过渡时间线的值有：</a:t>
-            </a:r>
-            <a:endParaRPr lang="zh-CN" altLang="en-US" sz="1600">
-              <a:latin typeface="宋体" panose="02010600030101010101" pitchFamily="2" charset="-122"/>
-              <a:ea typeface="宋体" panose="02010600030101010101" pitchFamily="2" charset="-122"/>
-              <a:cs typeface="宋体" panose="02010600030101010101" pitchFamily="2" charset="-122"/>
-            </a:endParaRPr>
-          </a:p>
-          <a:p>
-            <a:r>
-              <a:rPr lang="zh-CN" altLang="en-US" sz="1600">
-                <a:latin typeface="宋体" panose="02010600030101010101" pitchFamily="2" charset="-122"/>
-                <a:ea typeface="宋体" panose="02010600030101010101" pitchFamily="2" charset="-122"/>
-                <a:cs typeface="宋体" panose="02010600030101010101" pitchFamily="2" charset="-122"/>
-              </a:rPr>
-              <a:t>linear	</a:t>
-            </a:r>
-            <a:r>
-              <a:rPr lang="en-US" altLang="zh-CN" sz="1600">
-                <a:latin typeface="宋体" panose="02010600030101010101" pitchFamily="2" charset="-122"/>
-                <a:ea typeface="宋体" panose="02010600030101010101" pitchFamily="2" charset="-122"/>
-                <a:cs typeface="宋体" panose="02010600030101010101" pitchFamily="2" charset="-122"/>
-              </a:rPr>
-              <a:t>		</a:t>
-            </a:r>
-            <a:r>
-              <a:rPr lang="zh-CN" altLang="en-US" sz="1600">
-                <a:latin typeface="宋体" panose="02010600030101010101" pitchFamily="2" charset="-122"/>
-                <a:ea typeface="宋体" panose="02010600030101010101" pitchFamily="2" charset="-122"/>
-                <a:cs typeface="宋体" panose="02010600030101010101" pitchFamily="2" charset="-122"/>
-              </a:rPr>
-              <a:t>规定以相同速度开始至结束的过渡效果（等于 cubic-bezier(0,0,1,1)）。</a:t>
-            </a:r>
-            <a:endParaRPr lang="zh-CN" altLang="en-US" sz="1600">
-              <a:latin typeface="宋体" panose="02010600030101010101" pitchFamily="2" charset="-122"/>
-              <a:ea typeface="宋体" panose="02010600030101010101" pitchFamily="2" charset="-122"/>
-              <a:cs typeface="宋体" panose="02010600030101010101" pitchFamily="2" charset="-122"/>
-            </a:endParaRPr>
-          </a:p>
-          <a:p>
-            <a:r>
-              <a:rPr lang="zh-CN" altLang="en-US" sz="1600">
-                <a:latin typeface="宋体" panose="02010600030101010101" pitchFamily="2" charset="-122"/>
-                <a:ea typeface="宋体" panose="02010600030101010101" pitchFamily="2" charset="-122"/>
-                <a:cs typeface="宋体" panose="02010600030101010101" pitchFamily="2" charset="-122"/>
-              </a:rPr>
-              <a:t>ease	</a:t>
-            </a:r>
-            <a:r>
-              <a:rPr lang="en-US" altLang="zh-CN" sz="1600">
-                <a:latin typeface="宋体" panose="02010600030101010101" pitchFamily="2" charset="-122"/>
-                <a:ea typeface="宋体" panose="02010600030101010101" pitchFamily="2" charset="-122"/>
-                <a:cs typeface="宋体" panose="02010600030101010101" pitchFamily="2" charset="-122"/>
-              </a:rPr>
-              <a:t>		</a:t>
-            </a:r>
-            <a:r>
-              <a:rPr lang="zh-CN" altLang="en-US" sz="1600">
-                <a:latin typeface="宋体" panose="02010600030101010101" pitchFamily="2" charset="-122"/>
-                <a:ea typeface="宋体" panose="02010600030101010101" pitchFamily="2" charset="-122"/>
-                <a:cs typeface="宋体" panose="02010600030101010101" pitchFamily="2" charset="-122"/>
-              </a:rPr>
-              <a:t>规定慢速开始，然后变快，然后慢速结束的过渡效果（cubic-bezier(0.25,0.1,0.25,1)）。</a:t>
-            </a:r>
-            <a:endParaRPr lang="zh-CN" altLang="en-US" sz="1600">
-              <a:latin typeface="宋体" panose="02010600030101010101" pitchFamily="2" charset="-122"/>
-              <a:ea typeface="宋体" panose="02010600030101010101" pitchFamily="2" charset="-122"/>
-              <a:cs typeface="宋体" panose="02010600030101010101" pitchFamily="2" charset="-122"/>
-            </a:endParaRPr>
-          </a:p>
-          <a:p>
-            <a:r>
-              <a:rPr lang="zh-CN" altLang="en-US" sz="1600">
-                <a:latin typeface="宋体" panose="02010600030101010101" pitchFamily="2" charset="-122"/>
-                <a:ea typeface="宋体" panose="02010600030101010101" pitchFamily="2" charset="-122"/>
-                <a:cs typeface="宋体" panose="02010600030101010101" pitchFamily="2" charset="-122"/>
-              </a:rPr>
-              <a:t>ease-in	</a:t>
-            </a:r>
-            <a:r>
-              <a:rPr lang="en-US" altLang="zh-CN" sz="1600">
-                <a:latin typeface="宋体" panose="02010600030101010101" pitchFamily="2" charset="-122"/>
-                <a:ea typeface="宋体" panose="02010600030101010101" pitchFamily="2" charset="-122"/>
-                <a:cs typeface="宋体" panose="02010600030101010101" pitchFamily="2" charset="-122"/>
-              </a:rPr>
-              <a:t>		</a:t>
-            </a:r>
-            <a:r>
-              <a:rPr lang="zh-CN" altLang="en-US" sz="1600">
-                <a:latin typeface="宋体" panose="02010600030101010101" pitchFamily="2" charset="-122"/>
-                <a:ea typeface="宋体" panose="02010600030101010101" pitchFamily="2" charset="-122"/>
-                <a:cs typeface="宋体" panose="02010600030101010101" pitchFamily="2" charset="-122"/>
-              </a:rPr>
-              <a:t>规定以慢速开始的过渡效果（等于 cubic-bezier(0.42,0,1,1)）。</a:t>
-            </a:r>
-            <a:endParaRPr lang="zh-CN" altLang="en-US" sz="1600">
-              <a:latin typeface="宋体" panose="02010600030101010101" pitchFamily="2" charset="-122"/>
-              <a:ea typeface="宋体" panose="02010600030101010101" pitchFamily="2" charset="-122"/>
-              <a:cs typeface="宋体" panose="02010600030101010101" pitchFamily="2" charset="-122"/>
-            </a:endParaRPr>
-          </a:p>
-          <a:p>
-            <a:r>
-              <a:rPr lang="zh-CN" altLang="en-US" sz="1600">
-                <a:latin typeface="宋体" panose="02010600030101010101" pitchFamily="2" charset="-122"/>
-                <a:ea typeface="宋体" panose="02010600030101010101" pitchFamily="2" charset="-122"/>
-                <a:cs typeface="宋体" panose="02010600030101010101" pitchFamily="2" charset="-122"/>
-              </a:rPr>
-              <a:t>ease-out	</a:t>
-            </a:r>
-            <a:r>
-              <a:rPr lang="en-US" altLang="zh-CN" sz="1600">
-                <a:latin typeface="宋体" panose="02010600030101010101" pitchFamily="2" charset="-122"/>
-                <a:ea typeface="宋体" panose="02010600030101010101" pitchFamily="2" charset="-122"/>
-                <a:cs typeface="宋体" panose="02010600030101010101" pitchFamily="2" charset="-122"/>
-              </a:rPr>
-              <a:t>		</a:t>
-            </a:r>
-            <a:r>
-              <a:rPr lang="zh-CN" altLang="en-US" sz="1600">
-                <a:latin typeface="宋体" panose="02010600030101010101" pitchFamily="2" charset="-122"/>
-                <a:ea typeface="宋体" panose="02010600030101010101" pitchFamily="2" charset="-122"/>
-                <a:cs typeface="宋体" panose="02010600030101010101" pitchFamily="2" charset="-122"/>
-              </a:rPr>
-              <a:t>规定以慢速结束的过渡效果（等于 cubic-bezier(0,0,0.58,1)）。</a:t>
-            </a:r>
-            <a:endParaRPr lang="zh-CN" altLang="en-US" sz="1600">
-              <a:latin typeface="宋体" panose="02010600030101010101" pitchFamily="2" charset="-122"/>
-              <a:ea typeface="宋体" panose="02010600030101010101" pitchFamily="2" charset="-122"/>
-              <a:cs typeface="宋体" panose="02010600030101010101" pitchFamily="2" charset="-122"/>
-            </a:endParaRPr>
-          </a:p>
-          <a:p>
-            <a:r>
-              <a:rPr lang="zh-CN" altLang="en-US" sz="1600">
-                <a:latin typeface="宋体" panose="02010600030101010101" pitchFamily="2" charset="-122"/>
-                <a:ea typeface="宋体" panose="02010600030101010101" pitchFamily="2" charset="-122"/>
-                <a:cs typeface="宋体" panose="02010600030101010101" pitchFamily="2" charset="-122"/>
-              </a:rPr>
-              <a:t>ease-in-out	</a:t>
-            </a:r>
-            <a:r>
-              <a:rPr lang="en-US" altLang="zh-CN" sz="1600">
-                <a:latin typeface="宋体" panose="02010600030101010101" pitchFamily="2" charset="-122"/>
-                <a:ea typeface="宋体" panose="02010600030101010101" pitchFamily="2" charset="-122"/>
-                <a:cs typeface="宋体" panose="02010600030101010101" pitchFamily="2" charset="-122"/>
-              </a:rPr>
-              <a:t>	</a:t>
-            </a:r>
-            <a:r>
-              <a:rPr lang="zh-CN" altLang="en-US" sz="1600">
-                <a:latin typeface="宋体" panose="02010600030101010101" pitchFamily="2" charset="-122"/>
-                <a:ea typeface="宋体" panose="02010600030101010101" pitchFamily="2" charset="-122"/>
-                <a:cs typeface="宋体" panose="02010600030101010101" pitchFamily="2" charset="-122"/>
-              </a:rPr>
-              <a:t>规定以慢速开始和结束的过渡效果（等于 cubic-bezier(0.42,0,0.58,1)）。</a:t>
-            </a:r>
-            <a:endParaRPr lang="zh-CN" altLang="en-US" sz="1600">
-              <a:latin typeface="宋体" panose="02010600030101010101" pitchFamily="2" charset="-122"/>
-              <a:ea typeface="宋体" panose="02010600030101010101" pitchFamily="2" charset="-122"/>
-              <a:cs typeface="宋体" panose="02010600030101010101" pitchFamily="2" charset="-122"/>
-            </a:endParaRPr>
-          </a:p>
-          <a:p>
-            <a:r>
-              <a:rPr lang="zh-CN" altLang="en-US" sz="1600">
-                <a:latin typeface="宋体" panose="02010600030101010101" pitchFamily="2" charset="-122"/>
-                <a:ea typeface="宋体" panose="02010600030101010101" pitchFamily="2" charset="-122"/>
-                <a:cs typeface="宋体" panose="02010600030101010101" pitchFamily="2" charset="-122"/>
-              </a:rPr>
-              <a:t>cubic-bezier(n,n,n,n)	在 cubic-bezier 函数中定义自己的值。可能的值是 0 至 1 之间的数值。</a:t>
-            </a:r>
-            <a:endParaRPr lang="zh-CN" altLang="en-US" sz="1600">
-              <a:latin typeface="宋体" panose="02010600030101010101" pitchFamily="2" charset="-122"/>
-              <a:ea typeface="宋体" panose="02010600030101010101" pitchFamily="2" charset="-122"/>
-              <a:cs typeface="宋体" panose="02010600030101010101" pitchFamily="2" charset="-122"/>
+                <a:latin typeface="宋体" panose="02010600030101010101" pitchFamily="2" charset="-122"/>
+                <a:ea typeface="宋体" panose="02010600030101010101" pitchFamily="2" charset="-122"/>
+                <a:cs typeface="宋体" panose="02010600030101010101" pitchFamily="2" charset="-122"/>
+              </a:rPr>
+              <a:t>cursor 属性规定要显示的光标的类型（形状）</a:t>
+            </a:r>
+            <a:endParaRPr lang="en-US" altLang="zh-CN" sz="1600">
+              <a:latin typeface="宋体" panose="02010600030101010101" pitchFamily="2" charset="-122"/>
+              <a:ea typeface="宋体" panose="02010600030101010101" pitchFamily="2" charset="-122"/>
+              <a:cs typeface="宋体" panose="02010600030101010101" pitchFamily="2" charset="-122"/>
+            </a:endParaRPr>
+          </a:p>
+          <a:p>
+            <a:pPr algn="l">
+              <a:buClrTx/>
+              <a:buSzTx/>
+              <a:buNone/>
+            </a:pPr>
+            <a:r>
+              <a:rPr lang="zh-CN" altLang="en-US" sz="1600">
+                <a:latin typeface="宋体" panose="02010600030101010101" pitchFamily="2" charset="-122"/>
+                <a:ea typeface="宋体" panose="02010600030101010101" pitchFamily="2" charset="-122"/>
+                <a:cs typeface="宋体" panose="02010600030101010101" pitchFamily="2" charset="-122"/>
+                <a:sym typeface="+mn-ea"/>
+              </a:rPr>
+              <a:t>cursor 属性定义了鼠标指针放在一个元素边界范围内时所用的光标形状，该属性常用的取值有：auto、default 、pointer 、crosshair 、move 、text 、wait、help 和 URL等。其中，auto 值表示由浏览器自动根据元素类型设置光标形状。</a:t>
+            </a:r>
+            <a:endParaRPr lang="zh-CN" altLang="en-US" sz="1600">
+              <a:latin typeface="宋体" panose="02010600030101010101" pitchFamily="2" charset="-122"/>
+              <a:ea typeface="宋体" panose="02010600030101010101" pitchFamily="2" charset="-122"/>
+              <a:cs typeface="宋体" panose="02010600030101010101" pitchFamily="2" charset="-122"/>
+              <a:sym typeface="+mn-ea"/>
             </a:endParaRPr>
           </a:p>
         </p:txBody>
@@ -11859,8 +11049,8 @@
         </p:nvSpPr>
         <p:spPr>
           <a:xfrm>
-            <a:off x="193675" y="810260"/>
-            <a:ext cx="11839575" cy="6000750"/>
+            <a:off x="166370" y="773430"/>
+            <a:ext cx="11912600" cy="6000750"/>
           </a:xfrm>
           <a:prstGeom prst="rect">
             <a:avLst/>
@@ -11878,77 +11068,33 @@
                 <a:ea typeface="宋体" panose="02010600030101010101" pitchFamily="2" charset="-122"/>
                 <a:cs typeface="宋体" panose="02010600030101010101" pitchFamily="2" charset="-122"/>
               </a:rPr>
-              <a:t>CSS3 @keyframes 动画</a:t>
-            </a:r>
-            <a:endParaRPr lang="zh-CN" altLang="en-US" sz="1600">
-              <a:latin typeface="宋体" panose="02010600030101010101" pitchFamily="2" charset="-122"/>
-              <a:ea typeface="宋体" panose="02010600030101010101" pitchFamily="2" charset="-122"/>
-              <a:cs typeface="宋体" panose="02010600030101010101" pitchFamily="2" charset="-122"/>
-            </a:endParaRPr>
-          </a:p>
-          <a:p>
-            <a:r>
-              <a:rPr lang="zh-CN" altLang="en-US" sz="1600">
-                <a:latin typeface="宋体" panose="02010600030101010101" pitchFamily="2" charset="-122"/>
-                <a:ea typeface="宋体" panose="02010600030101010101" pitchFamily="2" charset="-122"/>
-                <a:cs typeface="宋体" panose="02010600030101010101" pitchFamily="2" charset="-122"/>
-              </a:rPr>
-              <a:t>通过 @keyframes 规则，您能够创建动画。</a:t>
-            </a:r>
-            <a:endParaRPr lang="zh-CN" altLang="en-US" sz="1600">
-              <a:latin typeface="宋体" panose="02010600030101010101" pitchFamily="2" charset="-122"/>
-              <a:ea typeface="宋体" panose="02010600030101010101" pitchFamily="2" charset="-122"/>
-              <a:cs typeface="宋体" panose="02010600030101010101" pitchFamily="2" charset="-122"/>
-            </a:endParaRPr>
-          </a:p>
-          <a:p>
-            <a:r>
-              <a:rPr lang="zh-CN" altLang="en-US" sz="1600">
-                <a:latin typeface="宋体" panose="02010600030101010101" pitchFamily="2" charset="-122"/>
-                <a:ea typeface="宋体" panose="02010600030101010101" pitchFamily="2" charset="-122"/>
-                <a:cs typeface="宋体" panose="02010600030101010101" pitchFamily="2" charset="-122"/>
-              </a:rPr>
-              <a:t>创建动画的原理是，将一套 CSS 样式逐渐变化为另一套样式。</a:t>
-            </a:r>
-            <a:endParaRPr lang="zh-CN" altLang="en-US" sz="1600">
-              <a:latin typeface="宋体" panose="02010600030101010101" pitchFamily="2" charset="-122"/>
-              <a:ea typeface="宋体" panose="02010600030101010101" pitchFamily="2" charset="-122"/>
-              <a:cs typeface="宋体" panose="02010600030101010101" pitchFamily="2" charset="-122"/>
-            </a:endParaRPr>
-          </a:p>
-          <a:p>
-            <a:r>
-              <a:rPr lang="zh-CN" altLang="en-US" sz="1600">
-                <a:latin typeface="宋体" panose="02010600030101010101" pitchFamily="2" charset="-122"/>
-                <a:ea typeface="宋体" panose="02010600030101010101" pitchFamily="2" charset="-122"/>
-                <a:cs typeface="宋体" panose="02010600030101010101" pitchFamily="2" charset="-122"/>
-              </a:rPr>
-              <a:t>在动画过程中，您能够多次改变这套 CSS 样式。</a:t>
-            </a:r>
-            <a:endParaRPr lang="zh-CN" altLang="en-US" sz="1600">
-              <a:latin typeface="宋体" panose="02010600030101010101" pitchFamily="2" charset="-122"/>
-              <a:ea typeface="宋体" panose="02010600030101010101" pitchFamily="2" charset="-122"/>
-              <a:cs typeface="宋体" panose="02010600030101010101" pitchFamily="2" charset="-122"/>
-            </a:endParaRPr>
-          </a:p>
-          <a:p>
-            <a:r>
-              <a:rPr lang="zh-CN" altLang="en-US" sz="1600">
-                <a:latin typeface="宋体" panose="02010600030101010101" pitchFamily="2" charset="-122"/>
-                <a:ea typeface="宋体" panose="02010600030101010101" pitchFamily="2" charset="-122"/>
-                <a:cs typeface="宋体" panose="02010600030101010101" pitchFamily="2" charset="-122"/>
-              </a:rPr>
-              <a:t>以百分比来规定改变发生的时间，或者通过关键词 "from" 和 "to"，等价于 0% 和 100%。</a:t>
-            </a:r>
-            <a:endParaRPr lang="zh-CN" altLang="en-US" sz="1600">
-              <a:latin typeface="宋体" panose="02010600030101010101" pitchFamily="2" charset="-122"/>
-              <a:ea typeface="宋体" panose="02010600030101010101" pitchFamily="2" charset="-122"/>
-              <a:cs typeface="宋体" panose="02010600030101010101" pitchFamily="2" charset="-122"/>
-            </a:endParaRPr>
-          </a:p>
-          <a:p>
-            <a:r>
-              <a:rPr lang="zh-CN" altLang="en-US" sz="1600">
+              <a:t>CSS3 transform 属性（变形、转换</a:t>
+            </a:r>
+            <a:r>
+              <a:rPr lang="zh-CN" altLang="en-US" sz="1600">
+                <a:latin typeface="宋体" panose="02010600030101010101" pitchFamily="2" charset="-122"/>
+                <a:ea typeface="宋体" panose="02010600030101010101" pitchFamily="2" charset="-122"/>
+                <a:cs typeface="宋体" panose="02010600030101010101" pitchFamily="2" charset="-122"/>
+              </a:rPr>
+              <a:t>）</a:t>
+            </a:r>
+            <a:endParaRPr lang="zh-CN" altLang="en-US" sz="1600">
+              <a:latin typeface="宋体" panose="02010600030101010101" pitchFamily="2" charset="-122"/>
+              <a:ea typeface="宋体" panose="02010600030101010101" pitchFamily="2" charset="-122"/>
+              <a:cs typeface="宋体" panose="02010600030101010101" pitchFamily="2" charset="-122"/>
+            </a:endParaRPr>
+          </a:p>
+          <a:p>
+            <a:r>
+              <a:rPr lang="zh-CN" altLang="en-US" sz="1600">
+                <a:latin typeface="宋体" panose="02010600030101010101" pitchFamily="2" charset="-122"/>
+                <a:ea typeface="宋体" panose="02010600030101010101" pitchFamily="2" charset="-122"/>
+                <a:cs typeface="宋体" panose="02010600030101010101" pitchFamily="2" charset="-122"/>
+              </a:rPr>
+              <a:t>transform 属性向元素应用 2D 或 3D </a:t>
+            </a:r>
+            <a:r>
+              <a:rPr lang="zh-CN" altLang="en-US" sz="1600" b="1">
                 <a:solidFill>
                   <a:srgbClr val="FF0000"/>
                 </a:solidFill>
@@ -11956,42 +11102,18 @@
                 <a:ea typeface="宋体" panose="02010600030101010101" pitchFamily="2" charset="-122"/>
                 <a:cs typeface="宋体" panose="02010600030101010101" pitchFamily="2" charset="-122"/>
               </a:rPr>
-              <a:t>0% 是动画的开始时间，100% 动画的结束时间。</a:t>
-            </a:r>
-            <a:endParaRPr lang="zh-CN" altLang="en-US" sz="1600">
-              <a:solidFill>
-                <a:srgbClr val="FF0000"/>
-              </a:solidFill>
-              <a:latin typeface="宋体" panose="02010600030101010101" pitchFamily="2" charset="-122"/>
-              <a:ea typeface="宋体" panose="02010600030101010101" pitchFamily="2" charset="-122"/>
-              <a:cs typeface="宋体" panose="02010600030101010101" pitchFamily="2" charset="-122"/>
-            </a:endParaRPr>
-          </a:p>
-          <a:p>
-            <a:r>
-              <a:rPr lang="zh-CN" altLang="en-US" sz="1600">
-                <a:latin typeface="宋体" panose="02010600030101010101" pitchFamily="2" charset="-122"/>
-                <a:ea typeface="宋体" panose="02010600030101010101" pitchFamily="2" charset="-122"/>
-                <a:cs typeface="宋体" panose="02010600030101010101" pitchFamily="2" charset="-122"/>
-              </a:rPr>
-              <a:t>为了获得最佳的浏览器支持，您应该始终定义 0% 和 100% 选择器。</a:t>
-            </a:r>
-            <a:endParaRPr lang="zh-CN" altLang="en-US" sz="1600">
-              <a:latin typeface="宋体" panose="02010600030101010101" pitchFamily="2" charset="-122"/>
-              <a:ea typeface="宋体" panose="02010600030101010101" pitchFamily="2" charset="-122"/>
-              <a:cs typeface="宋体" panose="02010600030101010101" pitchFamily="2" charset="-122"/>
-            </a:endParaRPr>
-          </a:p>
-          <a:p>
-            <a:endParaRPr lang="zh-CN" altLang="en-US" sz="1600">
-              <a:latin typeface="宋体" panose="02010600030101010101" pitchFamily="2" charset="-122"/>
-              <a:ea typeface="宋体" panose="02010600030101010101" pitchFamily="2" charset="-122"/>
-              <a:cs typeface="宋体" panose="02010600030101010101" pitchFamily="2" charset="-122"/>
-            </a:endParaRPr>
-          </a:p>
-          <a:p>
-            <a:r>
-              <a:rPr lang="zh-CN" altLang="en-US" sz="1600">
+              <a:t>转换</a:t>
+            </a:r>
+            <a:r>
+              <a:rPr lang="zh-CN" altLang="en-US" sz="1600">
+                <a:latin typeface="宋体" panose="02010600030101010101" pitchFamily="2" charset="-122"/>
+                <a:ea typeface="宋体" panose="02010600030101010101" pitchFamily="2" charset="-122"/>
+                <a:cs typeface="宋体" panose="02010600030101010101" pitchFamily="2" charset="-122"/>
+              </a:rPr>
+              <a:t>。该属性允许我们对元素进行</a:t>
+            </a:r>
+            <a:r>
+              <a:rPr lang="zh-CN" altLang="en-US" sz="1600" b="1">
                 <a:solidFill>
                   <a:srgbClr val="FF0000"/>
                 </a:solidFill>
@@ -11999,367 +11121,337 @@
                 <a:ea typeface="宋体" panose="02010600030101010101" pitchFamily="2" charset="-122"/>
                 <a:cs typeface="宋体" panose="02010600030101010101" pitchFamily="2" charset="-122"/>
               </a:rPr>
-              <a:t>@keyframes	规定动画。	</a:t>
-            </a:r>
-            <a:endParaRPr lang="zh-CN" altLang="en-US" sz="1600">
-              <a:solidFill>
-                <a:srgbClr val="FF0000"/>
-              </a:solidFill>
-              <a:latin typeface="宋体" panose="02010600030101010101" pitchFamily="2" charset="-122"/>
-              <a:ea typeface="宋体" panose="02010600030101010101" pitchFamily="2" charset="-122"/>
-              <a:cs typeface="宋体" panose="02010600030101010101" pitchFamily="2" charset="-122"/>
-            </a:endParaRPr>
-          </a:p>
-          <a:p>
-            <a:r>
-              <a:rPr lang="zh-CN" altLang="en-US" sz="1600">
-                <a:solidFill>
-                  <a:srgbClr val="FF0000"/>
-                </a:solidFill>
-                <a:latin typeface="宋体" panose="02010600030101010101" pitchFamily="2" charset="-122"/>
-                <a:ea typeface="宋体" panose="02010600030101010101" pitchFamily="2" charset="-122"/>
-                <a:cs typeface="宋体" panose="02010600030101010101" pitchFamily="2" charset="-122"/>
-              </a:rPr>
-              <a:t>animation	所有动画属性的简写属性，除了 animation-play-state 属性。	</a:t>
-            </a:r>
-            <a:endParaRPr lang="zh-CN" altLang="en-US" sz="1600">
-              <a:solidFill>
-                <a:srgbClr val="FF0000"/>
-              </a:solidFill>
-              <a:latin typeface="宋体" panose="02010600030101010101" pitchFamily="2" charset="-122"/>
-              <a:ea typeface="宋体" panose="02010600030101010101" pitchFamily="2" charset="-122"/>
-              <a:cs typeface="宋体" panose="02010600030101010101" pitchFamily="2" charset="-122"/>
-            </a:endParaRPr>
-          </a:p>
-          <a:p>
-            <a:r>
-              <a:rPr lang="zh-CN" altLang="en-US" sz="1600">
-                <a:solidFill>
-                  <a:srgbClr val="FF0000"/>
-                </a:solidFill>
-                <a:latin typeface="宋体" panose="02010600030101010101" pitchFamily="2" charset="-122"/>
-                <a:ea typeface="宋体" panose="02010600030101010101" pitchFamily="2" charset="-122"/>
-                <a:cs typeface="宋体" panose="02010600030101010101" pitchFamily="2" charset="-122"/>
-              </a:rPr>
-              <a:t>animation-name	规定 @keyframes 动画的名称。	</a:t>
-            </a:r>
-            <a:endParaRPr lang="zh-CN" altLang="en-US" sz="1600">
-              <a:solidFill>
-                <a:srgbClr val="FF0000"/>
-              </a:solidFill>
-              <a:latin typeface="宋体" panose="02010600030101010101" pitchFamily="2" charset="-122"/>
-              <a:ea typeface="宋体" panose="02010600030101010101" pitchFamily="2" charset="-122"/>
-              <a:cs typeface="宋体" panose="02010600030101010101" pitchFamily="2" charset="-122"/>
-            </a:endParaRPr>
-          </a:p>
-          <a:p>
-            <a:r>
-              <a:rPr lang="zh-CN" altLang="en-US" sz="1600">
-                <a:solidFill>
-                  <a:srgbClr val="FF0000"/>
-                </a:solidFill>
-                <a:latin typeface="宋体" panose="02010600030101010101" pitchFamily="2" charset="-122"/>
-                <a:ea typeface="宋体" panose="02010600030101010101" pitchFamily="2" charset="-122"/>
-                <a:cs typeface="宋体" panose="02010600030101010101" pitchFamily="2" charset="-122"/>
-              </a:rPr>
-              <a:t>animation-duration	规定动画完成一个周期所花费的秒或毫秒。默认是 0。	</a:t>
-            </a:r>
-            <a:endParaRPr lang="zh-CN" altLang="en-US" sz="1600">
-              <a:solidFill>
-                <a:srgbClr val="FF0000"/>
-              </a:solidFill>
-              <a:latin typeface="宋体" panose="02010600030101010101" pitchFamily="2" charset="-122"/>
-              <a:ea typeface="宋体" panose="02010600030101010101" pitchFamily="2" charset="-122"/>
-              <a:cs typeface="宋体" panose="02010600030101010101" pitchFamily="2" charset="-122"/>
-            </a:endParaRPr>
-          </a:p>
-          <a:p>
-            <a:r>
-              <a:rPr lang="zh-CN" altLang="en-US" sz="1600">
-                <a:solidFill>
-                  <a:srgbClr val="FF0000"/>
-                </a:solidFill>
-                <a:latin typeface="宋体" panose="02010600030101010101" pitchFamily="2" charset="-122"/>
-                <a:ea typeface="宋体" panose="02010600030101010101" pitchFamily="2" charset="-122"/>
-                <a:cs typeface="宋体" panose="02010600030101010101" pitchFamily="2" charset="-122"/>
-              </a:rPr>
-              <a:t>animation-timing-function	规定动画的速度曲线。默认是 "ease"。	</a:t>
-            </a:r>
-            <a:endParaRPr lang="zh-CN" altLang="en-US" sz="1600">
-              <a:solidFill>
-                <a:srgbClr val="FF0000"/>
-              </a:solidFill>
-              <a:latin typeface="宋体" panose="02010600030101010101" pitchFamily="2" charset="-122"/>
-              <a:ea typeface="宋体" panose="02010600030101010101" pitchFamily="2" charset="-122"/>
-              <a:cs typeface="宋体" panose="02010600030101010101" pitchFamily="2" charset="-122"/>
-            </a:endParaRPr>
-          </a:p>
-          <a:p>
-            <a:r>
-              <a:rPr lang="zh-CN" altLang="en-US" sz="1600">
-                <a:solidFill>
-                  <a:srgbClr val="FF0000"/>
-                </a:solidFill>
-                <a:latin typeface="宋体" panose="02010600030101010101" pitchFamily="2" charset="-122"/>
-                <a:ea typeface="宋体" panose="02010600030101010101" pitchFamily="2" charset="-122"/>
-                <a:cs typeface="宋体" panose="02010600030101010101" pitchFamily="2" charset="-122"/>
-              </a:rPr>
-              <a:t>animation-delay	规定动画何时开始。默认是 0。	</a:t>
-            </a:r>
-            <a:endParaRPr lang="zh-CN" altLang="en-US" sz="1600">
-              <a:solidFill>
-                <a:srgbClr val="FF0000"/>
-              </a:solidFill>
-              <a:latin typeface="宋体" panose="02010600030101010101" pitchFamily="2" charset="-122"/>
-              <a:ea typeface="宋体" panose="02010600030101010101" pitchFamily="2" charset="-122"/>
-              <a:cs typeface="宋体" panose="02010600030101010101" pitchFamily="2" charset="-122"/>
-            </a:endParaRPr>
-          </a:p>
-          <a:p>
-            <a:r>
-              <a:rPr lang="zh-CN" altLang="en-US" sz="1600">
-                <a:solidFill>
-                  <a:srgbClr val="FF0000"/>
-                </a:solidFill>
-                <a:latin typeface="宋体" panose="02010600030101010101" pitchFamily="2" charset="-122"/>
-                <a:ea typeface="宋体" panose="02010600030101010101" pitchFamily="2" charset="-122"/>
-                <a:cs typeface="宋体" panose="02010600030101010101" pitchFamily="2" charset="-122"/>
-              </a:rPr>
-              <a:t>animation-iteration-count	规定动画被播放的次数。默认是 1（n|infinite n 次或者无限次</a:t>
-            </a:r>
-            <a:r>
-              <a:rPr lang="zh-CN" altLang="en-US" sz="1600">
-                <a:solidFill>
-                  <a:srgbClr val="FF0000"/>
-                </a:solidFill>
-                <a:latin typeface="宋体" panose="02010600030101010101" pitchFamily="2" charset="-122"/>
-                <a:ea typeface="宋体" panose="02010600030101010101" pitchFamily="2" charset="-122"/>
-                <a:cs typeface="宋体" panose="02010600030101010101" pitchFamily="2" charset="-122"/>
-              </a:rPr>
-              <a:t>）</a:t>
-            </a:r>
-            <a:r>
-              <a:rPr lang="zh-CN" altLang="en-US" sz="1600">
-                <a:solidFill>
-                  <a:srgbClr val="FF0000"/>
-                </a:solidFill>
-                <a:latin typeface="宋体" panose="02010600030101010101" pitchFamily="2" charset="-122"/>
-                <a:ea typeface="宋体" panose="02010600030101010101" pitchFamily="2" charset="-122"/>
-                <a:cs typeface="宋体" panose="02010600030101010101" pitchFamily="2" charset="-122"/>
-              </a:rPr>
-              <a:t>。	</a:t>
-            </a:r>
-            <a:endParaRPr lang="zh-CN" altLang="en-US" sz="1600">
-              <a:solidFill>
-                <a:srgbClr val="FF0000"/>
-              </a:solidFill>
-              <a:latin typeface="宋体" panose="02010600030101010101" pitchFamily="2" charset="-122"/>
-              <a:ea typeface="宋体" panose="02010600030101010101" pitchFamily="2" charset="-122"/>
-              <a:cs typeface="宋体" panose="02010600030101010101" pitchFamily="2" charset="-122"/>
-            </a:endParaRPr>
-          </a:p>
-          <a:p>
-            <a:r>
-              <a:rPr lang="zh-CN" altLang="en-US" sz="1600">
-                <a:solidFill>
-                  <a:srgbClr val="FF0000"/>
-                </a:solidFill>
-                <a:latin typeface="宋体" panose="02010600030101010101" pitchFamily="2" charset="-122"/>
-                <a:ea typeface="宋体" panose="02010600030101010101" pitchFamily="2" charset="-122"/>
-                <a:cs typeface="宋体" panose="02010600030101010101" pitchFamily="2" charset="-122"/>
-              </a:rPr>
-              <a:t>animation-direction	规定动画是否在下一周期逆向地播放。默认是 "normal"。	</a:t>
-            </a:r>
-            <a:endParaRPr lang="zh-CN" altLang="en-US" sz="1600">
-              <a:solidFill>
-                <a:srgbClr val="FF0000"/>
-              </a:solidFill>
-              <a:latin typeface="宋体" panose="02010600030101010101" pitchFamily="2" charset="-122"/>
-              <a:ea typeface="宋体" panose="02010600030101010101" pitchFamily="2" charset="-122"/>
-              <a:cs typeface="宋体" panose="02010600030101010101" pitchFamily="2" charset="-122"/>
-            </a:endParaRPr>
-          </a:p>
-          <a:p>
-            <a:r>
-              <a:rPr lang="zh-CN" altLang="en-US" sz="1600">
-                <a:solidFill>
-                  <a:srgbClr val="FF0000"/>
-                </a:solidFill>
-                <a:latin typeface="宋体" panose="02010600030101010101" pitchFamily="2" charset="-122"/>
-                <a:ea typeface="宋体" panose="02010600030101010101" pitchFamily="2" charset="-122"/>
-                <a:cs typeface="宋体" panose="02010600030101010101" pitchFamily="2" charset="-122"/>
-              </a:rPr>
-              <a:t>animation-play-state	规定动画是否正在运行或暂停。默认是 "running"。	</a:t>
-            </a:r>
-            <a:endParaRPr lang="zh-CN" altLang="en-US" sz="1600">
-              <a:solidFill>
-                <a:srgbClr val="FF0000"/>
-              </a:solidFill>
-              <a:latin typeface="宋体" panose="02010600030101010101" pitchFamily="2" charset="-122"/>
-              <a:ea typeface="宋体" panose="02010600030101010101" pitchFamily="2" charset="-122"/>
-              <a:cs typeface="宋体" panose="02010600030101010101" pitchFamily="2" charset="-122"/>
-            </a:endParaRPr>
-          </a:p>
-          <a:p>
-            <a:r>
-              <a:rPr lang="zh-CN" altLang="en-US" sz="1600">
-                <a:solidFill>
-                  <a:srgbClr val="FF0000"/>
-                </a:solidFill>
-                <a:latin typeface="宋体" panose="02010600030101010101" pitchFamily="2" charset="-122"/>
-                <a:ea typeface="宋体" panose="02010600030101010101" pitchFamily="2" charset="-122"/>
-                <a:cs typeface="宋体" panose="02010600030101010101" pitchFamily="2" charset="-122"/>
-              </a:rPr>
-              <a:t>animation-fill-mode	规定对象动画时间之外的状态。</a:t>
-            </a:r>
-            <a:endParaRPr lang="zh-CN" altLang="en-US" sz="1600">
-              <a:solidFill>
-                <a:srgbClr val="FF0000"/>
-              </a:solidFill>
-              <a:latin typeface="宋体" panose="02010600030101010101" pitchFamily="2" charset="-122"/>
-              <a:ea typeface="宋体" panose="02010600030101010101" pitchFamily="2" charset="-122"/>
-              <a:cs typeface="宋体" panose="02010600030101010101" pitchFamily="2" charset="-122"/>
-            </a:endParaRPr>
-          </a:p>
-          <a:p>
-            <a:endParaRPr lang="zh-CN" altLang="en-US" sz="1600">
-              <a:latin typeface="宋体" panose="02010600030101010101" pitchFamily="2" charset="-122"/>
-              <a:ea typeface="宋体" panose="02010600030101010101" pitchFamily="2" charset="-122"/>
-              <a:cs typeface="宋体" panose="02010600030101010101" pitchFamily="2" charset="-122"/>
-            </a:endParaRPr>
-          </a:p>
-          <a:p>
-            <a:r>
-              <a:rPr lang="zh-CN" altLang="en-US" sz="1600">
-                <a:latin typeface="宋体" panose="02010600030101010101" pitchFamily="2" charset="-122"/>
-                <a:ea typeface="宋体" panose="02010600030101010101" pitchFamily="2" charset="-122"/>
-                <a:cs typeface="宋体" panose="02010600030101010101" pitchFamily="2" charset="-122"/>
-              </a:rPr>
-              <a:t>语法</a:t>
-            </a:r>
-            <a:endParaRPr lang="zh-CN" altLang="en-US" sz="1600">
-              <a:latin typeface="宋体" panose="02010600030101010101" pitchFamily="2" charset="-122"/>
-              <a:ea typeface="宋体" panose="02010600030101010101" pitchFamily="2" charset="-122"/>
-              <a:cs typeface="宋体" panose="02010600030101010101" pitchFamily="2" charset="-122"/>
-            </a:endParaRPr>
-          </a:p>
-          <a:p>
-            <a:r>
-              <a:rPr lang="zh-CN" altLang="en-US" sz="1600">
-                <a:latin typeface="宋体" panose="02010600030101010101" pitchFamily="2" charset="-122"/>
-                <a:ea typeface="宋体" panose="02010600030101010101" pitchFamily="2" charset="-122"/>
-                <a:cs typeface="宋体" panose="02010600030101010101" pitchFamily="2" charset="-122"/>
-              </a:rPr>
-              <a:t>@keyframes animationname {keyframes-selector {css-styles;}}</a:t>
-            </a:r>
-            <a:endParaRPr lang="zh-CN" altLang="en-US" sz="1600">
-              <a:latin typeface="宋体" panose="02010600030101010101" pitchFamily="2" charset="-122"/>
-              <a:ea typeface="宋体" panose="02010600030101010101" pitchFamily="2" charset="-122"/>
-              <a:cs typeface="宋体" panose="02010600030101010101" pitchFamily="2" charset="-122"/>
-            </a:endParaRPr>
-          </a:p>
-          <a:p>
-            <a:r>
-              <a:rPr lang="zh-CN" altLang="en-US" sz="1600">
-                <a:latin typeface="宋体" panose="02010600030101010101" pitchFamily="2" charset="-122"/>
-                <a:ea typeface="宋体" panose="02010600030101010101" pitchFamily="2" charset="-122"/>
-                <a:cs typeface="宋体" panose="02010600030101010101" pitchFamily="2" charset="-122"/>
-              </a:rPr>
-              <a:t>animationname	</a:t>
-            </a:r>
-            <a:r>
-              <a:rPr lang="en-US" altLang="zh-CN" sz="1600">
-                <a:latin typeface="宋体" panose="02010600030101010101" pitchFamily="2" charset="-122"/>
-                <a:ea typeface="宋体" panose="02010600030101010101" pitchFamily="2" charset="-122"/>
-                <a:cs typeface="宋体" panose="02010600030101010101" pitchFamily="2" charset="-122"/>
-              </a:rPr>
-              <a:t>	</a:t>
-            </a:r>
-            <a:r>
-              <a:rPr lang="zh-CN" altLang="en-US" sz="1600">
-                <a:latin typeface="宋体" panose="02010600030101010101" pitchFamily="2" charset="-122"/>
-                <a:ea typeface="宋体" panose="02010600030101010101" pitchFamily="2" charset="-122"/>
-                <a:cs typeface="宋体" panose="02010600030101010101" pitchFamily="2" charset="-122"/>
-              </a:rPr>
-              <a:t>必需。定义动画的名称。</a:t>
-            </a:r>
-            <a:endParaRPr lang="zh-CN" altLang="en-US" sz="1600">
-              <a:latin typeface="宋体" panose="02010600030101010101" pitchFamily="2" charset="-122"/>
-              <a:ea typeface="宋体" panose="02010600030101010101" pitchFamily="2" charset="-122"/>
-              <a:cs typeface="宋体" panose="02010600030101010101" pitchFamily="2" charset="-122"/>
-            </a:endParaRPr>
-          </a:p>
-          <a:p>
-            <a:r>
-              <a:rPr lang="zh-CN" altLang="en-US" sz="1600">
-                <a:latin typeface="宋体" panose="02010600030101010101" pitchFamily="2" charset="-122"/>
-                <a:ea typeface="宋体" panose="02010600030101010101" pitchFamily="2" charset="-122"/>
-                <a:cs typeface="宋体" panose="02010600030101010101" pitchFamily="2" charset="-122"/>
-              </a:rPr>
-              <a:t>keyframes-selector	必需。动画时长的百分比。合法的值：0-100% </a:t>
-            </a:r>
-            <a:r>
-              <a:rPr lang="en-US" altLang="zh-CN" sz="1600">
-                <a:latin typeface="宋体" panose="02010600030101010101" pitchFamily="2" charset="-122"/>
-                <a:ea typeface="宋体" panose="02010600030101010101" pitchFamily="2" charset="-122"/>
-                <a:cs typeface="宋体" panose="02010600030101010101" pitchFamily="2" charset="-122"/>
-              </a:rPr>
-              <a:t>| </a:t>
-            </a:r>
-            <a:r>
-              <a:rPr lang="zh-CN" altLang="en-US" sz="1600">
-                <a:latin typeface="宋体" panose="02010600030101010101" pitchFamily="2" charset="-122"/>
-                <a:ea typeface="宋体" panose="02010600030101010101" pitchFamily="2" charset="-122"/>
-                <a:cs typeface="宋体" panose="02010600030101010101" pitchFamily="2" charset="-122"/>
-              </a:rPr>
-              <a:t>from（与 0% 相同）</a:t>
-            </a:r>
-            <a:r>
-              <a:rPr lang="en-US" altLang="zh-CN" sz="1600">
-                <a:latin typeface="宋体" panose="02010600030101010101" pitchFamily="2" charset="-122"/>
-                <a:ea typeface="宋体" panose="02010600030101010101" pitchFamily="2" charset="-122"/>
-                <a:cs typeface="宋体" panose="02010600030101010101" pitchFamily="2" charset="-122"/>
-              </a:rPr>
-              <a:t>| </a:t>
-            </a:r>
-            <a:r>
-              <a:rPr lang="zh-CN" altLang="en-US" sz="1600">
-                <a:latin typeface="宋体" panose="02010600030101010101" pitchFamily="2" charset="-122"/>
-                <a:ea typeface="宋体" panose="02010600030101010101" pitchFamily="2" charset="-122"/>
-                <a:cs typeface="宋体" panose="02010600030101010101" pitchFamily="2" charset="-122"/>
-              </a:rPr>
-              <a:t>to（与 100% 相同）</a:t>
-            </a:r>
-            <a:endParaRPr lang="zh-CN" altLang="en-US" sz="1600">
-              <a:latin typeface="宋体" panose="02010600030101010101" pitchFamily="2" charset="-122"/>
-              <a:ea typeface="宋体" panose="02010600030101010101" pitchFamily="2" charset="-122"/>
-              <a:cs typeface="宋体" panose="02010600030101010101" pitchFamily="2" charset="-122"/>
-            </a:endParaRPr>
-          </a:p>
-          <a:p>
-            <a:r>
-              <a:rPr lang="zh-CN" altLang="en-US" sz="1600">
-                <a:latin typeface="宋体" panose="02010600030101010101" pitchFamily="2" charset="-122"/>
-                <a:ea typeface="宋体" panose="02010600030101010101" pitchFamily="2" charset="-122"/>
-                <a:cs typeface="宋体" panose="02010600030101010101" pitchFamily="2" charset="-122"/>
-              </a:rPr>
-              <a:t>css-styles	</a:t>
-            </a:r>
-            <a:r>
-              <a:rPr lang="en-US" altLang="zh-CN" sz="1600">
-                <a:latin typeface="宋体" panose="02010600030101010101" pitchFamily="2" charset="-122"/>
-                <a:ea typeface="宋体" panose="02010600030101010101" pitchFamily="2" charset="-122"/>
-                <a:cs typeface="宋体" panose="02010600030101010101" pitchFamily="2" charset="-122"/>
-              </a:rPr>
-              <a:t>	</a:t>
-            </a:r>
-            <a:r>
-              <a:rPr lang="zh-CN" altLang="en-US" sz="1600">
-                <a:latin typeface="宋体" panose="02010600030101010101" pitchFamily="2" charset="-122"/>
-                <a:ea typeface="宋体" panose="02010600030101010101" pitchFamily="2" charset="-122"/>
-                <a:cs typeface="宋体" panose="02010600030101010101" pitchFamily="2" charset="-122"/>
-              </a:rPr>
-              <a:t>必需。一个或多个合法的 CSS 样式属性。</a:t>
+              <a:t>旋转、缩放、移动或倾斜</a:t>
+            </a:r>
+            <a:r>
+              <a:rPr lang="zh-CN" altLang="en-US" sz="1600">
+                <a:latin typeface="宋体" panose="02010600030101010101" pitchFamily="2" charset="-122"/>
+                <a:ea typeface="宋体" panose="02010600030101010101" pitchFamily="2" charset="-122"/>
+                <a:cs typeface="宋体" panose="02010600030101010101" pitchFamily="2" charset="-122"/>
+              </a:rPr>
+              <a:t>。</a:t>
+            </a:r>
+            <a:endParaRPr lang="zh-CN" altLang="en-US" sz="1600">
+              <a:latin typeface="宋体" panose="02010600030101010101" pitchFamily="2" charset="-122"/>
+              <a:ea typeface="宋体" panose="02010600030101010101" pitchFamily="2" charset="-122"/>
+              <a:cs typeface="宋体" panose="02010600030101010101" pitchFamily="2" charset="-122"/>
+            </a:endParaRPr>
+          </a:p>
+          <a:p>
+            <a:endParaRPr lang="zh-CN" altLang="en-US" sz="1600">
+              <a:latin typeface="宋体" panose="02010600030101010101" pitchFamily="2" charset="-122"/>
+              <a:ea typeface="宋体" panose="02010600030101010101" pitchFamily="2" charset="-122"/>
+              <a:cs typeface="宋体" panose="02010600030101010101" pitchFamily="2" charset="-122"/>
+            </a:endParaRPr>
+          </a:p>
+          <a:p>
+            <a:r>
+              <a:rPr lang="zh-CN" altLang="en-US" sz="1600">
+                <a:latin typeface="宋体" panose="02010600030101010101" pitchFamily="2" charset="-122"/>
+                <a:ea typeface="宋体" panose="02010600030101010101" pitchFamily="2" charset="-122"/>
+                <a:cs typeface="宋体" panose="02010600030101010101" pitchFamily="2" charset="-122"/>
+              </a:rPr>
+              <a:t>matrix(n,n,n,n,n,n)	定义 2D 转换，使用六个值的矩阵。</a:t>
+            </a:r>
+            <a:endParaRPr lang="zh-CN" altLang="en-US" sz="1600">
+              <a:latin typeface="宋体" panose="02010600030101010101" pitchFamily="2" charset="-122"/>
+              <a:ea typeface="宋体" panose="02010600030101010101" pitchFamily="2" charset="-122"/>
+              <a:cs typeface="宋体" panose="02010600030101010101" pitchFamily="2" charset="-122"/>
+            </a:endParaRPr>
+          </a:p>
+          <a:p>
+            <a:r>
+              <a:rPr lang="zh-CN" altLang="en-US" sz="1600">
+                <a:latin typeface="宋体" panose="02010600030101010101" pitchFamily="2" charset="-122"/>
+                <a:ea typeface="宋体" panose="02010600030101010101" pitchFamily="2" charset="-122"/>
+                <a:cs typeface="宋体" panose="02010600030101010101" pitchFamily="2" charset="-122"/>
+              </a:rPr>
+              <a:t>matrix3d(n,n,n,n,n,n,n,n,n,n,n,n,n,n,n,n)	定义 3D 转换，使用 16 个值的 4x4 矩阵。	</a:t>
+            </a:r>
+            <a:endParaRPr lang="zh-CN" altLang="en-US" sz="1600">
+              <a:latin typeface="宋体" panose="02010600030101010101" pitchFamily="2" charset="-122"/>
+              <a:ea typeface="宋体" panose="02010600030101010101" pitchFamily="2" charset="-122"/>
+              <a:cs typeface="宋体" panose="02010600030101010101" pitchFamily="2" charset="-122"/>
+            </a:endParaRPr>
+          </a:p>
+          <a:p>
+            <a:r>
+              <a:rPr lang="zh-CN" altLang="en-US" sz="1600">
+                <a:latin typeface="宋体" panose="02010600030101010101" pitchFamily="2" charset="-122"/>
+                <a:ea typeface="宋体" panose="02010600030101010101" pitchFamily="2" charset="-122"/>
+                <a:cs typeface="宋体" panose="02010600030101010101" pitchFamily="2" charset="-122"/>
+              </a:rPr>
+              <a:t>translate(x,y)	定义 2D 转换。	</a:t>
+            </a:r>
+            <a:endParaRPr lang="zh-CN" altLang="en-US" sz="1600">
+              <a:latin typeface="宋体" panose="02010600030101010101" pitchFamily="2" charset="-122"/>
+              <a:ea typeface="宋体" panose="02010600030101010101" pitchFamily="2" charset="-122"/>
+              <a:cs typeface="宋体" panose="02010600030101010101" pitchFamily="2" charset="-122"/>
+            </a:endParaRPr>
+          </a:p>
+          <a:p>
+            <a:r>
+              <a:rPr lang="zh-CN" altLang="en-US" sz="1600">
+                <a:latin typeface="宋体" panose="02010600030101010101" pitchFamily="2" charset="-122"/>
+                <a:ea typeface="宋体" panose="02010600030101010101" pitchFamily="2" charset="-122"/>
+                <a:cs typeface="宋体" panose="02010600030101010101" pitchFamily="2" charset="-122"/>
+              </a:rPr>
+              <a:t>translate3d(x,y,z)	定义 3D 转换。	</a:t>
+            </a:r>
+            <a:endParaRPr lang="zh-CN" altLang="en-US" sz="1600">
+              <a:latin typeface="宋体" panose="02010600030101010101" pitchFamily="2" charset="-122"/>
+              <a:ea typeface="宋体" panose="02010600030101010101" pitchFamily="2" charset="-122"/>
+              <a:cs typeface="宋体" panose="02010600030101010101" pitchFamily="2" charset="-122"/>
+            </a:endParaRPr>
+          </a:p>
+          <a:p>
+            <a:r>
+              <a:rPr lang="zh-CN" altLang="en-US" sz="1600">
+                <a:latin typeface="宋体" panose="02010600030101010101" pitchFamily="2" charset="-122"/>
+                <a:ea typeface="宋体" panose="02010600030101010101" pitchFamily="2" charset="-122"/>
+                <a:cs typeface="宋体" panose="02010600030101010101" pitchFamily="2" charset="-122"/>
+              </a:rPr>
+              <a:t>translateX(x)	定义转换，只是用 X 轴的值。	</a:t>
+            </a:r>
+            <a:endParaRPr lang="zh-CN" altLang="en-US" sz="1600">
+              <a:latin typeface="宋体" panose="02010600030101010101" pitchFamily="2" charset="-122"/>
+              <a:ea typeface="宋体" panose="02010600030101010101" pitchFamily="2" charset="-122"/>
+              <a:cs typeface="宋体" panose="02010600030101010101" pitchFamily="2" charset="-122"/>
+            </a:endParaRPr>
+          </a:p>
+          <a:p>
+            <a:r>
+              <a:rPr lang="zh-CN" altLang="en-US" sz="1600">
+                <a:latin typeface="宋体" panose="02010600030101010101" pitchFamily="2" charset="-122"/>
+                <a:ea typeface="宋体" panose="02010600030101010101" pitchFamily="2" charset="-122"/>
+                <a:cs typeface="宋体" panose="02010600030101010101" pitchFamily="2" charset="-122"/>
+              </a:rPr>
+              <a:t>translateY(y)	定义转换，只是用 Y 轴的值。	</a:t>
+            </a:r>
+            <a:endParaRPr lang="zh-CN" altLang="en-US" sz="1600">
+              <a:latin typeface="宋体" panose="02010600030101010101" pitchFamily="2" charset="-122"/>
+              <a:ea typeface="宋体" panose="02010600030101010101" pitchFamily="2" charset="-122"/>
+              <a:cs typeface="宋体" panose="02010600030101010101" pitchFamily="2" charset="-122"/>
+            </a:endParaRPr>
+          </a:p>
+          <a:p>
+            <a:r>
+              <a:rPr lang="zh-CN" altLang="en-US" sz="1600">
+                <a:latin typeface="宋体" panose="02010600030101010101" pitchFamily="2" charset="-122"/>
+                <a:ea typeface="宋体" panose="02010600030101010101" pitchFamily="2" charset="-122"/>
+                <a:cs typeface="宋体" panose="02010600030101010101" pitchFamily="2" charset="-122"/>
+              </a:rPr>
+              <a:t>translateZ(z)	定义 3D 转换，只是用 Z 轴的值。	</a:t>
+            </a:r>
+            <a:endParaRPr lang="zh-CN" altLang="en-US" sz="1600">
+              <a:latin typeface="宋体" panose="02010600030101010101" pitchFamily="2" charset="-122"/>
+              <a:ea typeface="宋体" panose="02010600030101010101" pitchFamily="2" charset="-122"/>
+              <a:cs typeface="宋体" panose="02010600030101010101" pitchFamily="2" charset="-122"/>
+            </a:endParaRPr>
+          </a:p>
+          <a:p>
+            <a:r>
+              <a:rPr lang="zh-CN" altLang="en-US" sz="1600">
+                <a:latin typeface="宋体" panose="02010600030101010101" pitchFamily="2" charset="-122"/>
+                <a:ea typeface="宋体" panose="02010600030101010101" pitchFamily="2" charset="-122"/>
+                <a:cs typeface="宋体" panose="02010600030101010101" pitchFamily="2" charset="-122"/>
+              </a:rPr>
+              <a:t>scale(x,y)	定义 2D 缩放转换。	</a:t>
+            </a:r>
+            <a:endParaRPr lang="zh-CN" altLang="en-US" sz="1600">
+              <a:latin typeface="宋体" panose="02010600030101010101" pitchFamily="2" charset="-122"/>
+              <a:ea typeface="宋体" panose="02010600030101010101" pitchFamily="2" charset="-122"/>
+              <a:cs typeface="宋体" panose="02010600030101010101" pitchFamily="2" charset="-122"/>
+            </a:endParaRPr>
+          </a:p>
+          <a:p>
+            <a:r>
+              <a:rPr lang="zh-CN" altLang="en-US" sz="1600">
+                <a:latin typeface="宋体" panose="02010600030101010101" pitchFamily="2" charset="-122"/>
+                <a:ea typeface="宋体" panose="02010600030101010101" pitchFamily="2" charset="-122"/>
+                <a:cs typeface="宋体" panose="02010600030101010101" pitchFamily="2" charset="-122"/>
+              </a:rPr>
+              <a:t>scale3d(x,y,z)	定义 3D 缩放转换。	</a:t>
+            </a:r>
+            <a:endParaRPr lang="zh-CN" altLang="en-US" sz="1600">
+              <a:latin typeface="宋体" panose="02010600030101010101" pitchFamily="2" charset="-122"/>
+              <a:ea typeface="宋体" panose="02010600030101010101" pitchFamily="2" charset="-122"/>
+              <a:cs typeface="宋体" panose="02010600030101010101" pitchFamily="2" charset="-122"/>
+            </a:endParaRPr>
+          </a:p>
+          <a:p>
+            <a:r>
+              <a:rPr lang="zh-CN" altLang="en-US" sz="1600">
+                <a:latin typeface="宋体" panose="02010600030101010101" pitchFamily="2" charset="-122"/>
+                <a:ea typeface="宋体" panose="02010600030101010101" pitchFamily="2" charset="-122"/>
+                <a:cs typeface="宋体" panose="02010600030101010101" pitchFamily="2" charset="-122"/>
+              </a:rPr>
+              <a:t>scaleX(x)	通过设置 X 轴的值来定义缩放转换。	</a:t>
+            </a:r>
+            <a:endParaRPr lang="zh-CN" altLang="en-US" sz="1600">
+              <a:latin typeface="宋体" panose="02010600030101010101" pitchFamily="2" charset="-122"/>
+              <a:ea typeface="宋体" panose="02010600030101010101" pitchFamily="2" charset="-122"/>
+              <a:cs typeface="宋体" panose="02010600030101010101" pitchFamily="2" charset="-122"/>
+            </a:endParaRPr>
+          </a:p>
+          <a:p>
+            <a:r>
+              <a:rPr lang="zh-CN" altLang="en-US" sz="1600">
+                <a:latin typeface="宋体" panose="02010600030101010101" pitchFamily="2" charset="-122"/>
+                <a:ea typeface="宋体" panose="02010600030101010101" pitchFamily="2" charset="-122"/>
+                <a:cs typeface="宋体" panose="02010600030101010101" pitchFamily="2" charset="-122"/>
+              </a:rPr>
+              <a:t>scaleY(y)	通过设置 Y 轴的值来定义缩放转换。	</a:t>
+            </a:r>
+            <a:endParaRPr lang="zh-CN" altLang="en-US" sz="1600">
+              <a:latin typeface="宋体" panose="02010600030101010101" pitchFamily="2" charset="-122"/>
+              <a:ea typeface="宋体" panose="02010600030101010101" pitchFamily="2" charset="-122"/>
+              <a:cs typeface="宋体" panose="02010600030101010101" pitchFamily="2" charset="-122"/>
+            </a:endParaRPr>
+          </a:p>
+          <a:p>
+            <a:r>
+              <a:rPr lang="zh-CN" altLang="en-US" sz="1600">
+                <a:latin typeface="宋体" panose="02010600030101010101" pitchFamily="2" charset="-122"/>
+                <a:ea typeface="宋体" panose="02010600030101010101" pitchFamily="2" charset="-122"/>
+                <a:cs typeface="宋体" panose="02010600030101010101" pitchFamily="2" charset="-122"/>
+              </a:rPr>
+              <a:t>scaleZ(z)	通过设置 Z 轴的值来定义 3D 缩放转换。	</a:t>
+            </a:r>
+            <a:endParaRPr lang="zh-CN" altLang="en-US" sz="1600">
+              <a:latin typeface="宋体" panose="02010600030101010101" pitchFamily="2" charset="-122"/>
+              <a:ea typeface="宋体" panose="02010600030101010101" pitchFamily="2" charset="-122"/>
+              <a:cs typeface="宋体" panose="02010600030101010101" pitchFamily="2" charset="-122"/>
+            </a:endParaRPr>
+          </a:p>
+          <a:p>
+            <a:r>
+              <a:rPr lang="zh-CN" altLang="en-US" sz="1600">
+                <a:latin typeface="宋体" panose="02010600030101010101" pitchFamily="2" charset="-122"/>
+                <a:ea typeface="宋体" panose="02010600030101010101" pitchFamily="2" charset="-122"/>
+                <a:cs typeface="宋体" panose="02010600030101010101" pitchFamily="2" charset="-122"/>
+              </a:rPr>
+              <a:t>rotate(angle)	定义 2D 旋转，在参数中规定角度。	</a:t>
+            </a:r>
+            <a:endParaRPr lang="zh-CN" altLang="en-US" sz="1600">
+              <a:latin typeface="宋体" panose="02010600030101010101" pitchFamily="2" charset="-122"/>
+              <a:ea typeface="宋体" panose="02010600030101010101" pitchFamily="2" charset="-122"/>
+              <a:cs typeface="宋体" panose="02010600030101010101" pitchFamily="2" charset="-122"/>
+            </a:endParaRPr>
+          </a:p>
+          <a:p>
+            <a:r>
+              <a:rPr lang="zh-CN" altLang="en-US" sz="1600">
+                <a:latin typeface="宋体" panose="02010600030101010101" pitchFamily="2" charset="-122"/>
+                <a:ea typeface="宋体" panose="02010600030101010101" pitchFamily="2" charset="-122"/>
+                <a:cs typeface="宋体" panose="02010600030101010101" pitchFamily="2" charset="-122"/>
+              </a:rPr>
+              <a:t>rotate3d(x,y,z,angle)	定义 3D 旋转。	</a:t>
+            </a:r>
+            <a:endParaRPr lang="zh-CN" altLang="en-US" sz="1600">
+              <a:latin typeface="宋体" panose="02010600030101010101" pitchFamily="2" charset="-122"/>
+              <a:ea typeface="宋体" panose="02010600030101010101" pitchFamily="2" charset="-122"/>
+              <a:cs typeface="宋体" panose="02010600030101010101" pitchFamily="2" charset="-122"/>
+            </a:endParaRPr>
+          </a:p>
+          <a:p>
+            <a:r>
+              <a:rPr lang="zh-CN" altLang="en-US" sz="1600">
+                <a:latin typeface="宋体" panose="02010600030101010101" pitchFamily="2" charset="-122"/>
+                <a:ea typeface="宋体" panose="02010600030101010101" pitchFamily="2" charset="-122"/>
+                <a:cs typeface="宋体" panose="02010600030101010101" pitchFamily="2" charset="-122"/>
+              </a:rPr>
+              <a:t>rotateX(angle)	定义沿着 X 轴的 3D 旋转。	</a:t>
+            </a:r>
+            <a:endParaRPr lang="zh-CN" altLang="en-US" sz="1600">
+              <a:latin typeface="宋体" panose="02010600030101010101" pitchFamily="2" charset="-122"/>
+              <a:ea typeface="宋体" panose="02010600030101010101" pitchFamily="2" charset="-122"/>
+              <a:cs typeface="宋体" panose="02010600030101010101" pitchFamily="2" charset="-122"/>
+            </a:endParaRPr>
+          </a:p>
+          <a:p>
+            <a:r>
+              <a:rPr lang="zh-CN" altLang="en-US" sz="1600">
+                <a:latin typeface="宋体" panose="02010600030101010101" pitchFamily="2" charset="-122"/>
+                <a:ea typeface="宋体" panose="02010600030101010101" pitchFamily="2" charset="-122"/>
+                <a:cs typeface="宋体" panose="02010600030101010101" pitchFamily="2" charset="-122"/>
+              </a:rPr>
+              <a:t>rotateY(angle)	定义沿着 Y 轴的 3D 旋转。	</a:t>
+            </a:r>
+            <a:endParaRPr lang="zh-CN" altLang="en-US" sz="1600">
+              <a:latin typeface="宋体" panose="02010600030101010101" pitchFamily="2" charset="-122"/>
+              <a:ea typeface="宋体" panose="02010600030101010101" pitchFamily="2" charset="-122"/>
+              <a:cs typeface="宋体" panose="02010600030101010101" pitchFamily="2" charset="-122"/>
+            </a:endParaRPr>
+          </a:p>
+          <a:p>
+            <a:r>
+              <a:rPr lang="zh-CN" altLang="en-US" sz="1600">
+                <a:latin typeface="宋体" panose="02010600030101010101" pitchFamily="2" charset="-122"/>
+                <a:ea typeface="宋体" panose="02010600030101010101" pitchFamily="2" charset="-122"/>
+                <a:cs typeface="宋体" panose="02010600030101010101" pitchFamily="2" charset="-122"/>
+              </a:rPr>
+              <a:t>rotateZ(angle)	定义沿着 Z 轴的 3D 旋转。	</a:t>
+            </a:r>
+            <a:endParaRPr lang="zh-CN" altLang="en-US" sz="1600">
+              <a:latin typeface="宋体" panose="02010600030101010101" pitchFamily="2" charset="-122"/>
+              <a:ea typeface="宋体" panose="02010600030101010101" pitchFamily="2" charset="-122"/>
+              <a:cs typeface="宋体" panose="02010600030101010101" pitchFamily="2" charset="-122"/>
+            </a:endParaRPr>
+          </a:p>
+          <a:p>
+            <a:r>
+              <a:rPr lang="zh-CN" altLang="en-US" sz="1600">
+                <a:latin typeface="宋体" panose="02010600030101010101" pitchFamily="2" charset="-122"/>
+                <a:ea typeface="宋体" panose="02010600030101010101" pitchFamily="2" charset="-122"/>
+                <a:cs typeface="宋体" panose="02010600030101010101" pitchFamily="2" charset="-122"/>
+              </a:rPr>
+              <a:t>skew(x-angle,y-angle)	定义沿着 X 和 Y 轴的 2D 倾斜转换。	</a:t>
+            </a:r>
+            <a:endParaRPr lang="zh-CN" altLang="en-US" sz="1600">
+              <a:latin typeface="宋体" panose="02010600030101010101" pitchFamily="2" charset="-122"/>
+              <a:ea typeface="宋体" panose="02010600030101010101" pitchFamily="2" charset="-122"/>
+              <a:cs typeface="宋体" panose="02010600030101010101" pitchFamily="2" charset="-122"/>
+            </a:endParaRPr>
+          </a:p>
+          <a:p>
+            <a:r>
+              <a:rPr lang="zh-CN" altLang="en-US" sz="1600">
+                <a:latin typeface="宋体" panose="02010600030101010101" pitchFamily="2" charset="-122"/>
+                <a:ea typeface="宋体" panose="02010600030101010101" pitchFamily="2" charset="-122"/>
+                <a:cs typeface="宋体" panose="02010600030101010101" pitchFamily="2" charset="-122"/>
+              </a:rPr>
+              <a:t>skewX(angle)	定义沿着 X 轴的 2D 倾斜转换。	</a:t>
+            </a:r>
+            <a:endParaRPr lang="zh-CN" altLang="en-US" sz="1600">
+              <a:latin typeface="宋体" panose="02010600030101010101" pitchFamily="2" charset="-122"/>
+              <a:ea typeface="宋体" panose="02010600030101010101" pitchFamily="2" charset="-122"/>
+              <a:cs typeface="宋体" panose="02010600030101010101" pitchFamily="2" charset="-122"/>
+            </a:endParaRPr>
+          </a:p>
+          <a:p>
+            <a:r>
+              <a:rPr lang="zh-CN" altLang="en-US" sz="1600">
+                <a:latin typeface="宋体" panose="02010600030101010101" pitchFamily="2" charset="-122"/>
+                <a:ea typeface="宋体" panose="02010600030101010101" pitchFamily="2" charset="-122"/>
+                <a:cs typeface="宋体" panose="02010600030101010101" pitchFamily="2" charset="-122"/>
+              </a:rPr>
+              <a:t>skewY(angle)	定义沿着 Y 轴的 2D 倾斜转换。	</a:t>
+            </a:r>
+            <a:endParaRPr lang="zh-CN" altLang="en-US" sz="1600">
+              <a:latin typeface="宋体" panose="02010600030101010101" pitchFamily="2" charset="-122"/>
+              <a:ea typeface="宋体" panose="02010600030101010101" pitchFamily="2" charset="-122"/>
+              <a:cs typeface="宋体" panose="02010600030101010101" pitchFamily="2" charset="-122"/>
+            </a:endParaRPr>
+          </a:p>
+          <a:p>
+            <a:r>
+              <a:rPr lang="zh-CN" altLang="en-US" sz="1600">
+                <a:latin typeface="宋体" panose="02010600030101010101" pitchFamily="2" charset="-122"/>
+                <a:ea typeface="宋体" panose="02010600030101010101" pitchFamily="2" charset="-122"/>
+                <a:cs typeface="宋体" panose="02010600030101010101" pitchFamily="2" charset="-122"/>
+              </a:rPr>
+              <a:t>perspective(n)	为 3D 转换元素定义透视视图。	</a:t>
             </a:r>
             <a:endParaRPr lang="zh-CN" altLang="en-US" sz="1600">
               <a:latin typeface="宋体" panose="02010600030101010101" pitchFamily="2" charset="-122"/>
@@ -12409,8 +11501,8 @@
         </p:nvSpPr>
         <p:spPr>
           <a:xfrm>
-            <a:off x="147955" y="782955"/>
-            <a:ext cx="11958320" cy="1322070"/>
+            <a:off x="193675" y="810260"/>
+            <a:ext cx="11839575" cy="6000750"/>
           </a:xfrm>
           <a:prstGeom prst="rect">
             <a:avLst/>
@@ -12428,25 +11520,168 @@
                 <a:ea typeface="宋体" panose="02010600030101010101" pitchFamily="2" charset="-122"/>
                 <a:cs typeface="宋体" panose="02010600030101010101" pitchFamily="2" charset="-122"/>
               </a:rPr>
-              <a:t>animation-fill-mode : none | forwards | backwards | both;</a:t>
-            </a:r>
-            <a:endParaRPr lang="zh-CN" altLang="en-US" sz="1600">
-              <a:latin typeface="宋体" panose="02010600030101010101" pitchFamily="2" charset="-122"/>
-              <a:ea typeface="宋体" panose="02010600030101010101" pitchFamily="2" charset="-122"/>
-              <a:cs typeface="宋体" panose="02010600030101010101" pitchFamily="2" charset="-122"/>
-            </a:endParaRPr>
-          </a:p>
-          <a:p>
-            <a:r>
-              <a:rPr lang="zh-CN" altLang="en-US" sz="1600">
-                <a:latin typeface="宋体" panose="02010600030101010101" pitchFamily="2" charset="-122"/>
-                <a:ea typeface="宋体" panose="02010600030101010101" pitchFamily="2" charset="-122"/>
-                <a:cs typeface="宋体" panose="02010600030101010101" pitchFamily="2" charset="-122"/>
-              </a:rPr>
-              <a:t>none	</a:t>
+              <a:t>CSS3 过渡</a:t>
+            </a:r>
+            <a:endParaRPr lang="zh-CN" altLang="en-US" sz="1600">
+              <a:latin typeface="宋体" panose="02010600030101010101" pitchFamily="2" charset="-122"/>
+              <a:ea typeface="宋体" panose="02010600030101010101" pitchFamily="2" charset="-122"/>
+              <a:cs typeface="宋体" panose="02010600030101010101" pitchFamily="2" charset="-122"/>
+            </a:endParaRPr>
+          </a:p>
+          <a:p>
+            <a:r>
+              <a:rPr lang="zh-CN" altLang="en-US" sz="1600">
+                <a:latin typeface="宋体" panose="02010600030101010101" pitchFamily="2" charset="-122"/>
+                <a:ea typeface="宋体" panose="02010600030101010101" pitchFamily="2" charset="-122"/>
+                <a:cs typeface="宋体" panose="02010600030101010101" pitchFamily="2" charset="-122"/>
+              </a:rPr>
+              <a:t>通过 CSS3，我们可以在不使用 Flash 动画或 JavaScript 的情况下，当元素从一种样式变换为另一种样式时为元素添加效果。</a:t>
+            </a:r>
+            <a:endParaRPr lang="zh-CN" altLang="en-US" sz="1600">
+              <a:latin typeface="宋体" panose="02010600030101010101" pitchFamily="2" charset="-122"/>
+              <a:ea typeface="宋体" panose="02010600030101010101" pitchFamily="2" charset="-122"/>
+              <a:cs typeface="宋体" panose="02010600030101010101" pitchFamily="2" charset="-122"/>
+            </a:endParaRPr>
+          </a:p>
+          <a:p>
+            <a:endParaRPr lang="zh-CN" altLang="en-US" sz="1600">
+              <a:latin typeface="宋体" panose="02010600030101010101" pitchFamily="2" charset="-122"/>
+              <a:ea typeface="宋体" panose="02010600030101010101" pitchFamily="2" charset="-122"/>
+              <a:cs typeface="宋体" panose="02010600030101010101" pitchFamily="2" charset="-122"/>
+            </a:endParaRPr>
+          </a:p>
+          <a:p>
+            <a:r>
+              <a:rPr lang="zh-CN" altLang="en-US" sz="1600">
+                <a:latin typeface="宋体" panose="02010600030101010101" pitchFamily="2" charset="-122"/>
+                <a:ea typeface="宋体" panose="02010600030101010101" pitchFamily="2" charset="-122"/>
+                <a:cs typeface="宋体" panose="02010600030101010101" pitchFamily="2" charset="-122"/>
+              </a:rPr>
+              <a:t>CSS3 过渡是元素从一种样式逐渐改变为另一种的效果。</a:t>
+            </a:r>
+            <a:endParaRPr lang="zh-CN" altLang="en-US" sz="1600">
+              <a:latin typeface="宋体" panose="02010600030101010101" pitchFamily="2" charset="-122"/>
+              <a:ea typeface="宋体" panose="02010600030101010101" pitchFamily="2" charset="-122"/>
+              <a:cs typeface="宋体" panose="02010600030101010101" pitchFamily="2" charset="-122"/>
+            </a:endParaRPr>
+          </a:p>
+          <a:p>
+            <a:endParaRPr lang="zh-CN" altLang="en-US" sz="1600">
+              <a:latin typeface="宋体" panose="02010600030101010101" pitchFamily="2" charset="-122"/>
+              <a:ea typeface="宋体" panose="02010600030101010101" pitchFamily="2" charset="-122"/>
+              <a:cs typeface="宋体" panose="02010600030101010101" pitchFamily="2" charset="-122"/>
+            </a:endParaRPr>
+          </a:p>
+          <a:p>
+            <a:r>
+              <a:rPr lang="zh-CN" altLang="en-US" sz="1600">
+                <a:latin typeface="宋体" panose="02010600030101010101" pitchFamily="2" charset="-122"/>
+                <a:ea typeface="宋体" panose="02010600030101010101" pitchFamily="2" charset="-122"/>
+                <a:cs typeface="宋体" panose="02010600030101010101" pitchFamily="2" charset="-122"/>
+              </a:rPr>
+              <a:t>使用 </a:t>
+            </a:r>
+            <a:r>
+              <a:rPr lang="zh-CN" altLang="en-US" sz="1600">
+                <a:solidFill>
+                  <a:srgbClr val="FF0000"/>
+                </a:solidFill>
+                <a:latin typeface="宋体" panose="02010600030101010101" pitchFamily="2" charset="-122"/>
+                <a:ea typeface="宋体" panose="02010600030101010101" pitchFamily="2" charset="-122"/>
+                <a:cs typeface="宋体" panose="02010600030101010101" pitchFamily="2" charset="-122"/>
+              </a:rPr>
+              <a:t>:hover 和 :focus 这样的伪类</a:t>
+            </a:r>
+            <a:r>
+              <a:rPr lang="zh-CN" altLang="en-US" sz="1600">
+                <a:latin typeface="宋体" panose="02010600030101010101" pitchFamily="2" charset="-122"/>
+                <a:ea typeface="宋体" panose="02010600030101010101" pitchFamily="2" charset="-122"/>
+                <a:cs typeface="宋体" panose="02010600030101010101" pitchFamily="2" charset="-122"/>
+              </a:rPr>
+              <a:t>，我们可以很方便的将元素从一个样式切换到另一个样式，而且切换是会有过渡效果。</a:t>
+            </a:r>
+            <a:endParaRPr lang="zh-CN" altLang="en-US" sz="1600">
+              <a:latin typeface="宋体" panose="02010600030101010101" pitchFamily="2" charset="-122"/>
+              <a:ea typeface="宋体" panose="02010600030101010101" pitchFamily="2" charset="-122"/>
+              <a:cs typeface="宋体" panose="02010600030101010101" pitchFamily="2" charset="-122"/>
+            </a:endParaRPr>
+          </a:p>
+          <a:p>
+            <a:endParaRPr lang="zh-CN" altLang="en-US" sz="1600">
+              <a:latin typeface="宋体" panose="02010600030101010101" pitchFamily="2" charset="-122"/>
+              <a:ea typeface="宋体" panose="02010600030101010101" pitchFamily="2" charset="-122"/>
+              <a:cs typeface="宋体" panose="02010600030101010101" pitchFamily="2" charset="-122"/>
+            </a:endParaRPr>
+          </a:p>
+          <a:p>
+            <a:r>
+              <a:rPr lang="zh-CN" altLang="en-US" sz="1600">
+                <a:latin typeface="宋体" panose="02010600030101010101" pitchFamily="2" charset="-122"/>
+                <a:ea typeface="宋体" panose="02010600030101010101" pitchFamily="2" charset="-122"/>
+                <a:cs typeface="宋体" panose="02010600030101010101" pitchFamily="2" charset="-122"/>
+              </a:rPr>
+              <a:t>要实现这一点，必须规定两项内容：</a:t>
+            </a:r>
+            <a:endParaRPr lang="zh-CN" altLang="en-US" sz="1600">
+              <a:latin typeface="宋体" panose="02010600030101010101" pitchFamily="2" charset="-122"/>
+              <a:ea typeface="宋体" panose="02010600030101010101" pitchFamily="2" charset="-122"/>
+              <a:cs typeface="宋体" panose="02010600030101010101" pitchFamily="2" charset="-122"/>
+            </a:endParaRPr>
+          </a:p>
+          <a:p>
+            <a:r>
+              <a:rPr lang="zh-CN" altLang="en-US" sz="1600">
+                <a:latin typeface="宋体" panose="02010600030101010101" pitchFamily="2" charset="-122"/>
+                <a:ea typeface="宋体" panose="02010600030101010101" pitchFamily="2" charset="-122"/>
+                <a:cs typeface="宋体" panose="02010600030101010101" pitchFamily="2" charset="-122"/>
+              </a:rPr>
+              <a:t>规定您希望把效果添加到哪个 CSS 属性上</a:t>
+            </a:r>
+            <a:endParaRPr lang="zh-CN" altLang="en-US" sz="1600">
+              <a:latin typeface="宋体" panose="02010600030101010101" pitchFamily="2" charset="-122"/>
+              <a:ea typeface="宋体" panose="02010600030101010101" pitchFamily="2" charset="-122"/>
+              <a:cs typeface="宋体" panose="02010600030101010101" pitchFamily="2" charset="-122"/>
+            </a:endParaRPr>
+          </a:p>
+          <a:p>
+            <a:r>
+              <a:rPr lang="zh-CN" altLang="en-US" sz="1600">
+                <a:latin typeface="宋体" panose="02010600030101010101" pitchFamily="2" charset="-122"/>
+                <a:ea typeface="宋体" panose="02010600030101010101" pitchFamily="2" charset="-122"/>
+                <a:cs typeface="宋体" panose="02010600030101010101" pitchFamily="2" charset="-122"/>
+              </a:rPr>
+              <a:t>规定效果的时长</a:t>
+            </a:r>
+            <a:endParaRPr lang="zh-CN" altLang="en-US" sz="1600">
+              <a:latin typeface="宋体" panose="02010600030101010101" pitchFamily="2" charset="-122"/>
+              <a:ea typeface="宋体" panose="02010600030101010101" pitchFamily="2" charset="-122"/>
+              <a:cs typeface="宋体" panose="02010600030101010101" pitchFamily="2" charset="-122"/>
+            </a:endParaRPr>
+          </a:p>
+          <a:p>
+            <a:endParaRPr lang="zh-CN" altLang="en-US" sz="1600">
+              <a:latin typeface="宋体" panose="02010600030101010101" pitchFamily="2" charset="-122"/>
+              <a:ea typeface="宋体" panose="02010600030101010101" pitchFamily="2" charset="-122"/>
+              <a:cs typeface="宋体" panose="02010600030101010101" pitchFamily="2" charset="-122"/>
+            </a:endParaRPr>
+          </a:p>
+          <a:p>
+            <a:r>
+              <a:rPr lang="zh-CN" altLang="en-US" sz="1600">
+                <a:solidFill>
+                  <a:srgbClr val="FF0000"/>
+                </a:solidFill>
+                <a:latin typeface="宋体" panose="02010600030101010101" pitchFamily="2" charset="-122"/>
+                <a:ea typeface="宋体" panose="02010600030101010101" pitchFamily="2" charset="-122"/>
+                <a:cs typeface="宋体" panose="02010600030101010101" pitchFamily="2" charset="-122"/>
+              </a:rPr>
+              <a:t>transition	</a:t>
             </a:r>
             <a:r>
               <a:rPr lang="en-US" altLang="zh-CN" sz="1600">
+                <a:solidFill>
+                  <a:srgbClr val="FF0000"/>
+                </a:solidFill>
                 <a:latin typeface="宋体" panose="02010600030101010101" pitchFamily="2" charset="-122"/>
                 <a:ea typeface="宋体" panose="02010600030101010101" pitchFamily="2" charset="-122"/>
                 <a:cs typeface="宋体" panose="02010600030101010101" pitchFamily="2" charset="-122"/>
@@ -12455,29 +11690,104 @@
             </a:r>
             <a:r>
               <a:rPr lang="zh-CN" altLang="en-US" sz="1600">
-                <a:latin typeface="宋体" panose="02010600030101010101" pitchFamily="2" charset="-122"/>
-                <a:ea typeface="宋体" panose="02010600030101010101" pitchFamily="2" charset="-122"/>
-                <a:cs typeface="宋体" panose="02010600030101010101" pitchFamily="2" charset="-122"/>
-              </a:rPr>
-              <a:t>不改变默认行为。</a:t>
-            </a:r>
-            <a:endParaRPr lang="zh-CN" altLang="en-US" sz="1600">
-              <a:latin typeface="宋体" panose="02010600030101010101" pitchFamily="2" charset="-122"/>
-              <a:ea typeface="宋体" panose="02010600030101010101" pitchFamily="2" charset="-122"/>
-              <a:cs typeface="宋体" panose="02010600030101010101" pitchFamily="2" charset="-122"/>
-            </a:endParaRPr>
-          </a:p>
-          <a:p>
-            <a:r>
-              <a:rPr lang="zh-CN" altLang="en-US" sz="1600">
-                <a:latin typeface="宋体" panose="02010600030101010101" pitchFamily="2" charset="-122"/>
-                <a:ea typeface="宋体" panose="02010600030101010101" pitchFamily="2" charset="-122"/>
-                <a:cs typeface="宋体" panose="02010600030101010101" pitchFamily="2" charset="-122"/>
-              </a:rPr>
-              <a:t>forwards	</a:t>
+                <a:solidFill>
+                  <a:srgbClr val="FF0000"/>
+                </a:solidFill>
+                <a:latin typeface="宋体" panose="02010600030101010101" pitchFamily="2" charset="-122"/>
+                <a:ea typeface="宋体" panose="02010600030101010101" pitchFamily="2" charset="-122"/>
+                <a:cs typeface="宋体" panose="02010600030101010101" pitchFamily="2" charset="-122"/>
+              </a:rPr>
+              <a:t>简写属性，用于在一个属性中设置四个过渡属性。	</a:t>
+            </a:r>
+            <a:endParaRPr lang="zh-CN" altLang="en-US" sz="1600">
+              <a:solidFill>
+                <a:srgbClr val="FF0000"/>
+              </a:solidFill>
+              <a:latin typeface="宋体" panose="02010600030101010101" pitchFamily="2" charset="-122"/>
+              <a:ea typeface="宋体" panose="02010600030101010101" pitchFamily="2" charset="-122"/>
+              <a:cs typeface="宋体" panose="02010600030101010101" pitchFamily="2" charset="-122"/>
+            </a:endParaRPr>
+          </a:p>
+          <a:p>
+            <a:r>
+              <a:rPr lang="zh-CN" altLang="en-US" sz="1600">
+                <a:solidFill>
+                  <a:srgbClr val="FF0000"/>
+                </a:solidFill>
+                <a:latin typeface="宋体" panose="02010600030101010101" pitchFamily="2" charset="-122"/>
+                <a:ea typeface="宋体" panose="02010600030101010101" pitchFamily="2" charset="-122"/>
+                <a:cs typeface="宋体" panose="02010600030101010101" pitchFamily="2" charset="-122"/>
+              </a:rPr>
+              <a:t>transition-property	规定应用过渡的 CSS 属性的名称。	</a:t>
+            </a:r>
+            <a:endParaRPr lang="zh-CN" altLang="en-US" sz="1600">
+              <a:solidFill>
+                <a:srgbClr val="FF0000"/>
+              </a:solidFill>
+              <a:latin typeface="宋体" panose="02010600030101010101" pitchFamily="2" charset="-122"/>
+              <a:ea typeface="宋体" panose="02010600030101010101" pitchFamily="2" charset="-122"/>
+              <a:cs typeface="宋体" panose="02010600030101010101" pitchFamily="2" charset="-122"/>
+            </a:endParaRPr>
+          </a:p>
+          <a:p>
+            <a:r>
+              <a:rPr lang="zh-CN" altLang="en-US" sz="1600">
+                <a:solidFill>
+                  <a:srgbClr val="FF0000"/>
+                </a:solidFill>
+                <a:latin typeface="宋体" panose="02010600030101010101" pitchFamily="2" charset="-122"/>
+                <a:ea typeface="宋体" panose="02010600030101010101" pitchFamily="2" charset="-122"/>
+                <a:cs typeface="宋体" panose="02010600030101010101" pitchFamily="2" charset="-122"/>
+              </a:rPr>
+              <a:t>transition-duration	定义过渡效果花费的时间。默认是 0。	</a:t>
+            </a:r>
+            <a:endParaRPr lang="zh-CN" altLang="en-US" sz="1600">
+              <a:solidFill>
+                <a:srgbClr val="FF0000"/>
+              </a:solidFill>
+              <a:latin typeface="宋体" panose="02010600030101010101" pitchFamily="2" charset="-122"/>
+              <a:ea typeface="宋体" panose="02010600030101010101" pitchFamily="2" charset="-122"/>
+              <a:cs typeface="宋体" panose="02010600030101010101" pitchFamily="2" charset="-122"/>
+            </a:endParaRPr>
+          </a:p>
+          <a:p>
+            <a:r>
+              <a:rPr lang="zh-CN" altLang="en-US" sz="1600">
+                <a:solidFill>
+                  <a:srgbClr val="FF0000"/>
+                </a:solidFill>
+                <a:latin typeface="宋体" panose="02010600030101010101" pitchFamily="2" charset="-122"/>
+                <a:ea typeface="宋体" panose="02010600030101010101" pitchFamily="2" charset="-122"/>
+                <a:cs typeface="宋体" panose="02010600030101010101" pitchFamily="2" charset="-122"/>
+              </a:rPr>
+              <a:t>transition-timing-function	规定过渡效果的时间曲线。默认是 "ease"。	</a:t>
+            </a:r>
+            <a:endParaRPr lang="zh-CN" altLang="en-US" sz="1600">
+              <a:solidFill>
+                <a:srgbClr val="FF0000"/>
+              </a:solidFill>
+              <a:latin typeface="宋体" panose="02010600030101010101" pitchFamily="2" charset="-122"/>
+              <a:ea typeface="宋体" panose="02010600030101010101" pitchFamily="2" charset="-122"/>
+              <a:cs typeface="宋体" panose="02010600030101010101" pitchFamily="2" charset="-122"/>
+            </a:endParaRPr>
+          </a:p>
+          <a:p>
+            <a:r>
+              <a:rPr lang="zh-CN" altLang="en-US" sz="1600">
+                <a:solidFill>
+                  <a:srgbClr val="FF0000"/>
+                </a:solidFill>
+                <a:latin typeface="宋体" panose="02010600030101010101" pitchFamily="2" charset="-122"/>
+                <a:ea typeface="宋体" panose="02010600030101010101" pitchFamily="2" charset="-122"/>
+                <a:cs typeface="宋体" panose="02010600030101010101" pitchFamily="2" charset="-122"/>
+              </a:rPr>
+              <a:t>transition-delay	</a:t>
             </a:r>
             <a:r>
               <a:rPr lang="en-US" altLang="zh-CN" sz="1600">
+                <a:solidFill>
+                  <a:srgbClr val="FF0000"/>
+                </a:solidFill>
                 <a:latin typeface="宋体" panose="02010600030101010101" pitchFamily="2" charset="-122"/>
                 <a:ea typeface="宋体" panose="02010600030101010101" pitchFamily="2" charset="-122"/>
                 <a:cs typeface="宋体" panose="02010600030101010101" pitchFamily="2" charset="-122"/>
@@ -12486,47 +11796,194 @@
             </a:r>
             <a:r>
               <a:rPr lang="zh-CN" altLang="en-US" sz="1600">
-                <a:latin typeface="宋体" panose="02010600030101010101" pitchFamily="2" charset="-122"/>
-                <a:ea typeface="宋体" panose="02010600030101010101" pitchFamily="2" charset="-122"/>
-                <a:cs typeface="宋体" panose="02010600030101010101" pitchFamily="2" charset="-122"/>
-              </a:rPr>
-              <a:t>当动画完成后，保持最后一个属性值（在最后一个关键帧中定义）。</a:t>
-            </a:r>
-            <a:endParaRPr lang="zh-CN" altLang="en-US" sz="1600">
-              <a:latin typeface="宋体" panose="02010600030101010101" pitchFamily="2" charset="-122"/>
-              <a:ea typeface="宋体" panose="02010600030101010101" pitchFamily="2" charset="-122"/>
-              <a:cs typeface="宋体" panose="02010600030101010101" pitchFamily="2" charset="-122"/>
-            </a:endParaRPr>
-          </a:p>
-          <a:p>
-            <a:r>
-              <a:rPr lang="zh-CN" altLang="en-US" sz="1600">
-                <a:latin typeface="宋体" panose="02010600030101010101" pitchFamily="2" charset="-122"/>
-                <a:ea typeface="宋体" panose="02010600030101010101" pitchFamily="2" charset="-122"/>
-                <a:cs typeface="宋体" panose="02010600030101010101" pitchFamily="2" charset="-122"/>
-              </a:rPr>
-              <a:t>backwards	在 animation-delay 所指定的一段时间内，在动画显示之前，应用开始属性值（在第一个关键帧中定义）。</a:t>
-            </a:r>
-            <a:endParaRPr lang="zh-CN" altLang="en-US" sz="1600">
-              <a:latin typeface="宋体" panose="02010600030101010101" pitchFamily="2" charset="-122"/>
-              <a:ea typeface="宋体" panose="02010600030101010101" pitchFamily="2" charset="-122"/>
-              <a:cs typeface="宋体" panose="02010600030101010101" pitchFamily="2" charset="-122"/>
-            </a:endParaRPr>
-          </a:p>
-          <a:p>
-            <a:r>
-              <a:rPr lang="zh-CN" altLang="en-US" sz="1600">
-                <a:latin typeface="宋体" panose="02010600030101010101" pitchFamily="2" charset="-122"/>
-                <a:ea typeface="宋体" panose="02010600030101010101" pitchFamily="2" charset="-122"/>
-                <a:cs typeface="宋体" panose="02010600030101010101" pitchFamily="2" charset="-122"/>
-              </a:rPr>
-              <a:t>both	</a:t>
-            </a:r>
+                <a:solidFill>
+                  <a:srgbClr val="FF0000"/>
+                </a:solidFill>
+                <a:latin typeface="宋体" panose="02010600030101010101" pitchFamily="2" charset="-122"/>
+                <a:ea typeface="宋体" panose="02010600030101010101" pitchFamily="2" charset="-122"/>
+                <a:cs typeface="宋体" panose="02010600030101010101" pitchFamily="2" charset="-122"/>
+              </a:rPr>
+              <a:t>规定过渡效果何时开始。默认是 0。</a:t>
+            </a:r>
+            <a:endParaRPr lang="zh-CN" altLang="en-US" sz="1600">
+              <a:solidFill>
+                <a:srgbClr val="FF0000"/>
+              </a:solidFill>
+              <a:latin typeface="宋体" panose="02010600030101010101" pitchFamily="2" charset="-122"/>
+              <a:ea typeface="宋体" panose="02010600030101010101" pitchFamily="2" charset="-122"/>
+              <a:cs typeface="宋体" panose="02010600030101010101" pitchFamily="2" charset="-122"/>
+            </a:endParaRPr>
+          </a:p>
+          <a:p>
+            <a:endParaRPr lang="zh-CN" altLang="en-US" sz="1600">
+              <a:latin typeface="宋体" panose="02010600030101010101" pitchFamily="2" charset="-122"/>
+              <a:ea typeface="宋体" panose="02010600030101010101" pitchFamily="2" charset="-122"/>
+              <a:cs typeface="宋体" panose="02010600030101010101" pitchFamily="2" charset="-122"/>
+            </a:endParaRPr>
+          </a:p>
+          <a:p>
             <a:r>
               <a:rPr lang="en-US" altLang="zh-CN" sz="1600">
                 <a:latin typeface="宋体" panose="02010600030101010101" pitchFamily="2" charset="-122"/>
                 <a:ea typeface="宋体" panose="02010600030101010101" pitchFamily="2" charset="-122"/>
                 <a:cs typeface="宋体" panose="02010600030101010101" pitchFamily="2" charset="-122"/>
+                <a:sym typeface="+mn-ea"/>
+              </a:rPr>
+              <a:t>t</a:t>
+            </a:r>
+            <a:r>
+              <a:rPr lang="zh-CN" altLang="en-US" sz="1600">
+                <a:latin typeface="宋体" panose="02010600030101010101" pitchFamily="2" charset="-122"/>
+                <a:ea typeface="宋体" panose="02010600030101010101" pitchFamily="2" charset="-122"/>
+                <a:cs typeface="宋体" panose="02010600030101010101" pitchFamily="2" charset="-122"/>
+                <a:sym typeface="+mn-ea"/>
+              </a:rPr>
+              <a:t>ransition-timing-function 过渡时间线的值有：</a:t>
+            </a:r>
+            <a:endParaRPr lang="zh-CN" altLang="en-US" sz="1600">
+              <a:latin typeface="宋体" panose="02010600030101010101" pitchFamily="2" charset="-122"/>
+              <a:ea typeface="宋体" panose="02010600030101010101" pitchFamily="2" charset="-122"/>
+              <a:cs typeface="宋体" panose="02010600030101010101" pitchFamily="2" charset="-122"/>
+            </a:endParaRPr>
+          </a:p>
+          <a:p>
+            <a:r>
+              <a:rPr lang="zh-CN" altLang="en-US" sz="1600">
+                <a:latin typeface="宋体" panose="02010600030101010101" pitchFamily="2" charset="-122"/>
+                <a:ea typeface="宋体" panose="02010600030101010101" pitchFamily="2" charset="-122"/>
+                <a:cs typeface="宋体" panose="02010600030101010101" pitchFamily="2" charset="-122"/>
+              </a:rPr>
+              <a:t>linear	</a:t>
+            </a:r>
+            <a:r>
+              <a:rPr lang="en-US" altLang="zh-CN" sz="1600">
+                <a:latin typeface="宋体" panose="02010600030101010101" pitchFamily="2" charset="-122"/>
+                <a:ea typeface="宋体" panose="02010600030101010101" pitchFamily="2" charset="-122"/>
+                <a:cs typeface="宋体" panose="02010600030101010101" pitchFamily="2" charset="-122"/>
+              </a:rPr>
+              <a:t>		</a:t>
+            </a:r>
+            <a:r>
+              <a:rPr lang="zh-CN" altLang="en-US" sz="1600">
+                <a:latin typeface="宋体" panose="02010600030101010101" pitchFamily="2" charset="-122"/>
+                <a:ea typeface="宋体" panose="02010600030101010101" pitchFamily="2" charset="-122"/>
+                <a:cs typeface="宋体" panose="02010600030101010101" pitchFamily="2" charset="-122"/>
+              </a:rPr>
+              <a:t>规定以相同速度开始至结束的过渡效果（等于 cubic-bezier(0,0,1,1)）。</a:t>
+            </a:r>
+            <a:endParaRPr lang="zh-CN" altLang="en-US" sz="1600">
+              <a:latin typeface="宋体" panose="02010600030101010101" pitchFamily="2" charset="-122"/>
+              <a:ea typeface="宋体" panose="02010600030101010101" pitchFamily="2" charset="-122"/>
+              <a:cs typeface="宋体" panose="02010600030101010101" pitchFamily="2" charset="-122"/>
+            </a:endParaRPr>
+          </a:p>
+          <a:p>
+            <a:r>
+              <a:rPr lang="zh-CN" altLang="en-US" sz="1600">
+                <a:latin typeface="宋体" panose="02010600030101010101" pitchFamily="2" charset="-122"/>
+                <a:ea typeface="宋体" panose="02010600030101010101" pitchFamily="2" charset="-122"/>
+                <a:cs typeface="宋体" panose="02010600030101010101" pitchFamily="2" charset="-122"/>
+              </a:rPr>
+              <a:t>ease	</a:t>
+            </a:r>
+            <a:r>
+              <a:rPr lang="en-US" altLang="zh-CN" sz="1600">
+                <a:latin typeface="宋体" panose="02010600030101010101" pitchFamily="2" charset="-122"/>
+                <a:ea typeface="宋体" panose="02010600030101010101" pitchFamily="2" charset="-122"/>
+                <a:cs typeface="宋体" panose="02010600030101010101" pitchFamily="2" charset="-122"/>
+              </a:rPr>
+              <a:t>		</a:t>
+            </a:r>
+            <a:r>
+              <a:rPr lang="zh-CN" altLang="en-US" sz="1600">
+                <a:latin typeface="宋体" panose="02010600030101010101" pitchFamily="2" charset="-122"/>
+                <a:ea typeface="宋体" panose="02010600030101010101" pitchFamily="2" charset="-122"/>
+                <a:cs typeface="宋体" panose="02010600030101010101" pitchFamily="2" charset="-122"/>
+              </a:rPr>
+              <a:t>规定慢速开始，然后变快，然后慢速结束的过渡效果（cubic-bezier(0.25,0.1,0.25,1)）。</a:t>
+            </a:r>
+            <a:endParaRPr lang="zh-CN" altLang="en-US" sz="1600">
+              <a:latin typeface="宋体" panose="02010600030101010101" pitchFamily="2" charset="-122"/>
+              <a:ea typeface="宋体" panose="02010600030101010101" pitchFamily="2" charset="-122"/>
+              <a:cs typeface="宋体" panose="02010600030101010101" pitchFamily="2" charset="-122"/>
+            </a:endParaRPr>
+          </a:p>
+          <a:p>
+            <a:r>
+              <a:rPr lang="zh-CN" altLang="en-US" sz="1600">
+                <a:latin typeface="宋体" panose="02010600030101010101" pitchFamily="2" charset="-122"/>
+                <a:ea typeface="宋体" panose="02010600030101010101" pitchFamily="2" charset="-122"/>
+                <a:cs typeface="宋体" panose="02010600030101010101" pitchFamily="2" charset="-122"/>
+              </a:rPr>
+              <a:t>ease-in	</a:t>
+            </a:r>
+            <a:r>
+              <a:rPr lang="en-US" altLang="zh-CN" sz="1600">
+                <a:latin typeface="宋体" panose="02010600030101010101" pitchFamily="2" charset="-122"/>
+                <a:ea typeface="宋体" panose="02010600030101010101" pitchFamily="2" charset="-122"/>
+                <a:cs typeface="宋体" panose="02010600030101010101" pitchFamily="2" charset="-122"/>
+              </a:rPr>
+              <a:t>		</a:t>
+            </a:r>
+            <a:r>
+              <a:rPr lang="zh-CN" altLang="en-US" sz="1600">
+                <a:latin typeface="宋体" panose="02010600030101010101" pitchFamily="2" charset="-122"/>
+                <a:ea typeface="宋体" panose="02010600030101010101" pitchFamily="2" charset="-122"/>
+                <a:cs typeface="宋体" panose="02010600030101010101" pitchFamily="2" charset="-122"/>
+              </a:rPr>
+              <a:t>规定以慢速开始的过渡效果（等于 cubic-bezier(0.42,0,1,1)）。</a:t>
+            </a:r>
+            <a:endParaRPr lang="zh-CN" altLang="en-US" sz="1600">
+              <a:latin typeface="宋体" panose="02010600030101010101" pitchFamily="2" charset="-122"/>
+              <a:ea typeface="宋体" panose="02010600030101010101" pitchFamily="2" charset="-122"/>
+              <a:cs typeface="宋体" panose="02010600030101010101" pitchFamily="2" charset="-122"/>
+            </a:endParaRPr>
+          </a:p>
+          <a:p>
+            <a:r>
+              <a:rPr lang="zh-CN" altLang="en-US" sz="1600">
+                <a:latin typeface="宋体" panose="02010600030101010101" pitchFamily="2" charset="-122"/>
+                <a:ea typeface="宋体" panose="02010600030101010101" pitchFamily="2" charset="-122"/>
+                <a:cs typeface="宋体" panose="02010600030101010101" pitchFamily="2" charset="-122"/>
+              </a:rPr>
+              <a:t>ease-out	</a:t>
+            </a:r>
+            <a:r>
+              <a:rPr lang="en-US" altLang="zh-CN" sz="1600">
+                <a:latin typeface="宋体" panose="02010600030101010101" pitchFamily="2" charset="-122"/>
+                <a:ea typeface="宋体" panose="02010600030101010101" pitchFamily="2" charset="-122"/>
+                <a:cs typeface="宋体" panose="02010600030101010101" pitchFamily="2" charset="-122"/>
+              </a:rPr>
+              <a:t>		</a:t>
+            </a:r>
+            <a:r>
+              <a:rPr lang="zh-CN" altLang="en-US" sz="1600">
+                <a:latin typeface="宋体" panose="02010600030101010101" pitchFamily="2" charset="-122"/>
+                <a:ea typeface="宋体" panose="02010600030101010101" pitchFamily="2" charset="-122"/>
+                <a:cs typeface="宋体" panose="02010600030101010101" pitchFamily="2" charset="-122"/>
+              </a:rPr>
+              <a:t>规定以慢速结束的过渡效果（等于 cubic-bezier(0,0,0.58,1)）。</a:t>
+            </a:r>
+            <a:endParaRPr lang="zh-CN" altLang="en-US" sz="1600">
+              <a:latin typeface="宋体" panose="02010600030101010101" pitchFamily="2" charset="-122"/>
+              <a:ea typeface="宋体" panose="02010600030101010101" pitchFamily="2" charset="-122"/>
+              <a:cs typeface="宋体" panose="02010600030101010101" pitchFamily="2" charset="-122"/>
+            </a:endParaRPr>
+          </a:p>
+          <a:p>
+            <a:r>
+              <a:rPr lang="zh-CN" altLang="en-US" sz="1600">
+                <a:latin typeface="宋体" panose="02010600030101010101" pitchFamily="2" charset="-122"/>
+                <a:ea typeface="宋体" panose="02010600030101010101" pitchFamily="2" charset="-122"/>
+                <a:cs typeface="宋体" panose="02010600030101010101" pitchFamily="2" charset="-122"/>
+              </a:rPr>
+              <a:t>ease-in-out	</a:t>
+            </a:r>
+            <a:r>
+              <a:rPr lang="en-US" altLang="zh-CN" sz="1600">
+                <a:latin typeface="宋体" panose="02010600030101010101" pitchFamily="2" charset="-122"/>
+                <a:ea typeface="宋体" panose="02010600030101010101" pitchFamily="2" charset="-122"/>
+                <a:cs typeface="宋体" panose="02010600030101010101" pitchFamily="2" charset="-122"/>
               </a:rPr>
               <a:t>	</a:t>
             </a:r>
@@ -12536,7 +11993,22 @@
                 <a:ea typeface="宋体" panose="02010600030101010101" pitchFamily="2" charset="-122"/>
                 <a:cs typeface="宋体" panose="02010600030101010101" pitchFamily="2" charset="-122"/>
               </a:rPr>
-              <a:t>向前和向后填充模式都被应用。</a:t>
+              <a:t>规定以慢速开始和结束的过渡效果（等于 cubic-bezier(0.42,0,0.58,1)）。</a:t>
+            </a:r>
+            <a:endParaRPr lang="zh-CN" altLang="en-US" sz="1600">
+              <a:latin typeface="宋体" panose="02010600030101010101" pitchFamily="2" charset="-122"/>
+              <a:ea typeface="宋体" panose="02010600030101010101" pitchFamily="2" charset="-122"/>
+              <a:cs typeface="宋体" panose="02010600030101010101" pitchFamily="2" charset="-122"/>
+            </a:endParaRPr>
+          </a:p>
+          <a:p>
+            <a:r>
+              <a:rPr lang="zh-CN" altLang="en-US" sz="1600">
+                <a:latin typeface="宋体" panose="02010600030101010101" pitchFamily="2" charset="-122"/>
+                <a:ea typeface="宋体" panose="02010600030101010101" pitchFamily="2" charset="-122"/>
+                <a:cs typeface="宋体" panose="02010600030101010101" pitchFamily="2" charset="-122"/>
+              </a:rPr>
+              <a:t>cubic-bezier(n,n,n,n)	在 cubic-bezier 函数中定义自己的值。可能的值是 0 至 1 之间的数值。</a:t>
             </a:r>
             <a:endParaRPr lang="zh-CN" altLang="en-US" sz="1600">
               <a:latin typeface="宋体" panose="02010600030101010101" pitchFamily="2" charset="-122"/>
@@ -12558,6 +12030,733 @@
 </file>
 
 <file path=ppt/slides/slide26.xml><?xml version="1.0" encoding="utf-8"?>
+<p:sld xmlns:a="http://schemas.openxmlformats.org/drawingml/2006/main" xmlns:r="http://schemas.openxmlformats.org/officeDocument/2006/relationships" xmlns:p="http://schemas.openxmlformats.org/presentationml/2006/main">
+  <p:cSld>
+    <p:bg>
+      <p:bgPr>
+        <a:blipFill rotWithShape="1">
+          <a:blip r:embed="rId1"/>
+          <a:stretch>
+            <a:fillRect/>
+          </a:stretch>
+        </a:blipFill>
+        <a:effectLst/>
+      </p:bgPr>
+    </p:bg>
+    <p:spTree>
+      <p:nvGrpSpPr>
+        <p:cNvPr id="1" name=""/>
+        <p:cNvGrpSpPr/>
+        <p:nvPr/>
+      </p:nvGrpSpPr>
+      <p:grpSpPr/>
+      <p:sp>
+        <p:nvSpPr>
+          <p:cNvPr id="2" name="文本框 1"/>
+          <p:cNvSpPr txBox="1"/>
+          <p:nvPr/>
+        </p:nvSpPr>
+        <p:spPr>
+          <a:xfrm>
+            <a:off x="193675" y="810260"/>
+            <a:ext cx="11839575" cy="6000750"/>
+          </a:xfrm>
+          <a:prstGeom prst="rect">
+            <a:avLst/>
+          </a:prstGeom>
+          <a:noFill/>
+        </p:spPr>
+        <p:txBody>
+          <a:bodyPr wrap="square" rtlCol="0">
+            <a:spAutoFit/>
+          </a:bodyPr>
+          <a:p>
+            <a:r>
+              <a:rPr lang="zh-CN" altLang="en-US" sz="1600">
+                <a:latin typeface="宋体" panose="02010600030101010101" pitchFamily="2" charset="-122"/>
+                <a:ea typeface="宋体" panose="02010600030101010101" pitchFamily="2" charset="-122"/>
+                <a:cs typeface="宋体" panose="02010600030101010101" pitchFamily="2" charset="-122"/>
+              </a:rPr>
+              <a:t>CSS3 @keyframes 动画</a:t>
+            </a:r>
+            <a:endParaRPr lang="zh-CN" altLang="en-US" sz="1600">
+              <a:latin typeface="宋体" panose="02010600030101010101" pitchFamily="2" charset="-122"/>
+              <a:ea typeface="宋体" panose="02010600030101010101" pitchFamily="2" charset="-122"/>
+              <a:cs typeface="宋体" panose="02010600030101010101" pitchFamily="2" charset="-122"/>
+            </a:endParaRPr>
+          </a:p>
+          <a:p>
+            <a:r>
+              <a:rPr lang="zh-CN" altLang="en-US" sz="1600">
+                <a:latin typeface="宋体" panose="02010600030101010101" pitchFamily="2" charset="-122"/>
+                <a:ea typeface="宋体" panose="02010600030101010101" pitchFamily="2" charset="-122"/>
+                <a:cs typeface="宋体" panose="02010600030101010101" pitchFamily="2" charset="-122"/>
+              </a:rPr>
+              <a:t>通过 @keyframes 规则，您能够创建动画。</a:t>
+            </a:r>
+            <a:endParaRPr lang="zh-CN" altLang="en-US" sz="1600">
+              <a:latin typeface="宋体" panose="02010600030101010101" pitchFamily="2" charset="-122"/>
+              <a:ea typeface="宋体" panose="02010600030101010101" pitchFamily="2" charset="-122"/>
+              <a:cs typeface="宋体" panose="02010600030101010101" pitchFamily="2" charset="-122"/>
+            </a:endParaRPr>
+          </a:p>
+          <a:p>
+            <a:r>
+              <a:rPr lang="zh-CN" altLang="en-US" sz="1600">
+                <a:latin typeface="宋体" panose="02010600030101010101" pitchFamily="2" charset="-122"/>
+                <a:ea typeface="宋体" panose="02010600030101010101" pitchFamily="2" charset="-122"/>
+                <a:cs typeface="宋体" panose="02010600030101010101" pitchFamily="2" charset="-122"/>
+              </a:rPr>
+              <a:t>创建动画的原理是，将一套 CSS 样式逐渐变化为另一套样式。</a:t>
+            </a:r>
+            <a:endParaRPr lang="zh-CN" altLang="en-US" sz="1600">
+              <a:latin typeface="宋体" panose="02010600030101010101" pitchFamily="2" charset="-122"/>
+              <a:ea typeface="宋体" panose="02010600030101010101" pitchFamily="2" charset="-122"/>
+              <a:cs typeface="宋体" panose="02010600030101010101" pitchFamily="2" charset="-122"/>
+            </a:endParaRPr>
+          </a:p>
+          <a:p>
+            <a:r>
+              <a:rPr lang="zh-CN" altLang="en-US" sz="1600">
+                <a:latin typeface="宋体" panose="02010600030101010101" pitchFamily="2" charset="-122"/>
+                <a:ea typeface="宋体" panose="02010600030101010101" pitchFamily="2" charset="-122"/>
+                <a:cs typeface="宋体" panose="02010600030101010101" pitchFamily="2" charset="-122"/>
+              </a:rPr>
+              <a:t>在动画过程中，您能够多次改变这套 CSS 样式。</a:t>
+            </a:r>
+            <a:endParaRPr lang="zh-CN" altLang="en-US" sz="1600">
+              <a:latin typeface="宋体" panose="02010600030101010101" pitchFamily="2" charset="-122"/>
+              <a:ea typeface="宋体" panose="02010600030101010101" pitchFamily="2" charset="-122"/>
+              <a:cs typeface="宋体" panose="02010600030101010101" pitchFamily="2" charset="-122"/>
+            </a:endParaRPr>
+          </a:p>
+          <a:p>
+            <a:r>
+              <a:rPr lang="zh-CN" altLang="en-US" sz="1600">
+                <a:latin typeface="宋体" panose="02010600030101010101" pitchFamily="2" charset="-122"/>
+                <a:ea typeface="宋体" panose="02010600030101010101" pitchFamily="2" charset="-122"/>
+                <a:cs typeface="宋体" panose="02010600030101010101" pitchFamily="2" charset="-122"/>
+              </a:rPr>
+              <a:t>以百分比来规定改变发生的时间，或者通过关键词 "from" 和 "to"，等价于 0% 和 100%。</a:t>
+            </a:r>
+            <a:endParaRPr lang="zh-CN" altLang="en-US" sz="1600">
+              <a:latin typeface="宋体" panose="02010600030101010101" pitchFamily="2" charset="-122"/>
+              <a:ea typeface="宋体" panose="02010600030101010101" pitchFamily="2" charset="-122"/>
+              <a:cs typeface="宋体" panose="02010600030101010101" pitchFamily="2" charset="-122"/>
+            </a:endParaRPr>
+          </a:p>
+          <a:p>
+            <a:r>
+              <a:rPr lang="zh-CN" altLang="en-US" sz="1600">
+                <a:solidFill>
+                  <a:srgbClr val="FF0000"/>
+                </a:solidFill>
+                <a:latin typeface="宋体" panose="02010600030101010101" pitchFamily="2" charset="-122"/>
+                <a:ea typeface="宋体" panose="02010600030101010101" pitchFamily="2" charset="-122"/>
+                <a:cs typeface="宋体" panose="02010600030101010101" pitchFamily="2" charset="-122"/>
+              </a:rPr>
+              <a:t>0% 是动画的开始时间，100% 动画的结束时间。</a:t>
+            </a:r>
+            <a:endParaRPr lang="zh-CN" altLang="en-US" sz="1600">
+              <a:solidFill>
+                <a:srgbClr val="FF0000"/>
+              </a:solidFill>
+              <a:latin typeface="宋体" panose="02010600030101010101" pitchFamily="2" charset="-122"/>
+              <a:ea typeface="宋体" panose="02010600030101010101" pitchFamily="2" charset="-122"/>
+              <a:cs typeface="宋体" panose="02010600030101010101" pitchFamily="2" charset="-122"/>
+            </a:endParaRPr>
+          </a:p>
+          <a:p>
+            <a:r>
+              <a:rPr lang="zh-CN" altLang="en-US" sz="1600">
+                <a:latin typeface="宋体" panose="02010600030101010101" pitchFamily="2" charset="-122"/>
+                <a:ea typeface="宋体" panose="02010600030101010101" pitchFamily="2" charset="-122"/>
+                <a:cs typeface="宋体" panose="02010600030101010101" pitchFamily="2" charset="-122"/>
+              </a:rPr>
+              <a:t>为了获得最佳的浏览器支持，您应该始终定义 0% 和 100% 选择器。</a:t>
+            </a:r>
+            <a:endParaRPr lang="zh-CN" altLang="en-US" sz="1600">
+              <a:latin typeface="宋体" panose="02010600030101010101" pitchFamily="2" charset="-122"/>
+              <a:ea typeface="宋体" panose="02010600030101010101" pitchFamily="2" charset="-122"/>
+              <a:cs typeface="宋体" panose="02010600030101010101" pitchFamily="2" charset="-122"/>
+            </a:endParaRPr>
+          </a:p>
+          <a:p>
+            <a:endParaRPr lang="zh-CN" altLang="en-US" sz="1600">
+              <a:latin typeface="宋体" panose="02010600030101010101" pitchFamily="2" charset="-122"/>
+              <a:ea typeface="宋体" panose="02010600030101010101" pitchFamily="2" charset="-122"/>
+              <a:cs typeface="宋体" panose="02010600030101010101" pitchFamily="2" charset="-122"/>
+            </a:endParaRPr>
+          </a:p>
+          <a:p>
+            <a:r>
+              <a:rPr lang="zh-CN" altLang="en-US" sz="1600">
+                <a:solidFill>
+                  <a:srgbClr val="FF0000"/>
+                </a:solidFill>
+                <a:latin typeface="宋体" panose="02010600030101010101" pitchFamily="2" charset="-122"/>
+                <a:ea typeface="宋体" panose="02010600030101010101" pitchFamily="2" charset="-122"/>
+                <a:cs typeface="宋体" panose="02010600030101010101" pitchFamily="2" charset="-122"/>
+              </a:rPr>
+              <a:t>@keyframes	规定动画。	</a:t>
+            </a:r>
+            <a:endParaRPr lang="zh-CN" altLang="en-US" sz="1600">
+              <a:solidFill>
+                <a:srgbClr val="FF0000"/>
+              </a:solidFill>
+              <a:latin typeface="宋体" panose="02010600030101010101" pitchFamily="2" charset="-122"/>
+              <a:ea typeface="宋体" panose="02010600030101010101" pitchFamily="2" charset="-122"/>
+              <a:cs typeface="宋体" panose="02010600030101010101" pitchFamily="2" charset="-122"/>
+            </a:endParaRPr>
+          </a:p>
+          <a:p>
+            <a:r>
+              <a:rPr lang="zh-CN" altLang="en-US" sz="1600">
+                <a:solidFill>
+                  <a:srgbClr val="FF0000"/>
+                </a:solidFill>
+                <a:latin typeface="宋体" panose="02010600030101010101" pitchFamily="2" charset="-122"/>
+                <a:ea typeface="宋体" panose="02010600030101010101" pitchFamily="2" charset="-122"/>
+                <a:cs typeface="宋体" panose="02010600030101010101" pitchFamily="2" charset="-122"/>
+              </a:rPr>
+              <a:t>animation	所有动画属性的简写属性，除了 animation-play-state 属性。	</a:t>
+            </a:r>
+            <a:endParaRPr lang="zh-CN" altLang="en-US" sz="1600">
+              <a:solidFill>
+                <a:srgbClr val="FF0000"/>
+              </a:solidFill>
+              <a:latin typeface="宋体" panose="02010600030101010101" pitchFamily="2" charset="-122"/>
+              <a:ea typeface="宋体" panose="02010600030101010101" pitchFamily="2" charset="-122"/>
+              <a:cs typeface="宋体" panose="02010600030101010101" pitchFamily="2" charset="-122"/>
+            </a:endParaRPr>
+          </a:p>
+          <a:p>
+            <a:r>
+              <a:rPr lang="zh-CN" altLang="en-US" sz="1600">
+                <a:solidFill>
+                  <a:srgbClr val="FF0000"/>
+                </a:solidFill>
+                <a:latin typeface="宋体" panose="02010600030101010101" pitchFamily="2" charset="-122"/>
+                <a:ea typeface="宋体" panose="02010600030101010101" pitchFamily="2" charset="-122"/>
+                <a:cs typeface="宋体" panose="02010600030101010101" pitchFamily="2" charset="-122"/>
+              </a:rPr>
+              <a:t>animation-name	规定 @keyframes 动画的名称。	</a:t>
+            </a:r>
+            <a:endParaRPr lang="zh-CN" altLang="en-US" sz="1600">
+              <a:solidFill>
+                <a:srgbClr val="FF0000"/>
+              </a:solidFill>
+              <a:latin typeface="宋体" panose="02010600030101010101" pitchFamily="2" charset="-122"/>
+              <a:ea typeface="宋体" panose="02010600030101010101" pitchFamily="2" charset="-122"/>
+              <a:cs typeface="宋体" panose="02010600030101010101" pitchFamily="2" charset="-122"/>
+            </a:endParaRPr>
+          </a:p>
+          <a:p>
+            <a:r>
+              <a:rPr lang="zh-CN" altLang="en-US" sz="1600">
+                <a:solidFill>
+                  <a:srgbClr val="FF0000"/>
+                </a:solidFill>
+                <a:latin typeface="宋体" panose="02010600030101010101" pitchFamily="2" charset="-122"/>
+                <a:ea typeface="宋体" panose="02010600030101010101" pitchFamily="2" charset="-122"/>
+                <a:cs typeface="宋体" panose="02010600030101010101" pitchFamily="2" charset="-122"/>
+              </a:rPr>
+              <a:t>animation-duration	规定动画完成一个周期所花费的秒或毫秒。默认是 0。	</a:t>
+            </a:r>
+            <a:endParaRPr lang="zh-CN" altLang="en-US" sz="1600">
+              <a:solidFill>
+                <a:srgbClr val="FF0000"/>
+              </a:solidFill>
+              <a:latin typeface="宋体" panose="02010600030101010101" pitchFamily="2" charset="-122"/>
+              <a:ea typeface="宋体" panose="02010600030101010101" pitchFamily="2" charset="-122"/>
+              <a:cs typeface="宋体" panose="02010600030101010101" pitchFamily="2" charset="-122"/>
+            </a:endParaRPr>
+          </a:p>
+          <a:p>
+            <a:r>
+              <a:rPr lang="zh-CN" altLang="en-US" sz="1600">
+                <a:solidFill>
+                  <a:srgbClr val="FF0000"/>
+                </a:solidFill>
+                <a:latin typeface="宋体" panose="02010600030101010101" pitchFamily="2" charset="-122"/>
+                <a:ea typeface="宋体" panose="02010600030101010101" pitchFamily="2" charset="-122"/>
+                <a:cs typeface="宋体" panose="02010600030101010101" pitchFamily="2" charset="-122"/>
+              </a:rPr>
+              <a:t>animation-timing-function	规定动画的速度曲线。默认是 "ease"。	</a:t>
+            </a:r>
+            <a:endParaRPr lang="zh-CN" altLang="en-US" sz="1600">
+              <a:solidFill>
+                <a:srgbClr val="FF0000"/>
+              </a:solidFill>
+              <a:latin typeface="宋体" panose="02010600030101010101" pitchFamily="2" charset="-122"/>
+              <a:ea typeface="宋体" panose="02010600030101010101" pitchFamily="2" charset="-122"/>
+              <a:cs typeface="宋体" panose="02010600030101010101" pitchFamily="2" charset="-122"/>
+            </a:endParaRPr>
+          </a:p>
+          <a:p>
+            <a:r>
+              <a:rPr lang="zh-CN" altLang="en-US" sz="1600">
+                <a:solidFill>
+                  <a:srgbClr val="FF0000"/>
+                </a:solidFill>
+                <a:latin typeface="宋体" panose="02010600030101010101" pitchFamily="2" charset="-122"/>
+                <a:ea typeface="宋体" panose="02010600030101010101" pitchFamily="2" charset="-122"/>
+                <a:cs typeface="宋体" panose="02010600030101010101" pitchFamily="2" charset="-122"/>
+              </a:rPr>
+              <a:t>animation-delay	规定动画何时开始。默认是 0。	</a:t>
+            </a:r>
+            <a:endParaRPr lang="zh-CN" altLang="en-US" sz="1600">
+              <a:solidFill>
+                <a:srgbClr val="FF0000"/>
+              </a:solidFill>
+              <a:latin typeface="宋体" panose="02010600030101010101" pitchFamily="2" charset="-122"/>
+              <a:ea typeface="宋体" panose="02010600030101010101" pitchFamily="2" charset="-122"/>
+              <a:cs typeface="宋体" panose="02010600030101010101" pitchFamily="2" charset="-122"/>
+            </a:endParaRPr>
+          </a:p>
+          <a:p>
+            <a:r>
+              <a:rPr lang="zh-CN" altLang="en-US" sz="1600">
+                <a:solidFill>
+                  <a:srgbClr val="FF0000"/>
+                </a:solidFill>
+                <a:latin typeface="宋体" panose="02010600030101010101" pitchFamily="2" charset="-122"/>
+                <a:ea typeface="宋体" panose="02010600030101010101" pitchFamily="2" charset="-122"/>
+                <a:cs typeface="宋体" panose="02010600030101010101" pitchFamily="2" charset="-122"/>
+              </a:rPr>
+              <a:t>animation-iteration-count	规定动画被播放的次数。默认是 1（n|infinite n 次或者无限次</a:t>
+            </a:r>
+            <a:r>
+              <a:rPr lang="zh-CN" altLang="en-US" sz="1600">
+                <a:solidFill>
+                  <a:srgbClr val="FF0000"/>
+                </a:solidFill>
+                <a:latin typeface="宋体" panose="02010600030101010101" pitchFamily="2" charset="-122"/>
+                <a:ea typeface="宋体" panose="02010600030101010101" pitchFamily="2" charset="-122"/>
+                <a:cs typeface="宋体" panose="02010600030101010101" pitchFamily="2" charset="-122"/>
+              </a:rPr>
+              <a:t>）</a:t>
+            </a:r>
+            <a:r>
+              <a:rPr lang="zh-CN" altLang="en-US" sz="1600">
+                <a:solidFill>
+                  <a:srgbClr val="FF0000"/>
+                </a:solidFill>
+                <a:latin typeface="宋体" panose="02010600030101010101" pitchFamily="2" charset="-122"/>
+                <a:ea typeface="宋体" panose="02010600030101010101" pitchFamily="2" charset="-122"/>
+                <a:cs typeface="宋体" panose="02010600030101010101" pitchFamily="2" charset="-122"/>
+              </a:rPr>
+              <a:t>。	</a:t>
+            </a:r>
+            <a:endParaRPr lang="zh-CN" altLang="en-US" sz="1600">
+              <a:solidFill>
+                <a:srgbClr val="FF0000"/>
+              </a:solidFill>
+              <a:latin typeface="宋体" panose="02010600030101010101" pitchFamily="2" charset="-122"/>
+              <a:ea typeface="宋体" panose="02010600030101010101" pitchFamily="2" charset="-122"/>
+              <a:cs typeface="宋体" panose="02010600030101010101" pitchFamily="2" charset="-122"/>
+            </a:endParaRPr>
+          </a:p>
+          <a:p>
+            <a:r>
+              <a:rPr lang="zh-CN" altLang="en-US" sz="1600">
+                <a:solidFill>
+                  <a:srgbClr val="FF0000"/>
+                </a:solidFill>
+                <a:latin typeface="宋体" panose="02010600030101010101" pitchFamily="2" charset="-122"/>
+                <a:ea typeface="宋体" panose="02010600030101010101" pitchFamily="2" charset="-122"/>
+                <a:cs typeface="宋体" panose="02010600030101010101" pitchFamily="2" charset="-122"/>
+              </a:rPr>
+              <a:t>animation-direction	规定动画是否在下一周期逆向地播放。默认是 "normal"。	</a:t>
+            </a:r>
+            <a:endParaRPr lang="zh-CN" altLang="en-US" sz="1600">
+              <a:solidFill>
+                <a:srgbClr val="FF0000"/>
+              </a:solidFill>
+              <a:latin typeface="宋体" panose="02010600030101010101" pitchFamily="2" charset="-122"/>
+              <a:ea typeface="宋体" panose="02010600030101010101" pitchFamily="2" charset="-122"/>
+              <a:cs typeface="宋体" panose="02010600030101010101" pitchFamily="2" charset="-122"/>
+            </a:endParaRPr>
+          </a:p>
+          <a:p>
+            <a:r>
+              <a:rPr lang="zh-CN" altLang="en-US" sz="1600">
+                <a:solidFill>
+                  <a:srgbClr val="FF0000"/>
+                </a:solidFill>
+                <a:latin typeface="宋体" panose="02010600030101010101" pitchFamily="2" charset="-122"/>
+                <a:ea typeface="宋体" panose="02010600030101010101" pitchFamily="2" charset="-122"/>
+                <a:cs typeface="宋体" panose="02010600030101010101" pitchFamily="2" charset="-122"/>
+              </a:rPr>
+              <a:t>animation-play-state	规定动画是否正在运行或暂停。默认是 "running"。	</a:t>
+            </a:r>
+            <a:endParaRPr lang="zh-CN" altLang="en-US" sz="1600">
+              <a:solidFill>
+                <a:srgbClr val="FF0000"/>
+              </a:solidFill>
+              <a:latin typeface="宋体" panose="02010600030101010101" pitchFamily="2" charset="-122"/>
+              <a:ea typeface="宋体" panose="02010600030101010101" pitchFamily="2" charset="-122"/>
+              <a:cs typeface="宋体" panose="02010600030101010101" pitchFamily="2" charset="-122"/>
+            </a:endParaRPr>
+          </a:p>
+          <a:p>
+            <a:r>
+              <a:rPr lang="zh-CN" altLang="en-US" sz="1600">
+                <a:solidFill>
+                  <a:srgbClr val="FF0000"/>
+                </a:solidFill>
+                <a:latin typeface="宋体" panose="02010600030101010101" pitchFamily="2" charset="-122"/>
+                <a:ea typeface="宋体" panose="02010600030101010101" pitchFamily="2" charset="-122"/>
+                <a:cs typeface="宋体" panose="02010600030101010101" pitchFamily="2" charset="-122"/>
+              </a:rPr>
+              <a:t>animation-fill-mode	规定对象动画时间之外的状态。</a:t>
+            </a:r>
+            <a:endParaRPr lang="zh-CN" altLang="en-US" sz="1600">
+              <a:solidFill>
+                <a:srgbClr val="FF0000"/>
+              </a:solidFill>
+              <a:latin typeface="宋体" panose="02010600030101010101" pitchFamily="2" charset="-122"/>
+              <a:ea typeface="宋体" panose="02010600030101010101" pitchFamily="2" charset="-122"/>
+              <a:cs typeface="宋体" panose="02010600030101010101" pitchFamily="2" charset="-122"/>
+            </a:endParaRPr>
+          </a:p>
+          <a:p>
+            <a:endParaRPr lang="zh-CN" altLang="en-US" sz="1600">
+              <a:latin typeface="宋体" panose="02010600030101010101" pitchFamily="2" charset="-122"/>
+              <a:ea typeface="宋体" panose="02010600030101010101" pitchFamily="2" charset="-122"/>
+              <a:cs typeface="宋体" panose="02010600030101010101" pitchFamily="2" charset="-122"/>
+            </a:endParaRPr>
+          </a:p>
+          <a:p>
+            <a:r>
+              <a:rPr lang="zh-CN" altLang="en-US" sz="1600">
+                <a:latin typeface="宋体" panose="02010600030101010101" pitchFamily="2" charset="-122"/>
+                <a:ea typeface="宋体" panose="02010600030101010101" pitchFamily="2" charset="-122"/>
+                <a:cs typeface="宋体" panose="02010600030101010101" pitchFamily="2" charset="-122"/>
+              </a:rPr>
+              <a:t>语法</a:t>
+            </a:r>
+            <a:endParaRPr lang="zh-CN" altLang="en-US" sz="1600">
+              <a:latin typeface="宋体" panose="02010600030101010101" pitchFamily="2" charset="-122"/>
+              <a:ea typeface="宋体" panose="02010600030101010101" pitchFamily="2" charset="-122"/>
+              <a:cs typeface="宋体" panose="02010600030101010101" pitchFamily="2" charset="-122"/>
+            </a:endParaRPr>
+          </a:p>
+          <a:p>
+            <a:r>
+              <a:rPr lang="zh-CN" altLang="en-US" sz="1600">
+                <a:latin typeface="宋体" panose="02010600030101010101" pitchFamily="2" charset="-122"/>
+                <a:ea typeface="宋体" panose="02010600030101010101" pitchFamily="2" charset="-122"/>
+                <a:cs typeface="宋体" panose="02010600030101010101" pitchFamily="2" charset="-122"/>
+              </a:rPr>
+              <a:t>@keyframes animationname {keyframes-selector {css-styles;}}</a:t>
+            </a:r>
+            <a:endParaRPr lang="zh-CN" altLang="en-US" sz="1600">
+              <a:latin typeface="宋体" panose="02010600030101010101" pitchFamily="2" charset="-122"/>
+              <a:ea typeface="宋体" panose="02010600030101010101" pitchFamily="2" charset="-122"/>
+              <a:cs typeface="宋体" panose="02010600030101010101" pitchFamily="2" charset="-122"/>
+            </a:endParaRPr>
+          </a:p>
+          <a:p>
+            <a:r>
+              <a:rPr lang="zh-CN" altLang="en-US" sz="1600">
+                <a:latin typeface="宋体" panose="02010600030101010101" pitchFamily="2" charset="-122"/>
+                <a:ea typeface="宋体" panose="02010600030101010101" pitchFamily="2" charset="-122"/>
+                <a:cs typeface="宋体" panose="02010600030101010101" pitchFamily="2" charset="-122"/>
+              </a:rPr>
+              <a:t>animationname	</a:t>
+            </a:r>
+            <a:r>
+              <a:rPr lang="en-US" altLang="zh-CN" sz="1600">
+                <a:latin typeface="宋体" panose="02010600030101010101" pitchFamily="2" charset="-122"/>
+                <a:ea typeface="宋体" panose="02010600030101010101" pitchFamily="2" charset="-122"/>
+                <a:cs typeface="宋体" panose="02010600030101010101" pitchFamily="2" charset="-122"/>
+              </a:rPr>
+              <a:t>	</a:t>
+            </a:r>
+            <a:r>
+              <a:rPr lang="zh-CN" altLang="en-US" sz="1600">
+                <a:latin typeface="宋体" panose="02010600030101010101" pitchFamily="2" charset="-122"/>
+                <a:ea typeface="宋体" panose="02010600030101010101" pitchFamily="2" charset="-122"/>
+                <a:cs typeface="宋体" panose="02010600030101010101" pitchFamily="2" charset="-122"/>
+              </a:rPr>
+              <a:t>必需。定义动画的名称。</a:t>
+            </a:r>
+            <a:endParaRPr lang="zh-CN" altLang="en-US" sz="1600">
+              <a:latin typeface="宋体" panose="02010600030101010101" pitchFamily="2" charset="-122"/>
+              <a:ea typeface="宋体" panose="02010600030101010101" pitchFamily="2" charset="-122"/>
+              <a:cs typeface="宋体" panose="02010600030101010101" pitchFamily="2" charset="-122"/>
+            </a:endParaRPr>
+          </a:p>
+          <a:p>
+            <a:r>
+              <a:rPr lang="zh-CN" altLang="en-US" sz="1600">
+                <a:latin typeface="宋体" panose="02010600030101010101" pitchFamily="2" charset="-122"/>
+                <a:ea typeface="宋体" panose="02010600030101010101" pitchFamily="2" charset="-122"/>
+                <a:cs typeface="宋体" panose="02010600030101010101" pitchFamily="2" charset="-122"/>
+              </a:rPr>
+              <a:t>keyframes-selector	必需。动画时长的百分比。合法的值：0-100% </a:t>
+            </a:r>
+            <a:r>
+              <a:rPr lang="en-US" altLang="zh-CN" sz="1600">
+                <a:latin typeface="宋体" panose="02010600030101010101" pitchFamily="2" charset="-122"/>
+                <a:ea typeface="宋体" panose="02010600030101010101" pitchFamily="2" charset="-122"/>
+                <a:cs typeface="宋体" panose="02010600030101010101" pitchFamily="2" charset="-122"/>
+              </a:rPr>
+              <a:t>| </a:t>
+            </a:r>
+            <a:r>
+              <a:rPr lang="zh-CN" altLang="en-US" sz="1600">
+                <a:latin typeface="宋体" panose="02010600030101010101" pitchFamily="2" charset="-122"/>
+                <a:ea typeface="宋体" panose="02010600030101010101" pitchFamily="2" charset="-122"/>
+                <a:cs typeface="宋体" panose="02010600030101010101" pitchFamily="2" charset="-122"/>
+              </a:rPr>
+              <a:t>from（与 0% 相同）</a:t>
+            </a:r>
+            <a:r>
+              <a:rPr lang="en-US" altLang="zh-CN" sz="1600">
+                <a:latin typeface="宋体" panose="02010600030101010101" pitchFamily="2" charset="-122"/>
+                <a:ea typeface="宋体" panose="02010600030101010101" pitchFamily="2" charset="-122"/>
+                <a:cs typeface="宋体" panose="02010600030101010101" pitchFamily="2" charset="-122"/>
+              </a:rPr>
+              <a:t>| </a:t>
+            </a:r>
+            <a:r>
+              <a:rPr lang="zh-CN" altLang="en-US" sz="1600">
+                <a:latin typeface="宋体" panose="02010600030101010101" pitchFamily="2" charset="-122"/>
+                <a:ea typeface="宋体" panose="02010600030101010101" pitchFamily="2" charset="-122"/>
+                <a:cs typeface="宋体" panose="02010600030101010101" pitchFamily="2" charset="-122"/>
+              </a:rPr>
+              <a:t>to（与 100% 相同）</a:t>
+            </a:r>
+            <a:endParaRPr lang="zh-CN" altLang="en-US" sz="1600">
+              <a:latin typeface="宋体" panose="02010600030101010101" pitchFamily="2" charset="-122"/>
+              <a:ea typeface="宋体" panose="02010600030101010101" pitchFamily="2" charset="-122"/>
+              <a:cs typeface="宋体" panose="02010600030101010101" pitchFamily="2" charset="-122"/>
+            </a:endParaRPr>
+          </a:p>
+          <a:p>
+            <a:r>
+              <a:rPr lang="zh-CN" altLang="en-US" sz="1600">
+                <a:latin typeface="宋体" panose="02010600030101010101" pitchFamily="2" charset="-122"/>
+                <a:ea typeface="宋体" panose="02010600030101010101" pitchFamily="2" charset="-122"/>
+                <a:cs typeface="宋体" panose="02010600030101010101" pitchFamily="2" charset="-122"/>
+              </a:rPr>
+              <a:t>css-styles	</a:t>
+            </a:r>
+            <a:r>
+              <a:rPr lang="en-US" altLang="zh-CN" sz="1600">
+                <a:latin typeface="宋体" panose="02010600030101010101" pitchFamily="2" charset="-122"/>
+                <a:ea typeface="宋体" panose="02010600030101010101" pitchFamily="2" charset="-122"/>
+                <a:cs typeface="宋体" panose="02010600030101010101" pitchFamily="2" charset="-122"/>
+              </a:rPr>
+              <a:t>	</a:t>
+            </a:r>
+            <a:r>
+              <a:rPr lang="zh-CN" altLang="en-US" sz="1600">
+                <a:latin typeface="宋体" panose="02010600030101010101" pitchFamily="2" charset="-122"/>
+                <a:ea typeface="宋体" panose="02010600030101010101" pitchFamily="2" charset="-122"/>
+                <a:cs typeface="宋体" panose="02010600030101010101" pitchFamily="2" charset="-122"/>
+              </a:rPr>
+              <a:t>必需。一个或多个合法的 CSS 样式属性。</a:t>
+            </a:r>
+            <a:endParaRPr lang="zh-CN" altLang="en-US" sz="1600">
+              <a:latin typeface="宋体" panose="02010600030101010101" pitchFamily="2" charset="-122"/>
+              <a:ea typeface="宋体" panose="02010600030101010101" pitchFamily="2" charset="-122"/>
+              <a:cs typeface="宋体" panose="02010600030101010101" pitchFamily="2" charset="-122"/>
+            </a:endParaRPr>
+          </a:p>
+        </p:txBody>
+      </p:sp>
+    </p:spTree>
+    <p:custDataLst>
+      <p:tags r:id="rId2"/>
+    </p:custDataLst>
+  </p:cSld>
+  <p:clrMapOvr>
+    <a:masterClrMapping/>
+  </p:clrMapOvr>
+</p:sld>
+</file>
+
+<file path=ppt/slides/slide27.xml><?xml version="1.0" encoding="utf-8"?>
+<p:sld xmlns:a="http://schemas.openxmlformats.org/drawingml/2006/main" xmlns:r="http://schemas.openxmlformats.org/officeDocument/2006/relationships" xmlns:p="http://schemas.openxmlformats.org/presentationml/2006/main">
+  <p:cSld>
+    <p:bg>
+      <p:bgPr>
+        <a:blipFill rotWithShape="1">
+          <a:blip r:embed="rId1"/>
+          <a:stretch>
+            <a:fillRect/>
+          </a:stretch>
+        </a:blipFill>
+        <a:effectLst/>
+      </p:bgPr>
+    </p:bg>
+    <p:spTree>
+      <p:nvGrpSpPr>
+        <p:cNvPr id="1" name=""/>
+        <p:cNvGrpSpPr/>
+        <p:nvPr/>
+      </p:nvGrpSpPr>
+      <p:grpSpPr/>
+      <p:sp>
+        <p:nvSpPr>
+          <p:cNvPr id="2" name="文本框 1"/>
+          <p:cNvSpPr txBox="1"/>
+          <p:nvPr/>
+        </p:nvSpPr>
+        <p:spPr>
+          <a:xfrm>
+            <a:off x="147955" y="782955"/>
+            <a:ext cx="11958320" cy="1322070"/>
+          </a:xfrm>
+          <a:prstGeom prst="rect">
+            <a:avLst/>
+          </a:prstGeom>
+          <a:noFill/>
+        </p:spPr>
+        <p:txBody>
+          <a:bodyPr wrap="square" rtlCol="0">
+            <a:spAutoFit/>
+          </a:bodyPr>
+          <a:p>
+            <a:r>
+              <a:rPr lang="zh-CN" altLang="en-US" sz="1600">
+                <a:latin typeface="宋体" panose="02010600030101010101" pitchFamily="2" charset="-122"/>
+                <a:ea typeface="宋体" panose="02010600030101010101" pitchFamily="2" charset="-122"/>
+                <a:cs typeface="宋体" panose="02010600030101010101" pitchFamily="2" charset="-122"/>
+              </a:rPr>
+              <a:t>animation-fill-mode : none | forwards | backwards | both;</a:t>
+            </a:r>
+            <a:endParaRPr lang="zh-CN" altLang="en-US" sz="1600">
+              <a:latin typeface="宋体" panose="02010600030101010101" pitchFamily="2" charset="-122"/>
+              <a:ea typeface="宋体" panose="02010600030101010101" pitchFamily="2" charset="-122"/>
+              <a:cs typeface="宋体" panose="02010600030101010101" pitchFamily="2" charset="-122"/>
+            </a:endParaRPr>
+          </a:p>
+          <a:p>
+            <a:r>
+              <a:rPr lang="zh-CN" altLang="en-US" sz="1600">
+                <a:latin typeface="宋体" panose="02010600030101010101" pitchFamily="2" charset="-122"/>
+                <a:ea typeface="宋体" panose="02010600030101010101" pitchFamily="2" charset="-122"/>
+                <a:cs typeface="宋体" panose="02010600030101010101" pitchFamily="2" charset="-122"/>
+              </a:rPr>
+              <a:t>none	</a:t>
+            </a:r>
+            <a:r>
+              <a:rPr lang="en-US" altLang="zh-CN" sz="1600">
+                <a:latin typeface="宋体" panose="02010600030101010101" pitchFamily="2" charset="-122"/>
+                <a:ea typeface="宋体" panose="02010600030101010101" pitchFamily="2" charset="-122"/>
+                <a:cs typeface="宋体" panose="02010600030101010101" pitchFamily="2" charset="-122"/>
+              </a:rPr>
+              <a:t>	</a:t>
+            </a:r>
+            <a:r>
+              <a:rPr lang="zh-CN" altLang="en-US" sz="1600">
+                <a:latin typeface="宋体" panose="02010600030101010101" pitchFamily="2" charset="-122"/>
+                <a:ea typeface="宋体" panose="02010600030101010101" pitchFamily="2" charset="-122"/>
+                <a:cs typeface="宋体" panose="02010600030101010101" pitchFamily="2" charset="-122"/>
+              </a:rPr>
+              <a:t>不改变默认行为。</a:t>
+            </a:r>
+            <a:endParaRPr lang="zh-CN" altLang="en-US" sz="1600">
+              <a:latin typeface="宋体" panose="02010600030101010101" pitchFamily="2" charset="-122"/>
+              <a:ea typeface="宋体" panose="02010600030101010101" pitchFamily="2" charset="-122"/>
+              <a:cs typeface="宋体" panose="02010600030101010101" pitchFamily="2" charset="-122"/>
+            </a:endParaRPr>
+          </a:p>
+          <a:p>
+            <a:r>
+              <a:rPr lang="zh-CN" altLang="en-US" sz="1600">
+                <a:latin typeface="宋体" panose="02010600030101010101" pitchFamily="2" charset="-122"/>
+                <a:ea typeface="宋体" panose="02010600030101010101" pitchFamily="2" charset="-122"/>
+                <a:cs typeface="宋体" panose="02010600030101010101" pitchFamily="2" charset="-122"/>
+              </a:rPr>
+              <a:t>forwards	</a:t>
+            </a:r>
+            <a:r>
+              <a:rPr lang="en-US" altLang="zh-CN" sz="1600">
+                <a:latin typeface="宋体" panose="02010600030101010101" pitchFamily="2" charset="-122"/>
+                <a:ea typeface="宋体" panose="02010600030101010101" pitchFamily="2" charset="-122"/>
+                <a:cs typeface="宋体" panose="02010600030101010101" pitchFamily="2" charset="-122"/>
+              </a:rPr>
+              <a:t>	</a:t>
+            </a:r>
+            <a:r>
+              <a:rPr lang="zh-CN" altLang="en-US" sz="1600">
+                <a:latin typeface="宋体" panose="02010600030101010101" pitchFamily="2" charset="-122"/>
+                <a:ea typeface="宋体" panose="02010600030101010101" pitchFamily="2" charset="-122"/>
+                <a:cs typeface="宋体" panose="02010600030101010101" pitchFamily="2" charset="-122"/>
+              </a:rPr>
+              <a:t>当动画完成后，保持最后一个属性值（在最后一个关键帧中定义）。</a:t>
+            </a:r>
+            <a:endParaRPr lang="zh-CN" altLang="en-US" sz="1600">
+              <a:latin typeface="宋体" panose="02010600030101010101" pitchFamily="2" charset="-122"/>
+              <a:ea typeface="宋体" panose="02010600030101010101" pitchFamily="2" charset="-122"/>
+              <a:cs typeface="宋体" panose="02010600030101010101" pitchFamily="2" charset="-122"/>
+            </a:endParaRPr>
+          </a:p>
+          <a:p>
+            <a:r>
+              <a:rPr lang="zh-CN" altLang="en-US" sz="1600">
+                <a:latin typeface="宋体" panose="02010600030101010101" pitchFamily="2" charset="-122"/>
+                <a:ea typeface="宋体" panose="02010600030101010101" pitchFamily="2" charset="-122"/>
+                <a:cs typeface="宋体" panose="02010600030101010101" pitchFamily="2" charset="-122"/>
+              </a:rPr>
+              <a:t>backwards	在 animation-delay 所指定的一段时间内，在动画显示之前，应用开始属性值（在第一个关键帧中定义）。</a:t>
+            </a:r>
+            <a:endParaRPr lang="zh-CN" altLang="en-US" sz="1600">
+              <a:latin typeface="宋体" panose="02010600030101010101" pitchFamily="2" charset="-122"/>
+              <a:ea typeface="宋体" panose="02010600030101010101" pitchFamily="2" charset="-122"/>
+              <a:cs typeface="宋体" panose="02010600030101010101" pitchFamily="2" charset="-122"/>
+            </a:endParaRPr>
+          </a:p>
+          <a:p>
+            <a:r>
+              <a:rPr lang="zh-CN" altLang="en-US" sz="1600">
+                <a:latin typeface="宋体" panose="02010600030101010101" pitchFamily="2" charset="-122"/>
+                <a:ea typeface="宋体" panose="02010600030101010101" pitchFamily="2" charset="-122"/>
+                <a:cs typeface="宋体" panose="02010600030101010101" pitchFamily="2" charset="-122"/>
+              </a:rPr>
+              <a:t>both	</a:t>
+            </a:r>
+            <a:r>
+              <a:rPr lang="en-US" altLang="zh-CN" sz="1600">
+                <a:latin typeface="宋体" panose="02010600030101010101" pitchFamily="2" charset="-122"/>
+                <a:ea typeface="宋体" panose="02010600030101010101" pitchFamily="2" charset="-122"/>
+                <a:cs typeface="宋体" panose="02010600030101010101" pitchFamily="2" charset="-122"/>
+              </a:rPr>
+              <a:t>	</a:t>
+            </a:r>
+            <a:r>
+              <a:rPr lang="zh-CN" altLang="en-US" sz="1600">
+                <a:latin typeface="宋体" panose="02010600030101010101" pitchFamily="2" charset="-122"/>
+                <a:ea typeface="宋体" panose="02010600030101010101" pitchFamily="2" charset="-122"/>
+                <a:cs typeface="宋体" panose="02010600030101010101" pitchFamily="2" charset="-122"/>
+              </a:rPr>
+              <a:t>向前和向后填充模式都被应用。</a:t>
+            </a:r>
+            <a:endParaRPr lang="zh-CN" altLang="en-US" sz="1600">
+              <a:latin typeface="宋体" panose="02010600030101010101" pitchFamily="2" charset="-122"/>
+              <a:ea typeface="宋体" panose="02010600030101010101" pitchFamily="2" charset="-122"/>
+              <a:cs typeface="宋体" panose="02010600030101010101" pitchFamily="2" charset="-122"/>
+            </a:endParaRPr>
+          </a:p>
+        </p:txBody>
+      </p:sp>
+    </p:spTree>
+    <p:custDataLst>
+      <p:tags r:id="rId2"/>
+    </p:custDataLst>
+  </p:cSld>
+  <p:clrMapOvr>
+    <a:masterClrMapping/>
+  </p:clrMapOvr>
+</p:sld>
+</file>
+
+<file path=ppt/slides/slide28.xml><?xml version="1.0" encoding="utf-8"?>
 <p:sld xmlns:a="http://schemas.openxmlformats.org/drawingml/2006/main" xmlns:r="http://schemas.openxmlformats.org/officeDocument/2006/relationships" xmlns:p="http://schemas.openxmlformats.org/presentationml/2006/main">
   <p:cSld>
     <p:bg>
@@ -12771,7 +12970,7 @@
 </p:sld>
 </file>
 
-<file path=ppt/slides/slide27.xml><?xml version="1.0" encoding="utf-8"?>
+<file path=ppt/slides/slide29.xml><?xml version="1.0" encoding="utf-8"?>
 <p:sld xmlns:a="http://schemas.openxmlformats.org/drawingml/2006/main" xmlns:r="http://schemas.openxmlformats.org/officeDocument/2006/relationships" xmlns:p="http://schemas.openxmlformats.org/presentationml/2006/main">
   <p:cSld>
     <p:bg>
@@ -13119,7 +13318,215 @@
 </p:sld>
 </file>
 
-<file path=ppt/slides/slide28.xml><?xml version="1.0" encoding="utf-8"?>
+<file path=ppt/slides/slide3.xml><?xml version="1.0" encoding="utf-8"?>
+<p:sld xmlns:a="http://schemas.openxmlformats.org/drawingml/2006/main" xmlns:r="http://schemas.openxmlformats.org/officeDocument/2006/relationships" xmlns:p="http://schemas.openxmlformats.org/presentationml/2006/main">
+  <p:cSld>
+    <p:bg>
+      <p:bgPr>
+        <a:blipFill rotWithShape="1">
+          <a:blip r:embed="rId1"/>
+          <a:stretch>
+            <a:fillRect/>
+          </a:stretch>
+        </a:blipFill>
+        <a:effectLst/>
+      </p:bgPr>
+    </p:bg>
+    <p:spTree>
+      <p:nvGrpSpPr>
+        <p:cNvPr id="1" name=""/>
+        <p:cNvGrpSpPr/>
+        <p:nvPr/>
+      </p:nvGrpSpPr>
+      <p:grpSpPr/>
+      <p:pic>
+        <p:nvPicPr>
+          <p:cNvPr id="6" name="图片 5"/>
+          <p:cNvPicPr>
+            <a:picLocks noChangeAspect="1"/>
+          </p:cNvPicPr>
+          <p:nvPr/>
+        </p:nvPicPr>
+        <p:blipFill>
+          <a:blip r:embed="rId2"/>
+          <a:stretch>
+            <a:fillRect/>
+          </a:stretch>
+        </p:blipFill>
+        <p:spPr>
+          <a:xfrm>
+            <a:off x="316230" y="775335"/>
+            <a:ext cx="5532120" cy="5471160"/>
+          </a:xfrm>
+          <a:prstGeom prst="rect">
+            <a:avLst/>
+          </a:prstGeom>
+        </p:spPr>
+      </p:pic>
+      <p:sp>
+        <p:nvSpPr>
+          <p:cNvPr id="7" name="文本框 6"/>
+          <p:cNvSpPr txBox="1"/>
+          <p:nvPr/>
+        </p:nvSpPr>
+        <p:spPr>
+          <a:xfrm>
+            <a:off x="5848350" y="909955"/>
+            <a:ext cx="6157595" cy="2584450"/>
+          </a:xfrm>
+          <a:prstGeom prst="rect">
+            <a:avLst/>
+          </a:prstGeom>
+          <a:noFill/>
+        </p:spPr>
+        <p:txBody>
+          <a:bodyPr wrap="square" rtlCol="0">
+            <a:spAutoFit/>
+          </a:bodyPr>
+          <a:p>
+            <a:r>
+              <a:rPr lang="zh-CN" altLang="en-US" dirty="0">
+                <a:solidFill>
+                  <a:srgbClr val="FF0000"/>
+                </a:solidFill>
+                <a:latin typeface="宋体" panose="02010600030101010101" pitchFamily="2" charset="-122"/>
+                <a:ea typeface="宋体" panose="02010600030101010101" pitchFamily="2" charset="-122"/>
+                <a:cs typeface="宋体" panose="02010600030101010101" pitchFamily="2" charset="-122"/>
+                <a:sym typeface="+mn-ea"/>
+              </a:rPr>
+              <a:t>样式优先级</a:t>
+            </a:r>
+            <a:endParaRPr lang="zh-CN" altLang="en-US" dirty="0">
+              <a:solidFill>
+                <a:srgbClr val="FF0000"/>
+              </a:solidFill>
+              <a:latin typeface="宋体" panose="02010600030101010101" pitchFamily="2" charset="-122"/>
+              <a:ea typeface="宋体" panose="02010600030101010101" pitchFamily="2" charset="-122"/>
+              <a:cs typeface="宋体" panose="02010600030101010101" pitchFamily="2" charset="-122"/>
+            </a:endParaRPr>
+          </a:p>
+          <a:p>
+            <a:r>
+              <a:rPr lang="zh-CN" altLang="en-US" dirty="0">
+                <a:latin typeface="宋体" panose="02010600030101010101" pitchFamily="2" charset="-122"/>
+                <a:ea typeface="宋体" panose="02010600030101010101" pitchFamily="2" charset="-122"/>
+                <a:cs typeface="宋体" panose="02010600030101010101" pitchFamily="2" charset="-122"/>
+                <a:sym typeface="+mn-ea"/>
+              </a:rPr>
+              <a:t>当发生样式定义冲突时，浏览器首先会按照不同样式规则的优先级来应用样式；</a:t>
+            </a:r>
+            <a:r>
+              <a:rPr lang="zh-CN" altLang="en-US" dirty="0">
+                <a:solidFill>
+                  <a:srgbClr val="0000FF"/>
+                </a:solidFill>
+                <a:latin typeface="宋体" panose="02010600030101010101" pitchFamily="2" charset="-122"/>
+                <a:ea typeface="宋体" panose="02010600030101010101" pitchFamily="2" charset="-122"/>
+                <a:cs typeface="宋体" panose="02010600030101010101" pitchFamily="2" charset="-122"/>
+                <a:sym typeface="+mn-ea"/>
+              </a:rPr>
+              <a:t>在相同的优先级下，则会按照样式定义的先后层次来应用样式，一般遵守“就近优先”原则。</a:t>
+            </a:r>
+            <a:endParaRPr lang="zh-CN" altLang="en-US" dirty="0">
+              <a:solidFill>
+                <a:srgbClr val="0000FF"/>
+              </a:solidFill>
+              <a:latin typeface="宋体" panose="02010600030101010101" pitchFamily="2" charset="-122"/>
+              <a:ea typeface="宋体" panose="02010600030101010101" pitchFamily="2" charset="-122"/>
+              <a:cs typeface="宋体" panose="02010600030101010101" pitchFamily="2" charset="-122"/>
+            </a:endParaRPr>
+          </a:p>
+          <a:p>
+            <a:endParaRPr lang="zh-CN" altLang="en-US" dirty="0">
+              <a:solidFill>
+                <a:srgbClr val="0000FF"/>
+              </a:solidFill>
+              <a:latin typeface="宋体" panose="02010600030101010101" pitchFamily="2" charset="-122"/>
+              <a:ea typeface="宋体" panose="02010600030101010101" pitchFamily="2" charset="-122"/>
+              <a:cs typeface="宋体" panose="02010600030101010101" pitchFamily="2" charset="-122"/>
+            </a:endParaRPr>
+          </a:p>
+          <a:p>
+            <a:r>
+              <a:rPr lang="zh-CN" altLang="en-US" dirty="0">
+                <a:latin typeface="宋体" panose="02010600030101010101" pitchFamily="2" charset="-122"/>
+                <a:ea typeface="宋体" panose="02010600030101010101" pitchFamily="2" charset="-122"/>
+                <a:cs typeface="宋体" panose="02010600030101010101" pitchFamily="2" charset="-122"/>
+                <a:sym typeface="+mn-ea"/>
+              </a:rPr>
+              <a:t>外部css文件的优先级最低;</a:t>
+            </a:r>
+            <a:endParaRPr lang="zh-CN" altLang="en-US" dirty="0">
+              <a:latin typeface="宋体" panose="02010600030101010101" pitchFamily="2" charset="-122"/>
+              <a:ea typeface="宋体" panose="02010600030101010101" pitchFamily="2" charset="-122"/>
+              <a:cs typeface="宋体" panose="02010600030101010101" pitchFamily="2" charset="-122"/>
+            </a:endParaRPr>
+          </a:p>
+          <a:p>
+            <a:r>
+              <a:rPr lang="zh-CN" altLang="en-US" dirty="0">
+                <a:latin typeface="宋体" panose="02010600030101010101" pitchFamily="2" charset="-122"/>
+                <a:ea typeface="宋体" panose="02010600030101010101" pitchFamily="2" charset="-122"/>
+                <a:cs typeface="宋体" panose="02010600030101010101" pitchFamily="2" charset="-122"/>
+                <a:sym typeface="+mn-ea"/>
+              </a:rPr>
+              <a:t>书写于头部的css的优先级其次;</a:t>
+            </a:r>
+            <a:endParaRPr lang="zh-CN" altLang="en-US" dirty="0">
+              <a:latin typeface="宋体" panose="02010600030101010101" pitchFamily="2" charset="-122"/>
+              <a:ea typeface="宋体" panose="02010600030101010101" pitchFamily="2" charset="-122"/>
+              <a:cs typeface="宋体" panose="02010600030101010101" pitchFamily="2" charset="-122"/>
+            </a:endParaRPr>
+          </a:p>
+          <a:p>
+            <a:r>
+              <a:rPr lang="zh-CN" altLang="en-US" dirty="0">
+                <a:latin typeface="宋体" panose="02010600030101010101" pitchFamily="2" charset="-122"/>
+                <a:ea typeface="宋体" panose="02010600030101010101" pitchFamily="2" charset="-122"/>
+                <a:cs typeface="宋体" panose="02010600030101010101" pitchFamily="2" charset="-122"/>
+                <a:sym typeface="+mn-ea"/>
+              </a:rPr>
+              <a:t>书写于标记内部的css的优先级最高.</a:t>
+            </a:r>
+            <a:endParaRPr lang="zh-CN" altLang="en-US" dirty="0">
+              <a:latin typeface="宋体" panose="02010600030101010101" pitchFamily="2" charset="-122"/>
+              <a:ea typeface="宋体" panose="02010600030101010101" pitchFamily="2" charset="-122"/>
+              <a:cs typeface="宋体" panose="02010600030101010101" pitchFamily="2" charset="-122"/>
+            </a:endParaRPr>
+          </a:p>
+          <a:p>
+            <a:r>
+              <a:rPr lang="zh-CN" altLang="en-US" dirty="0">
+                <a:solidFill>
+                  <a:srgbClr val="FF0000"/>
+                </a:solidFill>
+                <a:latin typeface="宋体" panose="02010600030101010101" pitchFamily="2" charset="-122"/>
+                <a:ea typeface="宋体" panose="02010600030101010101" pitchFamily="2" charset="-122"/>
+                <a:cs typeface="宋体" panose="02010600030101010101" pitchFamily="2" charset="-122"/>
+                <a:sym typeface="+mn-ea"/>
+              </a:rPr>
+              <a:t>外部样式与头部样式还取决于书写顺序.</a:t>
+            </a:r>
+            <a:endParaRPr lang="zh-CN" altLang="en-US">
+              <a:latin typeface="宋体" panose="02010600030101010101" pitchFamily="2" charset="-122"/>
+              <a:ea typeface="宋体" panose="02010600030101010101" pitchFamily="2" charset="-122"/>
+              <a:cs typeface="宋体" panose="02010600030101010101" pitchFamily="2" charset="-122"/>
+            </a:endParaRPr>
+          </a:p>
+        </p:txBody>
+      </p:sp>
+    </p:spTree>
+    <p:custDataLst>
+      <p:tags r:id="rId3"/>
+    </p:custDataLst>
+  </p:cSld>
+  <p:clrMapOvr>
+    <a:masterClrMapping/>
+  </p:clrMapOvr>
+</p:sld>
+</file>
+
+<file path=ppt/slides/slide30.xml><?xml version="1.0" encoding="utf-8"?>
 <p:sld xmlns:a="http://schemas.openxmlformats.org/drawingml/2006/main" xmlns:r="http://schemas.openxmlformats.org/officeDocument/2006/relationships" xmlns:p="http://schemas.openxmlformats.org/presentationml/2006/main">
   <p:cSld>
     <p:bg>
@@ -13149,7 +13556,7 @@
         <p:spPr>
           <a:xfrm>
             <a:off x="135255" y="737235"/>
-            <a:ext cx="11916410" cy="6000750"/>
+            <a:ext cx="11916410" cy="5507990"/>
           </a:xfrm>
           <a:prstGeom prst="rect">
             <a:avLst/>
@@ -13168,28 +13575,6 @@
                 <a:cs typeface="宋体" panose="02010600030101010101" pitchFamily="2" charset="-122"/>
               </a:rPr>
               <a:t>CSS3 框大小</a:t>
-            </a:r>
-            <a:endParaRPr sz="1600">
-              <a:latin typeface="宋体" panose="02010600030101010101" pitchFamily="2" charset="-122"/>
-              <a:ea typeface="宋体" panose="02010600030101010101" pitchFamily="2" charset="-122"/>
-              <a:cs typeface="宋体" panose="02010600030101010101" pitchFamily="2" charset="-122"/>
-            </a:endParaRPr>
-          </a:p>
-          <a:p>
-            <a:endParaRPr sz="1600">
-              <a:latin typeface="宋体" panose="02010600030101010101" pitchFamily="2" charset="-122"/>
-              <a:ea typeface="宋体" panose="02010600030101010101" pitchFamily="2" charset="-122"/>
-              <a:cs typeface="宋体" panose="02010600030101010101" pitchFamily="2" charset="-122"/>
-            </a:endParaRPr>
-          </a:p>
-          <a:p>
-            <a:r>
-              <a:rPr sz="1600">
-                <a:latin typeface="宋体" panose="02010600030101010101" pitchFamily="2" charset="-122"/>
-                <a:ea typeface="宋体" panose="02010600030101010101" pitchFamily="2" charset="-122"/>
-                <a:cs typeface="宋体" panose="02010600030101010101" pitchFamily="2" charset="-122"/>
-              </a:rPr>
-              <a:t>CSS3 box-sizing 属性可以设置 width 和 height 属性中包含了 padding(内边距) 和 border(边框)。</a:t>
             </a:r>
             <a:endParaRPr sz="1600">
               <a:latin typeface="宋体" panose="02010600030101010101" pitchFamily="2" charset="-122"/>
@@ -13547,7 +13932,7 @@
 </p:sld>
 </file>
 
-<file path=ppt/slides/slide29.xml><?xml version="1.0" encoding="utf-8"?>
+<file path=ppt/slides/slide31.xml><?xml version="1.0" encoding="utf-8"?>
 <p:sld xmlns:a="http://schemas.openxmlformats.org/drawingml/2006/main" xmlns:r="http://schemas.openxmlformats.org/officeDocument/2006/relationships" xmlns:p="http://schemas.openxmlformats.org/presentationml/2006/main">
   <p:cSld>
     <p:bg>
@@ -13786,215 +14171,7 @@
 </p:sld>
 </file>
 
-<file path=ppt/slides/slide3.xml><?xml version="1.0" encoding="utf-8"?>
-<p:sld xmlns:a="http://schemas.openxmlformats.org/drawingml/2006/main" xmlns:r="http://schemas.openxmlformats.org/officeDocument/2006/relationships" xmlns:p="http://schemas.openxmlformats.org/presentationml/2006/main">
-  <p:cSld>
-    <p:bg>
-      <p:bgPr>
-        <a:blipFill rotWithShape="1">
-          <a:blip r:embed="rId1"/>
-          <a:stretch>
-            <a:fillRect/>
-          </a:stretch>
-        </a:blipFill>
-        <a:effectLst/>
-      </p:bgPr>
-    </p:bg>
-    <p:spTree>
-      <p:nvGrpSpPr>
-        <p:cNvPr id="1" name=""/>
-        <p:cNvGrpSpPr/>
-        <p:nvPr/>
-      </p:nvGrpSpPr>
-      <p:grpSpPr/>
-      <p:pic>
-        <p:nvPicPr>
-          <p:cNvPr id="6" name="图片 5"/>
-          <p:cNvPicPr>
-            <a:picLocks noChangeAspect="1"/>
-          </p:cNvPicPr>
-          <p:nvPr/>
-        </p:nvPicPr>
-        <p:blipFill>
-          <a:blip r:embed="rId2"/>
-          <a:stretch>
-            <a:fillRect/>
-          </a:stretch>
-        </p:blipFill>
-        <p:spPr>
-          <a:xfrm>
-            <a:off x="316230" y="775335"/>
-            <a:ext cx="5532120" cy="5471160"/>
-          </a:xfrm>
-          <a:prstGeom prst="rect">
-            <a:avLst/>
-          </a:prstGeom>
-        </p:spPr>
-      </p:pic>
-      <p:sp>
-        <p:nvSpPr>
-          <p:cNvPr id="7" name="文本框 6"/>
-          <p:cNvSpPr txBox="1"/>
-          <p:nvPr/>
-        </p:nvSpPr>
-        <p:spPr>
-          <a:xfrm>
-            <a:off x="5848350" y="909955"/>
-            <a:ext cx="6157595" cy="2584450"/>
-          </a:xfrm>
-          <a:prstGeom prst="rect">
-            <a:avLst/>
-          </a:prstGeom>
-          <a:noFill/>
-        </p:spPr>
-        <p:txBody>
-          <a:bodyPr wrap="square" rtlCol="0">
-            <a:spAutoFit/>
-          </a:bodyPr>
-          <a:p>
-            <a:r>
-              <a:rPr lang="zh-CN" altLang="en-US" dirty="0">
-                <a:solidFill>
-                  <a:srgbClr val="FF0000"/>
-                </a:solidFill>
-                <a:latin typeface="宋体" panose="02010600030101010101" pitchFamily="2" charset="-122"/>
-                <a:ea typeface="宋体" panose="02010600030101010101" pitchFamily="2" charset="-122"/>
-                <a:cs typeface="宋体" panose="02010600030101010101" pitchFamily="2" charset="-122"/>
-                <a:sym typeface="+mn-ea"/>
-              </a:rPr>
-              <a:t>样式优先级</a:t>
-            </a:r>
-            <a:endParaRPr lang="zh-CN" altLang="en-US" dirty="0">
-              <a:solidFill>
-                <a:srgbClr val="FF0000"/>
-              </a:solidFill>
-              <a:latin typeface="宋体" panose="02010600030101010101" pitchFamily="2" charset="-122"/>
-              <a:ea typeface="宋体" panose="02010600030101010101" pitchFamily="2" charset="-122"/>
-              <a:cs typeface="宋体" panose="02010600030101010101" pitchFamily="2" charset="-122"/>
-            </a:endParaRPr>
-          </a:p>
-          <a:p>
-            <a:r>
-              <a:rPr lang="zh-CN" altLang="en-US" dirty="0">
-                <a:latin typeface="宋体" panose="02010600030101010101" pitchFamily="2" charset="-122"/>
-                <a:ea typeface="宋体" panose="02010600030101010101" pitchFamily="2" charset="-122"/>
-                <a:cs typeface="宋体" panose="02010600030101010101" pitchFamily="2" charset="-122"/>
-                <a:sym typeface="+mn-ea"/>
-              </a:rPr>
-              <a:t>当发生样式定义冲突时，浏览器首先会按照不同样式规则的优先级来应用样式；</a:t>
-            </a:r>
-            <a:r>
-              <a:rPr lang="zh-CN" altLang="en-US" dirty="0">
-                <a:solidFill>
-                  <a:srgbClr val="0000FF"/>
-                </a:solidFill>
-                <a:latin typeface="宋体" panose="02010600030101010101" pitchFamily="2" charset="-122"/>
-                <a:ea typeface="宋体" panose="02010600030101010101" pitchFamily="2" charset="-122"/>
-                <a:cs typeface="宋体" panose="02010600030101010101" pitchFamily="2" charset="-122"/>
-                <a:sym typeface="+mn-ea"/>
-              </a:rPr>
-              <a:t>在相同的优先级下，则会按照样式定义的先后层次来应用样式，一般遵守“就近优先”原则。</a:t>
-            </a:r>
-            <a:endParaRPr lang="zh-CN" altLang="en-US" dirty="0">
-              <a:solidFill>
-                <a:srgbClr val="0000FF"/>
-              </a:solidFill>
-              <a:latin typeface="宋体" panose="02010600030101010101" pitchFamily="2" charset="-122"/>
-              <a:ea typeface="宋体" panose="02010600030101010101" pitchFamily="2" charset="-122"/>
-              <a:cs typeface="宋体" panose="02010600030101010101" pitchFamily="2" charset="-122"/>
-            </a:endParaRPr>
-          </a:p>
-          <a:p>
-            <a:endParaRPr lang="zh-CN" altLang="en-US" dirty="0">
-              <a:solidFill>
-                <a:srgbClr val="0000FF"/>
-              </a:solidFill>
-              <a:latin typeface="宋体" panose="02010600030101010101" pitchFamily="2" charset="-122"/>
-              <a:ea typeface="宋体" panose="02010600030101010101" pitchFamily="2" charset="-122"/>
-              <a:cs typeface="宋体" panose="02010600030101010101" pitchFamily="2" charset="-122"/>
-            </a:endParaRPr>
-          </a:p>
-          <a:p>
-            <a:r>
-              <a:rPr lang="zh-CN" altLang="en-US" dirty="0">
-                <a:latin typeface="宋体" panose="02010600030101010101" pitchFamily="2" charset="-122"/>
-                <a:ea typeface="宋体" panose="02010600030101010101" pitchFamily="2" charset="-122"/>
-                <a:cs typeface="宋体" panose="02010600030101010101" pitchFamily="2" charset="-122"/>
-                <a:sym typeface="+mn-ea"/>
-              </a:rPr>
-              <a:t>外部css文件的优先级最低;</a:t>
-            </a:r>
-            <a:endParaRPr lang="zh-CN" altLang="en-US" dirty="0">
-              <a:latin typeface="宋体" panose="02010600030101010101" pitchFamily="2" charset="-122"/>
-              <a:ea typeface="宋体" panose="02010600030101010101" pitchFamily="2" charset="-122"/>
-              <a:cs typeface="宋体" panose="02010600030101010101" pitchFamily="2" charset="-122"/>
-            </a:endParaRPr>
-          </a:p>
-          <a:p>
-            <a:r>
-              <a:rPr lang="zh-CN" altLang="en-US" dirty="0">
-                <a:latin typeface="宋体" panose="02010600030101010101" pitchFamily="2" charset="-122"/>
-                <a:ea typeface="宋体" panose="02010600030101010101" pitchFamily="2" charset="-122"/>
-                <a:cs typeface="宋体" panose="02010600030101010101" pitchFamily="2" charset="-122"/>
-                <a:sym typeface="+mn-ea"/>
-              </a:rPr>
-              <a:t>书写于头部的css的优先级其次;</a:t>
-            </a:r>
-            <a:endParaRPr lang="zh-CN" altLang="en-US" dirty="0">
-              <a:latin typeface="宋体" panose="02010600030101010101" pitchFamily="2" charset="-122"/>
-              <a:ea typeface="宋体" panose="02010600030101010101" pitchFamily="2" charset="-122"/>
-              <a:cs typeface="宋体" panose="02010600030101010101" pitchFamily="2" charset="-122"/>
-            </a:endParaRPr>
-          </a:p>
-          <a:p>
-            <a:r>
-              <a:rPr lang="zh-CN" altLang="en-US" dirty="0">
-                <a:latin typeface="宋体" panose="02010600030101010101" pitchFamily="2" charset="-122"/>
-                <a:ea typeface="宋体" panose="02010600030101010101" pitchFamily="2" charset="-122"/>
-                <a:cs typeface="宋体" panose="02010600030101010101" pitchFamily="2" charset="-122"/>
-                <a:sym typeface="+mn-ea"/>
-              </a:rPr>
-              <a:t>书写于标记内部的css的优先级最高.</a:t>
-            </a:r>
-            <a:endParaRPr lang="zh-CN" altLang="en-US" dirty="0">
-              <a:latin typeface="宋体" panose="02010600030101010101" pitchFamily="2" charset="-122"/>
-              <a:ea typeface="宋体" panose="02010600030101010101" pitchFamily="2" charset="-122"/>
-              <a:cs typeface="宋体" panose="02010600030101010101" pitchFamily="2" charset="-122"/>
-            </a:endParaRPr>
-          </a:p>
-          <a:p>
-            <a:r>
-              <a:rPr lang="zh-CN" altLang="en-US" dirty="0">
-                <a:solidFill>
-                  <a:srgbClr val="FF0000"/>
-                </a:solidFill>
-                <a:latin typeface="宋体" panose="02010600030101010101" pitchFamily="2" charset="-122"/>
-                <a:ea typeface="宋体" panose="02010600030101010101" pitchFamily="2" charset="-122"/>
-                <a:cs typeface="宋体" panose="02010600030101010101" pitchFamily="2" charset="-122"/>
-                <a:sym typeface="+mn-ea"/>
-              </a:rPr>
-              <a:t>外部样式与头部样式还取决于书写顺序.</a:t>
-            </a:r>
-            <a:endParaRPr lang="zh-CN" altLang="en-US">
-              <a:latin typeface="宋体" panose="02010600030101010101" pitchFamily="2" charset="-122"/>
-              <a:ea typeface="宋体" panose="02010600030101010101" pitchFamily="2" charset="-122"/>
-              <a:cs typeface="宋体" panose="02010600030101010101" pitchFamily="2" charset="-122"/>
-            </a:endParaRPr>
-          </a:p>
-        </p:txBody>
-      </p:sp>
-    </p:spTree>
-    <p:custDataLst>
-      <p:tags r:id="rId3"/>
-    </p:custDataLst>
-  </p:cSld>
-  <p:clrMapOvr>
-    <a:masterClrMapping/>
-  </p:clrMapOvr>
-</p:sld>
-</file>
-
-<file path=ppt/slides/slide30.xml><?xml version="1.0" encoding="utf-8"?>
+<file path=ppt/slides/slide32.xml><?xml version="1.0" encoding="utf-8"?>
 <p:sld xmlns:a="http://schemas.openxmlformats.org/drawingml/2006/main" xmlns:r="http://schemas.openxmlformats.org/officeDocument/2006/relationships" xmlns:p="http://schemas.openxmlformats.org/presentationml/2006/main">
   <p:cSld>
     <p:bg>
@@ -14226,7 +14403,7 @@
 </p:sld>
 </file>
 
-<file path=ppt/slides/slide31.xml><?xml version="1.0" encoding="utf-8"?>
+<file path=ppt/slides/slide33.xml><?xml version="1.0" encoding="utf-8"?>
 <p:sld xmlns:a="http://schemas.openxmlformats.org/drawingml/2006/main" xmlns:r="http://schemas.openxmlformats.org/officeDocument/2006/relationships" xmlns:p="http://schemas.openxmlformats.org/presentationml/2006/main">
   <p:cSld>
     <p:bg>
@@ -14502,7 +14679,7 @@
 </p:sld>
 </file>
 
-<file path=ppt/slides/slide32.xml><?xml version="1.0" encoding="utf-8"?>
+<file path=ppt/slides/slide34.xml><?xml version="1.0" encoding="utf-8"?>
 <p:sld xmlns:a="http://schemas.openxmlformats.org/drawingml/2006/main" xmlns:r="http://schemas.openxmlformats.org/officeDocument/2006/relationships" xmlns:p="http://schemas.openxmlformats.org/presentationml/2006/main">
   <p:cSld>
     <p:bg>
@@ -14775,7 +14952,7 @@
 </p:sld>
 </file>
 
-<file path=ppt/slides/slide33.xml><?xml version="1.0" encoding="utf-8"?>
+<file path=ppt/slides/slide35.xml><?xml version="1.0" encoding="utf-8"?>
 <p:sld xmlns:a="http://schemas.openxmlformats.org/drawingml/2006/main" xmlns:r="http://schemas.openxmlformats.org/officeDocument/2006/relationships" xmlns:p="http://schemas.openxmlformats.org/presentationml/2006/main">
   <p:cSld>
     <p:bg>
@@ -15017,7 +15194,7 @@
 </p:sld>
 </file>
 
-<file path=ppt/slides/slide34.xml><?xml version="1.0" encoding="utf-8"?>
+<file path=ppt/slides/slide36.xml><?xml version="1.0" encoding="utf-8"?>
 <p:sld xmlns:a="http://schemas.openxmlformats.org/drawingml/2006/main" xmlns:r="http://schemas.openxmlformats.org/officeDocument/2006/relationships" xmlns:p="http://schemas.openxmlformats.org/presentationml/2006/main">
   <p:cSld>
     <p:bg>
@@ -15066,7 +15243,71 @@
                 <a:cs typeface="宋体" panose="02010600030101010101" pitchFamily="2" charset="-122"/>
                 <a:sym typeface="+mn-ea"/>
               </a:rPr>
-              <a:t>造成这种现象的原因在于：行内元素和替换元素（如img、input、textarea等）会有个称做 基线 的东西；基线位于文字的最底部。如果块状行内元素（inline-block）中无文本内容的时候，其基线就会自动移至元素的最底部。另外，图片以及非替换元素的基线也是为元素最底部的。</a:t>
+              <a:t>造成这种现象的原因在于：行内元素和替换元素（如img、input、textarea等）会有个称做 </a:t>
+            </a:r>
+            <a:r>
+              <a:rPr sz="1600" b="1">
+                <a:solidFill>
+                  <a:srgbClr val="FF0000"/>
+                </a:solidFill>
+                <a:latin typeface="宋体" panose="02010600030101010101" pitchFamily="2" charset="-122"/>
+                <a:ea typeface="宋体" panose="02010600030101010101" pitchFamily="2" charset="-122"/>
+                <a:cs typeface="宋体" panose="02010600030101010101" pitchFamily="2" charset="-122"/>
+                <a:sym typeface="+mn-ea"/>
+              </a:rPr>
+              <a:t>基线</a:t>
+            </a:r>
+            <a:r>
+              <a:rPr sz="1600">
+                <a:latin typeface="宋体" panose="02010600030101010101" pitchFamily="2" charset="-122"/>
+                <a:ea typeface="宋体" panose="02010600030101010101" pitchFamily="2" charset="-122"/>
+                <a:cs typeface="宋体" panose="02010600030101010101" pitchFamily="2" charset="-122"/>
+                <a:sym typeface="+mn-ea"/>
+              </a:rPr>
+              <a:t> 的东西；基线位于</a:t>
+            </a:r>
+            <a:r>
+              <a:rPr sz="1600" b="1">
+                <a:solidFill>
+                  <a:srgbClr val="FF0000"/>
+                </a:solidFill>
+                <a:latin typeface="宋体" panose="02010600030101010101" pitchFamily="2" charset="-122"/>
+                <a:ea typeface="宋体" panose="02010600030101010101" pitchFamily="2" charset="-122"/>
+                <a:cs typeface="宋体" panose="02010600030101010101" pitchFamily="2" charset="-122"/>
+                <a:sym typeface="+mn-ea"/>
+              </a:rPr>
+              <a:t>文字的最底部</a:t>
+            </a:r>
+            <a:r>
+              <a:rPr sz="1600">
+                <a:latin typeface="宋体" panose="02010600030101010101" pitchFamily="2" charset="-122"/>
+                <a:ea typeface="宋体" panose="02010600030101010101" pitchFamily="2" charset="-122"/>
+                <a:cs typeface="宋体" panose="02010600030101010101" pitchFamily="2" charset="-122"/>
+                <a:sym typeface="+mn-ea"/>
+              </a:rPr>
+              <a:t>。如果块状行内元素（inline-block）中无文本内容的时候，其基线就会</a:t>
+            </a:r>
+            <a:r>
+              <a:rPr sz="1600" b="1">
+                <a:solidFill>
+                  <a:srgbClr val="FF0000"/>
+                </a:solidFill>
+                <a:effectLst/>
+                <a:latin typeface="宋体" panose="02010600030101010101" pitchFamily="2" charset="-122"/>
+                <a:ea typeface="宋体" panose="02010600030101010101" pitchFamily="2" charset="-122"/>
+                <a:cs typeface="宋体" panose="02010600030101010101" pitchFamily="2" charset="-122"/>
+                <a:sym typeface="+mn-ea"/>
+              </a:rPr>
+              <a:t>自动移至元素的最底部</a:t>
+            </a:r>
+            <a:r>
+              <a:rPr sz="1600">
+                <a:latin typeface="宋体" panose="02010600030101010101" pitchFamily="2" charset="-122"/>
+                <a:ea typeface="宋体" panose="02010600030101010101" pitchFamily="2" charset="-122"/>
+                <a:cs typeface="宋体" panose="02010600030101010101" pitchFamily="2" charset="-122"/>
+                <a:sym typeface="+mn-ea"/>
+              </a:rPr>
+              <a:t>。另外，图片以及非替换元素的基线也是为元素最底部的。</a:t>
             </a:r>
             <a:endParaRPr sz="1600">
               <a:latin typeface="宋体" panose="02010600030101010101" pitchFamily="2" charset="-122"/>
@@ -15205,7 +15446,28 @@
                 <a:cs typeface="宋体" panose="02010600030101010101" pitchFamily="2" charset="-122"/>
                 <a:sym typeface="+mn-ea"/>
               </a:rPr>
-              <a:t>比如为块状行内元素引入样式 1 vertical-align: top; 后，便可以了</a:t>
+              <a:t>比如为块状行内元素引入样式 </a:t>
+            </a:r>
+            <a:r>
+              <a:rPr sz="1600" b="1">
+                <a:solidFill>
+                  <a:srgbClr val="FF0000"/>
+                </a:solidFill>
+                <a:latin typeface="宋体" panose="02010600030101010101" pitchFamily="2" charset="-122"/>
+                <a:ea typeface="宋体" panose="02010600030101010101" pitchFamily="2" charset="-122"/>
+                <a:cs typeface="宋体" panose="02010600030101010101" pitchFamily="2" charset="-122"/>
+                <a:sym typeface="+mn-ea"/>
+              </a:rPr>
+              <a:t>vertical-align: top</a:t>
+            </a:r>
+            <a:r>
+              <a:rPr sz="1600">
+                <a:latin typeface="宋体" panose="02010600030101010101" pitchFamily="2" charset="-122"/>
+                <a:ea typeface="宋体" panose="02010600030101010101" pitchFamily="2" charset="-122"/>
+                <a:cs typeface="宋体" panose="02010600030101010101" pitchFamily="2" charset="-122"/>
+                <a:sym typeface="+mn-ea"/>
+              </a:rPr>
+              <a:t>; 后，便可以了</a:t>
             </a:r>
             <a:endParaRPr sz="1600">
               <a:latin typeface="宋体" panose="02010600030101010101" pitchFamily="2" charset="-122"/>
@@ -15299,7 +15561,7 @@
 </p:sld>
 </file>
 
-<file path=ppt/slides/slide35.xml><?xml version="1.0" encoding="utf-8"?>
+<file path=ppt/slides/slide37.xml><?xml version="1.0" encoding="utf-8"?>
 <p:sld xmlns:a="http://schemas.openxmlformats.org/drawingml/2006/main" xmlns:r="http://schemas.openxmlformats.org/officeDocument/2006/relationships" xmlns:p="http://schemas.openxmlformats.org/presentationml/2006/main">
   <p:cSld>
     <p:bg>
@@ -15617,7 +15879,7 @@
 </p:sld>
 </file>
 
-<file path=ppt/slides/slide36.xml><?xml version="1.0" encoding="utf-8"?>
+<file path=ppt/slides/slide38.xml><?xml version="1.0" encoding="utf-8"?>
 <p:sld xmlns:a="http://schemas.openxmlformats.org/drawingml/2006/main" xmlns:r="http://schemas.openxmlformats.org/officeDocument/2006/relationships" xmlns:p="http://schemas.openxmlformats.org/presentationml/2006/main">
   <p:cSld>
     <p:bg>
@@ -16024,665 +16286,6 @@
               <a:ea typeface="宋体" panose="02010600030101010101" pitchFamily="2" charset="-122"/>
               <a:cs typeface="宋体" panose="02010600030101010101" pitchFamily="2" charset="-122"/>
               <a:sym typeface="+mn-ea"/>
-            </a:endParaRPr>
-          </a:p>
-        </p:txBody>
-      </p:sp>
-    </p:spTree>
-    <p:custDataLst>
-      <p:tags r:id="rId2"/>
-    </p:custDataLst>
-  </p:cSld>
-  <p:clrMapOvr>
-    <a:masterClrMapping/>
-  </p:clrMapOvr>
-</p:sld>
-</file>
-
-<file path=ppt/slides/slide37.xml><?xml version="1.0" encoding="utf-8"?>
-<p:sld xmlns:a="http://schemas.openxmlformats.org/drawingml/2006/main" xmlns:r="http://schemas.openxmlformats.org/officeDocument/2006/relationships" xmlns:p="http://schemas.openxmlformats.org/presentationml/2006/main">
-  <p:cSld>
-    <p:bg>
-      <p:bgPr>
-        <a:blipFill rotWithShape="1">
-          <a:blip r:embed="rId1"/>
-          <a:stretch>
-            <a:fillRect/>
-          </a:stretch>
-        </a:blipFill>
-        <a:effectLst/>
-      </p:bgPr>
-    </p:bg>
-    <p:spTree>
-      <p:nvGrpSpPr>
-        <p:cNvPr id="1" name=""/>
-        <p:cNvGrpSpPr/>
-        <p:nvPr/>
-      </p:nvGrpSpPr>
-      <p:grpSpPr/>
-      <p:sp>
-        <p:nvSpPr>
-          <p:cNvPr id="2" name="文本框 1"/>
-          <p:cNvSpPr txBox="1"/>
-          <p:nvPr/>
-        </p:nvSpPr>
-        <p:spPr>
-          <a:xfrm>
-            <a:off x="102235" y="782955"/>
-            <a:ext cx="12012930" cy="5507990"/>
-          </a:xfrm>
-          <a:prstGeom prst="rect">
-            <a:avLst/>
-          </a:prstGeom>
-          <a:noFill/>
-        </p:spPr>
-        <p:txBody>
-          <a:bodyPr wrap="square" rtlCol="0">
-            <a:spAutoFit/>
-          </a:bodyPr>
-          <a:p>
-            <a:r>
-              <a:rPr lang="zh-CN" altLang="en-US" sz="1600">
-                <a:latin typeface="宋体" panose="02010600030101010101" pitchFamily="2" charset="-122"/>
-                <a:ea typeface="宋体" panose="02010600030101010101" pitchFamily="2" charset="-122"/>
-                <a:cs typeface="宋体" panose="02010600030101010101" pitchFamily="2" charset="-122"/>
-              </a:rPr>
-              <a:t>html5新布局元素：</a:t>
-            </a:r>
-            <a:endParaRPr lang="zh-CN" altLang="en-US" sz="1600">
-              <a:latin typeface="宋体" panose="02010600030101010101" pitchFamily="2" charset="-122"/>
-              <a:ea typeface="宋体" panose="02010600030101010101" pitchFamily="2" charset="-122"/>
-              <a:cs typeface="宋体" panose="02010600030101010101" pitchFamily="2" charset="-122"/>
-            </a:endParaRPr>
-          </a:p>
-          <a:p>
-            <a:endParaRPr lang="zh-CN" altLang="en-US" sz="1600">
-              <a:latin typeface="宋体" panose="02010600030101010101" pitchFamily="2" charset="-122"/>
-              <a:ea typeface="宋体" panose="02010600030101010101" pitchFamily="2" charset="-122"/>
-              <a:cs typeface="宋体" panose="02010600030101010101" pitchFamily="2" charset="-122"/>
-            </a:endParaRPr>
-          </a:p>
-          <a:p>
-            <a:r>
-              <a:rPr lang="zh-CN" altLang="en-US" sz="1600">
-                <a:latin typeface="宋体" panose="02010600030101010101" pitchFamily="2" charset="-122"/>
-                <a:ea typeface="宋体" panose="02010600030101010101" pitchFamily="2" charset="-122"/>
-                <a:cs typeface="宋体" panose="02010600030101010101" pitchFamily="2" charset="-122"/>
-              </a:rPr>
-              <a:t>1、header 用于设置一个页面的标题部分，通常会包含标题、logo、导航</a:t>
-            </a:r>
-            <a:endParaRPr lang="zh-CN" altLang="en-US" sz="1600">
-              <a:latin typeface="宋体" panose="02010600030101010101" pitchFamily="2" charset="-122"/>
-              <a:ea typeface="宋体" panose="02010600030101010101" pitchFamily="2" charset="-122"/>
-              <a:cs typeface="宋体" panose="02010600030101010101" pitchFamily="2" charset="-122"/>
-            </a:endParaRPr>
-          </a:p>
-          <a:p>
-            <a:endParaRPr lang="zh-CN" altLang="en-US" sz="1600">
-              <a:latin typeface="宋体" panose="02010600030101010101" pitchFamily="2" charset="-122"/>
-              <a:ea typeface="宋体" panose="02010600030101010101" pitchFamily="2" charset="-122"/>
-              <a:cs typeface="宋体" panose="02010600030101010101" pitchFamily="2" charset="-122"/>
-            </a:endParaRPr>
-          </a:p>
-          <a:p>
-            <a:r>
-              <a:rPr lang="zh-CN" altLang="en-US" sz="1600">
-                <a:latin typeface="宋体" panose="02010600030101010101" pitchFamily="2" charset="-122"/>
-                <a:ea typeface="宋体" panose="02010600030101010101" pitchFamily="2" charset="-122"/>
-                <a:cs typeface="宋体" panose="02010600030101010101" pitchFamily="2" charset="-122"/>
-              </a:rPr>
-              <a:t>2</a:t>
-            </a:r>
-            <a:r>
-              <a:rPr lang="zh-CN" altLang="en-US" sz="1600">
-                <a:latin typeface="宋体" panose="02010600030101010101" pitchFamily="2" charset="-122"/>
-                <a:ea typeface="宋体" panose="02010600030101010101" pitchFamily="2" charset="-122"/>
-                <a:cs typeface="宋体" panose="02010600030101010101" pitchFamily="2" charset="-122"/>
-                <a:sym typeface="+mn-ea"/>
-              </a:rPr>
-              <a:t>、</a:t>
-            </a:r>
-            <a:r>
-              <a:rPr lang="zh-CN" altLang="en-US" sz="1600">
-                <a:latin typeface="宋体" panose="02010600030101010101" pitchFamily="2" charset="-122"/>
-                <a:ea typeface="宋体" panose="02010600030101010101" pitchFamily="2" charset="-122"/>
-                <a:cs typeface="宋体" panose="02010600030101010101" pitchFamily="2" charset="-122"/>
-              </a:rPr>
-              <a:t>footer元素通常用于设置一个页面的底部区域，会包含友情链接，版权声明，文件建立日期，联系方式</a:t>
-            </a:r>
-            <a:endParaRPr lang="zh-CN" altLang="en-US" sz="1600">
-              <a:latin typeface="宋体" panose="02010600030101010101" pitchFamily="2" charset="-122"/>
-              <a:ea typeface="宋体" panose="02010600030101010101" pitchFamily="2" charset="-122"/>
-              <a:cs typeface="宋体" panose="02010600030101010101" pitchFamily="2" charset="-122"/>
-            </a:endParaRPr>
-          </a:p>
-          <a:p>
-            <a:endParaRPr lang="zh-CN" altLang="en-US" sz="1600">
-              <a:latin typeface="宋体" panose="02010600030101010101" pitchFamily="2" charset="-122"/>
-              <a:ea typeface="宋体" panose="02010600030101010101" pitchFamily="2" charset="-122"/>
-              <a:cs typeface="宋体" panose="02010600030101010101" pitchFamily="2" charset="-122"/>
-            </a:endParaRPr>
-          </a:p>
-          <a:p>
-            <a:r>
-              <a:rPr lang="zh-CN" altLang="en-US" sz="1600">
-                <a:latin typeface="宋体" panose="02010600030101010101" pitchFamily="2" charset="-122"/>
-                <a:ea typeface="宋体" panose="02010600030101010101" pitchFamily="2" charset="-122"/>
-                <a:cs typeface="宋体" panose="02010600030101010101" pitchFamily="2" charset="-122"/>
-              </a:rPr>
-              <a:t>3</a:t>
-            </a:r>
-            <a:r>
-              <a:rPr lang="zh-CN" altLang="en-US" sz="1600">
-                <a:latin typeface="宋体" panose="02010600030101010101" pitchFamily="2" charset="-122"/>
-                <a:ea typeface="宋体" panose="02010600030101010101" pitchFamily="2" charset="-122"/>
-                <a:cs typeface="宋体" panose="02010600030101010101" pitchFamily="2" charset="-122"/>
-                <a:sym typeface="+mn-ea"/>
-              </a:rPr>
-              <a:t>、</a:t>
-            </a:r>
-            <a:r>
-              <a:rPr lang="zh-CN" altLang="en-US" sz="1600">
-                <a:latin typeface="宋体" panose="02010600030101010101" pitchFamily="2" charset="-122"/>
-                <a:ea typeface="宋体" panose="02010600030101010101" pitchFamily="2" charset="-122"/>
-                <a:cs typeface="宋体" panose="02010600030101010101" pitchFamily="2" charset="-122"/>
-              </a:rPr>
-              <a:t>article元素用于定义一个独立的内容区块，比如一篇文章、一篇博客、一个帖子、论坛的一段用户评论，一篇新闻消息等</a:t>
-            </a:r>
-            <a:endParaRPr lang="zh-CN" altLang="en-US" sz="1600">
-              <a:latin typeface="宋体" panose="02010600030101010101" pitchFamily="2" charset="-122"/>
-              <a:ea typeface="宋体" panose="02010600030101010101" pitchFamily="2" charset="-122"/>
-              <a:cs typeface="宋体" panose="02010600030101010101" pitchFamily="2" charset="-122"/>
-            </a:endParaRPr>
-          </a:p>
-          <a:p>
-            <a:endParaRPr lang="zh-CN" altLang="en-US" sz="1600">
-              <a:latin typeface="宋体" panose="02010600030101010101" pitchFamily="2" charset="-122"/>
-              <a:ea typeface="宋体" panose="02010600030101010101" pitchFamily="2" charset="-122"/>
-              <a:cs typeface="宋体" panose="02010600030101010101" pitchFamily="2" charset="-122"/>
-            </a:endParaRPr>
-          </a:p>
-          <a:p>
-            <a:r>
-              <a:rPr lang="zh-CN" altLang="en-US" sz="1600">
-                <a:latin typeface="宋体" panose="02010600030101010101" pitchFamily="2" charset="-122"/>
-                <a:ea typeface="宋体" panose="02010600030101010101" pitchFamily="2" charset="-122"/>
-                <a:cs typeface="宋体" panose="02010600030101010101" pitchFamily="2" charset="-122"/>
-              </a:rPr>
-              <a:t>article元素内可以嵌套其他元素，它可以有自己的头、尾部、主题内容。使用时要特别注意内容的独立性，一般对独立完整的内容才使用article元素，如果一段内容的话应该使用section元素</a:t>
-            </a:r>
-            <a:endParaRPr lang="zh-CN" altLang="en-US" sz="1600">
-              <a:latin typeface="宋体" panose="02010600030101010101" pitchFamily="2" charset="-122"/>
-              <a:ea typeface="宋体" panose="02010600030101010101" pitchFamily="2" charset="-122"/>
-              <a:cs typeface="宋体" panose="02010600030101010101" pitchFamily="2" charset="-122"/>
-            </a:endParaRPr>
-          </a:p>
-          <a:p>
-            <a:endParaRPr lang="zh-CN" altLang="en-US" sz="1600">
-              <a:latin typeface="宋体" panose="02010600030101010101" pitchFamily="2" charset="-122"/>
-              <a:ea typeface="宋体" panose="02010600030101010101" pitchFamily="2" charset="-122"/>
-              <a:cs typeface="宋体" panose="02010600030101010101" pitchFamily="2" charset="-122"/>
-            </a:endParaRPr>
-          </a:p>
-          <a:p>
-            <a:r>
-              <a:rPr lang="zh-CN" altLang="en-US" sz="1600">
-                <a:latin typeface="宋体" panose="02010600030101010101" pitchFamily="2" charset="-122"/>
-                <a:ea typeface="宋体" panose="02010600030101010101" pitchFamily="2" charset="-122"/>
-                <a:cs typeface="宋体" panose="02010600030101010101" pitchFamily="2" charset="-122"/>
-              </a:rPr>
-              <a:t>4</a:t>
-            </a:r>
-            <a:r>
-              <a:rPr lang="zh-CN" altLang="en-US" sz="1600">
-                <a:latin typeface="宋体" panose="02010600030101010101" pitchFamily="2" charset="-122"/>
-                <a:ea typeface="宋体" panose="02010600030101010101" pitchFamily="2" charset="-122"/>
-                <a:cs typeface="宋体" panose="02010600030101010101" pitchFamily="2" charset="-122"/>
-                <a:sym typeface="+mn-ea"/>
-              </a:rPr>
-              <a:t>、</a:t>
-            </a:r>
-            <a:r>
-              <a:rPr lang="zh-CN" altLang="en-US" sz="1600">
-                <a:latin typeface="宋体" panose="02010600030101010101" pitchFamily="2" charset="-122"/>
-                <a:ea typeface="宋体" panose="02010600030101010101" pitchFamily="2" charset="-122"/>
-                <a:cs typeface="宋体" panose="02010600030101010101" pitchFamily="2" charset="-122"/>
-              </a:rPr>
-              <a:t>section元素用来定义文章中的章节，用来定义文档中特定的区块，可视为一个区域分组元素，用来给页面上的内容分块。</a:t>
-            </a:r>
-            <a:endParaRPr lang="zh-CN" altLang="en-US" sz="1600">
-              <a:latin typeface="宋体" panose="02010600030101010101" pitchFamily="2" charset="-122"/>
-              <a:ea typeface="宋体" panose="02010600030101010101" pitchFamily="2" charset="-122"/>
-              <a:cs typeface="宋体" panose="02010600030101010101" pitchFamily="2" charset="-122"/>
-            </a:endParaRPr>
-          </a:p>
-          <a:p>
-            <a:endParaRPr lang="zh-CN" altLang="en-US" sz="1600">
-              <a:latin typeface="宋体" panose="02010600030101010101" pitchFamily="2" charset="-122"/>
-              <a:ea typeface="宋体" panose="02010600030101010101" pitchFamily="2" charset="-122"/>
-              <a:cs typeface="宋体" panose="02010600030101010101" pitchFamily="2" charset="-122"/>
-            </a:endParaRPr>
-          </a:p>
-          <a:p>
-            <a:r>
-              <a:rPr lang="zh-CN" altLang="en-US" sz="1600">
-                <a:latin typeface="宋体" panose="02010600030101010101" pitchFamily="2" charset="-122"/>
-                <a:ea typeface="宋体" panose="02010600030101010101" pitchFamily="2" charset="-122"/>
-                <a:cs typeface="宋体" panose="02010600030101010101" pitchFamily="2" charset="-122"/>
-              </a:rPr>
-              <a:t>5</a:t>
-            </a:r>
-            <a:r>
-              <a:rPr lang="zh-CN" altLang="en-US" sz="1600">
-                <a:latin typeface="宋体" panose="02010600030101010101" pitchFamily="2" charset="-122"/>
-                <a:ea typeface="宋体" panose="02010600030101010101" pitchFamily="2" charset="-122"/>
-                <a:cs typeface="宋体" panose="02010600030101010101" pitchFamily="2" charset="-122"/>
-                <a:sym typeface="+mn-ea"/>
-              </a:rPr>
-              <a:t>、</a:t>
-            </a:r>
-            <a:r>
-              <a:rPr lang="zh-CN" altLang="en-US" sz="1600">
-                <a:latin typeface="宋体" panose="02010600030101010101" pitchFamily="2" charset="-122"/>
-                <a:ea typeface="宋体" panose="02010600030101010101" pitchFamily="2" charset="-122"/>
-                <a:cs typeface="宋体" panose="02010600030101010101" pitchFamily="2" charset="-122"/>
-              </a:rPr>
-              <a:t>aside元素通常用来设置侧边栏，用于定义元素之外的内容，前提是这些内容与article元素内的内容相关，同时也可作为article内部元素使用，作为主要内容的附属信息，比如与主内容有关的参考资料，名词解释</a:t>
-            </a:r>
-            <a:endParaRPr lang="zh-CN" altLang="en-US" sz="1600">
-              <a:latin typeface="宋体" panose="02010600030101010101" pitchFamily="2" charset="-122"/>
-              <a:ea typeface="宋体" panose="02010600030101010101" pitchFamily="2" charset="-122"/>
-              <a:cs typeface="宋体" panose="02010600030101010101" pitchFamily="2" charset="-122"/>
-            </a:endParaRPr>
-          </a:p>
-          <a:p>
-            <a:endParaRPr lang="zh-CN" altLang="en-US" sz="1600">
-              <a:latin typeface="宋体" panose="02010600030101010101" pitchFamily="2" charset="-122"/>
-              <a:ea typeface="宋体" panose="02010600030101010101" pitchFamily="2" charset="-122"/>
-              <a:cs typeface="宋体" panose="02010600030101010101" pitchFamily="2" charset="-122"/>
-            </a:endParaRPr>
-          </a:p>
-          <a:p>
-            <a:r>
-              <a:rPr lang="zh-CN" altLang="en-US" sz="1600">
-                <a:latin typeface="宋体" panose="02010600030101010101" pitchFamily="2" charset="-122"/>
-                <a:ea typeface="宋体" panose="02010600030101010101" pitchFamily="2" charset="-122"/>
-                <a:cs typeface="宋体" panose="02010600030101010101" pitchFamily="2" charset="-122"/>
-              </a:rPr>
-              <a:t>6</a:t>
-            </a:r>
-            <a:r>
-              <a:rPr lang="zh-CN" altLang="en-US" sz="1600">
-                <a:latin typeface="宋体" panose="02010600030101010101" pitchFamily="2" charset="-122"/>
-                <a:ea typeface="宋体" panose="02010600030101010101" pitchFamily="2" charset="-122"/>
-                <a:cs typeface="宋体" panose="02010600030101010101" pitchFamily="2" charset="-122"/>
-                <a:sym typeface="+mn-ea"/>
-              </a:rPr>
-              <a:t>、</a:t>
-            </a:r>
-            <a:r>
-              <a:rPr lang="zh-CN" altLang="en-US" sz="1600">
-                <a:latin typeface="宋体" panose="02010600030101010101" pitchFamily="2" charset="-122"/>
-                <a:ea typeface="宋体" panose="02010600030101010101" pitchFamily="2" charset="-122"/>
-                <a:cs typeface="宋体" panose="02010600030101010101" pitchFamily="2" charset="-122"/>
-              </a:rPr>
-              <a:t>nav用来定义导航栏、目录、超链接，并非所有超链接都放在nav中，通常只把一个文档中的主导航栏放在nav中，在文章页面nav还可以用来给文字做一个目录的超链接</a:t>
-            </a:r>
-            <a:endParaRPr lang="zh-CN" altLang="en-US" sz="1600">
-              <a:latin typeface="宋体" panose="02010600030101010101" pitchFamily="2" charset="-122"/>
-              <a:ea typeface="宋体" panose="02010600030101010101" pitchFamily="2" charset="-122"/>
-              <a:cs typeface="宋体" panose="02010600030101010101" pitchFamily="2" charset="-122"/>
-            </a:endParaRPr>
-          </a:p>
-          <a:p>
-            <a:endParaRPr lang="zh-CN" altLang="en-US" sz="1600">
-              <a:latin typeface="宋体" panose="02010600030101010101" pitchFamily="2" charset="-122"/>
-              <a:ea typeface="宋体" panose="02010600030101010101" pitchFamily="2" charset="-122"/>
-              <a:cs typeface="宋体" panose="02010600030101010101" pitchFamily="2" charset="-122"/>
-            </a:endParaRPr>
-          </a:p>
-          <a:p>
-            <a:r>
-              <a:rPr lang="zh-CN" altLang="en-US" sz="1600">
-                <a:latin typeface="宋体" panose="02010600030101010101" pitchFamily="2" charset="-122"/>
-                <a:ea typeface="宋体" panose="02010600030101010101" pitchFamily="2" charset="-122"/>
-                <a:cs typeface="宋体" panose="02010600030101010101" pitchFamily="2" charset="-122"/>
-              </a:rPr>
-              <a:t>与div布局比较，使用header、footer、aside、section这些新布局元素可以简化代码，要用css样式的时候不用写多几个id来区分，而是直接用元素名称来定义样式，相比于div布局，新布局元素更有利于搜索引擎的检索，减少属性的使用，从而代码看起来就更加简洁。比如如下的div布局代码及其效果可以用新布局元素来代替。</a:t>
-            </a:r>
-            <a:endParaRPr lang="zh-CN" altLang="en-US" sz="1600">
-              <a:latin typeface="宋体" panose="02010600030101010101" pitchFamily="2" charset="-122"/>
-              <a:ea typeface="宋体" panose="02010600030101010101" pitchFamily="2" charset="-122"/>
-              <a:cs typeface="宋体" panose="02010600030101010101" pitchFamily="2" charset="-122"/>
-            </a:endParaRPr>
-          </a:p>
-        </p:txBody>
-      </p:sp>
-    </p:spTree>
-    <p:custDataLst>
-      <p:tags r:id="rId2"/>
-    </p:custDataLst>
-  </p:cSld>
-  <p:clrMapOvr>
-    <a:masterClrMapping/>
-  </p:clrMapOvr>
-</p:sld>
-</file>
-
-<file path=ppt/slides/slide38.xml><?xml version="1.0" encoding="utf-8"?>
-<p:sld xmlns:a="http://schemas.openxmlformats.org/drawingml/2006/main" xmlns:r="http://schemas.openxmlformats.org/officeDocument/2006/relationships" xmlns:p="http://schemas.openxmlformats.org/presentationml/2006/main">
-  <p:cSld>
-    <p:bg>
-      <p:bgPr>
-        <a:blipFill rotWithShape="1">
-          <a:blip r:embed="rId1"/>
-          <a:stretch>
-            <a:fillRect/>
-          </a:stretch>
-        </a:blipFill>
-        <a:effectLst/>
-      </p:bgPr>
-    </p:bg>
-    <p:spTree>
-      <p:nvGrpSpPr>
-        <p:cNvPr id="1" name=""/>
-        <p:cNvGrpSpPr/>
-        <p:nvPr/>
-      </p:nvGrpSpPr>
-      <p:grpSpPr/>
-      <p:sp>
-        <p:nvSpPr>
-          <p:cNvPr id="2" name="文本框 1"/>
-          <p:cNvSpPr txBox="1"/>
-          <p:nvPr/>
-        </p:nvSpPr>
-        <p:spPr>
-          <a:xfrm>
-            <a:off x="102235" y="837565"/>
-            <a:ext cx="12021820" cy="5754370"/>
-          </a:xfrm>
-          <a:prstGeom prst="rect">
-            <a:avLst/>
-          </a:prstGeom>
-          <a:noFill/>
-        </p:spPr>
-        <p:txBody>
-          <a:bodyPr wrap="square" rtlCol="0">
-            <a:spAutoFit/>
-          </a:bodyPr>
-          <a:p>
-            <a:r>
-              <a:rPr lang="en-US" altLang="zh-CN" sz="1600">
-                <a:latin typeface="宋体" panose="02010600030101010101" pitchFamily="2" charset="-122"/>
-                <a:ea typeface="宋体" panose="02010600030101010101" pitchFamily="2" charset="-122"/>
-                <a:cs typeface="宋体" panose="02010600030101010101" pitchFamily="2" charset="-122"/>
-              </a:rPr>
-              <a:t>rgba </a:t>
-            </a:r>
-            <a:r>
-              <a:rPr lang="zh-CN" altLang="en-US" sz="1600">
-                <a:latin typeface="宋体" panose="02010600030101010101" pitchFamily="2" charset="-122"/>
-                <a:ea typeface="宋体" panose="02010600030101010101" pitchFamily="2" charset="-122"/>
-                <a:cs typeface="宋体" panose="02010600030101010101" pitchFamily="2" charset="-122"/>
-              </a:rPr>
-              <a:t>是代表Red（红色）Green（绿色）Blue（蓝色）和 Alpha 的色彩空间</a:t>
-            </a:r>
-            <a:endParaRPr lang="zh-CN" altLang="en-US" sz="1600">
-              <a:latin typeface="宋体" panose="02010600030101010101" pitchFamily="2" charset="-122"/>
-              <a:ea typeface="宋体" panose="02010600030101010101" pitchFamily="2" charset="-122"/>
-              <a:cs typeface="宋体" panose="02010600030101010101" pitchFamily="2" charset="-122"/>
-            </a:endParaRPr>
-          </a:p>
-          <a:p>
-            <a:endParaRPr lang="zh-CN" altLang="en-US" sz="1600">
-              <a:latin typeface="宋体" panose="02010600030101010101" pitchFamily="2" charset="-122"/>
-              <a:ea typeface="宋体" panose="02010600030101010101" pitchFamily="2" charset="-122"/>
-              <a:cs typeface="宋体" panose="02010600030101010101" pitchFamily="2" charset="-122"/>
-            </a:endParaRPr>
-          </a:p>
-          <a:p>
-            <a:r>
-              <a:rPr lang="zh-CN" altLang="en-US" sz="1600">
-                <a:latin typeface="宋体" panose="02010600030101010101" pitchFamily="2" charset="-122"/>
-                <a:ea typeface="宋体" panose="02010600030101010101" pitchFamily="2" charset="-122"/>
-                <a:cs typeface="宋体" panose="02010600030101010101" pitchFamily="2" charset="-122"/>
-              </a:rPr>
-              <a:t>CSS中rgb和rgba有什么区别，两个都可以用 rgb(0,0,0,0.5)、rgba(0,0,0,0.5)</a:t>
-            </a:r>
-            <a:endParaRPr lang="zh-CN" altLang="en-US" sz="1600">
-              <a:latin typeface="宋体" panose="02010600030101010101" pitchFamily="2" charset="-122"/>
-              <a:ea typeface="宋体" panose="02010600030101010101" pitchFamily="2" charset="-122"/>
-              <a:cs typeface="宋体" panose="02010600030101010101" pitchFamily="2" charset="-122"/>
-            </a:endParaRPr>
-          </a:p>
-          <a:p>
-            <a:endParaRPr lang="zh-CN" altLang="en-US" sz="1600">
-              <a:latin typeface="宋体" panose="02010600030101010101" pitchFamily="2" charset="-122"/>
-              <a:ea typeface="宋体" panose="02010600030101010101" pitchFamily="2" charset="-122"/>
-              <a:cs typeface="宋体" panose="02010600030101010101" pitchFamily="2" charset="-122"/>
-            </a:endParaRPr>
-          </a:p>
-          <a:p>
-            <a:r>
-              <a:rPr lang="zh-CN" altLang="en-US" sz="1600">
-                <a:latin typeface="宋体" panose="02010600030101010101" pitchFamily="2" charset="-122"/>
-                <a:ea typeface="宋体" panose="02010600030101010101" pitchFamily="2" charset="-122"/>
-                <a:cs typeface="宋体" panose="02010600030101010101" pitchFamily="2" charset="-122"/>
-              </a:rPr>
-              <a:t>在css3中的bairgb和rgba是没什么区别的，都支持RGB三色以及α通道，但du在css2.1中的rgb则只接受r、zhig、b三个参数，所以为了保证兼容性dao，在需要使用透明色的时候，尽可能用rgba，不要用rgb带四个参数的方式</a:t>
-            </a:r>
-            <a:endParaRPr lang="zh-CN" altLang="en-US" sz="1600">
-              <a:latin typeface="宋体" panose="02010600030101010101" pitchFamily="2" charset="-122"/>
-              <a:ea typeface="宋体" panose="02010600030101010101" pitchFamily="2" charset="-122"/>
-              <a:cs typeface="宋体" panose="02010600030101010101" pitchFamily="2" charset="-122"/>
-            </a:endParaRPr>
-          </a:p>
-          <a:p>
-            <a:endParaRPr lang="zh-CN" altLang="en-US" sz="1600">
-              <a:latin typeface="宋体" panose="02010600030101010101" pitchFamily="2" charset="-122"/>
-              <a:ea typeface="宋体" panose="02010600030101010101" pitchFamily="2" charset="-122"/>
-              <a:cs typeface="宋体" panose="02010600030101010101" pitchFamily="2" charset="-122"/>
-            </a:endParaRPr>
-          </a:p>
-          <a:p>
-            <a:endParaRPr lang="zh-CN" altLang="en-US" sz="1600">
-              <a:latin typeface="宋体" panose="02010600030101010101" pitchFamily="2" charset="-122"/>
-              <a:ea typeface="宋体" panose="02010600030101010101" pitchFamily="2" charset="-122"/>
-              <a:cs typeface="宋体" panose="02010600030101010101" pitchFamily="2" charset="-122"/>
-            </a:endParaRPr>
-          </a:p>
-          <a:p>
-            <a:r>
-              <a:rPr lang="zh-CN" altLang="en-US" sz="1600">
-                <a:latin typeface="宋体" panose="02010600030101010101" pitchFamily="2" charset="-122"/>
-                <a:ea typeface="宋体" panose="02010600030101010101" pitchFamily="2" charset="-122"/>
-                <a:cs typeface="宋体" panose="02010600030101010101" pitchFamily="2" charset="-122"/>
-              </a:rPr>
-              <a:t>CSS Gradient（渐变</a:t>
-            </a:r>
-            <a:r>
-              <a:rPr lang="zh-CN" altLang="en-US" sz="1600">
-                <a:latin typeface="宋体" panose="02010600030101010101" pitchFamily="2" charset="-122"/>
-                <a:ea typeface="宋体" panose="02010600030101010101" pitchFamily="2" charset="-122"/>
-                <a:cs typeface="宋体" panose="02010600030101010101" pitchFamily="2" charset="-122"/>
-              </a:rPr>
-              <a:t>） 分为 linear-gradient（线性渐变）和 radial-gradient（径向渐变）</a:t>
-            </a:r>
-            <a:endParaRPr lang="zh-CN" altLang="en-US" sz="1600">
-              <a:latin typeface="宋体" panose="02010600030101010101" pitchFamily="2" charset="-122"/>
-              <a:ea typeface="宋体" panose="02010600030101010101" pitchFamily="2" charset="-122"/>
-              <a:cs typeface="宋体" panose="02010600030101010101" pitchFamily="2" charset="-122"/>
-            </a:endParaRPr>
-          </a:p>
-          <a:p>
-            <a:r>
-              <a:rPr lang="zh-CN" altLang="en-US" sz="1600">
-                <a:latin typeface="宋体" panose="02010600030101010101" pitchFamily="2" charset="-122"/>
-                <a:ea typeface="宋体" panose="02010600030101010101" pitchFamily="2" charset="-122"/>
-                <a:cs typeface="宋体" panose="02010600030101010101" pitchFamily="2" charset="-122"/>
-              </a:rPr>
-              <a:t>CSS linear-gradient() 函数：用于创建一个线性渐变的 "图像"</a:t>
-            </a:r>
-            <a:endParaRPr lang="zh-CN" altLang="en-US" sz="1600">
-              <a:latin typeface="宋体" panose="02010600030101010101" pitchFamily="2" charset="-122"/>
-              <a:ea typeface="宋体" panose="02010600030101010101" pitchFamily="2" charset="-122"/>
-              <a:cs typeface="宋体" panose="02010600030101010101" pitchFamily="2" charset="-122"/>
-            </a:endParaRPr>
-          </a:p>
-          <a:p>
-            <a:endParaRPr lang="zh-CN" altLang="en-US" sz="1600">
-              <a:latin typeface="宋体" panose="02010600030101010101" pitchFamily="2" charset="-122"/>
-              <a:ea typeface="宋体" panose="02010600030101010101" pitchFamily="2" charset="-122"/>
-              <a:cs typeface="宋体" panose="02010600030101010101" pitchFamily="2" charset="-122"/>
-            </a:endParaRPr>
-          </a:p>
-          <a:p>
-            <a:r>
-              <a:rPr lang="zh-CN" altLang="en-US" sz="1600">
-                <a:latin typeface="宋体" panose="02010600030101010101" pitchFamily="2" charset="-122"/>
-                <a:ea typeface="宋体" panose="02010600030101010101" pitchFamily="2" charset="-122"/>
-                <a:cs typeface="宋体" panose="02010600030101010101" pitchFamily="2" charset="-122"/>
-              </a:rPr>
-              <a:t>一个线性渐变可以由多种颜色组成。除了指定颜色的方向和角度之外，linear-gradient()接收一组color stop作为参数。color stop由一个颜色和一个可选的颜色位置组成：</a:t>
-            </a:r>
-            <a:endParaRPr lang="zh-CN" altLang="en-US" sz="1600">
-              <a:latin typeface="宋体" panose="02010600030101010101" pitchFamily="2" charset="-122"/>
-              <a:ea typeface="宋体" panose="02010600030101010101" pitchFamily="2" charset="-122"/>
-              <a:cs typeface="宋体" panose="02010600030101010101" pitchFamily="2" charset="-122"/>
-            </a:endParaRPr>
-          </a:p>
-          <a:p>
-            <a:endParaRPr lang="zh-CN" altLang="en-US" sz="1600">
-              <a:latin typeface="宋体" panose="02010600030101010101" pitchFamily="2" charset="-122"/>
-              <a:ea typeface="宋体" panose="02010600030101010101" pitchFamily="2" charset="-122"/>
-              <a:cs typeface="宋体" panose="02010600030101010101" pitchFamily="2" charset="-122"/>
-            </a:endParaRPr>
-          </a:p>
-          <a:p>
-            <a:r>
-              <a:rPr lang="zh-CN" altLang="en-US" sz="1600">
-                <a:latin typeface="宋体" panose="02010600030101010101" pitchFamily="2" charset="-122"/>
-                <a:ea typeface="宋体" panose="02010600030101010101" pitchFamily="2" charset="-122"/>
-                <a:cs typeface="宋体" panose="02010600030101010101" pitchFamily="2" charset="-122"/>
-              </a:rPr>
-              <a:t>linear-gradient(angle/direction, color stop, color stop, ...);</a:t>
-            </a:r>
-            <a:endParaRPr lang="zh-CN" altLang="en-US" sz="1600">
-              <a:latin typeface="宋体" panose="02010600030101010101" pitchFamily="2" charset="-122"/>
-              <a:ea typeface="宋体" panose="02010600030101010101" pitchFamily="2" charset="-122"/>
-              <a:cs typeface="宋体" panose="02010600030101010101" pitchFamily="2" charset="-122"/>
-            </a:endParaRPr>
-          </a:p>
-          <a:p>
-            <a:endParaRPr lang="zh-CN" altLang="en-US" sz="1600">
-              <a:latin typeface="宋体" panose="02010600030101010101" pitchFamily="2" charset="-122"/>
-              <a:ea typeface="宋体" panose="02010600030101010101" pitchFamily="2" charset="-122"/>
-              <a:cs typeface="宋体" panose="02010600030101010101" pitchFamily="2" charset="-122"/>
-            </a:endParaRPr>
-          </a:p>
-          <a:p>
-            <a:r>
-              <a:rPr lang="zh-CN" altLang="en-US" sz="1600">
-                <a:latin typeface="宋体" panose="02010600030101010101" pitchFamily="2" charset="-122"/>
-                <a:ea typeface="宋体" panose="02010600030101010101" pitchFamily="2" charset="-122"/>
-                <a:cs typeface="宋体" panose="02010600030101010101" pitchFamily="2" charset="-122"/>
-              </a:rPr>
-              <a:t>linear-gradient(to right, yellow, purple);</a:t>
-            </a:r>
-            <a:endParaRPr lang="zh-CN" altLang="en-US" sz="1600">
-              <a:latin typeface="宋体" panose="02010600030101010101" pitchFamily="2" charset="-122"/>
-              <a:ea typeface="宋体" panose="02010600030101010101" pitchFamily="2" charset="-122"/>
-              <a:cs typeface="宋体" panose="02010600030101010101" pitchFamily="2" charset="-122"/>
-            </a:endParaRPr>
-          </a:p>
-          <a:p>
-            <a:r>
-              <a:rPr lang="zh-CN" altLang="en-US" sz="1600">
-                <a:latin typeface="宋体" panose="02010600030101010101" pitchFamily="2" charset="-122"/>
-                <a:ea typeface="宋体" panose="02010600030101010101" pitchFamily="2" charset="-122"/>
-                <a:cs typeface="宋体" panose="02010600030101010101" pitchFamily="2" charset="-122"/>
-              </a:rPr>
-              <a:t>linear-gradient(to right, yellow, #009966, purple);</a:t>
-            </a:r>
-            <a:endParaRPr lang="zh-CN" altLang="en-US" sz="1600">
-              <a:latin typeface="宋体" panose="02010600030101010101" pitchFamily="2" charset="-122"/>
-              <a:ea typeface="宋体" panose="02010600030101010101" pitchFamily="2" charset="-122"/>
-              <a:cs typeface="宋体" panose="02010600030101010101" pitchFamily="2" charset="-122"/>
-            </a:endParaRPr>
-          </a:p>
-          <a:p>
-            <a:r>
-              <a:rPr lang="zh-CN" altLang="en-US" sz="1600">
-                <a:latin typeface="宋体" panose="02010600030101010101" pitchFamily="2" charset="-122"/>
-                <a:ea typeface="宋体" panose="02010600030101010101" pitchFamily="2" charset="-122"/>
-                <a:cs typeface="宋体" panose="02010600030101010101" pitchFamily="2" charset="-122"/>
-              </a:rPr>
-              <a:t>linear-gradient(to right, yellow, #009966 20%, purple);</a:t>
-            </a:r>
-            <a:endParaRPr lang="zh-CN" altLang="en-US" sz="1600">
-              <a:latin typeface="宋体" panose="02010600030101010101" pitchFamily="2" charset="-122"/>
-              <a:ea typeface="宋体" panose="02010600030101010101" pitchFamily="2" charset="-122"/>
-              <a:cs typeface="宋体" panose="02010600030101010101" pitchFamily="2" charset="-122"/>
-            </a:endParaRPr>
-          </a:p>
-          <a:p>
-            <a:r>
-              <a:rPr lang="zh-CN" altLang="en-US" sz="1600">
-                <a:latin typeface="宋体" panose="02010600030101010101" pitchFamily="2" charset="-122"/>
-                <a:ea typeface="宋体" panose="02010600030101010101" pitchFamily="2" charset="-122"/>
-                <a:cs typeface="宋体" panose="02010600030101010101" pitchFamily="2" charset="-122"/>
-              </a:rPr>
-              <a:t>linear-gradient(to right, yellow, yellow 20%, #009966 20%, #009966 80%, purple 80%, purple);</a:t>
-            </a:r>
-            <a:endParaRPr lang="zh-CN" altLang="en-US" sz="1600">
-              <a:latin typeface="宋体" panose="02010600030101010101" pitchFamily="2" charset="-122"/>
-              <a:ea typeface="宋体" panose="02010600030101010101" pitchFamily="2" charset="-122"/>
-              <a:cs typeface="宋体" panose="02010600030101010101" pitchFamily="2" charset="-122"/>
-            </a:endParaRPr>
-          </a:p>
-          <a:p>
-            <a:r>
-              <a:rPr lang="zh-CN" altLang="en-US" sz="1600">
-                <a:latin typeface="宋体" panose="02010600030101010101" pitchFamily="2" charset="-122"/>
-                <a:ea typeface="宋体" panose="02010600030101010101" pitchFamily="2" charset="-122"/>
-                <a:cs typeface="宋体" panose="02010600030101010101" pitchFamily="2" charset="-122"/>
-              </a:rPr>
-              <a:t>linear-gradient(to bottom right, yellow, deeppink, #006699);</a:t>
-            </a:r>
-            <a:endParaRPr lang="zh-CN" altLang="en-US" sz="1600">
-              <a:latin typeface="宋体" panose="02010600030101010101" pitchFamily="2" charset="-122"/>
-              <a:ea typeface="宋体" panose="02010600030101010101" pitchFamily="2" charset="-122"/>
-              <a:cs typeface="宋体" panose="02010600030101010101" pitchFamily="2" charset="-122"/>
-            </a:endParaRPr>
-          </a:p>
-          <a:p>
-            <a:r>
-              <a:rPr lang="zh-CN" altLang="en-US" sz="1600">
-                <a:latin typeface="宋体" panose="02010600030101010101" pitchFamily="2" charset="-122"/>
-                <a:ea typeface="宋体" panose="02010600030101010101" pitchFamily="2" charset="-122"/>
-                <a:cs typeface="宋体" panose="02010600030101010101" pitchFamily="2" charset="-122"/>
-              </a:rPr>
-              <a:t>linear-gradient(to right, yellow, #009966 20%, purple);</a:t>
-            </a:r>
-            <a:br>
-              <a:rPr lang="zh-CN" altLang="en-US" sz="1600">
-                <a:latin typeface="宋体" panose="02010600030101010101" pitchFamily="2" charset="-122"/>
-                <a:ea typeface="宋体" panose="02010600030101010101" pitchFamily="2" charset="-122"/>
-                <a:cs typeface="宋体" panose="02010600030101010101" pitchFamily="2" charset="-122"/>
-              </a:rPr>
-            </a:br>
-            <a:r>
-              <a:rPr lang="zh-CN" altLang="en-US" sz="1600">
-                <a:latin typeface="宋体" panose="02010600030101010101" pitchFamily="2" charset="-122"/>
-                <a:ea typeface="宋体" panose="02010600030101010101" pitchFamily="2" charset="-122"/>
-                <a:cs typeface="宋体" panose="02010600030101010101" pitchFamily="2" charset="-122"/>
-              </a:rPr>
-              <a:t>linear-gradient(to right, yellow, yellow 20%, #009966 20%, #009966 80%, purple 80%, purple);</a:t>
-            </a:r>
-            <a:endParaRPr lang="zh-CN" altLang="en-US" sz="1600">
-              <a:latin typeface="宋体" panose="02010600030101010101" pitchFamily="2" charset="-122"/>
-              <a:ea typeface="宋体" panose="02010600030101010101" pitchFamily="2" charset="-122"/>
-              <a:cs typeface="宋体" panose="02010600030101010101" pitchFamily="2" charset="-122"/>
             </a:endParaRPr>
           </a:p>
         </p:txBody>
@@ -16727,8 +16330,8 @@
         </p:nvSpPr>
         <p:spPr>
           <a:xfrm>
-            <a:off x="90170" y="782320"/>
-            <a:ext cx="12021820" cy="2306955"/>
+            <a:off x="102235" y="782955"/>
+            <a:ext cx="12012930" cy="5507990"/>
           </a:xfrm>
           <a:prstGeom prst="rect">
             <a:avLst/>
@@ -16741,120 +16344,275 @@
           </a:bodyPr>
           <a:p>
             <a:r>
-              <a:rPr sz="1600">
-                <a:latin typeface="宋体" panose="02010600030101010101" pitchFamily="2" charset="-122"/>
-                <a:ea typeface="宋体" panose="02010600030101010101" pitchFamily="2" charset="-122"/>
-                <a:cs typeface="宋体" panose="02010600030101010101" pitchFamily="2" charset="-122"/>
-              </a:rPr>
-              <a:t>css </a:t>
-            </a:r>
-            <a:r>
-              <a:rPr lang="en-US" sz="1600">
-                <a:latin typeface="宋体" panose="02010600030101010101" pitchFamily="2" charset="-122"/>
-                <a:ea typeface="宋体" panose="02010600030101010101" pitchFamily="2" charset="-122"/>
-                <a:cs typeface="宋体" panose="02010600030101010101" pitchFamily="2" charset="-122"/>
-              </a:rPr>
-              <a:t>!</a:t>
-            </a:r>
-            <a:r>
-              <a:rPr sz="1600">
-                <a:latin typeface="宋体" panose="02010600030101010101" pitchFamily="2" charset="-122"/>
-                <a:ea typeface="宋体" panose="02010600030101010101" pitchFamily="2" charset="-122"/>
-                <a:cs typeface="宋体" panose="02010600030101010101" pitchFamily="2" charset="-122"/>
-              </a:rPr>
-              <a:t>important </a:t>
-            </a:r>
-            <a:r>
-              <a:rPr lang="en-US" sz="1600">
-                <a:latin typeface="宋体" panose="02010600030101010101" pitchFamily="2" charset="-122"/>
-                <a:ea typeface="宋体" panose="02010600030101010101" pitchFamily="2" charset="-122"/>
-                <a:cs typeface="宋体" panose="02010600030101010101" pitchFamily="2" charset="-122"/>
-              </a:rPr>
-              <a:t>(</a:t>
-            </a:r>
-            <a:r>
-              <a:rPr lang="zh-CN" altLang="en-US" sz="1600">
-                <a:latin typeface="宋体" panose="02010600030101010101" pitchFamily="2" charset="-122"/>
-                <a:ea typeface="宋体" panose="02010600030101010101" pitchFamily="2" charset="-122"/>
-                <a:cs typeface="宋体" panose="02010600030101010101" pitchFamily="2" charset="-122"/>
-              </a:rPr>
-              <a:t>仅适用于样式冲突，不建议过多使用</a:t>
-            </a:r>
-            <a:r>
-              <a:rPr lang="en-US" sz="1600">
-                <a:latin typeface="宋体" panose="02010600030101010101" pitchFamily="2" charset="-122"/>
-                <a:ea typeface="宋体" panose="02010600030101010101" pitchFamily="2" charset="-122"/>
-                <a:cs typeface="宋体" panose="02010600030101010101" pitchFamily="2" charset="-122"/>
-              </a:rPr>
-              <a:t>)</a:t>
-            </a:r>
-            <a:endParaRPr sz="1600">
-              <a:latin typeface="宋体" panose="02010600030101010101" pitchFamily="2" charset="-122"/>
-              <a:ea typeface="宋体" panose="02010600030101010101" pitchFamily="2" charset="-122"/>
-              <a:cs typeface="宋体" panose="02010600030101010101" pitchFamily="2" charset="-122"/>
-            </a:endParaRPr>
-          </a:p>
-          <a:p>
-            <a:endParaRPr sz="1600">
-              <a:latin typeface="宋体" panose="02010600030101010101" pitchFamily="2" charset="-122"/>
-              <a:ea typeface="宋体" panose="02010600030101010101" pitchFamily="2" charset="-122"/>
-              <a:cs typeface="宋体" panose="02010600030101010101" pitchFamily="2" charset="-122"/>
-            </a:endParaRPr>
-          </a:p>
-          <a:p>
-            <a:r>
-              <a:rPr sz="1600">
-                <a:latin typeface="宋体" panose="02010600030101010101" pitchFamily="2" charset="-122"/>
-                <a:ea typeface="宋体" panose="02010600030101010101" pitchFamily="2" charset="-122"/>
-                <a:cs typeface="宋体" panose="02010600030101010101" pitchFamily="2" charset="-122"/>
-              </a:rPr>
-              <a:t>css !important作用是提高指定CSS样式规则的应用优先权。</a:t>
-            </a:r>
-            <a:endParaRPr sz="1600">
-              <a:latin typeface="宋体" panose="02010600030101010101" pitchFamily="2" charset="-122"/>
-              <a:ea typeface="宋体" panose="02010600030101010101" pitchFamily="2" charset="-122"/>
-              <a:cs typeface="宋体" panose="02010600030101010101" pitchFamily="2" charset="-122"/>
-            </a:endParaRPr>
-          </a:p>
-          <a:p>
-            <a:endParaRPr sz="1600">
-              <a:latin typeface="宋体" panose="02010600030101010101" pitchFamily="2" charset="-122"/>
-              <a:ea typeface="宋体" panose="02010600030101010101" pitchFamily="2" charset="-122"/>
-              <a:cs typeface="宋体" panose="02010600030101010101" pitchFamily="2" charset="-122"/>
-            </a:endParaRPr>
-          </a:p>
-          <a:p>
-            <a:r>
-              <a:rPr sz="1600">
-                <a:latin typeface="宋体" panose="02010600030101010101" pitchFamily="2" charset="-122"/>
-                <a:ea typeface="宋体" panose="02010600030101010101" pitchFamily="2" charset="-122"/>
-                <a:cs typeface="宋体" panose="02010600030101010101" pitchFamily="2" charset="-122"/>
-              </a:rPr>
-              <a:t>!important是CSS1就定义的语法，作用是提高指定样式规则的应用优先权。语法格式{ cssRule !important }，即写在定义的最后面，例如：box{color:red !important;}</a:t>
-            </a:r>
-            <a:endParaRPr sz="1600">
-              <a:latin typeface="宋体" panose="02010600030101010101" pitchFamily="2" charset="-122"/>
-              <a:ea typeface="宋体" panose="02010600030101010101" pitchFamily="2" charset="-122"/>
-              <a:cs typeface="宋体" panose="02010600030101010101" pitchFamily="2" charset="-122"/>
-            </a:endParaRPr>
-          </a:p>
-          <a:p>
-            <a:endParaRPr sz="1600">
-              <a:latin typeface="宋体" panose="02010600030101010101" pitchFamily="2" charset="-122"/>
-              <a:ea typeface="宋体" panose="02010600030101010101" pitchFamily="2" charset="-122"/>
-              <a:cs typeface="宋体" panose="02010600030101010101" pitchFamily="2" charset="-122"/>
-            </a:endParaRPr>
-          </a:p>
-          <a:p>
-            <a:r>
-              <a:rPr sz="1600">
-                <a:latin typeface="宋体" panose="02010600030101010101" pitchFamily="2" charset="-122"/>
-                <a:ea typeface="宋体" panose="02010600030101010101" pitchFamily="2" charset="-122"/>
-                <a:cs typeface="宋体" panose="02010600030101010101" pitchFamily="2" charset="-122"/>
-              </a:rPr>
-              <a:t>在CSS中，通过对某一样式声明! important ，可以更改默认的CSS样式优先级规则，使该条样式属性声明具有最高优先级，也就是相当于写在最下面。</a:t>
-            </a:r>
-            <a:endParaRPr sz="1600">
+              <a:rPr lang="zh-CN" altLang="en-US" sz="1600">
+                <a:latin typeface="宋体" panose="02010600030101010101" pitchFamily="2" charset="-122"/>
+                <a:ea typeface="宋体" panose="02010600030101010101" pitchFamily="2" charset="-122"/>
+                <a:cs typeface="宋体" panose="02010600030101010101" pitchFamily="2" charset="-122"/>
+              </a:rPr>
+              <a:t>html5新布局元素：</a:t>
+            </a:r>
+            <a:endParaRPr lang="zh-CN" altLang="en-US" sz="1600">
+              <a:latin typeface="宋体" panose="02010600030101010101" pitchFamily="2" charset="-122"/>
+              <a:ea typeface="宋体" panose="02010600030101010101" pitchFamily="2" charset="-122"/>
+              <a:cs typeface="宋体" panose="02010600030101010101" pitchFamily="2" charset="-122"/>
+            </a:endParaRPr>
+          </a:p>
+          <a:p>
+            <a:endParaRPr lang="zh-CN" altLang="en-US" sz="1600">
+              <a:latin typeface="宋体" panose="02010600030101010101" pitchFamily="2" charset="-122"/>
+              <a:ea typeface="宋体" panose="02010600030101010101" pitchFamily="2" charset="-122"/>
+              <a:cs typeface="宋体" panose="02010600030101010101" pitchFamily="2" charset="-122"/>
+            </a:endParaRPr>
+          </a:p>
+          <a:p>
+            <a:r>
+              <a:rPr lang="zh-CN" altLang="en-US" sz="1600">
+                <a:latin typeface="宋体" panose="02010600030101010101" pitchFamily="2" charset="-122"/>
+                <a:ea typeface="宋体" panose="02010600030101010101" pitchFamily="2" charset="-122"/>
+                <a:cs typeface="宋体" panose="02010600030101010101" pitchFamily="2" charset="-122"/>
+              </a:rPr>
+              <a:t>1、header 用于设置一个页面的标题部分，通常会包含标题、logo、导航</a:t>
+            </a:r>
+            <a:endParaRPr lang="zh-CN" altLang="en-US" sz="1600">
+              <a:latin typeface="宋体" panose="02010600030101010101" pitchFamily="2" charset="-122"/>
+              <a:ea typeface="宋体" panose="02010600030101010101" pitchFamily="2" charset="-122"/>
+              <a:cs typeface="宋体" panose="02010600030101010101" pitchFamily="2" charset="-122"/>
+            </a:endParaRPr>
+          </a:p>
+          <a:p>
+            <a:endParaRPr lang="zh-CN" altLang="en-US" sz="1600">
+              <a:latin typeface="宋体" panose="02010600030101010101" pitchFamily="2" charset="-122"/>
+              <a:ea typeface="宋体" panose="02010600030101010101" pitchFamily="2" charset="-122"/>
+              <a:cs typeface="宋体" panose="02010600030101010101" pitchFamily="2" charset="-122"/>
+            </a:endParaRPr>
+          </a:p>
+          <a:p>
+            <a:r>
+              <a:rPr lang="zh-CN" altLang="en-US" sz="1600">
+                <a:latin typeface="宋体" panose="02010600030101010101" pitchFamily="2" charset="-122"/>
+                <a:ea typeface="宋体" panose="02010600030101010101" pitchFamily="2" charset="-122"/>
+                <a:cs typeface="宋体" panose="02010600030101010101" pitchFamily="2" charset="-122"/>
+              </a:rPr>
+              <a:t>2</a:t>
+            </a:r>
+            <a:r>
+              <a:rPr lang="zh-CN" altLang="en-US" sz="1600">
+                <a:latin typeface="宋体" panose="02010600030101010101" pitchFamily="2" charset="-122"/>
+                <a:ea typeface="宋体" panose="02010600030101010101" pitchFamily="2" charset="-122"/>
+                <a:cs typeface="宋体" panose="02010600030101010101" pitchFamily="2" charset="-122"/>
+                <a:sym typeface="+mn-ea"/>
+              </a:rPr>
+              <a:t>、</a:t>
+            </a:r>
+            <a:r>
+              <a:rPr lang="zh-CN" altLang="en-US" sz="1600">
+                <a:latin typeface="宋体" panose="02010600030101010101" pitchFamily="2" charset="-122"/>
+                <a:ea typeface="宋体" panose="02010600030101010101" pitchFamily="2" charset="-122"/>
+                <a:cs typeface="宋体" panose="02010600030101010101" pitchFamily="2" charset="-122"/>
+              </a:rPr>
+              <a:t>footer元素通常用于设置一个页面的底部区域，会包含友情链接，版权声明，文件建立日期，联系方式</a:t>
+            </a:r>
+            <a:endParaRPr lang="zh-CN" altLang="en-US" sz="1600">
+              <a:latin typeface="宋体" panose="02010600030101010101" pitchFamily="2" charset="-122"/>
+              <a:ea typeface="宋体" panose="02010600030101010101" pitchFamily="2" charset="-122"/>
+              <a:cs typeface="宋体" panose="02010600030101010101" pitchFamily="2" charset="-122"/>
+            </a:endParaRPr>
+          </a:p>
+          <a:p>
+            <a:endParaRPr lang="zh-CN" altLang="en-US" sz="1600">
+              <a:latin typeface="宋体" panose="02010600030101010101" pitchFamily="2" charset="-122"/>
+              <a:ea typeface="宋体" panose="02010600030101010101" pitchFamily="2" charset="-122"/>
+              <a:cs typeface="宋体" panose="02010600030101010101" pitchFamily="2" charset="-122"/>
+            </a:endParaRPr>
+          </a:p>
+          <a:p>
+            <a:r>
+              <a:rPr lang="zh-CN" altLang="en-US" sz="1600">
+                <a:latin typeface="宋体" panose="02010600030101010101" pitchFamily="2" charset="-122"/>
+                <a:ea typeface="宋体" panose="02010600030101010101" pitchFamily="2" charset="-122"/>
+                <a:cs typeface="宋体" panose="02010600030101010101" pitchFamily="2" charset="-122"/>
+              </a:rPr>
+              <a:t>3</a:t>
+            </a:r>
+            <a:r>
+              <a:rPr lang="zh-CN" altLang="en-US" sz="1600">
+                <a:latin typeface="宋体" panose="02010600030101010101" pitchFamily="2" charset="-122"/>
+                <a:ea typeface="宋体" panose="02010600030101010101" pitchFamily="2" charset="-122"/>
+                <a:cs typeface="宋体" panose="02010600030101010101" pitchFamily="2" charset="-122"/>
+                <a:sym typeface="+mn-ea"/>
+              </a:rPr>
+              <a:t>、</a:t>
+            </a:r>
+            <a:r>
+              <a:rPr lang="zh-CN" altLang="en-US" sz="1600">
+                <a:latin typeface="宋体" panose="02010600030101010101" pitchFamily="2" charset="-122"/>
+                <a:ea typeface="宋体" panose="02010600030101010101" pitchFamily="2" charset="-122"/>
+                <a:cs typeface="宋体" panose="02010600030101010101" pitchFamily="2" charset="-122"/>
+              </a:rPr>
+              <a:t>article元素用于定义一个独立的内容区块，比如一篇文章、一篇博客、一个帖子、论坛的一段用户评论，一篇新闻消息等</a:t>
+            </a:r>
+            <a:endParaRPr lang="zh-CN" altLang="en-US" sz="1600">
+              <a:latin typeface="宋体" panose="02010600030101010101" pitchFamily="2" charset="-122"/>
+              <a:ea typeface="宋体" panose="02010600030101010101" pitchFamily="2" charset="-122"/>
+              <a:cs typeface="宋体" panose="02010600030101010101" pitchFamily="2" charset="-122"/>
+            </a:endParaRPr>
+          </a:p>
+          <a:p>
+            <a:endParaRPr lang="zh-CN" altLang="en-US" sz="1600">
+              <a:latin typeface="宋体" panose="02010600030101010101" pitchFamily="2" charset="-122"/>
+              <a:ea typeface="宋体" panose="02010600030101010101" pitchFamily="2" charset="-122"/>
+              <a:cs typeface="宋体" panose="02010600030101010101" pitchFamily="2" charset="-122"/>
+            </a:endParaRPr>
+          </a:p>
+          <a:p>
+            <a:r>
+              <a:rPr lang="zh-CN" altLang="en-US" sz="1600">
+                <a:latin typeface="宋体" panose="02010600030101010101" pitchFamily="2" charset="-122"/>
+                <a:ea typeface="宋体" panose="02010600030101010101" pitchFamily="2" charset="-122"/>
+                <a:cs typeface="宋体" panose="02010600030101010101" pitchFamily="2" charset="-122"/>
+              </a:rPr>
+              <a:t>article元素内可以嵌套其他元素，它可以有自己的头、尾部、主题内容。使用时要特别注意内容的独立性，一般对独立完整的内容才使用article元素，如果一段内容的话应该使用section元素</a:t>
+            </a:r>
+            <a:endParaRPr lang="zh-CN" altLang="en-US" sz="1600">
+              <a:latin typeface="宋体" panose="02010600030101010101" pitchFamily="2" charset="-122"/>
+              <a:ea typeface="宋体" panose="02010600030101010101" pitchFamily="2" charset="-122"/>
+              <a:cs typeface="宋体" panose="02010600030101010101" pitchFamily="2" charset="-122"/>
+            </a:endParaRPr>
+          </a:p>
+          <a:p>
+            <a:endParaRPr lang="zh-CN" altLang="en-US" sz="1600">
+              <a:latin typeface="宋体" panose="02010600030101010101" pitchFamily="2" charset="-122"/>
+              <a:ea typeface="宋体" panose="02010600030101010101" pitchFamily="2" charset="-122"/>
+              <a:cs typeface="宋体" panose="02010600030101010101" pitchFamily="2" charset="-122"/>
+            </a:endParaRPr>
+          </a:p>
+          <a:p>
+            <a:r>
+              <a:rPr lang="zh-CN" altLang="en-US" sz="1600">
+                <a:latin typeface="宋体" panose="02010600030101010101" pitchFamily="2" charset="-122"/>
+                <a:ea typeface="宋体" panose="02010600030101010101" pitchFamily="2" charset="-122"/>
+                <a:cs typeface="宋体" panose="02010600030101010101" pitchFamily="2" charset="-122"/>
+              </a:rPr>
+              <a:t>4</a:t>
+            </a:r>
+            <a:r>
+              <a:rPr lang="zh-CN" altLang="en-US" sz="1600">
+                <a:latin typeface="宋体" panose="02010600030101010101" pitchFamily="2" charset="-122"/>
+                <a:ea typeface="宋体" panose="02010600030101010101" pitchFamily="2" charset="-122"/>
+                <a:cs typeface="宋体" panose="02010600030101010101" pitchFamily="2" charset="-122"/>
+                <a:sym typeface="+mn-ea"/>
+              </a:rPr>
+              <a:t>、</a:t>
+            </a:r>
+            <a:r>
+              <a:rPr lang="zh-CN" altLang="en-US" sz="1600">
+                <a:latin typeface="宋体" panose="02010600030101010101" pitchFamily="2" charset="-122"/>
+                <a:ea typeface="宋体" panose="02010600030101010101" pitchFamily="2" charset="-122"/>
+                <a:cs typeface="宋体" panose="02010600030101010101" pitchFamily="2" charset="-122"/>
+              </a:rPr>
+              <a:t>section元素用来定义文章中的章节，用来定义文档中特定的区块，可视为一个区域分组元素，用来给页面上的内容分块。</a:t>
+            </a:r>
+            <a:endParaRPr lang="zh-CN" altLang="en-US" sz="1600">
+              <a:latin typeface="宋体" panose="02010600030101010101" pitchFamily="2" charset="-122"/>
+              <a:ea typeface="宋体" panose="02010600030101010101" pitchFamily="2" charset="-122"/>
+              <a:cs typeface="宋体" panose="02010600030101010101" pitchFamily="2" charset="-122"/>
+            </a:endParaRPr>
+          </a:p>
+          <a:p>
+            <a:endParaRPr lang="zh-CN" altLang="en-US" sz="1600">
+              <a:latin typeface="宋体" panose="02010600030101010101" pitchFamily="2" charset="-122"/>
+              <a:ea typeface="宋体" panose="02010600030101010101" pitchFamily="2" charset="-122"/>
+              <a:cs typeface="宋体" panose="02010600030101010101" pitchFamily="2" charset="-122"/>
+            </a:endParaRPr>
+          </a:p>
+          <a:p>
+            <a:r>
+              <a:rPr lang="zh-CN" altLang="en-US" sz="1600">
+                <a:latin typeface="宋体" panose="02010600030101010101" pitchFamily="2" charset="-122"/>
+                <a:ea typeface="宋体" panose="02010600030101010101" pitchFamily="2" charset="-122"/>
+                <a:cs typeface="宋体" panose="02010600030101010101" pitchFamily="2" charset="-122"/>
+              </a:rPr>
+              <a:t>5</a:t>
+            </a:r>
+            <a:r>
+              <a:rPr lang="zh-CN" altLang="en-US" sz="1600">
+                <a:latin typeface="宋体" panose="02010600030101010101" pitchFamily="2" charset="-122"/>
+                <a:ea typeface="宋体" panose="02010600030101010101" pitchFamily="2" charset="-122"/>
+                <a:cs typeface="宋体" panose="02010600030101010101" pitchFamily="2" charset="-122"/>
+                <a:sym typeface="+mn-ea"/>
+              </a:rPr>
+              <a:t>、</a:t>
+            </a:r>
+            <a:r>
+              <a:rPr lang="zh-CN" altLang="en-US" sz="1600">
+                <a:latin typeface="宋体" panose="02010600030101010101" pitchFamily="2" charset="-122"/>
+                <a:ea typeface="宋体" panose="02010600030101010101" pitchFamily="2" charset="-122"/>
+                <a:cs typeface="宋体" panose="02010600030101010101" pitchFamily="2" charset="-122"/>
+              </a:rPr>
+              <a:t>aside元素通常用来设置侧边栏，用于定义元素之外的内容，前提是这些内容与article元素内的内容相关，同时也可作为article内部元素使用，作为主要内容的附属信息，比如与主内容有关的参考资料，名词解释</a:t>
+            </a:r>
+            <a:endParaRPr lang="zh-CN" altLang="en-US" sz="1600">
+              <a:latin typeface="宋体" panose="02010600030101010101" pitchFamily="2" charset="-122"/>
+              <a:ea typeface="宋体" panose="02010600030101010101" pitchFamily="2" charset="-122"/>
+              <a:cs typeface="宋体" panose="02010600030101010101" pitchFamily="2" charset="-122"/>
+            </a:endParaRPr>
+          </a:p>
+          <a:p>
+            <a:endParaRPr lang="zh-CN" altLang="en-US" sz="1600">
+              <a:latin typeface="宋体" panose="02010600030101010101" pitchFamily="2" charset="-122"/>
+              <a:ea typeface="宋体" panose="02010600030101010101" pitchFamily="2" charset="-122"/>
+              <a:cs typeface="宋体" panose="02010600030101010101" pitchFamily="2" charset="-122"/>
+            </a:endParaRPr>
+          </a:p>
+          <a:p>
+            <a:r>
+              <a:rPr lang="zh-CN" altLang="en-US" sz="1600">
+                <a:latin typeface="宋体" panose="02010600030101010101" pitchFamily="2" charset="-122"/>
+                <a:ea typeface="宋体" panose="02010600030101010101" pitchFamily="2" charset="-122"/>
+                <a:cs typeface="宋体" panose="02010600030101010101" pitchFamily="2" charset="-122"/>
+              </a:rPr>
+              <a:t>6</a:t>
+            </a:r>
+            <a:r>
+              <a:rPr lang="zh-CN" altLang="en-US" sz="1600">
+                <a:latin typeface="宋体" panose="02010600030101010101" pitchFamily="2" charset="-122"/>
+                <a:ea typeface="宋体" panose="02010600030101010101" pitchFamily="2" charset="-122"/>
+                <a:cs typeface="宋体" panose="02010600030101010101" pitchFamily="2" charset="-122"/>
+                <a:sym typeface="+mn-ea"/>
+              </a:rPr>
+              <a:t>、</a:t>
+            </a:r>
+            <a:r>
+              <a:rPr lang="zh-CN" altLang="en-US" sz="1600">
+                <a:latin typeface="宋体" panose="02010600030101010101" pitchFamily="2" charset="-122"/>
+                <a:ea typeface="宋体" panose="02010600030101010101" pitchFamily="2" charset="-122"/>
+                <a:cs typeface="宋体" panose="02010600030101010101" pitchFamily="2" charset="-122"/>
+              </a:rPr>
+              <a:t>nav用来定义导航栏、目录、超链接，并非所有超链接都放在nav中，通常只把一个文档中的主导航栏放在nav中，在文章页面nav还可以用来给文字做一个目录的超链接</a:t>
+            </a:r>
+            <a:endParaRPr lang="zh-CN" altLang="en-US" sz="1600">
+              <a:latin typeface="宋体" panose="02010600030101010101" pitchFamily="2" charset="-122"/>
+              <a:ea typeface="宋体" panose="02010600030101010101" pitchFamily="2" charset="-122"/>
+              <a:cs typeface="宋体" panose="02010600030101010101" pitchFamily="2" charset="-122"/>
+            </a:endParaRPr>
+          </a:p>
+          <a:p>
+            <a:endParaRPr lang="zh-CN" altLang="en-US" sz="1600">
+              <a:latin typeface="宋体" panose="02010600030101010101" pitchFamily="2" charset="-122"/>
+              <a:ea typeface="宋体" panose="02010600030101010101" pitchFamily="2" charset="-122"/>
+              <a:cs typeface="宋体" panose="02010600030101010101" pitchFamily="2" charset="-122"/>
+            </a:endParaRPr>
+          </a:p>
+          <a:p>
+            <a:r>
+              <a:rPr lang="zh-CN" altLang="en-US" sz="1600">
+                <a:latin typeface="宋体" panose="02010600030101010101" pitchFamily="2" charset="-122"/>
+                <a:ea typeface="宋体" panose="02010600030101010101" pitchFamily="2" charset="-122"/>
+                <a:cs typeface="宋体" panose="02010600030101010101" pitchFamily="2" charset="-122"/>
+              </a:rPr>
+              <a:t>与div布局比较，使用header、footer、aside、section这些新布局元素可以简化代码，要用css样式的时候不用写多几个id来区分，而是直接用元素名称来定义样式，相比于div布局，新布局元素更有利于搜索引擎的检索，减少属性的使用，从而代码看起来就更加简洁。比如如下的div布局代码及其效果可以用新布局元素来代替。</a:t>
+            </a:r>
+            <a:endParaRPr lang="zh-CN" altLang="en-US" sz="1600">
               <a:latin typeface="宋体" panose="02010600030101010101" pitchFamily="2" charset="-122"/>
               <a:ea typeface="宋体" panose="02010600030101010101" pitchFamily="2" charset="-122"/>
               <a:cs typeface="宋体" panose="02010600030101010101" pitchFamily="2" charset="-122"/>
@@ -17828,6 +17586,95 @@
         <p:nvPr/>
       </p:nvGrpSpPr>
       <p:grpSpPr/>
+      <p:sp>
+        <p:nvSpPr>
+          <p:cNvPr id="2" name="文本框 1"/>
+          <p:cNvSpPr txBox="1"/>
+          <p:nvPr/>
+        </p:nvSpPr>
+        <p:spPr>
+          <a:xfrm>
+            <a:off x="102235" y="837565"/>
+            <a:ext cx="12021820" cy="1568450"/>
+          </a:xfrm>
+          <a:prstGeom prst="rect">
+            <a:avLst/>
+          </a:prstGeom>
+          <a:noFill/>
+        </p:spPr>
+        <p:txBody>
+          <a:bodyPr wrap="square" rtlCol="0">
+            <a:spAutoFit/>
+          </a:bodyPr>
+          <a:p>
+            <a:r>
+              <a:rPr lang="en-US" altLang="zh-CN" sz="1600">
+                <a:latin typeface="宋体" panose="02010600030101010101" pitchFamily="2" charset="-122"/>
+                <a:ea typeface="宋体" panose="02010600030101010101" pitchFamily="2" charset="-122"/>
+                <a:cs typeface="宋体" panose="02010600030101010101" pitchFamily="2" charset="-122"/>
+              </a:rPr>
+              <a:t>rgba </a:t>
+            </a:r>
+            <a:r>
+              <a:rPr lang="zh-CN" altLang="en-US" sz="1600">
+                <a:latin typeface="宋体" panose="02010600030101010101" pitchFamily="2" charset="-122"/>
+                <a:ea typeface="宋体" panose="02010600030101010101" pitchFamily="2" charset="-122"/>
+                <a:cs typeface="宋体" panose="02010600030101010101" pitchFamily="2" charset="-122"/>
+              </a:rPr>
+              <a:t>是代表Red（红色）Green（绿色）Blue（蓝色）和 Alpha 的色彩空间</a:t>
+            </a:r>
+            <a:endParaRPr lang="zh-CN" altLang="en-US" sz="1600">
+              <a:latin typeface="宋体" panose="02010600030101010101" pitchFamily="2" charset="-122"/>
+              <a:ea typeface="宋体" panose="02010600030101010101" pitchFamily="2" charset="-122"/>
+              <a:cs typeface="宋体" panose="02010600030101010101" pitchFamily="2" charset="-122"/>
+            </a:endParaRPr>
+          </a:p>
+          <a:p>
+            <a:endParaRPr lang="zh-CN" altLang="en-US" sz="1600">
+              <a:latin typeface="宋体" panose="02010600030101010101" pitchFamily="2" charset="-122"/>
+              <a:ea typeface="宋体" panose="02010600030101010101" pitchFamily="2" charset="-122"/>
+              <a:cs typeface="宋体" panose="02010600030101010101" pitchFamily="2" charset="-122"/>
+            </a:endParaRPr>
+          </a:p>
+          <a:p>
+            <a:r>
+              <a:rPr lang="zh-CN" altLang="en-US" sz="1600">
+                <a:latin typeface="宋体" panose="02010600030101010101" pitchFamily="2" charset="-122"/>
+                <a:ea typeface="宋体" panose="02010600030101010101" pitchFamily="2" charset="-122"/>
+                <a:cs typeface="宋体" panose="02010600030101010101" pitchFamily="2" charset="-122"/>
+              </a:rPr>
+              <a:t>CSS中rgb和rgba有什么区别，两个都可以用 rgb(0,0,0,0.5)、rgba(0,0,0,0.5)</a:t>
+            </a:r>
+            <a:endParaRPr lang="zh-CN" altLang="en-US" sz="1600">
+              <a:latin typeface="宋体" panose="02010600030101010101" pitchFamily="2" charset="-122"/>
+              <a:ea typeface="宋体" panose="02010600030101010101" pitchFamily="2" charset="-122"/>
+              <a:cs typeface="宋体" panose="02010600030101010101" pitchFamily="2" charset="-122"/>
+            </a:endParaRPr>
+          </a:p>
+          <a:p>
+            <a:endParaRPr lang="zh-CN" altLang="en-US" sz="1600">
+              <a:latin typeface="宋体" panose="02010600030101010101" pitchFamily="2" charset="-122"/>
+              <a:ea typeface="宋体" panose="02010600030101010101" pitchFamily="2" charset="-122"/>
+              <a:cs typeface="宋体" panose="02010600030101010101" pitchFamily="2" charset="-122"/>
+            </a:endParaRPr>
+          </a:p>
+          <a:p>
+            <a:r>
+              <a:rPr lang="zh-CN" altLang="en-US" sz="1600">
+                <a:latin typeface="宋体" panose="02010600030101010101" pitchFamily="2" charset="-122"/>
+                <a:ea typeface="宋体" panose="02010600030101010101" pitchFamily="2" charset="-122"/>
+                <a:cs typeface="宋体" panose="02010600030101010101" pitchFamily="2" charset="-122"/>
+              </a:rPr>
+              <a:t>在css3中的bairgb和rgba是没什么区别的，都支持RGB三色以及α通道，但du在css2.1中的rgb则只接受r、zhig、b三个参数，所以为了保证兼容性，在需要使用透明色的时候，尽可能用rgba，不要用rgb带四个参数的方式</a:t>
+            </a:r>
+            <a:endParaRPr lang="zh-CN" altLang="en-US" sz="1600">
+              <a:latin typeface="宋体" panose="02010600030101010101" pitchFamily="2" charset="-122"/>
+              <a:ea typeface="宋体" panose="02010600030101010101" pitchFamily="2" charset="-122"/>
+              <a:cs typeface="宋体" panose="02010600030101010101" pitchFamily="2" charset="-122"/>
+            </a:endParaRPr>
+          </a:p>
+        </p:txBody>
+      </p:sp>
     </p:spTree>
     <p:custDataLst>
       <p:tags r:id="rId2"/>
@@ -17840,6 +17687,461 @@
 </file>
 
 <file path=ppt/slides/slide41.xml><?xml version="1.0" encoding="utf-8"?>
+<p:sld xmlns:a="http://schemas.openxmlformats.org/drawingml/2006/main" xmlns:r="http://schemas.openxmlformats.org/officeDocument/2006/relationships" xmlns:p="http://schemas.openxmlformats.org/presentationml/2006/main">
+  <p:cSld>
+    <p:bg>
+      <p:bgPr>
+        <a:blipFill rotWithShape="1">
+          <a:blip r:embed="rId1"/>
+          <a:stretch>
+            <a:fillRect/>
+          </a:stretch>
+        </a:blipFill>
+        <a:effectLst/>
+      </p:bgPr>
+    </p:bg>
+    <p:spTree>
+      <p:nvGrpSpPr>
+        <p:cNvPr id="1" name=""/>
+        <p:cNvGrpSpPr/>
+        <p:nvPr/>
+      </p:nvGrpSpPr>
+      <p:grpSpPr/>
+      <p:sp>
+        <p:nvSpPr>
+          <p:cNvPr id="2" name="文本框 1"/>
+          <p:cNvSpPr txBox="1"/>
+          <p:nvPr/>
+        </p:nvSpPr>
+        <p:spPr>
+          <a:xfrm>
+            <a:off x="102235" y="837565"/>
+            <a:ext cx="12021820" cy="3784600"/>
+          </a:xfrm>
+          <a:prstGeom prst="rect">
+            <a:avLst/>
+          </a:prstGeom>
+          <a:noFill/>
+        </p:spPr>
+        <p:txBody>
+          <a:bodyPr wrap="square" rtlCol="0">
+            <a:spAutoFit/>
+          </a:bodyPr>
+          <a:p>
+            <a:r>
+              <a:rPr lang="zh-CN" altLang="en-US" sz="1600">
+                <a:latin typeface="宋体" panose="02010600030101010101" pitchFamily="2" charset="-122"/>
+                <a:ea typeface="宋体" panose="02010600030101010101" pitchFamily="2" charset="-122"/>
+                <a:cs typeface="宋体" panose="02010600030101010101" pitchFamily="2" charset="-122"/>
+              </a:rPr>
+              <a:t>CSS Gradient（渐变</a:t>
+            </a:r>
+            <a:r>
+              <a:rPr lang="zh-CN" altLang="en-US" sz="1600">
+                <a:latin typeface="宋体" panose="02010600030101010101" pitchFamily="2" charset="-122"/>
+                <a:ea typeface="宋体" panose="02010600030101010101" pitchFamily="2" charset="-122"/>
+                <a:cs typeface="宋体" panose="02010600030101010101" pitchFamily="2" charset="-122"/>
+              </a:rPr>
+              <a:t>） 分为 linear-gradient（线性渐变）和 radial-gradient（径向渐变）</a:t>
+            </a:r>
+            <a:endParaRPr lang="zh-CN" altLang="en-US" sz="1600">
+              <a:latin typeface="宋体" panose="02010600030101010101" pitchFamily="2" charset="-122"/>
+              <a:ea typeface="宋体" panose="02010600030101010101" pitchFamily="2" charset="-122"/>
+              <a:cs typeface="宋体" panose="02010600030101010101" pitchFamily="2" charset="-122"/>
+            </a:endParaRPr>
+          </a:p>
+          <a:p>
+            <a:r>
+              <a:rPr lang="zh-CN" altLang="en-US" sz="1600">
+                <a:latin typeface="宋体" panose="02010600030101010101" pitchFamily="2" charset="-122"/>
+                <a:ea typeface="宋体" panose="02010600030101010101" pitchFamily="2" charset="-122"/>
+                <a:cs typeface="宋体" panose="02010600030101010101" pitchFamily="2" charset="-122"/>
+              </a:rPr>
+              <a:t>CSS linear-gradient() 函数：用于创建一个线性渐变的 "图像"</a:t>
+            </a:r>
+            <a:endParaRPr lang="zh-CN" altLang="en-US" sz="1600">
+              <a:latin typeface="宋体" panose="02010600030101010101" pitchFamily="2" charset="-122"/>
+              <a:ea typeface="宋体" panose="02010600030101010101" pitchFamily="2" charset="-122"/>
+              <a:cs typeface="宋体" panose="02010600030101010101" pitchFamily="2" charset="-122"/>
+            </a:endParaRPr>
+          </a:p>
+          <a:p>
+            <a:endParaRPr lang="zh-CN" altLang="en-US" sz="1600">
+              <a:latin typeface="宋体" panose="02010600030101010101" pitchFamily="2" charset="-122"/>
+              <a:ea typeface="宋体" panose="02010600030101010101" pitchFamily="2" charset="-122"/>
+              <a:cs typeface="宋体" panose="02010600030101010101" pitchFamily="2" charset="-122"/>
+            </a:endParaRPr>
+          </a:p>
+          <a:p>
+            <a:r>
+              <a:rPr lang="zh-CN" altLang="en-US" sz="1600">
+                <a:latin typeface="宋体" panose="02010600030101010101" pitchFamily="2" charset="-122"/>
+                <a:ea typeface="宋体" panose="02010600030101010101" pitchFamily="2" charset="-122"/>
+                <a:cs typeface="宋体" panose="02010600030101010101" pitchFamily="2" charset="-122"/>
+              </a:rPr>
+              <a:t>一个线性渐变可以由多种颜色组成。除了指定颜色的方向和角度之外，linear-gradient()接收一组color stop作为参数。color stop由一个颜色和一个可选的颜色位置组成：</a:t>
+            </a:r>
+            <a:endParaRPr lang="zh-CN" altLang="en-US" sz="1600">
+              <a:latin typeface="宋体" panose="02010600030101010101" pitchFamily="2" charset="-122"/>
+              <a:ea typeface="宋体" panose="02010600030101010101" pitchFamily="2" charset="-122"/>
+              <a:cs typeface="宋体" panose="02010600030101010101" pitchFamily="2" charset="-122"/>
+            </a:endParaRPr>
+          </a:p>
+          <a:p>
+            <a:endParaRPr lang="zh-CN" altLang="en-US" sz="1600">
+              <a:latin typeface="宋体" panose="02010600030101010101" pitchFamily="2" charset="-122"/>
+              <a:ea typeface="宋体" panose="02010600030101010101" pitchFamily="2" charset="-122"/>
+              <a:cs typeface="宋体" panose="02010600030101010101" pitchFamily="2" charset="-122"/>
+            </a:endParaRPr>
+          </a:p>
+          <a:p>
+            <a:r>
+              <a:rPr lang="zh-CN" altLang="en-US" sz="1600">
+                <a:latin typeface="宋体" panose="02010600030101010101" pitchFamily="2" charset="-122"/>
+                <a:ea typeface="宋体" panose="02010600030101010101" pitchFamily="2" charset="-122"/>
+                <a:cs typeface="宋体" panose="02010600030101010101" pitchFamily="2" charset="-122"/>
+              </a:rPr>
+              <a:t>linear-gradient(angle/direction, color stop, color stop, ...);</a:t>
+            </a:r>
+            <a:endParaRPr lang="zh-CN" altLang="en-US" sz="1600">
+              <a:latin typeface="宋体" panose="02010600030101010101" pitchFamily="2" charset="-122"/>
+              <a:ea typeface="宋体" panose="02010600030101010101" pitchFamily="2" charset="-122"/>
+              <a:cs typeface="宋体" panose="02010600030101010101" pitchFamily="2" charset="-122"/>
+            </a:endParaRPr>
+          </a:p>
+          <a:p>
+            <a:endParaRPr lang="zh-CN" altLang="en-US" sz="1600">
+              <a:latin typeface="宋体" panose="02010600030101010101" pitchFamily="2" charset="-122"/>
+              <a:ea typeface="宋体" panose="02010600030101010101" pitchFamily="2" charset="-122"/>
+              <a:cs typeface="宋体" panose="02010600030101010101" pitchFamily="2" charset="-122"/>
+            </a:endParaRPr>
+          </a:p>
+          <a:p>
+            <a:r>
+              <a:rPr lang="zh-CN" altLang="en-US" sz="1600">
+                <a:latin typeface="宋体" panose="02010600030101010101" pitchFamily="2" charset="-122"/>
+                <a:ea typeface="宋体" panose="02010600030101010101" pitchFamily="2" charset="-122"/>
+                <a:cs typeface="宋体" panose="02010600030101010101" pitchFamily="2" charset="-122"/>
+              </a:rPr>
+              <a:t>linear-gradient(to right, yellow, purple);</a:t>
+            </a:r>
+            <a:endParaRPr lang="zh-CN" altLang="en-US" sz="1600">
+              <a:latin typeface="宋体" panose="02010600030101010101" pitchFamily="2" charset="-122"/>
+              <a:ea typeface="宋体" panose="02010600030101010101" pitchFamily="2" charset="-122"/>
+              <a:cs typeface="宋体" panose="02010600030101010101" pitchFamily="2" charset="-122"/>
+            </a:endParaRPr>
+          </a:p>
+          <a:p>
+            <a:r>
+              <a:rPr lang="zh-CN" altLang="en-US" sz="1600">
+                <a:latin typeface="宋体" panose="02010600030101010101" pitchFamily="2" charset="-122"/>
+                <a:ea typeface="宋体" panose="02010600030101010101" pitchFamily="2" charset="-122"/>
+                <a:cs typeface="宋体" panose="02010600030101010101" pitchFamily="2" charset="-122"/>
+              </a:rPr>
+              <a:t>linear-gradient(to right, yellow, #009966, purple);</a:t>
+            </a:r>
+            <a:endParaRPr lang="zh-CN" altLang="en-US" sz="1600">
+              <a:latin typeface="宋体" panose="02010600030101010101" pitchFamily="2" charset="-122"/>
+              <a:ea typeface="宋体" panose="02010600030101010101" pitchFamily="2" charset="-122"/>
+              <a:cs typeface="宋体" panose="02010600030101010101" pitchFamily="2" charset="-122"/>
+            </a:endParaRPr>
+          </a:p>
+          <a:p>
+            <a:r>
+              <a:rPr lang="zh-CN" altLang="en-US" sz="1600">
+                <a:latin typeface="宋体" panose="02010600030101010101" pitchFamily="2" charset="-122"/>
+                <a:ea typeface="宋体" panose="02010600030101010101" pitchFamily="2" charset="-122"/>
+                <a:cs typeface="宋体" panose="02010600030101010101" pitchFamily="2" charset="-122"/>
+              </a:rPr>
+              <a:t>linear-gradient(to right, yellow, #009966 20%, purple);</a:t>
+            </a:r>
+            <a:endParaRPr lang="zh-CN" altLang="en-US" sz="1600">
+              <a:latin typeface="宋体" panose="02010600030101010101" pitchFamily="2" charset="-122"/>
+              <a:ea typeface="宋体" panose="02010600030101010101" pitchFamily="2" charset="-122"/>
+              <a:cs typeface="宋体" panose="02010600030101010101" pitchFamily="2" charset="-122"/>
+            </a:endParaRPr>
+          </a:p>
+          <a:p>
+            <a:r>
+              <a:rPr lang="zh-CN" altLang="en-US" sz="1600">
+                <a:latin typeface="宋体" panose="02010600030101010101" pitchFamily="2" charset="-122"/>
+                <a:ea typeface="宋体" panose="02010600030101010101" pitchFamily="2" charset="-122"/>
+                <a:cs typeface="宋体" panose="02010600030101010101" pitchFamily="2" charset="-122"/>
+              </a:rPr>
+              <a:t>linear-gradient(to right, yellow, yellow 20%, #009966 20%, #009966 80%, purple 80%, purple);</a:t>
+            </a:r>
+            <a:endParaRPr lang="zh-CN" altLang="en-US" sz="1600">
+              <a:latin typeface="宋体" panose="02010600030101010101" pitchFamily="2" charset="-122"/>
+              <a:ea typeface="宋体" panose="02010600030101010101" pitchFamily="2" charset="-122"/>
+              <a:cs typeface="宋体" panose="02010600030101010101" pitchFamily="2" charset="-122"/>
+            </a:endParaRPr>
+          </a:p>
+          <a:p>
+            <a:r>
+              <a:rPr lang="zh-CN" altLang="en-US" sz="1600">
+                <a:latin typeface="宋体" panose="02010600030101010101" pitchFamily="2" charset="-122"/>
+                <a:ea typeface="宋体" panose="02010600030101010101" pitchFamily="2" charset="-122"/>
+                <a:cs typeface="宋体" panose="02010600030101010101" pitchFamily="2" charset="-122"/>
+              </a:rPr>
+              <a:t>linear-gradient(to bottom right, yellow, deeppink, #006699);</a:t>
+            </a:r>
+            <a:endParaRPr lang="zh-CN" altLang="en-US" sz="1600">
+              <a:latin typeface="宋体" panose="02010600030101010101" pitchFamily="2" charset="-122"/>
+              <a:ea typeface="宋体" panose="02010600030101010101" pitchFamily="2" charset="-122"/>
+              <a:cs typeface="宋体" panose="02010600030101010101" pitchFamily="2" charset="-122"/>
+            </a:endParaRPr>
+          </a:p>
+          <a:p>
+            <a:r>
+              <a:rPr lang="zh-CN" altLang="en-US" sz="1600">
+                <a:latin typeface="宋体" panose="02010600030101010101" pitchFamily="2" charset="-122"/>
+                <a:ea typeface="宋体" panose="02010600030101010101" pitchFamily="2" charset="-122"/>
+                <a:cs typeface="宋体" panose="02010600030101010101" pitchFamily="2" charset="-122"/>
+              </a:rPr>
+              <a:t>linear-gradient(to right, yellow, #009966 20%, purple);</a:t>
+            </a:r>
+            <a:br>
+              <a:rPr lang="zh-CN" altLang="en-US" sz="1600">
+                <a:latin typeface="宋体" panose="02010600030101010101" pitchFamily="2" charset="-122"/>
+                <a:ea typeface="宋体" panose="02010600030101010101" pitchFamily="2" charset="-122"/>
+                <a:cs typeface="宋体" panose="02010600030101010101" pitchFamily="2" charset="-122"/>
+              </a:rPr>
+            </a:br>
+            <a:r>
+              <a:rPr lang="zh-CN" altLang="en-US" sz="1600">
+                <a:latin typeface="宋体" panose="02010600030101010101" pitchFamily="2" charset="-122"/>
+                <a:ea typeface="宋体" panose="02010600030101010101" pitchFamily="2" charset="-122"/>
+                <a:cs typeface="宋体" panose="02010600030101010101" pitchFamily="2" charset="-122"/>
+              </a:rPr>
+              <a:t>linear-gradient(to right, yellow, yellow 20%, #009966 20%, #009966 80%, purple 80%, purple);</a:t>
+            </a:r>
+            <a:endParaRPr lang="zh-CN" altLang="en-US" sz="1600">
+              <a:latin typeface="宋体" panose="02010600030101010101" pitchFamily="2" charset="-122"/>
+              <a:ea typeface="宋体" panose="02010600030101010101" pitchFamily="2" charset="-122"/>
+              <a:cs typeface="宋体" panose="02010600030101010101" pitchFamily="2" charset="-122"/>
+            </a:endParaRPr>
+          </a:p>
+        </p:txBody>
+      </p:sp>
+    </p:spTree>
+    <p:custDataLst>
+      <p:tags r:id="rId2"/>
+    </p:custDataLst>
+  </p:cSld>
+  <p:clrMapOvr>
+    <a:masterClrMapping/>
+  </p:clrMapOvr>
+</p:sld>
+</file>
+
+<file path=ppt/slides/slide42.xml><?xml version="1.0" encoding="utf-8"?>
+<p:sld xmlns:a="http://schemas.openxmlformats.org/drawingml/2006/main" xmlns:r="http://schemas.openxmlformats.org/officeDocument/2006/relationships" xmlns:p="http://schemas.openxmlformats.org/presentationml/2006/main">
+  <p:cSld>
+    <p:bg>
+      <p:bgPr>
+        <a:blipFill rotWithShape="1">
+          <a:blip r:embed="rId1"/>
+          <a:stretch>
+            <a:fillRect/>
+          </a:stretch>
+        </a:blipFill>
+        <a:effectLst/>
+      </p:bgPr>
+    </p:bg>
+    <p:spTree>
+      <p:nvGrpSpPr>
+        <p:cNvPr id="1" name=""/>
+        <p:cNvGrpSpPr/>
+        <p:nvPr/>
+      </p:nvGrpSpPr>
+      <p:grpSpPr/>
+      <p:sp>
+        <p:nvSpPr>
+          <p:cNvPr id="2" name="文本框 1"/>
+          <p:cNvSpPr txBox="1"/>
+          <p:nvPr/>
+        </p:nvSpPr>
+        <p:spPr>
+          <a:xfrm>
+            <a:off x="90170" y="782320"/>
+            <a:ext cx="12021820" cy="2306955"/>
+          </a:xfrm>
+          <a:prstGeom prst="rect">
+            <a:avLst/>
+          </a:prstGeom>
+          <a:noFill/>
+        </p:spPr>
+        <p:txBody>
+          <a:bodyPr wrap="square" rtlCol="0">
+            <a:spAutoFit/>
+          </a:bodyPr>
+          <a:p>
+            <a:r>
+              <a:rPr sz="1600">
+                <a:latin typeface="宋体" panose="02010600030101010101" pitchFamily="2" charset="-122"/>
+                <a:ea typeface="宋体" panose="02010600030101010101" pitchFamily="2" charset="-122"/>
+                <a:cs typeface="宋体" panose="02010600030101010101" pitchFamily="2" charset="-122"/>
+              </a:rPr>
+              <a:t>css </a:t>
+            </a:r>
+            <a:r>
+              <a:rPr lang="en-US" sz="1600">
+                <a:latin typeface="宋体" panose="02010600030101010101" pitchFamily="2" charset="-122"/>
+                <a:ea typeface="宋体" panose="02010600030101010101" pitchFamily="2" charset="-122"/>
+                <a:cs typeface="宋体" panose="02010600030101010101" pitchFamily="2" charset="-122"/>
+              </a:rPr>
+              <a:t>!</a:t>
+            </a:r>
+            <a:r>
+              <a:rPr sz="1600">
+                <a:latin typeface="宋体" panose="02010600030101010101" pitchFamily="2" charset="-122"/>
+                <a:ea typeface="宋体" panose="02010600030101010101" pitchFamily="2" charset="-122"/>
+                <a:cs typeface="宋体" panose="02010600030101010101" pitchFamily="2" charset="-122"/>
+              </a:rPr>
+              <a:t>important </a:t>
+            </a:r>
+            <a:r>
+              <a:rPr lang="en-US" sz="1600">
+                <a:latin typeface="宋体" panose="02010600030101010101" pitchFamily="2" charset="-122"/>
+                <a:ea typeface="宋体" panose="02010600030101010101" pitchFamily="2" charset="-122"/>
+                <a:cs typeface="宋体" panose="02010600030101010101" pitchFamily="2" charset="-122"/>
+              </a:rPr>
+              <a:t>(</a:t>
+            </a:r>
+            <a:r>
+              <a:rPr lang="zh-CN" altLang="en-US" sz="1600">
+                <a:latin typeface="宋体" panose="02010600030101010101" pitchFamily="2" charset="-122"/>
+                <a:ea typeface="宋体" panose="02010600030101010101" pitchFamily="2" charset="-122"/>
+                <a:cs typeface="宋体" panose="02010600030101010101" pitchFamily="2" charset="-122"/>
+              </a:rPr>
+              <a:t>仅适用于样式冲突，不建议过多使用</a:t>
+            </a:r>
+            <a:r>
+              <a:rPr lang="en-US" sz="1600">
+                <a:latin typeface="宋体" panose="02010600030101010101" pitchFamily="2" charset="-122"/>
+                <a:ea typeface="宋体" panose="02010600030101010101" pitchFamily="2" charset="-122"/>
+                <a:cs typeface="宋体" panose="02010600030101010101" pitchFamily="2" charset="-122"/>
+              </a:rPr>
+              <a:t>)</a:t>
+            </a:r>
+            <a:endParaRPr sz="1600">
+              <a:latin typeface="宋体" panose="02010600030101010101" pitchFamily="2" charset="-122"/>
+              <a:ea typeface="宋体" panose="02010600030101010101" pitchFamily="2" charset="-122"/>
+              <a:cs typeface="宋体" panose="02010600030101010101" pitchFamily="2" charset="-122"/>
+            </a:endParaRPr>
+          </a:p>
+          <a:p>
+            <a:endParaRPr sz="1600">
+              <a:latin typeface="宋体" panose="02010600030101010101" pitchFamily="2" charset="-122"/>
+              <a:ea typeface="宋体" panose="02010600030101010101" pitchFamily="2" charset="-122"/>
+              <a:cs typeface="宋体" panose="02010600030101010101" pitchFamily="2" charset="-122"/>
+            </a:endParaRPr>
+          </a:p>
+          <a:p>
+            <a:r>
+              <a:rPr sz="1600">
+                <a:latin typeface="宋体" panose="02010600030101010101" pitchFamily="2" charset="-122"/>
+                <a:ea typeface="宋体" panose="02010600030101010101" pitchFamily="2" charset="-122"/>
+                <a:cs typeface="宋体" panose="02010600030101010101" pitchFamily="2" charset="-122"/>
+              </a:rPr>
+              <a:t>css !important作用是提高指定CSS样式规则的应用优先权。</a:t>
+            </a:r>
+            <a:endParaRPr sz="1600">
+              <a:latin typeface="宋体" panose="02010600030101010101" pitchFamily="2" charset="-122"/>
+              <a:ea typeface="宋体" panose="02010600030101010101" pitchFamily="2" charset="-122"/>
+              <a:cs typeface="宋体" panose="02010600030101010101" pitchFamily="2" charset="-122"/>
+            </a:endParaRPr>
+          </a:p>
+          <a:p>
+            <a:endParaRPr sz="1600">
+              <a:latin typeface="宋体" panose="02010600030101010101" pitchFamily="2" charset="-122"/>
+              <a:ea typeface="宋体" panose="02010600030101010101" pitchFamily="2" charset="-122"/>
+              <a:cs typeface="宋体" panose="02010600030101010101" pitchFamily="2" charset="-122"/>
+            </a:endParaRPr>
+          </a:p>
+          <a:p>
+            <a:r>
+              <a:rPr sz="1600">
+                <a:latin typeface="宋体" panose="02010600030101010101" pitchFamily="2" charset="-122"/>
+                <a:ea typeface="宋体" panose="02010600030101010101" pitchFamily="2" charset="-122"/>
+                <a:cs typeface="宋体" panose="02010600030101010101" pitchFamily="2" charset="-122"/>
+              </a:rPr>
+              <a:t>!important是CSS1就定义的语法，作用是提高指定样式规则的应用优先权。语法格式{ cssRule !important }，即写在定义的最后面，例如：box{color:red !important;}</a:t>
+            </a:r>
+            <a:endParaRPr sz="1600">
+              <a:latin typeface="宋体" panose="02010600030101010101" pitchFamily="2" charset="-122"/>
+              <a:ea typeface="宋体" panose="02010600030101010101" pitchFamily="2" charset="-122"/>
+              <a:cs typeface="宋体" panose="02010600030101010101" pitchFamily="2" charset="-122"/>
+            </a:endParaRPr>
+          </a:p>
+          <a:p>
+            <a:endParaRPr sz="1600">
+              <a:latin typeface="宋体" panose="02010600030101010101" pitchFamily="2" charset="-122"/>
+              <a:ea typeface="宋体" panose="02010600030101010101" pitchFamily="2" charset="-122"/>
+              <a:cs typeface="宋体" panose="02010600030101010101" pitchFamily="2" charset="-122"/>
+            </a:endParaRPr>
+          </a:p>
+          <a:p>
+            <a:r>
+              <a:rPr sz="1600">
+                <a:latin typeface="宋体" panose="02010600030101010101" pitchFamily="2" charset="-122"/>
+                <a:ea typeface="宋体" panose="02010600030101010101" pitchFamily="2" charset="-122"/>
+                <a:cs typeface="宋体" panose="02010600030101010101" pitchFamily="2" charset="-122"/>
+              </a:rPr>
+              <a:t>在CSS中，通过对某一样式声明! important ，可以更改默认的CSS样式优先级规则，使该条样式属性声明具有最高优先级，也就是相当于写在最下面。</a:t>
+            </a:r>
+            <a:endParaRPr sz="1600">
+              <a:latin typeface="宋体" panose="02010600030101010101" pitchFamily="2" charset="-122"/>
+              <a:ea typeface="宋体" panose="02010600030101010101" pitchFamily="2" charset="-122"/>
+              <a:cs typeface="宋体" panose="02010600030101010101" pitchFamily="2" charset="-122"/>
+            </a:endParaRPr>
+          </a:p>
+        </p:txBody>
+      </p:sp>
+    </p:spTree>
+    <p:custDataLst>
+      <p:tags r:id="rId2"/>
+    </p:custDataLst>
+  </p:cSld>
+  <p:clrMapOvr>
+    <a:masterClrMapping/>
+  </p:clrMapOvr>
+</p:sld>
+</file>
+
+<file path=ppt/slides/slide43.xml><?xml version="1.0" encoding="utf-8"?>
+<p:sld xmlns:a="http://schemas.openxmlformats.org/drawingml/2006/main" xmlns:r="http://schemas.openxmlformats.org/officeDocument/2006/relationships" xmlns:p="http://schemas.openxmlformats.org/presentationml/2006/main">
+  <p:cSld>
+    <p:bg>
+      <p:bgPr>
+        <a:blipFill rotWithShape="1">
+          <a:blip r:embed="rId1"/>
+          <a:stretch>
+            <a:fillRect/>
+          </a:stretch>
+        </a:blipFill>
+        <a:effectLst/>
+      </p:bgPr>
+    </p:bg>
+    <p:spTree>
+      <p:nvGrpSpPr>
+        <p:cNvPr id="1" name=""/>
+        <p:cNvGrpSpPr/>
+        <p:nvPr/>
+      </p:nvGrpSpPr>
+      <p:grpSpPr/>
+    </p:spTree>
+    <p:custDataLst>
+      <p:tags r:id="rId2"/>
+    </p:custDataLst>
+  </p:cSld>
+  <p:clrMapOvr>
+    <a:masterClrMapping/>
+  </p:clrMapOvr>
+</p:sld>
+</file>
+
+<file path=ppt/slides/slide44.xml><?xml version="1.0" encoding="utf-8"?>
 <p:sld xmlns:a="http://schemas.openxmlformats.org/drawingml/2006/main" xmlns:r="http://schemas.openxmlformats.org/officeDocument/2006/relationships" xmlns:p="http://schemas.openxmlformats.org/presentationml/2006/main">
   <p:cSld>
     <p:bg>
@@ -20499,7 +20801,10 @@
 
 <file path=ppt/tags/tag104.xml><?xml version="1.0" encoding="utf-8"?>
 <p:tagLst xmlns:p="http://schemas.openxmlformats.org/presentationml/2006/main">
-  <p:tag name="KSO_WM_UNIT_PLACING_PICTURE_USER_VIEWPORT" val="{&quot;height&quot;:5568,&quot;width&quot;:6804}"/>
+  <p:tag name="KSO_WM_BEAUTIFY_FLAG" val="#wm#"/>
+  <p:tag name="KSO_WM_TEMPLATE_CATEGORY" val="custom"/>
+  <p:tag name="KSO_WM_TEMPLATE_INDEX" val="20203858"/>
+  <p:tag name="KSO_WM_SPECIAL_SOURCE" val="bdnull"/>
 </p:tagLst>
 </file>
 
@@ -20514,10 +20819,7 @@
 
 <file path=ppt/tags/tag106.xml><?xml version="1.0" encoding="utf-8"?>
 <p:tagLst xmlns:p="http://schemas.openxmlformats.org/presentationml/2006/main">
-  <p:tag name="KSO_WM_BEAUTIFY_FLAG" val="#wm#"/>
-  <p:tag name="KSO_WM_TEMPLATE_CATEGORY" val="custom"/>
-  <p:tag name="KSO_WM_TEMPLATE_INDEX" val="20203858"/>
-  <p:tag name="KSO_WM_SPECIAL_SOURCE" val="bdnull"/>
+  <p:tag name="KSO_WM_UNIT_PLACING_PICTURE_USER_VIEWPORT" val="{&quot;height&quot;:5568,&quot;width&quot;:6804}"/>
 </p:tagLst>
 </file>
 
@@ -20590,7 +20892,10 @@
 
 <file path=ppt/tags/tag113.xml><?xml version="1.0" encoding="utf-8"?>
 <p:tagLst xmlns:p="http://schemas.openxmlformats.org/presentationml/2006/main">
-  <p:tag name="KSO_WM_UNIT_PLACING_PICTURE_USER_VIEWPORT" val="{&quot;height&quot;:3420,&quot;width&quot;:15024}"/>
+  <p:tag name="KSO_WM_BEAUTIFY_FLAG" val="#wm#"/>
+  <p:tag name="KSO_WM_TEMPLATE_CATEGORY" val="custom"/>
+  <p:tag name="KSO_WM_TEMPLATE_INDEX" val="20203858"/>
+  <p:tag name="KSO_WM_SPECIAL_SOURCE" val="bdnull"/>
 </p:tagLst>
 </file>
 
@@ -20605,10 +20910,7 @@
 
 <file path=ppt/tags/tag115.xml><?xml version="1.0" encoding="utf-8"?>
 <p:tagLst xmlns:p="http://schemas.openxmlformats.org/presentationml/2006/main">
-  <p:tag name="KSO_WM_BEAUTIFY_FLAG" val="#wm#"/>
-  <p:tag name="KSO_WM_TEMPLATE_CATEGORY" val="custom"/>
-  <p:tag name="KSO_WM_TEMPLATE_INDEX" val="20203858"/>
-  <p:tag name="KSO_WM_SPECIAL_SOURCE" val="bdnull"/>
+  <p:tag name="KSO_WM_UNIT_PLACING_PICTURE_USER_VIEWPORT" val="{&quot;height&quot;:3420,&quot;width&quot;:15024}"/>
 </p:tagLst>
 </file>
 
@@ -20662,6 +20964,33 @@
 </file>
 
 <file path=ppt/tags/tag120.xml><?xml version="1.0" encoding="utf-8"?>
+<p:tagLst xmlns:p="http://schemas.openxmlformats.org/presentationml/2006/main">
+  <p:tag name="KSO_WM_BEAUTIFY_FLAG" val="#wm#"/>
+  <p:tag name="KSO_WM_TEMPLATE_CATEGORY" val="custom"/>
+  <p:tag name="KSO_WM_TEMPLATE_INDEX" val="20203858"/>
+  <p:tag name="KSO_WM_SPECIAL_SOURCE" val="bdnull"/>
+</p:tagLst>
+</file>
+
+<file path=ppt/tags/tag121.xml><?xml version="1.0" encoding="utf-8"?>
+<p:tagLst xmlns:p="http://schemas.openxmlformats.org/presentationml/2006/main">
+  <p:tag name="KSO_WM_BEAUTIFY_FLAG" val="#wm#"/>
+  <p:tag name="KSO_WM_TEMPLATE_CATEGORY" val="custom"/>
+  <p:tag name="KSO_WM_TEMPLATE_INDEX" val="20203858"/>
+  <p:tag name="KSO_WM_SPECIAL_SOURCE" val="bdnull"/>
+</p:tagLst>
+</file>
+
+<file path=ppt/tags/tag122.xml><?xml version="1.0" encoding="utf-8"?>
+<p:tagLst xmlns:p="http://schemas.openxmlformats.org/presentationml/2006/main">
+  <p:tag name="KSO_WM_BEAUTIFY_FLAG" val="#wm#"/>
+  <p:tag name="KSO_WM_TEMPLATE_CATEGORY" val="custom"/>
+  <p:tag name="KSO_WM_TEMPLATE_INDEX" val="20203858"/>
+  <p:tag name="KSO_WM_SPECIAL_SOURCE" val="bdnull"/>
+</p:tagLst>
+</file>
+
+<file path=ppt/tags/tag123.xml><?xml version="1.0" encoding="utf-8"?>
 <p:tagLst xmlns:p="http://schemas.openxmlformats.org/presentationml/2006/main">
   <p:tag name="KSO_WM_BEAUTIFY_FLAG" val="#wm#"/>
   <p:tag name="KSO_WM_TEMPLATE_CATEGORY" val="custom"/>

--- a/前端PPT/css 简介.pptx
+++ b/前端PPT/css 简介.pptx
@@ -5,7 +5,7 @@
     <p:sldMasterId id="2147483648" r:id="rId1"/>
   </p:sldMasterIdLst>
   <p:notesMasterIdLst>
-    <p:notesMasterId r:id="rId47"/>
+    <p:notesMasterId r:id="rId50"/>
   </p:notesMasterIdLst>
   <p:sldIdLst>
     <p:sldId id="660" r:id="rId3"/>
@@ -50,8 +50,11 @@
     <p:sldId id="818" r:id="rId42"/>
     <p:sldId id="887" r:id="rId43"/>
     <p:sldId id="850" r:id="rId44"/>
-    <p:sldId id="819" r:id="rId45"/>
-    <p:sldId id="662" r:id="rId46"/>
+    <p:sldId id="892" r:id="rId45"/>
+    <p:sldId id="893" r:id="rId46"/>
+    <p:sldId id="819" r:id="rId47"/>
+    <p:sldId id="891" r:id="rId48"/>
+    <p:sldId id="662" r:id="rId49"/>
   </p:sldIdLst>
   <p:sldSz cx="12192000" cy="6858000"/>
   <p:notesSz cx="6858000" cy="9144000"/>
@@ -18130,6 +18133,403 @@
         <p:nvPr/>
       </p:nvGrpSpPr>
       <p:grpSpPr/>
+      <p:sp>
+        <p:nvSpPr>
+          <p:cNvPr id="2" name="文本框 1"/>
+          <p:cNvSpPr txBox="1"/>
+          <p:nvPr/>
+        </p:nvSpPr>
+        <p:spPr>
+          <a:xfrm>
+            <a:off x="90170" y="782320"/>
+            <a:ext cx="12021820" cy="337185"/>
+          </a:xfrm>
+          <a:prstGeom prst="rect">
+            <a:avLst/>
+          </a:prstGeom>
+          <a:noFill/>
+        </p:spPr>
+        <p:txBody>
+          <a:bodyPr wrap="square" rtlCol="0">
+            <a:spAutoFit/>
+          </a:bodyPr>
+          <a:p>
+            <a:r>
+              <a:rPr sz="1600">
+                <a:latin typeface="宋体" panose="02010600030101010101" pitchFamily="2" charset="-122"/>
+                <a:ea typeface="宋体" panose="02010600030101010101" pitchFamily="2" charset="-122"/>
+                <a:cs typeface="宋体" panose="02010600030101010101" pitchFamily="2" charset="-122"/>
+              </a:rPr>
+              <a:t>CSS 单位 绝对单位 相对单位</a:t>
+            </a:r>
+            <a:endParaRPr sz="1600">
+              <a:latin typeface="宋体" panose="02010600030101010101" pitchFamily="2" charset="-122"/>
+              <a:ea typeface="宋体" panose="02010600030101010101" pitchFamily="2" charset="-122"/>
+              <a:cs typeface="宋体" panose="02010600030101010101" pitchFamily="2" charset="-122"/>
+            </a:endParaRPr>
+          </a:p>
+        </p:txBody>
+      </p:sp>
+      <p:sp>
+        <p:nvSpPr>
+          <p:cNvPr id="4" name="文本框 3"/>
+          <p:cNvSpPr txBox="1"/>
+          <p:nvPr/>
+        </p:nvSpPr>
+        <p:spPr>
+          <a:xfrm>
+            <a:off x="85090" y="3070225"/>
+            <a:ext cx="12021820" cy="3538220"/>
+          </a:xfrm>
+          <a:prstGeom prst="rect">
+            <a:avLst/>
+          </a:prstGeom>
+          <a:noFill/>
+        </p:spPr>
+        <p:txBody>
+          <a:bodyPr wrap="square" rtlCol="0">
+            <a:spAutoFit/>
+          </a:bodyPr>
+          <a:p>
+            <a:r>
+              <a:rPr sz="1600">
+                <a:latin typeface="宋体" panose="02010600030101010101" pitchFamily="2" charset="-122"/>
+                <a:ea typeface="宋体" panose="02010600030101010101" pitchFamily="2" charset="-122"/>
+                <a:cs typeface="宋体" panose="02010600030101010101" pitchFamily="2" charset="-122"/>
+              </a:rPr>
+              <a:t>px 是 pixels（像素）的缩写，是一种绝对单位，用于屏幕显示器上，传统上一个像素对应于计算机屏幕上的一个点，而对于高清屏则对应更多。任何现代显示屏，不管是手机，平板，笔记本还是电视都是由成千上万的像素组成的，所以我们可以使用这些像素来定义长度。</a:t>
+            </a:r>
+            <a:endParaRPr sz="1600">
+              <a:latin typeface="宋体" panose="02010600030101010101" pitchFamily="2" charset="-122"/>
+              <a:ea typeface="宋体" panose="02010600030101010101" pitchFamily="2" charset="-122"/>
+              <a:cs typeface="宋体" panose="02010600030101010101" pitchFamily="2" charset="-122"/>
+            </a:endParaRPr>
+          </a:p>
+          <a:p>
+            <a:endParaRPr sz="1600">
+              <a:latin typeface="宋体" panose="02010600030101010101" pitchFamily="2" charset="-122"/>
+              <a:ea typeface="宋体" panose="02010600030101010101" pitchFamily="2" charset="-122"/>
+              <a:cs typeface="宋体" panose="02010600030101010101" pitchFamily="2" charset="-122"/>
+            </a:endParaRPr>
+          </a:p>
+          <a:p>
+            <a:r>
+              <a:rPr sz="1600">
+                <a:latin typeface="宋体" panose="02010600030101010101" pitchFamily="2" charset="-122"/>
+                <a:ea typeface="宋体" panose="02010600030101010101" pitchFamily="2" charset="-122"/>
+                <a:cs typeface="宋体" panose="02010600030101010101" pitchFamily="2" charset="-122"/>
+              </a:rPr>
+              <a:t>em 也是一种相对单位，既然是相对单位，那么肯定有一个参照值。不过其参照值并不是固定不变的，而是不同的属性有不同的参照值。对于字体大小属性（font-size）来说，em 的计算方式是相对于父元素的字体大小，1em 等于父元素设置的字体大小。如果父元素没有设置字体大小，则继续往父级元素查找，直到有设置大小的，如果都没有设置大小，则使用浏览器默认的字体大小。总之em的计算单位相对来说比较复杂，现在已经不建议使用，如果你要兼容的浏览器是现代浏览器的话，那么可以使用下面要介绍的 rem 单位。</a:t>
+            </a:r>
+            <a:endParaRPr sz="1600">
+              <a:latin typeface="宋体" panose="02010600030101010101" pitchFamily="2" charset="-122"/>
+              <a:ea typeface="宋体" panose="02010600030101010101" pitchFamily="2" charset="-122"/>
+              <a:cs typeface="宋体" panose="02010600030101010101" pitchFamily="2" charset="-122"/>
+            </a:endParaRPr>
+          </a:p>
+          <a:p>
+            <a:endParaRPr sz="1600">
+              <a:latin typeface="宋体" panose="02010600030101010101" pitchFamily="2" charset="-122"/>
+              <a:ea typeface="宋体" panose="02010600030101010101" pitchFamily="2" charset="-122"/>
+              <a:cs typeface="宋体" panose="02010600030101010101" pitchFamily="2" charset="-122"/>
+            </a:endParaRPr>
+          </a:p>
+          <a:p>
+            <a:r>
+              <a:rPr sz="1600">
+                <a:latin typeface="宋体" panose="02010600030101010101" pitchFamily="2" charset="-122"/>
+                <a:ea typeface="宋体" panose="02010600030101010101" pitchFamily="2" charset="-122"/>
+                <a:cs typeface="宋体" panose="02010600030101010101" pitchFamily="2" charset="-122"/>
+              </a:rPr>
+              <a:t>rem 和 em 一样，rem 也是一种相对单位，不过不一样的是 rem 是相对于根元素 html 的 font-size 来计算的，所以其参照物是固定的。（rem的r就是表示root，虽然rem相对em进步了很多，但是由于是新技术，不支持IE8以下（包括IE8）,不过幸喜的是移动端可以放心使用）由于 rem 是基于跟元素 html 的 font-size 来计算的，所以如果改变 html 的 font-size 值，那么所有使用的 rem 单位的大小都会随着改变，这对于移动端适应各种屏幕大小来说还是有点作用的。</a:t>
+            </a:r>
+            <a:endParaRPr sz="1600">
+              <a:latin typeface="宋体" panose="02010600030101010101" pitchFamily="2" charset="-122"/>
+              <a:ea typeface="宋体" panose="02010600030101010101" pitchFamily="2" charset="-122"/>
+              <a:cs typeface="宋体" panose="02010600030101010101" pitchFamily="2" charset="-122"/>
+            </a:endParaRPr>
+          </a:p>
+        </p:txBody>
+      </p:sp>
+      <p:pic>
+        <p:nvPicPr>
+          <p:cNvPr id="5" name="图片 4"/>
+          <p:cNvPicPr>
+            <a:picLocks noChangeAspect="1"/>
+          </p:cNvPicPr>
+          <p:nvPr/>
+        </p:nvPicPr>
+        <p:blipFill>
+          <a:blip r:embed="rId2"/>
+          <a:stretch>
+            <a:fillRect/>
+          </a:stretch>
+        </p:blipFill>
+        <p:spPr>
+          <a:xfrm>
+            <a:off x="159385" y="1270000"/>
+            <a:ext cx="3749040" cy="1257300"/>
+          </a:xfrm>
+          <a:prstGeom prst="rect">
+            <a:avLst/>
+          </a:prstGeom>
+        </p:spPr>
+      </p:pic>
+    </p:spTree>
+    <p:custDataLst>
+      <p:tags r:id="rId3"/>
+    </p:custDataLst>
+  </p:cSld>
+  <p:clrMapOvr>
+    <a:masterClrMapping/>
+  </p:clrMapOvr>
+</p:sld>
+</file>
+
+<file path=ppt/slides/slide44.xml><?xml version="1.0" encoding="utf-8"?>
+<p:sld xmlns:a="http://schemas.openxmlformats.org/drawingml/2006/main" xmlns:r="http://schemas.openxmlformats.org/officeDocument/2006/relationships" xmlns:p="http://schemas.openxmlformats.org/presentationml/2006/main">
+  <p:cSld>
+    <p:bg>
+      <p:bgPr>
+        <a:blipFill rotWithShape="1">
+          <a:blip r:embed="rId1"/>
+          <a:stretch>
+            <a:fillRect/>
+          </a:stretch>
+        </a:blipFill>
+        <a:effectLst/>
+      </p:bgPr>
+    </p:bg>
+    <p:spTree>
+      <p:nvGrpSpPr>
+        <p:cNvPr id="1" name=""/>
+        <p:cNvGrpSpPr/>
+        <p:nvPr/>
+      </p:nvGrpSpPr>
+      <p:grpSpPr/>
+      <p:sp>
+        <p:nvSpPr>
+          <p:cNvPr id="4" name="文本框 3"/>
+          <p:cNvSpPr txBox="1"/>
+          <p:nvPr/>
+        </p:nvSpPr>
+        <p:spPr>
+          <a:xfrm>
+            <a:off x="85090" y="830580"/>
+            <a:ext cx="12021820" cy="4030980"/>
+          </a:xfrm>
+          <a:prstGeom prst="rect">
+            <a:avLst/>
+          </a:prstGeom>
+          <a:noFill/>
+        </p:spPr>
+        <p:txBody>
+          <a:bodyPr wrap="square" rtlCol="0">
+            <a:spAutoFit/>
+          </a:bodyPr>
+          <a:p>
+            <a:r>
+              <a:rPr sz="1600">
+                <a:latin typeface="宋体" panose="02010600030101010101" pitchFamily="2" charset="-122"/>
+                <a:ea typeface="宋体" panose="02010600030101010101" pitchFamily="2" charset="-122"/>
+                <a:cs typeface="宋体" panose="02010600030101010101" pitchFamily="2" charset="-122"/>
+              </a:rPr>
+              <a:t>vw, vh, vmin, vmax</a:t>
+            </a:r>
+            <a:endParaRPr sz="1600">
+              <a:latin typeface="宋体" panose="02010600030101010101" pitchFamily="2" charset="-122"/>
+              <a:ea typeface="宋体" panose="02010600030101010101" pitchFamily="2" charset="-122"/>
+              <a:cs typeface="宋体" panose="02010600030101010101" pitchFamily="2" charset="-122"/>
+            </a:endParaRPr>
+          </a:p>
+          <a:p>
+            <a:r>
+              <a:rPr sz="1600">
+                <a:latin typeface="宋体" panose="02010600030101010101" pitchFamily="2" charset="-122"/>
+                <a:ea typeface="宋体" panose="02010600030101010101" pitchFamily="2" charset="-122"/>
+                <a:cs typeface="宋体" panose="02010600030101010101" pitchFamily="2" charset="-122"/>
+              </a:rPr>
+              <a:t>最后要介绍的这四个单位属于 v 系单位，它们也是相对单位，是基于视窗大小（浏览器用来显示内容的区域大小）来计算的。</a:t>
+            </a:r>
+            <a:endParaRPr sz="1600">
+              <a:latin typeface="宋体" panose="02010600030101010101" pitchFamily="2" charset="-122"/>
+              <a:ea typeface="宋体" panose="02010600030101010101" pitchFamily="2" charset="-122"/>
+              <a:cs typeface="宋体" panose="02010600030101010101" pitchFamily="2" charset="-122"/>
+            </a:endParaRPr>
+          </a:p>
+          <a:p>
+            <a:endParaRPr sz="1600">
+              <a:latin typeface="宋体" panose="02010600030101010101" pitchFamily="2" charset="-122"/>
+              <a:ea typeface="宋体" panose="02010600030101010101" pitchFamily="2" charset="-122"/>
+              <a:cs typeface="宋体" panose="02010600030101010101" pitchFamily="2" charset="-122"/>
+            </a:endParaRPr>
+          </a:p>
+          <a:p>
+            <a:r>
+              <a:rPr sz="1600">
+                <a:latin typeface="宋体" panose="02010600030101010101" pitchFamily="2" charset="-122"/>
+                <a:ea typeface="宋体" panose="02010600030101010101" pitchFamily="2" charset="-122"/>
+                <a:cs typeface="宋体" panose="02010600030101010101" pitchFamily="2" charset="-122"/>
+              </a:rPr>
+              <a:t>网页中我们很多时候都需要用到满屏，或者屏幕大小的一半等，尤其是移动端，屏幕大小各式各样，而这个时候我们现有的单位就显得有点捉襟见肘，于是就诞生了这四个单位。</a:t>
+            </a:r>
+            <a:endParaRPr sz="1600">
+              <a:latin typeface="宋体" panose="02010600030101010101" pitchFamily="2" charset="-122"/>
+              <a:ea typeface="宋体" panose="02010600030101010101" pitchFamily="2" charset="-122"/>
+              <a:cs typeface="宋体" panose="02010600030101010101" pitchFamily="2" charset="-122"/>
+            </a:endParaRPr>
+          </a:p>
+          <a:p>
+            <a:endParaRPr sz="1600">
+              <a:latin typeface="宋体" panose="02010600030101010101" pitchFamily="2" charset="-122"/>
+              <a:ea typeface="宋体" panose="02010600030101010101" pitchFamily="2" charset="-122"/>
+              <a:cs typeface="宋体" panose="02010600030101010101" pitchFamily="2" charset="-122"/>
+            </a:endParaRPr>
+          </a:p>
+          <a:p>
+            <a:r>
+              <a:rPr sz="1600">
+                <a:latin typeface="宋体" panose="02010600030101010101" pitchFamily="2" charset="-122"/>
+                <a:ea typeface="宋体" panose="02010600030101010101" pitchFamily="2" charset="-122"/>
+                <a:cs typeface="宋体" panose="02010600030101010101" pitchFamily="2" charset="-122"/>
+              </a:rPr>
+              <a:t>vw：基于视窗的宽度计算，1vw 等于视窗宽度的百分之一</a:t>
+            </a:r>
+            <a:endParaRPr sz="1600">
+              <a:latin typeface="宋体" panose="02010600030101010101" pitchFamily="2" charset="-122"/>
+              <a:ea typeface="宋体" panose="02010600030101010101" pitchFamily="2" charset="-122"/>
+              <a:cs typeface="宋体" panose="02010600030101010101" pitchFamily="2" charset="-122"/>
+            </a:endParaRPr>
+          </a:p>
+          <a:p>
+            <a:r>
+              <a:rPr sz="1600">
+                <a:latin typeface="宋体" panose="02010600030101010101" pitchFamily="2" charset="-122"/>
+                <a:ea typeface="宋体" panose="02010600030101010101" pitchFamily="2" charset="-122"/>
+                <a:cs typeface="宋体" panose="02010600030101010101" pitchFamily="2" charset="-122"/>
+              </a:rPr>
+              <a:t>vh：基于视窗的高度计算，1vh 等于视窗高度的百分之一</a:t>
+            </a:r>
+            <a:endParaRPr sz="1600">
+              <a:latin typeface="宋体" panose="02010600030101010101" pitchFamily="2" charset="-122"/>
+              <a:ea typeface="宋体" panose="02010600030101010101" pitchFamily="2" charset="-122"/>
+              <a:cs typeface="宋体" panose="02010600030101010101" pitchFamily="2" charset="-122"/>
+            </a:endParaRPr>
+          </a:p>
+          <a:p>
+            <a:r>
+              <a:rPr sz="1600">
+                <a:latin typeface="宋体" panose="02010600030101010101" pitchFamily="2" charset="-122"/>
+                <a:ea typeface="宋体" panose="02010600030101010101" pitchFamily="2" charset="-122"/>
+                <a:cs typeface="宋体" panose="02010600030101010101" pitchFamily="2" charset="-122"/>
+              </a:rPr>
+              <a:t>vmin：基于vw和vh中的最小值来计算，1vmin 等于最小值的百分之一</a:t>
+            </a:r>
+            <a:endParaRPr sz="1600">
+              <a:latin typeface="宋体" panose="02010600030101010101" pitchFamily="2" charset="-122"/>
+              <a:ea typeface="宋体" panose="02010600030101010101" pitchFamily="2" charset="-122"/>
+              <a:cs typeface="宋体" panose="02010600030101010101" pitchFamily="2" charset="-122"/>
+            </a:endParaRPr>
+          </a:p>
+          <a:p>
+            <a:r>
+              <a:rPr sz="1600">
+                <a:latin typeface="宋体" panose="02010600030101010101" pitchFamily="2" charset="-122"/>
+                <a:ea typeface="宋体" panose="02010600030101010101" pitchFamily="2" charset="-122"/>
+                <a:cs typeface="宋体" panose="02010600030101010101" pitchFamily="2" charset="-122"/>
+              </a:rPr>
+              <a:t>vmax：基于vw和vh中的最大值来计算，1vmax 等于最大值的百分之一</a:t>
+            </a:r>
+            <a:endParaRPr sz="1600">
+              <a:latin typeface="宋体" panose="02010600030101010101" pitchFamily="2" charset="-122"/>
+              <a:ea typeface="宋体" panose="02010600030101010101" pitchFamily="2" charset="-122"/>
+              <a:cs typeface="宋体" panose="02010600030101010101" pitchFamily="2" charset="-122"/>
+            </a:endParaRPr>
+          </a:p>
+          <a:p>
+            <a:endParaRPr sz="1600">
+              <a:latin typeface="宋体" panose="02010600030101010101" pitchFamily="2" charset="-122"/>
+              <a:ea typeface="宋体" panose="02010600030101010101" pitchFamily="2" charset="-122"/>
+              <a:cs typeface="宋体" panose="02010600030101010101" pitchFamily="2" charset="-122"/>
+            </a:endParaRPr>
+          </a:p>
+          <a:p>
+            <a:endParaRPr sz="1600">
+              <a:latin typeface="宋体" panose="02010600030101010101" pitchFamily="2" charset="-122"/>
+              <a:ea typeface="宋体" panose="02010600030101010101" pitchFamily="2" charset="-122"/>
+              <a:cs typeface="宋体" panose="02010600030101010101" pitchFamily="2" charset="-122"/>
+            </a:endParaRPr>
+          </a:p>
+          <a:p>
+            <a:r>
+              <a:rPr sz="1600">
+                <a:latin typeface="宋体" panose="02010600030101010101" pitchFamily="2" charset="-122"/>
+                <a:ea typeface="宋体" panose="02010600030101010101" pitchFamily="2" charset="-122"/>
+                <a:cs typeface="宋体" panose="02010600030101010101" pitchFamily="2" charset="-122"/>
+              </a:rPr>
+              <a:t>单位运算</a:t>
+            </a:r>
+            <a:endParaRPr sz="1600">
+              <a:latin typeface="宋体" panose="02010600030101010101" pitchFamily="2" charset="-122"/>
+              <a:ea typeface="宋体" panose="02010600030101010101" pitchFamily="2" charset="-122"/>
+              <a:cs typeface="宋体" panose="02010600030101010101" pitchFamily="2" charset="-122"/>
+            </a:endParaRPr>
+          </a:p>
+          <a:p>
+            <a:r>
+              <a:rPr sz="1600">
+                <a:latin typeface="宋体" panose="02010600030101010101" pitchFamily="2" charset="-122"/>
+                <a:ea typeface="宋体" panose="02010600030101010101" pitchFamily="2" charset="-122"/>
+                <a:cs typeface="宋体" panose="02010600030101010101" pitchFamily="2" charset="-122"/>
+              </a:rPr>
+              <a:t>除了设置以上的单位之外，我们还可以使用 calc 来进行单位运算，单位运算时可以使用各种单位进行加减乘除运算。</a:t>
+            </a:r>
+            <a:endParaRPr sz="1600">
+              <a:latin typeface="宋体" panose="02010600030101010101" pitchFamily="2" charset="-122"/>
+              <a:ea typeface="宋体" panose="02010600030101010101" pitchFamily="2" charset="-122"/>
+              <a:cs typeface="宋体" panose="02010600030101010101" pitchFamily="2" charset="-122"/>
+            </a:endParaRPr>
+          </a:p>
+          <a:p>
+            <a:r>
+              <a:rPr sz="1600">
+                <a:latin typeface="宋体" panose="02010600030101010101" pitchFamily="2" charset="-122"/>
+                <a:ea typeface="宋体" panose="02010600030101010101" pitchFamily="2" charset="-122"/>
+                <a:cs typeface="宋体" panose="02010600030101010101" pitchFamily="2" charset="-122"/>
+              </a:rPr>
+              <a:t>简单示例如下：</a:t>
+            </a:r>
+            <a:endParaRPr sz="1600">
+              <a:latin typeface="宋体" panose="02010600030101010101" pitchFamily="2" charset="-122"/>
+              <a:ea typeface="宋体" panose="02010600030101010101" pitchFamily="2" charset="-122"/>
+              <a:cs typeface="宋体" panose="02010600030101010101" pitchFamily="2" charset="-122"/>
+            </a:endParaRPr>
+          </a:p>
+          <a:p>
+            <a:r>
+              <a:rPr lang="en-US" sz="1600">
+                <a:latin typeface="宋体" panose="02010600030101010101" pitchFamily="2" charset="-122"/>
+                <a:ea typeface="宋体" panose="02010600030101010101" pitchFamily="2" charset="-122"/>
+                <a:cs typeface="宋体" panose="02010600030101010101" pitchFamily="2" charset="-122"/>
+              </a:rPr>
+              <a:t>	</a:t>
+            </a:r>
+            <a:r>
+              <a:rPr sz="1600">
+                <a:latin typeface="宋体" panose="02010600030101010101" pitchFamily="2" charset="-122"/>
+                <a:ea typeface="宋体" panose="02010600030101010101" pitchFamily="2" charset="-122"/>
+                <a:cs typeface="宋体" panose="02010600030101010101" pitchFamily="2" charset="-122"/>
+              </a:rPr>
+              <a:t>width: calc(100% / 3);  /* 三分之一的父容器宽度 */</a:t>
+            </a:r>
+            <a:endParaRPr sz="1600">
+              <a:latin typeface="宋体" panose="02010600030101010101" pitchFamily="2" charset="-122"/>
+              <a:ea typeface="宋体" panose="02010600030101010101" pitchFamily="2" charset="-122"/>
+              <a:cs typeface="宋体" panose="02010600030101010101" pitchFamily="2" charset="-122"/>
+            </a:endParaRPr>
+          </a:p>
+        </p:txBody>
+      </p:sp>
     </p:spTree>
     <p:custDataLst>
       <p:tags r:id="rId2"/>
@@ -18141,7 +18541,71 @@
 </p:sld>
 </file>
 
-<file path=ppt/slides/slide44.xml><?xml version="1.0" encoding="utf-8"?>
+<file path=ppt/slides/slide45.xml><?xml version="1.0" encoding="utf-8"?>
+<p:sld xmlns:a="http://schemas.openxmlformats.org/drawingml/2006/main" xmlns:r="http://schemas.openxmlformats.org/officeDocument/2006/relationships" xmlns:p="http://schemas.openxmlformats.org/presentationml/2006/main">
+  <p:cSld>
+    <p:bg>
+      <p:bgPr>
+        <a:blipFill rotWithShape="1">
+          <a:blip r:embed="rId1"/>
+          <a:stretch>
+            <a:fillRect/>
+          </a:stretch>
+        </a:blipFill>
+        <a:effectLst/>
+      </p:bgPr>
+    </p:bg>
+    <p:spTree>
+      <p:nvGrpSpPr>
+        <p:cNvPr id="1" name=""/>
+        <p:cNvGrpSpPr/>
+        <p:nvPr/>
+      </p:nvGrpSpPr>
+      <p:grpSpPr/>
+    </p:spTree>
+    <p:custDataLst>
+      <p:tags r:id="rId2"/>
+    </p:custDataLst>
+  </p:cSld>
+  <p:clrMapOvr>
+    <a:masterClrMapping/>
+  </p:clrMapOvr>
+</p:sld>
+</file>
+
+<file path=ppt/slides/slide46.xml><?xml version="1.0" encoding="utf-8"?>
+<p:sld xmlns:a="http://schemas.openxmlformats.org/drawingml/2006/main" xmlns:r="http://schemas.openxmlformats.org/officeDocument/2006/relationships" xmlns:p="http://schemas.openxmlformats.org/presentationml/2006/main">
+  <p:cSld>
+    <p:bg>
+      <p:bgPr>
+        <a:blipFill rotWithShape="1">
+          <a:blip r:embed="rId1"/>
+          <a:stretch>
+            <a:fillRect/>
+          </a:stretch>
+        </a:blipFill>
+        <a:effectLst/>
+      </p:bgPr>
+    </p:bg>
+    <p:spTree>
+      <p:nvGrpSpPr>
+        <p:cNvPr id="1" name=""/>
+        <p:cNvGrpSpPr/>
+        <p:nvPr/>
+      </p:nvGrpSpPr>
+      <p:grpSpPr/>
+    </p:spTree>
+    <p:custDataLst>
+      <p:tags r:id="rId2"/>
+    </p:custDataLst>
+  </p:cSld>
+  <p:clrMapOvr>
+    <a:masterClrMapping/>
+  </p:clrMapOvr>
+</p:sld>
+</file>
+
+<file path=ppt/slides/slide47.xml><?xml version="1.0" encoding="utf-8"?>
 <p:sld xmlns:a="http://schemas.openxmlformats.org/drawingml/2006/main" xmlns:r="http://schemas.openxmlformats.org/officeDocument/2006/relationships" xmlns:p="http://schemas.openxmlformats.org/presentationml/2006/main">
   <p:cSld>
     <p:bg>
@@ -20991,6 +21455,33 @@
 </file>
 
 <file path=ppt/tags/tag123.xml><?xml version="1.0" encoding="utf-8"?>
+<p:tagLst xmlns:p="http://schemas.openxmlformats.org/presentationml/2006/main">
+  <p:tag name="KSO_WM_BEAUTIFY_FLAG" val="#wm#"/>
+  <p:tag name="KSO_WM_TEMPLATE_CATEGORY" val="custom"/>
+  <p:tag name="KSO_WM_TEMPLATE_INDEX" val="20203858"/>
+  <p:tag name="KSO_WM_SPECIAL_SOURCE" val="bdnull"/>
+</p:tagLst>
+</file>
+
+<file path=ppt/tags/tag124.xml><?xml version="1.0" encoding="utf-8"?>
+<p:tagLst xmlns:p="http://schemas.openxmlformats.org/presentationml/2006/main">
+  <p:tag name="KSO_WM_BEAUTIFY_FLAG" val="#wm#"/>
+  <p:tag name="KSO_WM_TEMPLATE_CATEGORY" val="custom"/>
+  <p:tag name="KSO_WM_TEMPLATE_INDEX" val="20203858"/>
+  <p:tag name="KSO_WM_SPECIAL_SOURCE" val="bdnull"/>
+</p:tagLst>
+</file>
+
+<file path=ppt/tags/tag125.xml><?xml version="1.0" encoding="utf-8"?>
+<p:tagLst xmlns:p="http://schemas.openxmlformats.org/presentationml/2006/main">
+  <p:tag name="KSO_WM_BEAUTIFY_FLAG" val="#wm#"/>
+  <p:tag name="KSO_WM_TEMPLATE_CATEGORY" val="custom"/>
+  <p:tag name="KSO_WM_TEMPLATE_INDEX" val="20203858"/>
+  <p:tag name="KSO_WM_SPECIAL_SOURCE" val="bdnull"/>
+</p:tagLst>
+</file>
+
+<file path=ppt/tags/tag126.xml><?xml version="1.0" encoding="utf-8"?>
 <p:tagLst xmlns:p="http://schemas.openxmlformats.org/presentationml/2006/main">
   <p:tag name="KSO_WM_BEAUTIFY_FLAG" val="#wm#"/>
   <p:tag name="KSO_WM_TEMPLATE_CATEGORY" val="custom"/>
